--- a/SV/SV_Millikan.pptx
+++ b/SV/SV_Millikan.pptx
@@ -5,16 +5,17 @@
     <p:sldMasterId id="2147483664" r:id="rId1"/>
   </p:sldMasterIdLst>
   <p:notesMasterIdLst>
-    <p:notesMasterId r:id="rId9"/>
+    <p:notesMasterId r:id="rId10"/>
   </p:notesMasterIdLst>
   <p:sldIdLst>
     <p:sldId id="257" r:id="rId2"/>
     <p:sldId id="258" r:id="rId3"/>
     <p:sldId id="259" r:id="rId4"/>
-    <p:sldId id="262" r:id="rId5"/>
-    <p:sldId id="263" r:id="rId6"/>
-    <p:sldId id="264" r:id="rId7"/>
-    <p:sldId id="260" r:id="rId8"/>
+    <p:sldId id="265" r:id="rId5"/>
+    <p:sldId id="262" r:id="rId6"/>
+    <p:sldId id="263" r:id="rId7"/>
+    <p:sldId id="264" r:id="rId8"/>
+    <p:sldId id="260" r:id="rId9"/>
   </p:sldIdLst>
   <p:sldSz cx="9144000" cy="5143500" type="screen16x9"/>
   <p:notesSz cx="6858000" cy="9144000"/>
@@ -2521,8 +2522,8 @@
         </p:nvSpPr>
         <p:spPr bwMode="auto">
           <a:xfrm>
-            <a:off x="4923279" y="415243"/>
-            <a:ext cx="3960813" cy="230832"/>
+            <a:off x="4923279" y="184410"/>
+            <a:ext cx="3960813" cy="461665"/>
           </a:xfrm>
           <a:prstGeom prst="rect">
             <a:avLst/>
@@ -2653,6 +2654,22 @@
               </a:defRPr>
             </a:lvl9pPr>
           </a:lstStyle>
+          <a:p>
+            <a:pPr algn="r">
+              <a:defRPr/>
+            </a:pPr>
+            <a:r>
+              <a:rPr lang="nl-NL" altLang="de-DE" sz="1500" dirty="0">
+                <a:solidFill>
+                  <a:srgbClr val="565656"/>
+                </a:solidFill>
+                <a:latin typeface="Arial" panose="020B0604020202020204" pitchFamily="34" charset="0"/>
+                <a:ea typeface="Arial Unicode MS" pitchFamily="34" charset="-128"/>
+                <a:cs typeface="Arial" panose="020B0604020202020204" pitchFamily="34" charset="0"/>
+              </a:rPr>
+              <a:t>3. Semester</a:t>
+            </a:r>
+          </a:p>
           <a:p>
             <a:pPr algn="r">
               <a:defRPr/>
@@ -3904,36 +3921,615 @@
           </a:p>
         </p:txBody>
       </p:sp>
-      <p:sp>
-        <p:nvSpPr>
-          <p:cNvPr id="3" name="Textplatzhalter 2">
-            <a:extLst>
-              <a:ext uri="{FF2B5EF4-FFF2-40B4-BE49-F238E27FC236}">
-                <a16:creationId xmlns:a16="http://schemas.microsoft.com/office/drawing/2014/main" id="{DC1A2FAB-B52C-4122-9C7E-5084B98CD255}"/>
-              </a:ext>
-            </a:extLst>
-          </p:cNvPr>
-          <p:cNvSpPr>
-            <a:spLocks noGrp="1"/>
-          </p:cNvSpPr>
-          <p:nvPr>
-            <p:ph type="body" sz="quarter" idx="10"/>
-          </p:nvPr>
-        </p:nvSpPr>
-        <p:spPr>
-          <a:xfrm>
-            <a:off x="250825" y="1491630"/>
-            <a:ext cx="4321175" cy="3240087"/>
-          </a:xfrm>
-        </p:spPr>
-        <p:txBody>
-          <a:bodyPr/>
-          <a:lstStyle/>
-          <a:p>
-            <a:endParaRPr lang="en-US" dirty="0"/>
-          </a:p>
-        </p:txBody>
-      </p:sp>
+      <mc:AlternateContent xmlns:mc="http://schemas.openxmlformats.org/markup-compatibility/2006">
+        <mc:Choice xmlns:a14="http://schemas.microsoft.com/office/drawing/2010/main" Requires="a14">
+          <p:sp>
+            <p:nvSpPr>
+              <p:cNvPr id="3" name="Textplatzhalter 2">
+                <a:extLst>
+                  <a:ext uri="{FF2B5EF4-FFF2-40B4-BE49-F238E27FC236}">
+                    <a16:creationId xmlns:a16="http://schemas.microsoft.com/office/drawing/2014/main" id="{DC1A2FAB-B52C-4122-9C7E-5084B98CD255}"/>
+                  </a:ext>
+                </a:extLst>
+              </p:cNvPr>
+              <p:cNvSpPr>
+                <a:spLocks noGrp="1"/>
+              </p:cNvSpPr>
+              <p:nvPr>
+                <p:ph type="body" sz="quarter" idx="10"/>
+              </p:nvPr>
+            </p:nvSpPr>
+            <p:spPr>
+              <a:xfrm>
+                <a:off x="250825" y="1491630"/>
+                <a:ext cx="3601095" cy="2952327"/>
+              </a:xfrm>
+              <a:ln>
+                <a:solidFill>
+                  <a:schemeClr val="tx2">
+                    <a:lumMod val="60000"/>
+                    <a:lumOff val="40000"/>
+                  </a:schemeClr>
+                </a:solidFill>
+              </a:ln>
+            </p:spPr>
+            <p:txBody>
+              <a:bodyPr/>
+              <a:lstStyle/>
+              <a:p>
+                <a14:m>
+                  <m:oMath xmlns:m="http://schemas.openxmlformats.org/officeDocument/2006/math">
+                    <m:sSub>
+                      <m:sSubPr>
+                        <m:ctrlPr>
+                          <a:rPr lang="de-DE" b="0" i="1" smtClean="0">
+                            <a:latin typeface="Cambria Math" panose="02040503050406030204" pitchFamily="18" charset="0"/>
+                          </a:rPr>
+                        </m:ctrlPr>
+                      </m:sSubPr>
+                      <m:e>
+                        <m:r>
+                          <a:rPr lang="de-DE" b="0" i="1" smtClean="0">
+                            <a:latin typeface="Cambria Math" panose="02040503050406030204" pitchFamily="18" charset="0"/>
+                          </a:rPr>
+                          <m:t>𝐹</m:t>
+                        </m:r>
+                      </m:e>
+                      <m:sub>
+                        <m:r>
+                          <a:rPr lang="de-DE" b="0" i="1" smtClean="0">
+                            <a:latin typeface="Cambria Math" panose="02040503050406030204" pitchFamily="18" charset="0"/>
+                          </a:rPr>
+                          <m:t>𝑔</m:t>
+                        </m:r>
+                      </m:sub>
+                    </m:sSub>
+                    <m:r>
+                      <a:rPr lang="de-DE" b="0" i="1" smtClean="0">
+                        <a:latin typeface="Cambria Math" panose="02040503050406030204" pitchFamily="18" charset="0"/>
+                      </a:rPr>
+                      <m:t>=</m:t>
+                    </m:r>
+                    <m:f>
+                      <m:fPr>
+                        <m:ctrlPr>
+                          <a:rPr lang="de-DE" b="0" i="1" smtClean="0">
+                            <a:latin typeface="Cambria Math" panose="02040503050406030204" pitchFamily="18" charset="0"/>
+                          </a:rPr>
+                        </m:ctrlPr>
+                      </m:fPr>
+                      <m:num>
+                        <m:r>
+                          <a:rPr lang="de-DE" b="0" i="1" smtClean="0">
+                            <a:latin typeface="Cambria Math" panose="02040503050406030204" pitchFamily="18" charset="0"/>
+                          </a:rPr>
+                          <m:t>4</m:t>
+                        </m:r>
+                      </m:num>
+                      <m:den>
+                        <m:r>
+                          <a:rPr lang="de-DE" b="0" i="1" smtClean="0">
+                            <a:latin typeface="Cambria Math" panose="02040503050406030204" pitchFamily="18" charset="0"/>
+                          </a:rPr>
+                          <m:t>3</m:t>
+                        </m:r>
+                      </m:den>
+                    </m:f>
+                    <m:r>
+                      <a:rPr lang="de-DE" b="0" i="1" smtClean="0">
+                        <a:latin typeface="Cambria Math" panose="02040503050406030204" pitchFamily="18" charset="0"/>
+                      </a:rPr>
+                      <m:t>𝜋</m:t>
+                    </m:r>
+                    <m:sSup>
+                      <m:sSupPr>
+                        <m:ctrlPr>
+                          <a:rPr lang="de-DE" b="0" i="1" smtClean="0">
+                            <a:latin typeface="Cambria Math" panose="02040503050406030204" pitchFamily="18" charset="0"/>
+                          </a:rPr>
+                        </m:ctrlPr>
+                      </m:sSupPr>
+                      <m:e>
+                        <m:r>
+                          <a:rPr lang="de-DE" b="0" i="1" smtClean="0">
+                            <a:latin typeface="Cambria Math" panose="02040503050406030204" pitchFamily="18" charset="0"/>
+                          </a:rPr>
+                          <m:t>𝑟</m:t>
+                        </m:r>
+                      </m:e>
+                      <m:sup>
+                        <m:r>
+                          <a:rPr lang="de-DE" b="0" i="1" smtClean="0">
+                            <a:latin typeface="Cambria Math" panose="02040503050406030204" pitchFamily="18" charset="0"/>
+                          </a:rPr>
+                          <m:t>3</m:t>
+                        </m:r>
+                      </m:sup>
+                    </m:sSup>
+                    <m:r>
+                      <a:rPr lang="de-DE" b="0" i="1" smtClean="0">
+                        <a:latin typeface="Cambria Math" panose="02040503050406030204" pitchFamily="18" charset="0"/>
+                      </a:rPr>
+                      <m:t>𝑔</m:t>
+                    </m:r>
+                    <m:r>
+                      <a:rPr lang="de-DE" b="0" i="1" smtClean="0">
+                        <a:latin typeface="Cambria Math" panose="02040503050406030204" pitchFamily="18" charset="0"/>
+                      </a:rPr>
+                      <m:t>(</m:t>
+                    </m:r>
+                    <m:r>
+                      <a:rPr lang="de-DE" b="0" i="1" smtClean="0">
+                        <a:latin typeface="Cambria Math" panose="02040503050406030204" pitchFamily="18" charset="0"/>
+                      </a:rPr>
+                      <m:t>𝜌</m:t>
+                    </m:r>
+                    <m:r>
+                      <a:rPr lang="de-DE" b="0" i="1" smtClean="0">
+                        <a:latin typeface="Cambria Math" panose="02040503050406030204" pitchFamily="18" charset="0"/>
+                      </a:rPr>
+                      <m:t>−</m:t>
+                    </m:r>
+                    <m:sSub>
+                      <m:sSubPr>
+                        <m:ctrlPr>
+                          <a:rPr lang="de-DE" b="0" i="1" smtClean="0">
+                            <a:latin typeface="Cambria Math" panose="02040503050406030204" pitchFamily="18" charset="0"/>
+                          </a:rPr>
+                        </m:ctrlPr>
+                      </m:sSubPr>
+                      <m:e>
+                        <m:r>
+                          <a:rPr lang="de-DE" b="0" i="1" smtClean="0">
+                            <a:latin typeface="Cambria Math" panose="02040503050406030204" pitchFamily="18" charset="0"/>
+                          </a:rPr>
+                          <m:t>𝜌</m:t>
+                        </m:r>
+                      </m:e>
+                      <m:sub>
+                        <m:r>
+                          <a:rPr lang="de-DE" b="0" i="1" smtClean="0">
+                            <a:latin typeface="Cambria Math" panose="02040503050406030204" pitchFamily="18" charset="0"/>
+                          </a:rPr>
+                          <m:t>𝐿𝑢𝑓𝑡</m:t>
+                        </m:r>
+                      </m:sub>
+                    </m:sSub>
+                    <m:r>
+                      <a:rPr lang="de-DE" b="0" i="1" smtClean="0">
+                        <a:latin typeface="Cambria Math" panose="02040503050406030204" pitchFamily="18" charset="0"/>
+                      </a:rPr>
+                      <m:t>)</m:t>
+                    </m:r>
+                  </m:oMath>
+                </a14:m>
+                <a:endParaRPr lang="en-US" dirty="0"/>
+              </a:p>
+              <a:p>
+                <a14:m>
+                  <m:oMath xmlns:m="http://schemas.openxmlformats.org/officeDocument/2006/math">
+                    <m:sSub>
+                      <m:sSubPr>
+                        <m:ctrlPr>
+                          <a:rPr lang="de-DE" b="0" i="1" smtClean="0">
+                            <a:latin typeface="Cambria Math" panose="02040503050406030204" pitchFamily="18" charset="0"/>
+                          </a:rPr>
+                        </m:ctrlPr>
+                      </m:sSubPr>
+                      <m:e>
+                        <m:r>
+                          <a:rPr lang="de-DE" b="0" i="1" smtClean="0">
+                            <a:latin typeface="Cambria Math" panose="02040503050406030204" pitchFamily="18" charset="0"/>
+                          </a:rPr>
+                          <m:t>𝐹</m:t>
+                        </m:r>
+                      </m:e>
+                      <m:sub>
+                        <m:r>
+                          <a:rPr lang="de-DE" b="0" i="1" smtClean="0">
+                            <a:latin typeface="Cambria Math" panose="02040503050406030204" pitchFamily="18" charset="0"/>
+                          </a:rPr>
+                          <m:t>𝑉</m:t>
+                        </m:r>
+                      </m:sub>
+                    </m:sSub>
+                    <m:r>
+                      <a:rPr lang="de-DE" b="0" i="1" smtClean="0">
+                        <a:latin typeface="Cambria Math" panose="02040503050406030204" pitchFamily="18" charset="0"/>
+                      </a:rPr>
+                      <m:t>=6</m:t>
+                    </m:r>
+                    <m:r>
+                      <a:rPr lang="de-DE" b="0" i="1" smtClean="0">
+                        <a:latin typeface="Cambria Math" panose="02040503050406030204" pitchFamily="18" charset="0"/>
+                      </a:rPr>
+                      <m:t>𝜋𝜂</m:t>
+                    </m:r>
+                    <m:r>
+                      <a:rPr lang="de-DE" b="0" i="1" smtClean="0">
+                        <a:latin typeface="Cambria Math" panose="02040503050406030204" pitchFamily="18" charset="0"/>
+                      </a:rPr>
+                      <m:t>𝑟</m:t>
+                    </m:r>
+                    <m:sSub>
+                      <m:sSubPr>
+                        <m:ctrlPr>
+                          <a:rPr lang="de-DE" b="0" i="1" smtClean="0">
+                            <a:latin typeface="Cambria Math" panose="02040503050406030204" pitchFamily="18" charset="0"/>
+                          </a:rPr>
+                        </m:ctrlPr>
+                      </m:sSubPr>
+                      <m:e>
+                        <m:r>
+                          <a:rPr lang="de-DE" b="0" i="1" smtClean="0">
+                            <a:latin typeface="Cambria Math" panose="02040503050406030204" pitchFamily="18" charset="0"/>
+                          </a:rPr>
+                          <m:t>𝜈</m:t>
+                        </m:r>
+                      </m:e>
+                      <m:sub>
+                        <m:r>
+                          <a:rPr lang="de-DE" b="0" i="1" smtClean="0">
+                            <a:latin typeface="Cambria Math" panose="02040503050406030204" pitchFamily="18" charset="0"/>
+                          </a:rPr>
+                          <m:t>𝑓</m:t>
+                        </m:r>
+                        <m:r>
+                          <a:rPr lang="de-DE" b="0" i="1" smtClean="0">
+                            <a:latin typeface="Cambria Math" panose="02040503050406030204" pitchFamily="18" charset="0"/>
+                          </a:rPr>
+                          <m:t>,</m:t>
+                        </m:r>
+                        <m:r>
+                          <a:rPr lang="de-DE" b="0" i="1" smtClean="0">
+                            <a:latin typeface="Cambria Math" panose="02040503050406030204" pitchFamily="18" charset="0"/>
+                          </a:rPr>
+                          <m:t>𝑠</m:t>
+                        </m:r>
+                      </m:sub>
+                    </m:sSub>
+                    <m:r>
+                      <a:rPr lang="de-DE" b="0" i="1" smtClean="0">
+                        <a:latin typeface="Cambria Math" panose="02040503050406030204" pitchFamily="18" charset="0"/>
+                      </a:rPr>
+                      <m:t> </m:t>
+                    </m:r>
+                  </m:oMath>
+                </a14:m>
+                <a:endParaRPr lang="en-US" dirty="0"/>
+              </a:p>
+              <a:p>
+                <a14:m>
+                  <m:oMath xmlns:m="http://schemas.openxmlformats.org/officeDocument/2006/math">
+                    <m:sSub>
+                      <m:sSubPr>
+                        <m:ctrlPr>
+                          <a:rPr lang="de-DE" b="0" i="1" smtClean="0">
+                            <a:latin typeface="Cambria Math" panose="02040503050406030204" pitchFamily="18" charset="0"/>
+                          </a:rPr>
+                        </m:ctrlPr>
+                      </m:sSubPr>
+                      <m:e>
+                        <m:r>
+                          <a:rPr lang="de-DE" b="0" i="1" smtClean="0">
+                            <a:latin typeface="Cambria Math" panose="02040503050406030204" pitchFamily="18" charset="0"/>
+                          </a:rPr>
+                          <m:t>𝐹</m:t>
+                        </m:r>
+                      </m:e>
+                      <m:sub>
+                        <m:r>
+                          <a:rPr lang="de-DE" b="0" i="1" smtClean="0">
+                            <a:latin typeface="Cambria Math" panose="02040503050406030204" pitchFamily="18" charset="0"/>
+                          </a:rPr>
+                          <m:t>𝐸</m:t>
+                        </m:r>
+                      </m:sub>
+                    </m:sSub>
+                    <m:r>
+                      <a:rPr lang="de-DE" b="0" i="1" smtClean="0">
+                        <a:latin typeface="Cambria Math" panose="02040503050406030204" pitchFamily="18" charset="0"/>
+                      </a:rPr>
+                      <m:t>=</m:t>
+                    </m:r>
+                    <m:r>
+                      <a:rPr lang="de-DE" b="0" i="1" smtClean="0">
+                        <a:latin typeface="Cambria Math" panose="02040503050406030204" pitchFamily="18" charset="0"/>
+                      </a:rPr>
+                      <m:t>𝑞𝐸</m:t>
+                    </m:r>
+                    <m:r>
+                      <a:rPr lang="de-DE" b="0" i="1" smtClean="0">
+                        <a:latin typeface="Cambria Math" panose="02040503050406030204" pitchFamily="18" charset="0"/>
+                      </a:rPr>
+                      <m:t>    </m:t>
+                    </m:r>
+                    <m:r>
+                      <a:rPr lang="de-DE" b="0" i="1" smtClean="0">
+                        <a:latin typeface="Cambria Math" panose="02040503050406030204" pitchFamily="18" charset="0"/>
+                      </a:rPr>
+                      <m:t>𝑚𝑖𝑡</m:t>
+                    </m:r>
+                    <m:r>
+                      <a:rPr lang="de-DE" b="0" i="1" smtClean="0">
+                        <a:latin typeface="Cambria Math" panose="02040503050406030204" pitchFamily="18" charset="0"/>
+                      </a:rPr>
+                      <m:t>    </m:t>
+                    </m:r>
+                    <m:r>
+                      <a:rPr lang="de-DE" b="0" i="1" smtClean="0">
+                        <a:latin typeface="Cambria Math" panose="02040503050406030204" pitchFamily="18" charset="0"/>
+                      </a:rPr>
+                      <m:t>𝐸</m:t>
+                    </m:r>
+                    <m:r>
+                      <a:rPr lang="de-DE" b="0" i="1" smtClean="0">
+                        <a:latin typeface="Cambria Math" panose="02040503050406030204" pitchFamily="18" charset="0"/>
+                      </a:rPr>
+                      <m:t>=</m:t>
+                    </m:r>
+                    <m:f>
+                      <m:fPr>
+                        <m:ctrlPr>
+                          <a:rPr lang="de-DE" b="0" i="1" smtClean="0">
+                            <a:latin typeface="Cambria Math" panose="02040503050406030204" pitchFamily="18" charset="0"/>
+                          </a:rPr>
+                        </m:ctrlPr>
+                      </m:fPr>
+                      <m:num>
+                        <m:r>
+                          <a:rPr lang="de-DE" b="0" i="1" smtClean="0">
+                            <a:latin typeface="Cambria Math" panose="02040503050406030204" pitchFamily="18" charset="0"/>
+                          </a:rPr>
+                          <m:t>𝑈</m:t>
+                        </m:r>
+                      </m:num>
+                      <m:den>
+                        <m:r>
+                          <a:rPr lang="de-DE" b="0" i="1" smtClean="0">
+                            <a:latin typeface="Cambria Math" panose="02040503050406030204" pitchFamily="18" charset="0"/>
+                          </a:rPr>
+                          <m:t>𝑑</m:t>
+                        </m:r>
+                      </m:den>
+                    </m:f>
+                  </m:oMath>
+                </a14:m>
+                <a:endParaRPr lang="de-DE" b="0" i="1" dirty="0">
+                  <a:latin typeface="Cambria Math" panose="02040503050406030204" pitchFamily="18" charset="0"/>
+                </a:endParaRPr>
+              </a:p>
+              <a:p>
+                <a14:m>
+                  <m:oMath xmlns:m="http://schemas.openxmlformats.org/officeDocument/2006/math">
+                    <m:sSub>
+                      <m:sSubPr>
+                        <m:ctrlPr>
+                          <a:rPr lang="de-DE" i="1">
+                            <a:latin typeface="Cambria Math" panose="02040503050406030204" pitchFamily="18" charset="0"/>
+                          </a:rPr>
+                        </m:ctrlPr>
+                      </m:sSubPr>
+                      <m:e>
+                        <m:r>
+                          <a:rPr lang="de-DE" i="1">
+                            <a:latin typeface="Cambria Math" panose="02040503050406030204" pitchFamily="18" charset="0"/>
+                          </a:rPr>
+                          <m:t>𝑟</m:t>
+                        </m:r>
+                      </m:e>
+                      <m:sub>
+                        <m:r>
+                          <a:rPr lang="de-DE" i="1">
+                            <a:latin typeface="Cambria Math" panose="02040503050406030204" pitchFamily="18" charset="0"/>
+                          </a:rPr>
+                          <m:t>Ö</m:t>
+                        </m:r>
+                        <m:r>
+                          <a:rPr lang="de-DE" i="1">
+                            <a:latin typeface="Cambria Math" panose="02040503050406030204" pitchFamily="18" charset="0"/>
+                          </a:rPr>
+                          <m:t>𝑙</m:t>
+                        </m:r>
+                      </m:sub>
+                    </m:sSub>
+                    <m:r>
+                      <a:rPr lang="de-DE" i="1">
+                        <a:latin typeface="Cambria Math" panose="02040503050406030204" pitchFamily="18" charset="0"/>
+                      </a:rPr>
+                      <m:t>=</m:t>
+                    </m:r>
+                    <m:rad>
+                      <m:radPr>
+                        <m:degHide m:val="on"/>
+                        <m:ctrlPr>
+                          <a:rPr lang="de-DE" i="1">
+                            <a:latin typeface="Cambria Math" panose="02040503050406030204" pitchFamily="18" charset="0"/>
+                          </a:rPr>
+                        </m:ctrlPr>
+                      </m:radPr>
+                      <m:deg/>
+                      <m:e>
+                        <m:f>
+                          <m:fPr>
+                            <m:ctrlPr>
+                              <a:rPr lang="de-DE" i="1">
+                                <a:latin typeface="Cambria Math" panose="02040503050406030204" pitchFamily="18" charset="0"/>
+                              </a:rPr>
+                            </m:ctrlPr>
+                          </m:fPr>
+                          <m:num>
+                            <m:r>
+                              <a:rPr lang="de-DE" i="1">
+                                <a:latin typeface="Cambria Math" panose="02040503050406030204" pitchFamily="18" charset="0"/>
+                              </a:rPr>
+                              <m:t>9</m:t>
+                            </m:r>
+                            <m:r>
+                              <a:rPr lang="de-DE" i="1">
+                                <a:latin typeface="Cambria Math" panose="02040503050406030204" pitchFamily="18" charset="0"/>
+                              </a:rPr>
+                              <m:t>𝜂</m:t>
+                            </m:r>
+                            <m:sSub>
+                              <m:sSubPr>
+                                <m:ctrlPr>
+                                  <a:rPr lang="de-DE" i="1">
+                                    <a:latin typeface="Cambria Math" panose="02040503050406030204" pitchFamily="18" charset="0"/>
+                                  </a:rPr>
+                                </m:ctrlPr>
+                              </m:sSubPr>
+                              <m:e>
+                                <m:r>
+                                  <a:rPr lang="de-DE" i="1">
+                                    <a:latin typeface="Cambria Math" panose="02040503050406030204" pitchFamily="18" charset="0"/>
+                                  </a:rPr>
+                                  <m:t>𝜈</m:t>
+                                </m:r>
+                              </m:e>
+                              <m:sub>
+                                <m:r>
+                                  <a:rPr lang="de-DE" i="1">
+                                    <a:latin typeface="Cambria Math" panose="02040503050406030204" pitchFamily="18" charset="0"/>
+                                  </a:rPr>
+                                  <m:t>𝑡</m:t>
+                                </m:r>
+                              </m:sub>
+                            </m:sSub>
+                          </m:num>
+                          <m:den>
+                            <m:r>
+                              <a:rPr lang="de-DE" i="1">
+                                <a:latin typeface="Cambria Math" panose="02040503050406030204" pitchFamily="18" charset="0"/>
+                              </a:rPr>
+                              <m:t>2</m:t>
+                            </m:r>
+                            <m:r>
+                              <a:rPr lang="de-DE" i="1">
+                                <a:latin typeface="Cambria Math" panose="02040503050406030204" pitchFamily="18" charset="0"/>
+                              </a:rPr>
+                              <m:t>𝜋</m:t>
+                            </m:r>
+                            <m:r>
+                              <a:rPr lang="de-DE" i="1">
+                                <a:latin typeface="Cambria Math" panose="02040503050406030204" pitchFamily="18" charset="0"/>
+                              </a:rPr>
+                              <m:t>𝑔</m:t>
+                            </m:r>
+                            <m:d>
+                              <m:dPr>
+                                <m:ctrlPr>
+                                  <a:rPr lang="de-DE" i="1">
+                                    <a:latin typeface="Cambria Math" panose="02040503050406030204" pitchFamily="18" charset="0"/>
+                                  </a:rPr>
+                                </m:ctrlPr>
+                              </m:dPr>
+                              <m:e>
+                                <m:r>
+                                  <a:rPr lang="de-DE" i="1">
+                                    <a:latin typeface="Cambria Math" panose="02040503050406030204" pitchFamily="18" charset="0"/>
+                                  </a:rPr>
+                                  <m:t>𝜌</m:t>
+                                </m:r>
+                                <m:r>
+                                  <a:rPr lang="de-DE" i="1">
+                                    <a:latin typeface="Cambria Math" panose="02040503050406030204" pitchFamily="18" charset="0"/>
+                                  </a:rPr>
+                                  <m:t>−</m:t>
+                                </m:r>
+                                <m:sSub>
+                                  <m:sSubPr>
+                                    <m:ctrlPr>
+                                      <a:rPr lang="de-DE" i="1">
+                                        <a:latin typeface="Cambria Math" panose="02040503050406030204" pitchFamily="18" charset="0"/>
+                                      </a:rPr>
+                                    </m:ctrlPr>
+                                  </m:sSubPr>
+                                  <m:e>
+                                    <m:r>
+                                      <a:rPr lang="de-DE" i="1">
+                                        <a:latin typeface="Cambria Math" panose="02040503050406030204" pitchFamily="18" charset="0"/>
+                                      </a:rPr>
+                                      <m:t>𝜌</m:t>
+                                    </m:r>
+                                  </m:e>
+                                  <m:sub>
+                                    <m:r>
+                                      <a:rPr lang="de-DE" i="1">
+                                        <a:latin typeface="Cambria Math" panose="02040503050406030204" pitchFamily="18" charset="0"/>
+                                      </a:rPr>
+                                      <m:t>𝐿𝑢𝑓𝑡</m:t>
+                                    </m:r>
+                                  </m:sub>
+                                </m:sSub>
+                              </m:e>
+                            </m:d>
+                          </m:den>
+                        </m:f>
+                      </m:e>
+                    </m:rad>
+                  </m:oMath>
+                </a14:m>
+                <a:endParaRPr lang="de-DE" b="0" dirty="0"/>
+              </a:p>
+              <a:p>
+                <a:endParaRPr lang="de-DE" b="0" dirty="0"/>
+              </a:p>
+            </p:txBody>
+          </p:sp>
+        </mc:Choice>
+        <mc:Fallback>
+          <p:sp>
+            <p:nvSpPr>
+              <p:cNvPr id="3" name="Textplatzhalter 2">
+                <a:extLst>
+                  <a:ext uri="{FF2B5EF4-FFF2-40B4-BE49-F238E27FC236}">
+                    <a16:creationId xmlns:a16="http://schemas.microsoft.com/office/drawing/2014/main" id="{DC1A2FAB-B52C-4122-9C7E-5084B98CD255}"/>
+                  </a:ext>
+                </a:extLst>
+              </p:cNvPr>
+              <p:cNvSpPr>
+                <a:spLocks noGrp="1" noRot="1" noChangeAspect="1" noMove="1" noResize="1" noEditPoints="1" noAdjustHandles="1" noChangeArrowheads="1" noChangeShapeType="1" noTextEdit="1"/>
+              </p:cNvSpPr>
+              <p:nvPr>
+                <p:ph type="body" sz="quarter" idx="10"/>
+              </p:nvPr>
+            </p:nvSpPr>
+            <p:spPr>
+              <a:xfrm>
+                <a:off x="250825" y="1491630"/>
+                <a:ext cx="3601095" cy="2952327"/>
+              </a:xfrm>
+              <a:blipFill>
+                <a:blip r:embed="rId2"/>
+                <a:stretch>
+                  <a:fillRect l="-2024"/>
+                </a:stretch>
+              </a:blipFill>
+              <a:ln>
+                <a:solidFill>
+                  <a:schemeClr val="tx2">
+                    <a:lumMod val="60000"/>
+                    <a:lumOff val="40000"/>
+                  </a:schemeClr>
+                </a:solidFill>
+              </a:ln>
+            </p:spPr>
+            <p:txBody>
+              <a:bodyPr/>
+              <a:lstStyle/>
+              <a:p>
+                <a:r>
+                  <a:rPr lang="en-US">
+                    <a:noFill/>
+                  </a:rPr>
+                  <a:t> </a:t>
+                </a:r>
+              </a:p>
+            </p:txBody>
+          </p:sp>
+        </mc:Fallback>
+      </mc:AlternateContent>
       <p:sp>
         <p:nvSpPr>
           <p:cNvPr id="4" name="Foliennummernplatzhalter 3">
@@ -3964,6 +4560,654 @@
           </a:p>
         </p:txBody>
       </p:sp>
+      <mc:AlternateContent xmlns:mc="http://schemas.openxmlformats.org/markup-compatibility/2006">
+        <mc:Choice xmlns:a14="http://schemas.microsoft.com/office/drawing/2010/main" Requires="a14">
+          <p:sp>
+            <p:nvSpPr>
+              <p:cNvPr id="6" name="Textplatzhalter 2">
+                <a:extLst>
+                  <a:ext uri="{FF2B5EF4-FFF2-40B4-BE49-F238E27FC236}">
+                    <a16:creationId xmlns:a16="http://schemas.microsoft.com/office/drawing/2014/main" id="{E97942F1-E95D-497A-A947-B934206027C4}"/>
+                  </a:ext>
+                </a:extLst>
+              </p:cNvPr>
+              <p:cNvSpPr txBox="1">
+                <a:spLocks/>
+              </p:cNvSpPr>
+              <p:nvPr/>
+            </p:nvSpPr>
+            <p:spPr>
+              <a:xfrm>
+                <a:off x="4572000" y="1491629"/>
+                <a:ext cx="3601095" cy="2952327"/>
+              </a:xfrm>
+              <a:prstGeom prst="rect">
+                <a:avLst/>
+              </a:prstGeom>
+              <a:ln>
+                <a:solidFill>
+                  <a:schemeClr val="tx2">
+                    <a:lumMod val="60000"/>
+                    <a:lumOff val="40000"/>
+                  </a:schemeClr>
+                </a:solidFill>
+              </a:ln>
+            </p:spPr>
+            <p:txBody>
+              <a:bodyPr/>
+              <a:lstStyle>
+                <a:lvl1pPr marL="342900" indent="-342900" algn="l" defTabSz="914400" rtl="0" eaLnBrk="1" latinLnBrk="0" hangingPunct="1">
+                  <a:spcBef>
+                    <a:spcPct val="20000"/>
+                  </a:spcBef>
+                  <a:buClr>
+                    <a:srgbClr val="84B818"/>
+                  </a:buClr>
+                  <a:buFont typeface="Arial" panose="020B0604020202020204" pitchFamily="34" charset="0"/>
+                  <a:buChar char="•"/>
+                  <a:defRPr sz="2400" kern="1200">
+                    <a:solidFill>
+                      <a:srgbClr val="565656"/>
+                    </a:solidFill>
+                    <a:latin typeface="Arial" panose="020B0604020202020204" pitchFamily="34" charset="0"/>
+                    <a:ea typeface="+mn-ea"/>
+                    <a:cs typeface="Arial" panose="020B0604020202020204" pitchFamily="34" charset="0"/>
+                  </a:defRPr>
+                </a:lvl1pPr>
+                <a:lvl2pPr marL="742950" indent="-285750" algn="l" defTabSz="914400" rtl="0" eaLnBrk="1" latinLnBrk="0" hangingPunct="1">
+                  <a:spcBef>
+                    <a:spcPct val="20000"/>
+                  </a:spcBef>
+                  <a:buFont typeface="Arial" panose="020B0604020202020204" pitchFamily="34" charset="0"/>
+                  <a:buChar char="–"/>
+                  <a:defRPr sz="2800" kern="1200">
+                    <a:solidFill>
+                      <a:schemeClr val="tx1"/>
+                    </a:solidFill>
+                    <a:latin typeface="+mn-lt"/>
+                    <a:ea typeface="+mn-ea"/>
+                    <a:cs typeface="+mn-cs"/>
+                  </a:defRPr>
+                </a:lvl2pPr>
+                <a:lvl3pPr marL="1143000" indent="-228600" algn="l" defTabSz="914400" rtl="0" eaLnBrk="1" latinLnBrk="0" hangingPunct="1">
+                  <a:spcBef>
+                    <a:spcPct val="20000"/>
+                  </a:spcBef>
+                  <a:buFont typeface="Arial" panose="020B0604020202020204" pitchFamily="34" charset="0"/>
+                  <a:buChar char="•"/>
+                  <a:defRPr sz="2400" kern="1200">
+                    <a:solidFill>
+                      <a:schemeClr val="tx1"/>
+                    </a:solidFill>
+                    <a:latin typeface="+mn-lt"/>
+                    <a:ea typeface="+mn-ea"/>
+                    <a:cs typeface="+mn-cs"/>
+                  </a:defRPr>
+                </a:lvl3pPr>
+                <a:lvl4pPr marL="1600200" indent="-228600" algn="l" defTabSz="914400" rtl="0" eaLnBrk="1" latinLnBrk="0" hangingPunct="1">
+                  <a:spcBef>
+                    <a:spcPct val="20000"/>
+                  </a:spcBef>
+                  <a:buFont typeface="Arial" panose="020B0604020202020204" pitchFamily="34" charset="0"/>
+                  <a:buChar char="–"/>
+                  <a:defRPr sz="2000" kern="1200">
+                    <a:solidFill>
+                      <a:schemeClr val="tx1"/>
+                    </a:solidFill>
+                    <a:latin typeface="+mn-lt"/>
+                    <a:ea typeface="+mn-ea"/>
+                    <a:cs typeface="+mn-cs"/>
+                  </a:defRPr>
+                </a:lvl4pPr>
+                <a:lvl5pPr marL="2057400" indent="-228600" algn="l" defTabSz="914400" rtl="0" eaLnBrk="1" latinLnBrk="0" hangingPunct="1">
+                  <a:spcBef>
+                    <a:spcPct val="20000"/>
+                  </a:spcBef>
+                  <a:buFont typeface="Arial" panose="020B0604020202020204" pitchFamily="34" charset="0"/>
+                  <a:buChar char="»"/>
+                  <a:defRPr sz="2000" kern="1200">
+                    <a:solidFill>
+                      <a:schemeClr val="tx1"/>
+                    </a:solidFill>
+                    <a:latin typeface="+mn-lt"/>
+                    <a:ea typeface="+mn-ea"/>
+                    <a:cs typeface="+mn-cs"/>
+                  </a:defRPr>
+                </a:lvl5pPr>
+                <a:lvl6pPr marL="2514600" indent="-228600" algn="l" defTabSz="914400" rtl="0" eaLnBrk="1" latinLnBrk="0" hangingPunct="1">
+                  <a:spcBef>
+                    <a:spcPct val="20000"/>
+                  </a:spcBef>
+                  <a:buFont typeface="Arial" panose="020B0604020202020204" pitchFamily="34" charset="0"/>
+                  <a:buChar char="•"/>
+                  <a:defRPr sz="2000" kern="1200">
+                    <a:solidFill>
+                      <a:schemeClr val="tx1"/>
+                    </a:solidFill>
+                    <a:latin typeface="+mn-lt"/>
+                    <a:ea typeface="+mn-ea"/>
+                    <a:cs typeface="+mn-cs"/>
+                  </a:defRPr>
+                </a:lvl6pPr>
+                <a:lvl7pPr marL="2971800" indent="-228600" algn="l" defTabSz="914400" rtl="0" eaLnBrk="1" latinLnBrk="0" hangingPunct="1">
+                  <a:spcBef>
+                    <a:spcPct val="20000"/>
+                  </a:spcBef>
+                  <a:buFont typeface="Arial" panose="020B0604020202020204" pitchFamily="34" charset="0"/>
+                  <a:buChar char="•"/>
+                  <a:defRPr sz="2000" kern="1200">
+                    <a:solidFill>
+                      <a:schemeClr val="tx1"/>
+                    </a:solidFill>
+                    <a:latin typeface="+mn-lt"/>
+                    <a:ea typeface="+mn-ea"/>
+                    <a:cs typeface="+mn-cs"/>
+                  </a:defRPr>
+                </a:lvl7pPr>
+                <a:lvl8pPr marL="3429000" indent="-228600" algn="l" defTabSz="914400" rtl="0" eaLnBrk="1" latinLnBrk="0" hangingPunct="1">
+                  <a:spcBef>
+                    <a:spcPct val="20000"/>
+                  </a:spcBef>
+                  <a:buFont typeface="Arial" panose="020B0604020202020204" pitchFamily="34" charset="0"/>
+                  <a:buChar char="•"/>
+                  <a:defRPr sz="2000" kern="1200">
+                    <a:solidFill>
+                      <a:schemeClr val="tx1"/>
+                    </a:solidFill>
+                    <a:latin typeface="+mn-lt"/>
+                    <a:ea typeface="+mn-ea"/>
+                    <a:cs typeface="+mn-cs"/>
+                  </a:defRPr>
+                </a:lvl8pPr>
+                <a:lvl9pPr marL="3886200" indent="-228600" algn="l" defTabSz="914400" rtl="0" eaLnBrk="1" latinLnBrk="0" hangingPunct="1">
+                  <a:spcBef>
+                    <a:spcPct val="20000"/>
+                  </a:spcBef>
+                  <a:buFont typeface="Arial" panose="020B0604020202020204" pitchFamily="34" charset="0"/>
+                  <a:buChar char="•"/>
+                  <a:defRPr sz="2000" kern="1200">
+                    <a:solidFill>
+                      <a:schemeClr val="tx1"/>
+                    </a:solidFill>
+                    <a:latin typeface="+mn-lt"/>
+                    <a:ea typeface="+mn-ea"/>
+                    <a:cs typeface="+mn-cs"/>
+                  </a:defRPr>
+                </a:lvl9pPr>
+              </a:lstStyle>
+              <a:p>
+                <a:pPr marL="0" indent="0">
+                  <a:buNone/>
+                </a:pPr>
+                <a:r>
+                  <a:rPr lang="de-DE" sz="1600" dirty="0">
+                    <a:latin typeface="Cambria Math" panose="02040503050406030204" pitchFamily="18" charset="0"/>
+                  </a:rPr>
+                  <a:t>Schwebender Tropfen</a:t>
+                </a:r>
+                <a:endParaRPr lang="de-DE" sz="1400" b="0" dirty="0">
+                  <a:latin typeface="Cambria Math" panose="02040503050406030204" pitchFamily="18" charset="0"/>
+                </a:endParaRPr>
+              </a:p>
+              <a:p>
+                <a14:m>
+                  <m:oMath xmlns:m="http://schemas.openxmlformats.org/officeDocument/2006/math">
+                    <m:sSub>
+                      <m:sSubPr>
+                        <m:ctrlPr>
+                          <a:rPr lang="de-DE" b="0" i="1" smtClean="0">
+                            <a:latin typeface="Cambria Math" panose="02040503050406030204" pitchFamily="18" charset="0"/>
+                          </a:rPr>
+                        </m:ctrlPr>
+                      </m:sSubPr>
+                      <m:e>
+                        <m:r>
+                          <a:rPr lang="de-DE" b="0" i="1" smtClean="0">
+                            <a:latin typeface="Cambria Math" panose="02040503050406030204" pitchFamily="18" charset="0"/>
+                          </a:rPr>
+                          <m:t>𝐹</m:t>
+                        </m:r>
+                      </m:e>
+                      <m:sub>
+                        <m:r>
+                          <a:rPr lang="de-DE" b="0" i="1" smtClean="0">
+                            <a:latin typeface="Cambria Math" panose="02040503050406030204" pitchFamily="18" charset="0"/>
+                          </a:rPr>
+                          <m:t>𝐸</m:t>
+                        </m:r>
+                      </m:sub>
+                    </m:sSub>
+                    <m:r>
+                      <a:rPr lang="de-DE" b="0" i="1" smtClean="0">
+                        <a:latin typeface="Cambria Math" panose="02040503050406030204" pitchFamily="18" charset="0"/>
+                      </a:rPr>
+                      <m:t>=</m:t>
+                    </m:r>
+                    <m:sSub>
+                      <m:sSubPr>
+                        <m:ctrlPr>
+                          <a:rPr lang="de-DE" b="0" i="1" smtClean="0">
+                            <a:latin typeface="Cambria Math" panose="02040503050406030204" pitchFamily="18" charset="0"/>
+                          </a:rPr>
+                        </m:ctrlPr>
+                      </m:sSubPr>
+                      <m:e>
+                        <m:r>
+                          <a:rPr lang="de-DE" b="0" i="1" smtClean="0">
+                            <a:latin typeface="Cambria Math" panose="02040503050406030204" pitchFamily="18" charset="0"/>
+                          </a:rPr>
+                          <m:t>𝐹</m:t>
+                        </m:r>
+                      </m:e>
+                      <m:sub>
+                        <m:r>
+                          <a:rPr lang="de-DE" b="0" i="1" smtClean="0">
+                            <a:latin typeface="Cambria Math" panose="02040503050406030204" pitchFamily="18" charset="0"/>
+                          </a:rPr>
+                          <m:t>𝑔</m:t>
+                        </m:r>
+                      </m:sub>
+                    </m:sSub>
+                  </m:oMath>
+                </a14:m>
+                <a:endParaRPr lang="de-DE" b="0" dirty="0"/>
+              </a:p>
+              <a:p>
+                <a14:m>
+                  <m:oMath xmlns:m="http://schemas.openxmlformats.org/officeDocument/2006/math">
+                    <m:r>
+                      <a:rPr lang="de-DE" b="0" i="1" smtClean="0">
+                        <a:latin typeface="Cambria Math" panose="02040503050406030204" pitchFamily="18" charset="0"/>
+                      </a:rPr>
+                      <m:t>𝑞</m:t>
+                    </m:r>
+                    <m:r>
+                      <a:rPr lang="de-DE" b="0" i="1" smtClean="0">
+                        <a:latin typeface="Cambria Math" panose="02040503050406030204" pitchFamily="18" charset="0"/>
+                      </a:rPr>
+                      <m:t>=</m:t>
+                    </m:r>
+                    <m:f>
+                      <m:fPr>
+                        <m:ctrlPr>
+                          <a:rPr lang="de-DE" b="0" i="1" smtClean="0">
+                            <a:latin typeface="Cambria Math" panose="02040503050406030204" pitchFamily="18" charset="0"/>
+                          </a:rPr>
+                        </m:ctrlPr>
+                      </m:fPr>
+                      <m:num>
+                        <m:sSub>
+                          <m:sSubPr>
+                            <m:ctrlPr>
+                              <a:rPr lang="de-DE" b="0" i="1" smtClean="0">
+                                <a:latin typeface="Cambria Math" panose="02040503050406030204" pitchFamily="18" charset="0"/>
+                              </a:rPr>
+                            </m:ctrlPr>
+                          </m:sSubPr>
+                          <m:e>
+                            <m:r>
+                              <a:rPr lang="de-DE" b="0" i="1" smtClean="0">
+                                <a:latin typeface="Cambria Math" panose="02040503050406030204" pitchFamily="18" charset="0"/>
+                              </a:rPr>
+                              <m:t>𝐹</m:t>
+                            </m:r>
+                          </m:e>
+                          <m:sub>
+                            <m:r>
+                              <a:rPr lang="de-DE" b="0" i="1" smtClean="0">
+                                <a:latin typeface="Cambria Math" panose="02040503050406030204" pitchFamily="18" charset="0"/>
+                              </a:rPr>
+                              <m:t>𝑔</m:t>
+                            </m:r>
+                          </m:sub>
+                        </m:sSub>
+                        <m:r>
+                          <a:rPr lang="de-DE" b="0" i="1" smtClean="0">
+                            <a:latin typeface="Cambria Math" panose="02040503050406030204" pitchFamily="18" charset="0"/>
+                          </a:rPr>
+                          <m:t>𝑑</m:t>
+                        </m:r>
+                      </m:num>
+                      <m:den>
+                        <m:r>
+                          <a:rPr lang="de-DE" b="0" i="1" smtClean="0">
+                            <a:latin typeface="Cambria Math" panose="02040503050406030204" pitchFamily="18" charset="0"/>
+                          </a:rPr>
+                          <m:t>𝑈</m:t>
+                        </m:r>
+                      </m:den>
+                    </m:f>
+                  </m:oMath>
+                </a14:m>
+                <a:endParaRPr lang="de-DE" b="0" dirty="0"/>
+              </a:p>
+              <a:p>
+                <a:pPr marL="0" indent="0">
+                  <a:buNone/>
+                </a:pPr>
+                <a:r>
+                  <a:rPr lang="de-DE" sz="1600" dirty="0">
+                    <a:latin typeface="Cambria Math" panose="02040503050406030204" pitchFamily="18" charset="0"/>
+                  </a:rPr>
+                  <a:t>Steigender Tropfen</a:t>
+                </a:r>
+              </a:p>
+              <a:p>
+                <a14:m>
+                  <m:oMath xmlns:m="http://schemas.openxmlformats.org/officeDocument/2006/math">
+                    <m:r>
+                      <a:rPr lang="de-DE" b="0" i="1" smtClean="0">
+                        <a:latin typeface="Cambria Math" panose="02040503050406030204" pitchFamily="18" charset="0"/>
+                      </a:rPr>
+                      <m:t>𝑀𝑖𝑡</m:t>
+                    </m:r>
+                    <m:r>
+                      <a:rPr lang="de-DE" b="0" i="1" smtClean="0">
+                        <a:latin typeface="Cambria Math" panose="02040503050406030204" pitchFamily="18" charset="0"/>
+                      </a:rPr>
+                      <m:t>    </m:t>
+                    </m:r>
+                    <m:sSub>
+                      <m:sSubPr>
+                        <m:ctrlPr>
+                          <a:rPr lang="de-DE" b="0" i="1" smtClean="0">
+                            <a:latin typeface="Cambria Math" panose="02040503050406030204" pitchFamily="18" charset="0"/>
+                          </a:rPr>
+                        </m:ctrlPr>
+                      </m:sSubPr>
+                      <m:e>
+                        <m:r>
+                          <a:rPr lang="de-DE" b="0" i="1" smtClean="0">
+                            <a:latin typeface="Cambria Math" panose="02040503050406030204" pitchFamily="18" charset="0"/>
+                          </a:rPr>
+                          <m:t>𝐹</m:t>
+                        </m:r>
+                      </m:e>
+                      <m:sub>
+                        <m:r>
+                          <a:rPr lang="de-DE" b="0" i="1" smtClean="0">
+                            <a:latin typeface="Cambria Math" panose="02040503050406030204" pitchFamily="18" charset="0"/>
+                          </a:rPr>
+                          <m:t>𝐸</m:t>
+                        </m:r>
+                      </m:sub>
+                    </m:sSub>
+                    <m:r>
+                      <a:rPr lang="de-DE" b="0" i="1" smtClean="0">
+                        <a:latin typeface="Cambria Math" panose="02040503050406030204" pitchFamily="18" charset="0"/>
+                      </a:rPr>
+                      <m:t>=</m:t>
+                    </m:r>
+                    <m:sSub>
+                      <m:sSubPr>
+                        <m:ctrlPr>
+                          <a:rPr lang="de-DE" b="0" i="1" smtClean="0">
+                            <a:latin typeface="Cambria Math" panose="02040503050406030204" pitchFamily="18" charset="0"/>
+                          </a:rPr>
+                        </m:ctrlPr>
+                      </m:sSubPr>
+                      <m:e>
+                        <m:r>
+                          <a:rPr lang="de-DE" b="0" i="1" smtClean="0">
+                            <a:latin typeface="Cambria Math" panose="02040503050406030204" pitchFamily="18" charset="0"/>
+                          </a:rPr>
+                          <m:t>𝐹</m:t>
+                        </m:r>
+                      </m:e>
+                      <m:sub>
+                        <m:r>
+                          <a:rPr lang="de-DE" b="0" i="1" smtClean="0">
+                            <a:latin typeface="Cambria Math" panose="02040503050406030204" pitchFamily="18" charset="0"/>
+                          </a:rPr>
+                          <m:t>𝑔</m:t>
+                        </m:r>
+                      </m:sub>
+                    </m:sSub>
+                    <m:r>
+                      <a:rPr lang="de-DE" b="0" i="1" smtClean="0">
+                        <a:latin typeface="Cambria Math" panose="02040503050406030204" pitchFamily="18" charset="0"/>
+                      </a:rPr>
+                      <m:t>+</m:t>
+                    </m:r>
+                    <m:sSub>
+                      <m:sSubPr>
+                        <m:ctrlPr>
+                          <a:rPr lang="de-DE" b="0" i="1" smtClean="0">
+                            <a:latin typeface="Cambria Math" panose="02040503050406030204" pitchFamily="18" charset="0"/>
+                          </a:rPr>
+                        </m:ctrlPr>
+                      </m:sSubPr>
+                      <m:e>
+                        <m:r>
+                          <a:rPr lang="de-DE" b="0" i="1" smtClean="0">
+                            <a:latin typeface="Cambria Math" panose="02040503050406030204" pitchFamily="18" charset="0"/>
+                          </a:rPr>
+                          <m:t>𝐹</m:t>
+                        </m:r>
+                      </m:e>
+                      <m:sub>
+                        <m:r>
+                          <a:rPr lang="de-DE" b="0" i="1" smtClean="0">
+                            <a:latin typeface="Cambria Math" panose="02040503050406030204" pitchFamily="18" charset="0"/>
+                          </a:rPr>
+                          <m:t>𝑉</m:t>
+                        </m:r>
+                      </m:sub>
+                    </m:sSub>
+                  </m:oMath>
+                </a14:m>
+                <a:endParaRPr lang="de-DE" b="0" dirty="0"/>
+              </a:p>
+              <a:p>
+                <a14:m>
+                  <m:oMath xmlns:m="http://schemas.openxmlformats.org/officeDocument/2006/math">
+                    <m:r>
+                      <a:rPr lang="de-DE" b="0" i="1" smtClean="0">
+                        <a:latin typeface="Cambria Math" panose="02040503050406030204" pitchFamily="18" charset="0"/>
+                      </a:rPr>
+                      <m:t>𝑞</m:t>
+                    </m:r>
+                    <m:r>
+                      <a:rPr lang="de-DE" b="0" i="1" smtClean="0">
+                        <a:latin typeface="Cambria Math" panose="02040503050406030204" pitchFamily="18" charset="0"/>
+                      </a:rPr>
+                      <m:t>=</m:t>
+                    </m:r>
+                    <m:f>
+                      <m:fPr>
+                        <m:ctrlPr>
+                          <a:rPr lang="de-DE" b="0" i="1" smtClean="0">
+                            <a:latin typeface="Cambria Math" panose="02040503050406030204" pitchFamily="18" charset="0"/>
+                          </a:rPr>
+                        </m:ctrlPr>
+                      </m:fPr>
+                      <m:num>
+                        <m:r>
+                          <a:rPr lang="de-DE" b="0" i="1" smtClean="0">
+                            <a:latin typeface="Cambria Math" panose="02040503050406030204" pitchFamily="18" charset="0"/>
+                          </a:rPr>
+                          <m:t>6</m:t>
+                        </m:r>
+                        <m:r>
+                          <a:rPr lang="de-DE" b="0" i="1" smtClean="0">
+                            <a:latin typeface="Cambria Math" panose="02040503050406030204" pitchFamily="18" charset="0"/>
+                          </a:rPr>
+                          <m:t>𝜋𝜂</m:t>
+                        </m:r>
+                        <m:sSub>
+                          <m:sSubPr>
+                            <m:ctrlPr>
+                              <a:rPr lang="de-DE" b="0" i="1" smtClean="0">
+                                <a:latin typeface="Cambria Math" panose="02040503050406030204" pitchFamily="18" charset="0"/>
+                              </a:rPr>
+                            </m:ctrlPr>
+                          </m:sSubPr>
+                          <m:e>
+                            <m:r>
+                              <a:rPr lang="de-DE" b="0" i="1" smtClean="0">
+                                <a:latin typeface="Cambria Math" panose="02040503050406030204" pitchFamily="18" charset="0"/>
+                              </a:rPr>
+                              <m:t>𝑟</m:t>
+                            </m:r>
+                          </m:e>
+                          <m:sub>
+                            <m:r>
+                              <a:rPr lang="de-DE" b="0" i="1" smtClean="0">
+                                <a:latin typeface="Cambria Math" panose="02040503050406030204" pitchFamily="18" charset="0"/>
+                              </a:rPr>
+                              <m:t>Ö</m:t>
+                            </m:r>
+                            <m:r>
+                              <a:rPr lang="de-DE" b="0" i="1" smtClean="0">
+                                <a:latin typeface="Cambria Math" panose="02040503050406030204" pitchFamily="18" charset="0"/>
+                              </a:rPr>
+                              <m:t>𝑙</m:t>
+                            </m:r>
+                          </m:sub>
+                        </m:sSub>
+                        <m:d>
+                          <m:dPr>
+                            <m:ctrlPr>
+                              <a:rPr lang="de-DE" b="0" i="1" smtClean="0">
+                                <a:latin typeface="Cambria Math" panose="02040503050406030204" pitchFamily="18" charset="0"/>
+                              </a:rPr>
+                            </m:ctrlPr>
+                          </m:dPr>
+                          <m:e>
+                            <m:sSub>
+                              <m:sSubPr>
+                                <m:ctrlPr>
+                                  <a:rPr lang="de-DE" b="0" i="1" smtClean="0">
+                                    <a:latin typeface="Cambria Math" panose="02040503050406030204" pitchFamily="18" charset="0"/>
+                                  </a:rPr>
+                                </m:ctrlPr>
+                              </m:sSubPr>
+                              <m:e>
+                                <m:r>
+                                  <a:rPr lang="de-DE" b="0" i="1" smtClean="0">
+                                    <a:latin typeface="Cambria Math" panose="02040503050406030204" pitchFamily="18" charset="0"/>
+                                  </a:rPr>
+                                  <m:t>𝜈</m:t>
+                                </m:r>
+                              </m:e>
+                              <m:sub>
+                                <m:r>
+                                  <a:rPr lang="de-DE" b="0" i="1" smtClean="0">
+                                    <a:latin typeface="Cambria Math" panose="02040503050406030204" pitchFamily="18" charset="0"/>
+                                  </a:rPr>
+                                  <m:t>𝑓</m:t>
+                                </m:r>
+                              </m:sub>
+                            </m:sSub>
+                            <m:r>
+                              <a:rPr lang="de-DE" b="0" i="1" smtClean="0">
+                                <a:latin typeface="Cambria Math" panose="02040503050406030204" pitchFamily="18" charset="0"/>
+                              </a:rPr>
+                              <m:t>+</m:t>
+                            </m:r>
+                            <m:sSub>
+                              <m:sSubPr>
+                                <m:ctrlPr>
+                                  <a:rPr lang="de-DE" b="0" i="1" smtClean="0">
+                                    <a:latin typeface="Cambria Math" panose="02040503050406030204" pitchFamily="18" charset="0"/>
+                                  </a:rPr>
+                                </m:ctrlPr>
+                              </m:sSubPr>
+                              <m:e>
+                                <m:r>
+                                  <a:rPr lang="de-DE" b="0" i="1" smtClean="0">
+                                    <a:latin typeface="Cambria Math" panose="02040503050406030204" pitchFamily="18" charset="0"/>
+                                  </a:rPr>
+                                  <m:t>𝜈</m:t>
+                                </m:r>
+                              </m:e>
+                              <m:sub>
+                                <m:r>
+                                  <a:rPr lang="de-DE" b="0" i="1" smtClean="0">
+                                    <a:latin typeface="Cambria Math" panose="02040503050406030204" pitchFamily="18" charset="0"/>
+                                  </a:rPr>
+                                  <m:t>𝑠</m:t>
+                                </m:r>
+                              </m:sub>
+                            </m:sSub>
+                          </m:e>
+                        </m:d>
+                        <m:r>
+                          <a:rPr lang="de-DE" b="0" i="1" smtClean="0">
+                            <a:latin typeface="Cambria Math" panose="02040503050406030204" pitchFamily="18" charset="0"/>
+                          </a:rPr>
+                          <m:t>𝑑</m:t>
+                        </m:r>
+                      </m:num>
+                      <m:den>
+                        <m:r>
+                          <a:rPr lang="de-DE" b="0" i="1" smtClean="0">
+                            <a:latin typeface="Cambria Math" panose="02040503050406030204" pitchFamily="18" charset="0"/>
+                          </a:rPr>
+                          <m:t>𝑈</m:t>
+                        </m:r>
+                      </m:den>
+                    </m:f>
+                  </m:oMath>
+                </a14:m>
+                <a:endParaRPr lang="de-DE" b="0" dirty="0"/>
+              </a:p>
+            </p:txBody>
+          </p:sp>
+        </mc:Choice>
+        <mc:Fallback>
+          <p:sp>
+            <p:nvSpPr>
+              <p:cNvPr id="6" name="Textplatzhalter 2">
+                <a:extLst>
+                  <a:ext uri="{FF2B5EF4-FFF2-40B4-BE49-F238E27FC236}">
+                    <a16:creationId xmlns:a16="http://schemas.microsoft.com/office/drawing/2014/main" id="{E97942F1-E95D-497A-A947-B934206027C4}"/>
+                  </a:ext>
+                </a:extLst>
+              </p:cNvPr>
+              <p:cNvSpPr txBox="1">
+                <a:spLocks noRot="1" noChangeAspect="1" noMove="1" noResize="1" noEditPoints="1" noAdjustHandles="1" noChangeArrowheads="1" noChangeShapeType="1" noTextEdit="1"/>
+              </p:cNvSpPr>
+              <p:nvPr/>
+            </p:nvSpPr>
+            <p:spPr>
+              <a:xfrm>
+                <a:off x="4572000" y="1491629"/>
+                <a:ext cx="3601095" cy="2952327"/>
+              </a:xfrm>
+              <a:prstGeom prst="rect">
+                <a:avLst/>
+              </a:prstGeom>
+              <a:blipFill>
+                <a:blip r:embed="rId3"/>
+                <a:stretch>
+                  <a:fillRect l="-2024" t="-617"/>
+                </a:stretch>
+              </a:blipFill>
+              <a:ln>
+                <a:solidFill>
+                  <a:schemeClr val="tx2">
+                    <a:lumMod val="60000"/>
+                    <a:lumOff val="40000"/>
+                  </a:schemeClr>
+                </a:solidFill>
+              </a:ln>
+            </p:spPr>
+            <p:txBody>
+              <a:bodyPr/>
+              <a:lstStyle/>
+              <a:p>
+                <a:r>
+                  <a:rPr lang="en-US">
+                    <a:noFill/>
+                  </a:rPr>
+                  <a:t> </a:t>
+                </a:r>
+              </a:p>
+            </p:txBody>
+          </p:sp>
+        </mc:Fallback>
+      </mc:AlternateContent>
     </p:spTree>
     <p:extLst>
       <p:ext uri="{BB962C8B-B14F-4D97-AF65-F5344CB8AC3E}">
@@ -3978,6 +5222,1127 @@
 </file>
 
 <file path=ppt/slides/slide4.xml><?xml version="1.0" encoding="utf-8"?>
+<p:sld xmlns:a="http://schemas.openxmlformats.org/drawingml/2006/main" xmlns:r="http://schemas.openxmlformats.org/officeDocument/2006/relationships" xmlns:p="http://schemas.openxmlformats.org/presentationml/2006/main">
+  <p:cSld>
+    <p:spTree>
+      <p:nvGrpSpPr>
+        <p:cNvPr id="1" name=""/>
+        <p:cNvGrpSpPr/>
+        <p:nvPr/>
+      </p:nvGrpSpPr>
+      <p:grpSpPr>
+        <a:xfrm>
+          <a:off x="0" y="0"/>
+          <a:ext cx="0" cy="0"/>
+          <a:chOff x="0" y="0"/>
+          <a:chExt cx="0" cy="0"/>
+        </a:xfrm>
+      </p:grpSpPr>
+      <p:sp>
+        <p:nvSpPr>
+          <p:cNvPr id="2" name="Titel 1">
+            <a:extLst>
+              <a:ext uri="{FF2B5EF4-FFF2-40B4-BE49-F238E27FC236}">
+                <a16:creationId xmlns:a16="http://schemas.microsoft.com/office/drawing/2014/main" id="{F3B5BD16-AF88-4E4A-8D7D-E0B6AFA34466}"/>
+              </a:ext>
+            </a:extLst>
+          </p:cNvPr>
+          <p:cNvSpPr>
+            <a:spLocks noGrp="1"/>
+          </p:cNvSpPr>
+          <p:nvPr>
+            <p:ph type="title"/>
+          </p:nvPr>
+        </p:nvSpPr>
+        <p:spPr/>
+        <p:txBody>
+          <a:bodyPr/>
+          <a:lstStyle/>
+          <a:p>
+            <a:r>
+              <a:rPr lang="de-DE" dirty="0"/>
+              <a:t>Theorie</a:t>
+            </a:r>
+            <a:endParaRPr lang="en-US" dirty="0"/>
+          </a:p>
+        </p:txBody>
+      </p:sp>
+      <mc:AlternateContent xmlns:mc="http://schemas.openxmlformats.org/markup-compatibility/2006">
+        <mc:Choice xmlns:a14="http://schemas.microsoft.com/office/drawing/2010/main" Requires="a14">
+          <p:sp>
+            <p:nvSpPr>
+              <p:cNvPr id="3" name="Textplatzhalter 2">
+                <a:extLst>
+                  <a:ext uri="{FF2B5EF4-FFF2-40B4-BE49-F238E27FC236}">
+                    <a16:creationId xmlns:a16="http://schemas.microsoft.com/office/drawing/2014/main" id="{08B15EA7-5CB1-41A3-9DB1-EE662086D3D4}"/>
+                  </a:ext>
+                </a:extLst>
+              </p:cNvPr>
+              <p:cNvSpPr>
+                <a:spLocks noGrp="1"/>
+              </p:cNvSpPr>
+              <p:nvPr>
+                <p:ph type="body" sz="quarter" idx="10"/>
+              </p:nvPr>
+            </p:nvSpPr>
+            <p:spPr>
+              <a:xfrm>
+                <a:off x="250825" y="1491630"/>
+                <a:ext cx="7417519" cy="3240087"/>
+              </a:xfrm>
+              <a:ln>
+                <a:solidFill>
+                  <a:schemeClr val="tx2">
+                    <a:lumMod val="60000"/>
+                    <a:lumOff val="40000"/>
+                  </a:schemeClr>
+                </a:solidFill>
+              </a:ln>
+            </p:spPr>
+            <p:txBody>
+              <a:bodyPr/>
+              <a:lstStyle/>
+              <a:p>
+                <a:r>
+                  <a:rPr lang="de-DE" sz="1600" i="1" dirty="0"/>
+                  <a:t>Drei Zustände: Fallend, schwebend und steigend</a:t>
+                </a:r>
+              </a:p>
+              <a:p>
+                <a:r>
+                  <a:rPr lang="en-US" sz="1600" i="1" dirty="0" err="1"/>
+                  <a:t>Fallend</a:t>
+                </a:r>
+                <a:r>
+                  <a:rPr lang="en-US" sz="1600" i="1" dirty="0"/>
+                  <a:t>:	</a:t>
+                </a:r>
+                <a14:m>
+                  <m:oMath xmlns:m="http://schemas.openxmlformats.org/officeDocument/2006/math">
+                    <m:sSub>
+                      <m:sSubPr>
+                        <m:ctrlPr>
+                          <a:rPr lang="de-DE" sz="1600" b="0" i="1" smtClean="0">
+                            <a:latin typeface="Cambria Math" panose="02040503050406030204" pitchFamily="18" charset="0"/>
+                          </a:rPr>
+                        </m:ctrlPr>
+                      </m:sSubPr>
+                      <m:e>
+                        <m:r>
+                          <a:rPr lang="de-DE" sz="1600" b="0" i="1" smtClean="0">
+                            <a:latin typeface="Cambria Math" panose="02040503050406030204" pitchFamily="18" charset="0"/>
+                          </a:rPr>
+                          <m:t>𝐹</m:t>
+                        </m:r>
+                      </m:e>
+                      <m:sub>
+                        <m:r>
+                          <a:rPr lang="de-DE" sz="1600" b="0" i="1" smtClean="0">
+                            <a:latin typeface="Cambria Math" panose="02040503050406030204" pitchFamily="18" charset="0"/>
+                          </a:rPr>
+                          <m:t>𝑔</m:t>
+                        </m:r>
+                      </m:sub>
+                    </m:sSub>
+                    <m:r>
+                      <a:rPr lang="de-DE" sz="1600" b="0" i="1" smtClean="0">
+                        <a:latin typeface="Cambria Math" panose="02040503050406030204" pitchFamily="18" charset="0"/>
+                      </a:rPr>
+                      <m:t>=</m:t>
+                    </m:r>
+                    <m:sSub>
+                      <m:sSubPr>
+                        <m:ctrlPr>
+                          <a:rPr lang="de-DE" sz="1600" b="0" i="1" smtClean="0">
+                            <a:latin typeface="Cambria Math" panose="02040503050406030204" pitchFamily="18" charset="0"/>
+                          </a:rPr>
+                        </m:ctrlPr>
+                      </m:sSubPr>
+                      <m:e>
+                        <m:r>
+                          <a:rPr lang="de-DE" sz="1600" b="0" i="1" smtClean="0">
+                            <a:latin typeface="Cambria Math" panose="02040503050406030204" pitchFamily="18" charset="0"/>
+                          </a:rPr>
+                          <m:t>𝐹</m:t>
+                        </m:r>
+                      </m:e>
+                      <m:sub>
+                        <m:r>
+                          <a:rPr lang="de-DE" sz="1600" b="0" i="1" smtClean="0">
+                            <a:latin typeface="Cambria Math" panose="02040503050406030204" pitchFamily="18" charset="0"/>
+                          </a:rPr>
+                          <m:t>𝑉</m:t>
+                        </m:r>
+                      </m:sub>
+                    </m:sSub>
+                    <m:r>
+                      <a:rPr lang="de-DE" sz="1600" b="0" i="1" smtClean="0">
+                        <a:latin typeface="Cambria Math" panose="02040503050406030204" pitchFamily="18" charset="0"/>
+                      </a:rPr>
+                      <m:t>=6</m:t>
+                    </m:r>
+                    <m:r>
+                      <a:rPr lang="de-DE" sz="1600" b="0" i="1" smtClean="0">
+                        <a:latin typeface="Cambria Math" panose="02040503050406030204" pitchFamily="18" charset="0"/>
+                      </a:rPr>
+                      <m:t>𝜋𝜂</m:t>
+                    </m:r>
+                    <m:r>
+                      <a:rPr lang="de-DE" sz="1600" b="0" i="1" smtClean="0">
+                        <a:latin typeface="Cambria Math" panose="02040503050406030204" pitchFamily="18" charset="0"/>
+                      </a:rPr>
+                      <m:t>𝑟</m:t>
+                    </m:r>
+                    <m:sSub>
+                      <m:sSubPr>
+                        <m:ctrlPr>
+                          <a:rPr lang="de-DE" sz="1600" b="0" i="1" smtClean="0">
+                            <a:latin typeface="Cambria Math" panose="02040503050406030204" pitchFamily="18" charset="0"/>
+                          </a:rPr>
+                        </m:ctrlPr>
+                      </m:sSubPr>
+                      <m:e>
+                        <m:r>
+                          <a:rPr lang="de-DE" sz="1600" b="0" i="1" smtClean="0">
+                            <a:latin typeface="Cambria Math" panose="02040503050406030204" pitchFamily="18" charset="0"/>
+                          </a:rPr>
+                          <m:t>𝜈</m:t>
+                        </m:r>
+                      </m:e>
+                      <m:sub>
+                        <m:r>
+                          <a:rPr lang="de-DE" sz="1600" b="0" i="1" smtClean="0">
+                            <a:latin typeface="Cambria Math" panose="02040503050406030204" pitchFamily="18" charset="0"/>
+                          </a:rPr>
+                          <m:t>𝑓</m:t>
+                        </m:r>
+                      </m:sub>
+                    </m:sSub>
+                  </m:oMath>
+                </a14:m>
+                <a:r>
+                  <a:rPr lang="de-DE" sz="1600" b="0" i="1" dirty="0"/>
+                  <a:t>		(1)</a:t>
+                </a:r>
+              </a:p>
+              <a:p>
+                <a:r>
+                  <a:rPr lang="en-US" sz="1600" i="1" dirty="0" err="1"/>
+                  <a:t>Schwebend</a:t>
+                </a:r>
+                <a:r>
+                  <a:rPr lang="en-US" sz="1600" i="1" dirty="0"/>
+                  <a:t>:	</a:t>
+                </a:r>
+                <a14:m>
+                  <m:oMath xmlns:m="http://schemas.openxmlformats.org/officeDocument/2006/math">
+                    <m:sSub>
+                      <m:sSubPr>
+                        <m:ctrlPr>
+                          <a:rPr lang="de-DE" sz="1600" b="0" i="1" smtClean="0">
+                            <a:latin typeface="Cambria Math" panose="02040503050406030204" pitchFamily="18" charset="0"/>
+                          </a:rPr>
+                        </m:ctrlPr>
+                      </m:sSubPr>
+                      <m:e>
+                        <m:r>
+                          <a:rPr lang="de-DE" sz="1600" b="0" i="1" smtClean="0">
+                            <a:latin typeface="Cambria Math" panose="02040503050406030204" pitchFamily="18" charset="0"/>
+                          </a:rPr>
+                          <m:t>𝐹</m:t>
+                        </m:r>
+                      </m:e>
+                      <m:sub>
+                        <m:r>
+                          <a:rPr lang="de-DE" sz="1600" b="0" i="1" smtClean="0">
+                            <a:latin typeface="Cambria Math" panose="02040503050406030204" pitchFamily="18" charset="0"/>
+                          </a:rPr>
+                          <m:t>𝐸</m:t>
+                        </m:r>
+                      </m:sub>
+                    </m:sSub>
+                    <m:r>
+                      <a:rPr lang="de-DE" sz="1600" b="0" i="1" smtClean="0">
+                        <a:latin typeface="Cambria Math" panose="02040503050406030204" pitchFamily="18" charset="0"/>
+                      </a:rPr>
+                      <m:t>=</m:t>
+                    </m:r>
+                    <m:r>
+                      <a:rPr lang="de-DE" sz="1600" b="0" i="1" smtClean="0">
+                        <a:latin typeface="Cambria Math" panose="02040503050406030204" pitchFamily="18" charset="0"/>
+                      </a:rPr>
+                      <m:t>𝑞</m:t>
+                    </m:r>
+                    <m:f>
+                      <m:fPr>
+                        <m:ctrlPr>
+                          <a:rPr lang="de-DE" sz="1600" b="0" i="1" smtClean="0">
+                            <a:latin typeface="Cambria Math" panose="02040503050406030204" pitchFamily="18" charset="0"/>
+                          </a:rPr>
+                        </m:ctrlPr>
+                      </m:fPr>
+                      <m:num>
+                        <m:r>
+                          <a:rPr lang="de-DE" sz="1600" b="0" i="1" smtClean="0">
+                            <a:latin typeface="Cambria Math" panose="02040503050406030204" pitchFamily="18" charset="0"/>
+                          </a:rPr>
+                          <m:t>𝑈</m:t>
+                        </m:r>
+                      </m:num>
+                      <m:den>
+                        <m:r>
+                          <a:rPr lang="de-DE" sz="1600" b="0" i="1" smtClean="0">
+                            <a:latin typeface="Cambria Math" panose="02040503050406030204" pitchFamily="18" charset="0"/>
+                          </a:rPr>
+                          <m:t>𝑑</m:t>
+                        </m:r>
+                      </m:den>
+                    </m:f>
+                    <m:r>
+                      <a:rPr lang="de-DE" sz="1600" b="0" i="1" smtClean="0">
+                        <a:latin typeface="Cambria Math" panose="02040503050406030204" pitchFamily="18" charset="0"/>
+                      </a:rPr>
+                      <m:t>=</m:t>
+                    </m:r>
+                    <m:sSub>
+                      <m:sSubPr>
+                        <m:ctrlPr>
+                          <a:rPr lang="de-DE" sz="1600" b="0" i="1" smtClean="0">
+                            <a:latin typeface="Cambria Math" panose="02040503050406030204" pitchFamily="18" charset="0"/>
+                          </a:rPr>
+                        </m:ctrlPr>
+                      </m:sSubPr>
+                      <m:e>
+                        <m:r>
+                          <a:rPr lang="de-DE" sz="1600" b="0" i="1" smtClean="0">
+                            <a:latin typeface="Cambria Math" panose="02040503050406030204" pitchFamily="18" charset="0"/>
+                          </a:rPr>
+                          <m:t>𝐹</m:t>
+                        </m:r>
+                      </m:e>
+                      <m:sub>
+                        <m:r>
+                          <a:rPr lang="de-DE" sz="1600" b="0" i="1" smtClean="0">
+                            <a:latin typeface="Cambria Math" panose="02040503050406030204" pitchFamily="18" charset="0"/>
+                          </a:rPr>
+                          <m:t>𝑔</m:t>
+                        </m:r>
+                      </m:sub>
+                    </m:sSub>
+                  </m:oMath>
+                </a14:m>
+                <a:r>
+                  <a:rPr lang="de-DE" sz="1600" b="0" i="1" dirty="0"/>
+                  <a:t>		(2)</a:t>
+                </a:r>
+              </a:p>
+              <a:p>
+                <a:r>
+                  <a:rPr lang="en-US" sz="1600" i="1" dirty="0" err="1"/>
+                  <a:t>Steigend</a:t>
+                </a:r>
+                <a:r>
+                  <a:rPr lang="en-US" sz="1600" i="1" dirty="0"/>
+                  <a:t>:	</a:t>
+                </a:r>
+                <a14:m>
+                  <m:oMath xmlns:m="http://schemas.openxmlformats.org/officeDocument/2006/math">
+                    <m:sSub>
+                      <m:sSubPr>
+                        <m:ctrlPr>
+                          <a:rPr lang="de-DE" sz="1600" b="0" i="1" smtClean="0">
+                            <a:latin typeface="Cambria Math" panose="02040503050406030204" pitchFamily="18" charset="0"/>
+                          </a:rPr>
+                        </m:ctrlPr>
+                      </m:sSubPr>
+                      <m:e>
+                        <m:r>
+                          <a:rPr lang="de-DE" sz="1600" b="0" i="1" smtClean="0">
+                            <a:latin typeface="Cambria Math" panose="02040503050406030204" pitchFamily="18" charset="0"/>
+                          </a:rPr>
+                          <m:t>𝐹</m:t>
+                        </m:r>
+                      </m:e>
+                      <m:sub>
+                        <m:r>
+                          <a:rPr lang="de-DE" sz="1600" b="0" i="1" smtClean="0">
+                            <a:latin typeface="Cambria Math" panose="02040503050406030204" pitchFamily="18" charset="0"/>
+                          </a:rPr>
+                          <m:t>𝐸</m:t>
+                        </m:r>
+                      </m:sub>
+                    </m:sSub>
+                    <m:r>
+                      <a:rPr lang="de-DE" sz="1600" b="0" i="1" smtClean="0">
+                        <a:latin typeface="Cambria Math" panose="02040503050406030204" pitchFamily="18" charset="0"/>
+                      </a:rPr>
+                      <m:t>=</m:t>
+                    </m:r>
+                    <m:sSub>
+                      <m:sSubPr>
+                        <m:ctrlPr>
+                          <a:rPr lang="de-DE" sz="1600" b="0" i="1" smtClean="0">
+                            <a:latin typeface="Cambria Math" panose="02040503050406030204" pitchFamily="18" charset="0"/>
+                          </a:rPr>
+                        </m:ctrlPr>
+                      </m:sSubPr>
+                      <m:e>
+                        <m:r>
+                          <a:rPr lang="de-DE" sz="1600" b="0" i="1" smtClean="0">
+                            <a:latin typeface="Cambria Math" panose="02040503050406030204" pitchFamily="18" charset="0"/>
+                          </a:rPr>
+                          <m:t>𝐹</m:t>
+                        </m:r>
+                      </m:e>
+                      <m:sub>
+                        <m:r>
+                          <a:rPr lang="de-DE" sz="1600" b="0" i="1" smtClean="0">
+                            <a:latin typeface="Cambria Math" panose="02040503050406030204" pitchFamily="18" charset="0"/>
+                          </a:rPr>
+                          <m:t>𝑔</m:t>
+                        </m:r>
+                      </m:sub>
+                    </m:sSub>
+                    <m:r>
+                      <a:rPr lang="de-DE" sz="1600" b="0" i="1" smtClean="0">
+                        <a:latin typeface="Cambria Math" panose="02040503050406030204" pitchFamily="18" charset="0"/>
+                      </a:rPr>
+                      <m:t>+</m:t>
+                    </m:r>
+                    <m:sSub>
+                      <m:sSubPr>
+                        <m:ctrlPr>
+                          <a:rPr lang="de-DE" sz="1600" b="0" i="1" smtClean="0">
+                            <a:latin typeface="Cambria Math" panose="02040503050406030204" pitchFamily="18" charset="0"/>
+                          </a:rPr>
+                        </m:ctrlPr>
+                      </m:sSubPr>
+                      <m:e>
+                        <m:r>
+                          <a:rPr lang="de-DE" sz="1600" b="0" i="1" smtClean="0">
+                            <a:latin typeface="Cambria Math" panose="02040503050406030204" pitchFamily="18" charset="0"/>
+                          </a:rPr>
+                          <m:t>𝐹</m:t>
+                        </m:r>
+                      </m:e>
+                      <m:sub>
+                        <m:r>
+                          <a:rPr lang="de-DE" sz="1600" b="0" i="1" smtClean="0">
+                            <a:latin typeface="Cambria Math" panose="02040503050406030204" pitchFamily="18" charset="0"/>
+                          </a:rPr>
+                          <m:t>𝑉</m:t>
+                        </m:r>
+                      </m:sub>
+                    </m:sSub>
+                    <m:r>
+                      <a:rPr lang="de-DE" sz="1600" b="0" i="1" smtClean="0">
+                        <a:latin typeface="Cambria Math" panose="02040503050406030204" pitchFamily="18" charset="0"/>
+                      </a:rPr>
+                      <m:t>=</m:t>
+                    </m:r>
+                    <m:sSub>
+                      <m:sSubPr>
+                        <m:ctrlPr>
+                          <a:rPr lang="de-DE" sz="1600" b="0" i="1" smtClean="0">
+                            <a:latin typeface="Cambria Math" panose="02040503050406030204" pitchFamily="18" charset="0"/>
+                          </a:rPr>
+                        </m:ctrlPr>
+                      </m:sSubPr>
+                      <m:e>
+                        <m:r>
+                          <a:rPr lang="de-DE" sz="1600" b="0" i="1" smtClean="0">
+                            <a:latin typeface="Cambria Math" panose="02040503050406030204" pitchFamily="18" charset="0"/>
+                          </a:rPr>
+                          <m:t>𝐹</m:t>
+                        </m:r>
+                      </m:e>
+                      <m:sub>
+                        <m:r>
+                          <a:rPr lang="de-DE" sz="1600" b="0" i="1" smtClean="0">
+                            <a:latin typeface="Cambria Math" panose="02040503050406030204" pitchFamily="18" charset="0"/>
+                          </a:rPr>
+                          <m:t>𝑔</m:t>
+                        </m:r>
+                      </m:sub>
+                    </m:sSub>
+                    <m:r>
+                      <a:rPr lang="de-DE" sz="1600" b="0" i="1" smtClean="0">
+                        <a:latin typeface="Cambria Math" panose="02040503050406030204" pitchFamily="18" charset="0"/>
+                      </a:rPr>
+                      <m:t>+6</m:t>
+                    </m:r>
+                    <m:r>
+                      <a:rPr lang="de-DE" sz="1600" b="0" i="1" smtClean="0">
+                        <a:latin typeface="Cambria Math" panose="02040503050406030204" pitchFamily="18" charset="0"/>
+                      </a:rPr>
+                      <m:t>𝜋𝜂</m:t>
+                    </m:r>
+                    <m:r>
+                      <a:rPr lang="de-DE" sz="1600" b="0" i="1" smtClean="0">
+                        <a:latin typeface="Cambria Math" panose="02040503050406030204" pitchFamily="18" charset="0"/>
+                      </a:rPr>
+                      <m:t>𝑟</m:t>
+                    </m:r>
+                    <m:sSub>
+                      <m:sSubPr>
+                        <m:ctrlPr>
+                          <a:rPr lang="de-DE" sz="1600" b="0" i="1" smtClean="0">
+                            <a:latin typeface="Cambria Math" panose="02040503050406030204" pitchFamily="18" charset="0"/>
+                          </a:rPr>
+                        </m:ctrlPr>
+                      </m:sSubPr>
+                      <m:e>
+                        <m:r>
+                          <a:rPr lang="de-DE" sz="1600" b="0" i="1" smtClean="0">
+                            <a:latin typeface="Cambria Math" panose="02040503050406030204" pitchFamily="18" charset="0"/>
+                          </a:rPr>
+                          <m:t>𝜈</m:t>
+                        </m:r>
+                      </m:e>
+                      <m:sub>
+                        <m:r>
+                          <a:rPr lang="de-DE" sz="1600" b="0" i="1" smtClean="0">
+                            <a:latin typeface="Cambria Math" panose="02040503050406030204" pitchFamily="18" charset="0"/>
+                          </a:rPr>
+                          <m:t>𝑠</m:t>
+                        </m:r>
+                      </m:sub>
+                    </m:sSub>
+                  </m:oMath>
+                </a14:m>
+                <a:r>
+                  <a:rPr lang="de-DE" sz="1600" b="0" i="1" dirty="0"/>
+                  <a:t>	(3)</a:t>
+                </a:r>
+              </a:p>
+              <a:p>
+                <a:r>
+                  <a:rPr lang="en-US" sz="1600" b="0" i="1" dirty="0" err="1"/>
+                  <a:t>Aus</a:t>
+                </a:r>
+                <a:r>
+                  <a:rPr lang="en-US" sz="1600" b="0" i="1" dirty="0"/>
+                  <a:t> (2) und (3) </a:t>
+                </a:r>
+                <a:r>
+                  <a:rPr lang="en-US" sz="1600" b="0" i="1" dirty="0" err="1"/>
+                  <a:t>folgt</a:t>
+                </a:r>
+                <a:r>
+                  <a:rPr lang="en-US" sz="1600" b="0" i="1" dirty="0"/>
+                  <a:t>:	</a:t>
+                </a:r>
+                <a14:m>
+                  <m:oMath xmlns:m="http://schemas.openxmlformats.org/officeDocument/2006/math">
+                    <m:r>
+                      <a:rPr lang="de-DE" sz="1600" i="1" smtClean="0">
+                        <a:latin typeface="Cambria Math" panose="02040503050406030204" pitchFamily="18" charset="0"/>
+                      </a:rPr>
+                      <m:t>𝑞</m:t>
+                    </m:r>
+                    <m:f>
+                      <m:fPr>
+                        <m:ctrlPr>
+                          <a:rPr lang="de-DE" sz="1600" i="1">
+                            <a:latin typeface="Cambria Math" panose="02040503050406030204" pitchFamily="18" charset="0"/>
+                          </a:rPr>
+                        </m:ctrlPr>
+                      </m:fPr>
+                      <m:num>
+                        <m:r>
+                          <a:rPr lang="de-DE" sz="1600" i="1" smtClean="0">
+                            <a:latin typeface="Cambria Math" panose="02040503050406030204" pitchFamily="18" charset="0"/>
+                          </a:rPr>
+                          <m:t>𝑈</m:t>
+                        </m:r>
+                      </m:num>
+                      <m:den>
+                        <m:r>
+                          <a:rPr lang="de-DE" sz="1600" i="1" smtClean="0">
+                            <a:latin typeface="Cambria Math" panose="02040503050406030204" pitchFamily="18" charset="0"/>
+                          </a:rPr>
+                          <m:t>𝑑</m:t>
+                        </m:r>
+                      </m:den>
+                    </m:f>
+                    <m:r>
+                      <a:rPr lang="de-DE" sz="1600" i="1" smtClean="0">
+                        <a:latin typeface="Cambria Math" panose="02040503050406030204" pitchFamily="18" charset="0"/>
+                      </a:rPr>
+                      <m:t>=6</m:t>
+                    </m:r>
+                    <m:r>
+                      <a:rPr lang="de-DE" sz="1600" b="0" i="1" smtClean="0">
+                        <a:latin typeface="Cambria Math" panose="02040503050406030204" pitchFamily="18" charset="0"/>
+                      </a:rPr>
+                      <m:t>𝜋</m:t>
+                    </m:r>
+                    <m:r>
+                      <a:rPr lang="de-DE" sz="1600" i="1" smtClean="0">
+                        <a:latin typeface="Cambria Math" panose="02040503050406030204" pitchFamily="18" charset="0"/>
+                      </a:rPr>
+                      <m:t>𝜂</m:t>
+                    </m:r>
+                    <m:r>
+                      <a:rPr lang="de-DE" sz="1600" i="1" smtClean="0">
+                        <a:latin typeface="Cambria Math" panose="02040503050406030204" pitchFamily="18" charset="0"/>
+                      </a:rPr>
+                      <m:t>𝑟</m:t>
+                    </m:r>
+                    <m:d>
+                      <m:dPr>
+                        <m:ctrlPr>
+                          <a:rPr lang="de-DE" sz="1600" i="1">
+                            <a:latin typeface="Cambria Math" panose="02040503050406030204" pitchFamily="18" charset="0"/>
+                          </a:rPr>
+                        </m:ctrlPr>
+                      </m:dPr>
+                      <m:e>
+                        <m:sSub>
+                          <m:sSubPr>
+                            <m:ctrlPr>
+                              <a:rPr lang="de-DE" sz="1600" i="1">
+                                <a:latin typeface="Cambria Math" panose="02040503050406030204" pitchFamily="18" charset="0"/>
+                              </a:rPr>
+                            </m:ctrlPr>
+                          </m:sSubPr>
+                          <m:e>
+                            <m:r>
+                              <a:rPr lang="de-DE" sz="1600" i="1" smtClean="0">
+                                <a:latin typeface="Cambria Math" panose="02040503050406030204" pitchFamily="18" charset="0"/>
+                              </a:rPr>
+                              <m:t>𝜈</m:t>
+                            </m:r>
+                          </m:e>
+                          <m:sub>
+                            <m:r>
+                              <a:rPr lang="de-DE" sz="1600" i="1" smtClean="0">
+                                <a:latin typeface="Cambria Math" panose="02040503050406030204" pitchFamily="18" charset="0"/>
+                              </a:rPr>
+                              <m:t>𝑓</m:t>
+                            </m:r>
+                          </m:sub>
+                        </m:sSub>
+                        <m:r>
+                          <a:rPr lang="de-DE" sz="1600" i="1" smtClean="0">
+                            <a:latin typeface="Cambria Math" panose="02040503050406030204" pitchFamily="18" charset="0"/>
+                          </a:rPr>
+                          <m:t>+</m:t>
+                        </m:r>
+                        <m:sSub>
+                          <m:sSubPr>
+                            <m:ctrlPr>
+                              <a:rPr lang="de-DE" sz="1600" i="1">
+                                <a:latin typeface="Cambria Math" panose="02040503050406030204" pitchFamily="18" charset="0"/>
+                              </a:rPr>
+                            </m:ctrlPr>
+                          </m:sSubPr>
+                          <m:e>
+                            <m:r>
+                              <a:rPr lang="de-DE" sz="1600" i="1" smtClean="0">
+                                <a:latin typeface="Cambria Math" panose="02040503050406030204" pitchFamily="18" charset="0"/>
+                              </a:rPr>
+                              <m:t>𝜈</m:t>
+                            </m:r>
+                          </m:e>
+                          <m:sub>
+                            <m:r>
+                              <a:rPr lang="de-DE" sz="1600" i="1" smtClean="0">
+                                <a:latin typeface="Cambria Math" panose="02040503050406030204" pitchFamily="18" charset="0"/>
+                              </a:rPr>
+                              <m:t>𝑠</m:t>
+                            </m:r>
+                          </m:sub>
+                        </m:sSub>
+                      </m:e>
+                    </m:d>
+                  </m:oMath>
+                </a14:m>
+                <a:r>
+                  <a:rPr lang="en-US" sz="1600" i="1" dirty="0">
+                    <a:latin typeface="Cambria Math" panose="02040503050406030204" pitchFamily="18" charset="0"/>
+                  </a:rPr>
+                  <a:t> </a:t>
+                </a:r>
+                <a:r>
+                  <a:rPr lang="en-US" sz="1600" dirty="0">
+                    <a:latin typeface="Cambria Math" panose="02040503050406030204" pitchFamily="18" charset="0"/>
+                    <a:sym typeface="Wingdings" panose="05000000000000000000" pitchFamily="2" charset="2"/>
+                  </a:rPr>
+                  <a:t> </a:t>
+                </a:r>
+                <a14:m>
+                  <m:oMath xmlns:m="http://schemas.openxmlformats.org/officeDocument/2006/math">
+                    <m:r>
+                      <a:rPr lang="de-DE" sz="1600" b="0" i="1" smtClean="0">
+                        <a:latin typeface="Cambria Math" panose="02040503050406030204" pitchFamily="18" charset="0"/>
+                        <a:sym typeface="Wingdings" panose="05000000000000000000" pitchFamily="2" charset="2"/>
+                      </a:rPr>
+                      <m:t>𝑞</m:t>
+                    </m:r>
+                    <m:r>
+                      <a:rPr lang="de-DE" sz="1600" b="0" i="1" smtClean="0">
+                        <a:latin typeface="Cambria Math" panose="02040503050406030204" pitchFamily="18" charset="0"/>
+                        <a:sym typeface="Wingdings" panose="05000000000000000000" pitchFamily="2" charset="2"/>
+                      </a:rPr>
+                      <m:t>=</m:t>
+                    </m:r>
+                    <m:f>
+                      <m:fPr>
+                        <m:ctrlPr>
+                          <a:rPr lang="de-DE" sz="1600" b="0" i="1" smtClean="0">
+                            <a:latin typeface="Cambria Math" panose="02040503050406030204" pitchFamily="18" charset="0"/>
+                            <a:sym typeface="Wingdings" panose="05000000000000000000" pitchFamily="2" charset="2"/>
+                          </a:rPr>
+                        </m:ctrlPr>
+                      </m:fPr>
+                      <m:num>
+                        <m:r>
+                          <a:rPr lang="de-DE" sz="1600" b="0" i="1" smtClean="0">
+                            <a:latin typeface="Cambria Math" panose="02040503050406030204" pitchFamily="18" charset="0"/>
+                            <a:sym typeface="Wingdings" panose="05000000000000000000" pitchFamily="2" charset="2"/>
+                          </a:rPr>
+                          <m:t>6</m:t>
+                        </m:r>
+                        <m:r>
+                          <a:rPr lang="de-DE" sz="1600" b="0" i="1" smtClean="0">
+                            <a:latin typeface="Cambria Math" panose="02040503050406030204" pitchFamily="18" charset="0"/>
+                            <a:sym typeface="Wingdings" panose="05000000000000000000" pitchFamily="2" charset="2"/>
+                          </a:rPr>
+                          <m:t>𝜋𝜂</m:t>
+                        </m:r>
+                        <m:r>
+                          <a:rPr lang="de-DE" sz="1600" b="0" i="1" smtClean="0">
+                            <a:latin typeface="Cambria Math" panose="02040503050406030204" pitchFamily="18" charset="0"/>
+                            <a:sym typeface="Wingdings" panose="05000000000000000000" pitchFamily="2" charset="2"/>
+                          </a:rPr>
+                          <m:t>𝑟</m:t>
+                        </m:r>
+                        <m:d>
+                          <m:dPr>
+                            <m:ctrlPr>
+                              <a:rPr lang="de-DE" sz="1600" b="0" i="1" smtClean="0">
+                                <a:latin typeface="Cambria Math" panose="02040503050406030204" pitchFamily="18" charset="0"/>
+                                <a:sym typeface="Wingdings" panose="05000000000000000000" pitchFamily="2" charset="2"/>
+                              </a:rPr>
+                            </m:ctrlPr>
+                          </m:dPr>
+                          <m:e>
+                            <m:sSub>
+                              <m:sSubPr>
+                                <m:ctrlPr>
+                                  <a:rPr lang="de-DE" sz="1600" b="0" i="1" smtClean="0">
+                                    <a:latin typeface="Cambria Math" panose="02040503050406030204" pitchFamily="18" charset="0"/>
+                                    <a:sym typeface="Wingdings" panose="05000000000000000000" pitchFamily="2" charset="2"/>
+                                  </a:rPr>
+                                </m:ctrlPr>
+                              </m:sSubPr>
+                              <m:e>
+                                <m:r>
+                                  <a:rPr lang="de-DE" sz="1600" b="0" i="1" smtClean="0">
+                                    <a:latin typeface="Cambria Math" panose="02040503050406030204" pitchFamily="18" charset="0"/>
+                                    <a:sym typeface="Wingdings" panose="05000000000000000000" pitchFamily="2" charset="2"/>
+                                  </a:rPr>
+                                  <m:t>𝜈</m:t>
+                                </m:r>
+                              </m:e>
+                              <m:sub>
+                                <m:r>
+                                  <a:rPr lang="de-DE" sz="1600" b="0" i="1" smtClean="0">
+                                    <a:latin typeface="Cambria Math" panose="02040503050406030204" pitchFamily="18" charset="0"/>
+                                    <a:sym typeface="Wingdings" panose="05000000000000000000" pitchFamily="2" charset="2"/>
+                                  </a:rPr>
+                                  <m:t>𝑓</m:t>
+                                </m:r>
+                              </m:sub>
+                            </m:sSub>
+                            <m:r>
+                              <a:rPr lang="de-DE" sz="1600" b="0" i="1" smtClean="0">
+                                <a:latin typeface="Cambria Math" panose="02040503050406030204" pitchFamily="18" charset="0"/>
+                                <a:sym typeface="Wingdings" panose="05000000000000000000" pitchFamily="2" charset="2"/>
+                              </a:rPr>
+                              <m:t>+</m:t>
+                            </m:r>
+                            <m:sSub>
+                              <m:sSubPr>
+                                <m:ctrlPr>
+                                  <a:rPr lang="de-DE" sz="1600" b="0" i="1" smtClean="0">
+                                    <a:latin typeface="Cambria Math" panose="02040503050406030204" pitchFamily="18" charset="0"/>
+                                    <a:sym typeface="Wingdings" panose="05000000000000000000" pitchFamily="2" charset="2"/>
+                                  </a:rPr>
+                                </m:ctrlPr>
+                              </m:sSubPr>
+                              <m:e>
+                                <m:r>
+                                  <a:rPr lang="de-DE" sz="1600" b="0" i="1" smtClean="0">
+                                    <a:latin typeface="Cambria Math" panose="02040503050406030204" pitchFamily="18" charset="0"/>
+                                    <a:sym typeface="Wingdings" panose="05000000000000000000" pitchFamily="2" charset="2"/>
+                                  </a:rPr>
+                                  <m:t>𝜈</m:t>
+                                </m:r>
+                              </m:e>
+                              <m:sub>
+                                <m:r>
+                                  <a:rPr lang="de-DE" sz="1600" b="0" i="1" smtClean="0">
+                                    <a:latin typeface="Cambria Math" panose="02040503050406030204" pitchFamily="18" charset="0"/>
+                                    <a:sym typeface="Wingdings" panose="05000000000000000000" pitchFamily="2" charset="2"/>
+                                  </a:rPr>
+                                  <m:t>𝑠</m:t>
+                                </m:r>
+                              </m:sub>
+                            </m:sSub>
+                          </m:e>
+                        </m:d>
+                      </m:num>
+                      <m:den>
+                        <m:r>
+                          <a:rPr lang="de-DE" sz="1600" b="0" i="1" smtClean="0">
+                            <a:latin typeface="Cambria Math" panose="02040503050406030204" pitchFamily="18" charset="0"/>
+                            <a:sym typeface="Wingdings" panose="05000000000000000000" pitchFamily="2" charset="2"/>
+                          </a:rPr>
+                          <m:t>𝑈</m:t>
+                        </m:r>
+                      </m:den>
+                    </m:f>
+                  </m:oMath>
+                </a14:m>
+                <a:endParaRPr lang="de-DE" sz="1600" b="0" dirty="0">
+                  <a:latin typeface="Cambria Math" panose="02040503050406030204" pitchFamily="18" charset="0"/>
+                  <a:sym typeface="Wingdings" panose="05000000000000000000" pitchFamily="2" charset="2"/>
+                </a:endParaRPr>
+              </a:p>
+              <a:p>
+                <a14:m>
+                  <m:oMath xmlns:m="http://schemas.openxmlformats.org/officeDocument/2006/math">
+                    <m:r>
+                      <a:rPr lang="de-DE" sz="1600" b="0" i="1" smtClean="0">
+                        <a:latin typeface="Cambria Math" panose="02040503050406030204" pitchFamily="18" charset="0"/>
+                        <a:sym typeface="Wingdings" panose="05000000000000000000" pitchFamily="2" charset="2"/>
+                      </a:rPr>
+                      <m:t>𝜂</m:t>
+                    </m:r>
+                    <m:r>
+                      <a:rPr lang="de-DE" sz="1600" b="0" i="1" smtClean="0">
+                        <a:latin typeface="Cambria Math" panose="02040503050406030204" pitchFamily="18" charset="0"/>
+                        <a:sym typeface="Wingdings" panose="05000000000000000000" pitchFamily="2" charset="2"/>
+                      </a:rPr>
+                      <m:t>=18.24</m:t>
+                    </m:r>
+                    <m:sSup>
+                      <m:sSupPr>
+                        <m:ctrlPr>
+                          <a:rPr lang="de-DE" sz="1600" b="0" i="1" smtClean="0">
+                            <a:latin typeface="Cambria Math" panose="02040503050406030204" pitchFamily="18" charset="0"/>
+                            <a:sym typeface="Wingdings" panose="05000000000000000000" pitchFamily="2" charset="2"/>
+                          </a:rPr>
+                        </m:ctrlPr>
+                      </m:sSupPr>
+                      <m:e>
+                        <m:r>
+                          <a:rPr lang="de-DE" sz="1600" b="0" i="1" smtClean="0">
+                            <a:latin typeface="Cambria Math" panose="02040503050406030204" pitchFamily="18" charset="0"/>
+                            <a:sym typeface="Wingdings" panose="05000000000000000000" pitchFamily="2" charset="2"/>
+                          </a:rPr>
+                          <m:t>∗</m:t>
+                        </m:r>
+                        <m:r>
+                          <a:rPr lang="de-DE" sz="1600" b="0" i="1" smtClean="0">
+                            <a:latin typeface="Cambria Math" panose="02040503050406030204" pitchFamily="18" charset="0"/>
+                            <a:sym typeface="Wingdings" panose="05000000000000000000" pitchFamily="2" charset="2"/>
+                          </a:rPr>
+                          <m:t>10</m:t>
+                        </m:r>
+                      </m:e>
+                      <m:sup>
+                        <m:r>
+                          <a:rPr lang="de-DE" sz="1600" b="0" i="1" smtClean="0">
+                            <a:latin typeface="Cambria Math" panose="02040503050406030204" pitchFamily="18" charset="0"/>
+                            <a:sym typeface="Wingdings" panose="05000000000000000000" pitchFamily="2" charset="2"/>
+                          </a:rPr>
+                          <m:t>−6</m:t>
+                        </m:r>
+                      </m:sup>
+                    </m:sSup>
+                    <m:f>
+                      <m:fPr>
+                        <m:ctrlPr>
+                          <a:rPr lang="de-DE" sz="1600" b="0" i="1" smtClean="0">
+                            <a:latin typeface="Cambria Math" panose="02040503050406030204" pitchFamily="18" charset="0"/>
+                            <a:sym typeface="Wingdings" panose="05000000000000000000" pitchFamily="2" charset="2"/>
+                          </a:rPr>
+                        </m:ctrlPr>
+                      </m:fPr>
+                      <m:num>
+                        <m:r>
+                          <a:rPr lang="de-DE" sz="1600" b="0" i="1" smtClean="0">
+                            <a:latin typeface="Cambria Math" panose="02040503050406030204" pitchFamily="18" charset="0"/>
+                            <a:sym typeface="Wingdings" panose="05000000000000000000" pitchFamily="2" charset="2"/>
+                          </a:rPr>
+                          <m:t>𝑘𝑔</m:t>
+                        </m:r>
+                      </m:num>
+                      <m:den>
+                        <m:r>
+                          <a:rPr lang="de-DE" sz="1600" b="0" i="1" smtClean="0">
+                            <a:latin typeface="Cambria Math" panose="02040503050406030204" pitchFamily="18" charset="0"/>
+                            <a:sym typeface="Wingdings" panose="05000000000000000000" pitchFamily="2" charset="2"/>
+                          </a:rPr>
+                          <m:t>𝑚𝑠</m:t>
+                        </m:r>
+                      </m:den>
+                    </m:f>
+                  </m:oMath>
+                </a14:m>
+                <a:endParaRPr lang="de-DE" sz="1600" b="0" dirty="0">
+                  <a:latin typeface="Cambria Math" panose="02040503050406030204" pitchFamily="18" charset="0"/>
+                  <a:sym typeface="Wingdings" panose="05000000000000000000" pitchFamily="2" charset="2"/>
+                </a:endParaRPr>
+              </a:p>
+              <a:p>
+                <a:endParaRPr lang="en-US" sz="1600" dirty="0">
+                  <a:latin typeface="Cambria Math" panose="02040503050406030204" pitchFamily="18" charset="0"/>
+                </a:endParaRPr>
+              </a:p>
+            </p:txBody>
+          </p:sp>
+        </mc:Choice>
+        <mc:Fallback>
+          <p:sp>
+            <p:nvSpPr>
+              <p:cNvPr id="3" name="Textplatzhalter 2">
+                <a:extLst>
+                  <a:ext uri="{FF2B5EF4-FFF2-40B4-BE49-F238E27FC236}">
+                    <a16:creationId xmlns:a16="http://schemas.microsoft.com/office/drawing/2014/main" id="{08B15EA7-5CB1-41A3-9DB1-EE662086D3D4}"/>
+                  </a:ext>
+                </a:extLst>
+              </p:cNvPr>
+              <p:cNvSpPr>
+                <a:spLocks noGrp="1" noRot="1" noChangeAspect="1" noMove="1" noResize="1" noEditPoints="1" noAdjustHandles="1" noChangeArrowheads="1" noChangeShapeType="1" noTextEdit="1"/>
+              </p:cNvSpPr>
+              <p:nvPr>
+                <p:ph type="body" sz="quarter" idx="10"/>
+              </p:nvPr>
+            </p:nvSpPr>
+            <p:spPr>
+              <a:xfrm>
+                <a:off x="250825" y="1491630"/>
+                <a:ext cx="7417519" cy="3240087"/>
+              </a:xfrm>
+              <a:blipFill>
+                <a:blip r:embed="rId2"/>
+                <a:stretch>
+                  <a:fillRect l="-246" t="-375"/>
+                </a:stretch>
+              </a:blipFill>
+              <a:ln>
+                <a:solidFill>
+                  <a:schemeClr val="tx2">
+                    <a:lumMod val="60000"/>
+                    <a:lumOff val="40000"/>
+                  </a:schemeClr>
+                </a:solidFill>
+              </a:ln>
+            </p:spPr>
+            <p:txBody>
+              <a:bodyPr/>
+              <a:lstStyle/>
+              <a:p>
+                <a:r>
+                  <a:rPr lang="en-US">
+                    <a:noFill/>
+                  </a:rPr>
+                  <a:t> </a:t>
+                </a:r>
+              </a:p>
+            </p:txBody>
+          </p:sp>
+        </mc:Fallback>
+      </mc:AlternateContent>
+      <p:sp>
+        <p:nvSpPr>
+          <p:cNvPr id="4" name="Foliennummernplatzhalter 3">
+            <a:extLst>
+              <a:ext uri="{FF2B5EF4-FFF2-40B4-BE49-F238E27FC236}">
+                <a16:creationId xmlns:a16="http://schemas.microsoft.com/office/drawing/2014/main" id="{AD41A453-11A5-4080-B53F-7E6C15828809}"/>
+              </a:ext>
+            </a:extLst>
+          </p:cNvPr>
+          <p:cNvSpPr>
+            <a:spLocks noGrp="1"/>
+          </p:cNvSpPr>
+          <p:nvPr>
+            <p:ph type="sldNum" sz="quarter" idx="4"/>
+          </p:nvPr>
+        </p:nvSpPr>
+        <p:spPr/>
+        <p:txBody>
+          <a:bodyPr/>
+          <a:lstStyle/>
+          <a:p>
+            <a:fld id="{63CECEBB-547B-4598-95D8-3FB4D608B5D5}" type="slidenum">
+              <a:rPr lang="de-DE" smtClean="0"/>
+              <a:pPr/>
+              <a:t>4</a:t>
+            </a:fld>
+            <a:endParaRPr lang="de-DE" dirty="0"/>
+          </a:p>
+        </p:txBody>
+      </p:sp>
+      <p:pic>
+        <p:nvPicPr>
+          <p:cNvPr id="1026" name="Picture 2">
+            <a:extLst>
+              <a:ext uri="{FF2B5EF4-FFF2-40B4-BE49-F238E27FC236}">
+                <a16:creationId xmlns:a16="http://schemas.microsoft.com/office/drawing/2014/main" id="{37EE3B90-E971-4F90-A5EC-138F2924F2B0}"/>
+              </a:ext>
+            </a:extLst>
+          </p:cNvPr>
+          <p:cNvPicPr>
+            <a:picLocks noChangeAspect="1" noChangeArrowheads="1"/>
+          </p:cNvPicPr>
+          <p:nvPr/>
+        </p:nvPicPr>
+        <p:blipFill>
+          <a:blip r:embed="rId3" cstate="print">
+            <a:extLst>
+              <a:ext uri="{28A0092B-C50C-407E-A947-70E740481C1C}">
+                <a14:useLocalDpi xmlns:a14="http://schemas.microsoft.com/office/drawing/2010/main" val="0"/>
+              </a:ext>
+            </a:extLst>
+          </a:blip>
+          <a:srcRect/>
+          <a:stretch>
+            <a:fillRect/>
+          </a:stretch>
+        </p:blipFill>
+        <p:spPr bwMode="auto">
+          <a:xfrm>
+            <a:off x="7894386" y="1488777"/>
+            <a:ext cx="998094" cy="1082975"/>
+          </a:xfrm>
+          <a:prstGeom prst="rect">
+            <a:avLst/>
+          </a:prstGeom>
+          <a:noFill/>
+          <a:extLst>
+            <a:ext uri="{909E8E84-426E-40DD-AFC4-6F175D3DCCD1}">
+              <a14:hiddenFill xmlns:a14="http://schemas.microsoft.com/office/drawing/2010/main">
+                <a:solidFill>
+                  <a:srgbClr val="FFFFFF"/>
+                </a:solidFill>
+              </a14:hiddenFill>
+            </a:ext>
+          </a:extLst>
+        </p:spPr>
+      </p:pic>
+      <p:pic>
+        <p:nvPicPr>
+          <p:cNvPr id="1028" name="Picture 4">
+            <a:extLst>
+              <a:ext uri="{FF2B5EF4-FFF2-40B4-BE49-F238E27FC236}">
+                <a16:creationId xmlns:a16="http://schemas.microsoft.com/office/drawing/2014/main" id="{49983A02-E447-45D4-9E28-18B35E2C06F8}"/>
+              </a:ext>
+            </a:extLst>
+          </p:cNvPr>
+          <p:cNvPicPr>
+            <a:picLocks noChangeAspect="1" noChangeArrowheads="1"/>
+          </p:cNvPicPr>
+          <p:nvPr/>
+        </p:nvPicPr>
+        <p:blipFill>
+          <a:blip r:embed="rId4" cstate="print">
+            <a:extLst>
+              <a:ext uri="{28A0092B-C50C-407E-A947-70E740481C1C}">
+                <a14:useLocalDpi xmlns:a14="http://schemas.microsoft.com/office/drawing/2010/main" val="0"/>
+              </a:ext>
+            </a:extLst>
+          </a:blip>
+          <a:srcRect/>
+          <a:stretch>
+            <a:fillRect/>
+          </a:stretch>
+        </p:blipFill>
+        <p:spPr bwMode="auto">
+          <a:xfrm>
+            <a:off x="7894386" y="2571750"/>
+            <a:ext cx="998094" cy="1082975"/>
+          </a:xfrm>
+          <a:prstGeom prst="rect">
+            <a:avLst/>
+          </a:prstGeom>
+          <a:noFill/>
+          <a:extLst>
+            <a:ext uri="{909E8E84-426E-40DD-AFC4-6F175D3DCCD1}">
+              <a14:hiddenFill xmlns:a14="http://schemas.microsoft.com/office/drawing/2010/main">
+                <a:solidFill>
+                  <a:srgbClr val="FFFFFF"/>
+                </a:solidFill>
+              </a14:hiddenFill>
+            </a:ext>
+          </a:extLst>
+        </p:spPr>
+      </p:pic>
+      <p:pic>
+        <p:nvPicPr>
+          <p:cNvPr id="1030" name="Picture 6">
+            <a:extLst>
+              <a:ext uri="{FF2B5EF4-FFF2-40B4-BE49-F238E27FC236}">
+                <a16:creationId xmlns:a16="http://schemas.microsoft.com/office/drawing/2014/main" id="{BC55E383-DC88-4390-986A-B2C8F1FF9D84}"/>
+              </a:ext>
+            </a:extLst>
+          </p:cNvPr>
+          <p:cNvPicPr>
+            <a:picLocks noChangeAspect="1" noChangeArrowheads="1"/>
+          </p:cNvPicPr>
+          <p:nvPr/>
+        </p:nvPicPr>
+        <p:blipFill>
+          <a:blip r:embed="rId5" cstate="print">
+            <a:extLst>
+              <a:ext uri="{28A0092B-C50C-407E-A947-70E740481C1C}">
+                <a14:useLocalDpi xmlns:a14="http://schemas.microsoft.com/office/drawing/2010/main" val="0"/>
+              </a:ext>
+            </a:extLst>
+          </a:blip>
+          <a:srcRect/>
+          <a:stretch>
+            <a:fillRect/>
+          </a:stretch>
+        </p:blipFill>
+        <p:spPr bwMode="auto">
+          <a:xfrm>
+            <a:off x="7894386" y="3654725"/>
+            <a:ext cx="998094" cy="1082975"/>
+          </a:xfrm>
+          <a:prstGeom prst="rect">
+            <a:avLst/>
+          </a:prstGeom>
+          <a:noFill/>
+          <a:extLst>
+            <a:ext uri="{909E8E84-426E-40DD-AFC4-6F175D3DCCD1}">
+              <a14:hiddenFill xmlns:a14="http://schemas.microsoft.com/office/drawing/2010/main">
+                <a:solidFill>
+                  <a:srgbClr val="FFFFFF"/>
+                </a:solidFill>
+              </a14:hiddenFill>
+            </a:ext>
+          </a:extLst>
+        </p:spPr>
+      </p:pic>
+    </p:spTree>
+    <p:extLst>
+      <p:ext uri="{BB962C8B-B14F-4D97-AF65-F5344CB8AC3E}">
+        <p14:creationId xmlns:p14="http://schemas.microsoft.com/office/powerpoint/2010/main" val="2280327484"/>
+      </p:ext>
+    </p:extLst>
+  </p:cSld>
+  <p:clrMapOvr>
+    <a:masterClrMapping/>
+  </p:clrMapOvr>
+</p:sld>
+</file>
+
+<file path=ppt/slides/slide5.xml><?xml version="1.0" encoding="utf-8"?>
 <p:sld xmlns:a="http://schemas.openxmlformats.org/drawingml/2006/main" xmlns:r="http://schemas.openxmlformats.org/officeDocument/2006/relationships" xmlns:p="http://schemas.openxmlformats.org/presentationml/2006/main">
   <p:cSld>
     <p:spTree>
@@ -4025,10 +6390,10 @@
       </p:sp>
       <p:sp>
         <p:nvSpPr>
-          <p:cNvPr id="3" name="Textplatzhalter 2">
+          <p:cNvPr id="6" name="Inhaltsplatzhalter 5">
             <a:extLst>
               <a:ext uri="{FF2B5EF4-FFF2-40B4-BE49-F238E27FC236}">
-                <a16:creationId xmlns:a16="http://schemas.microsoft.com/office/drawing/2014/main" id="{F72C4F92-5BBA-488F-BBDC-5FA57CF5AEDD}"/>
+                <a16:creationId xmlns:a16="http://schemas.microsoft.com/office/drawing/2014/main" id="{C65DF184-E861-4046-88B6-9F4D4BA94843}"/>
               </a:ext>
             </a:extLst>
           </p:cNvPr>
@@ -4036,7 +6401,7 @@
             <a:spLocks noGrp="1"/>
           </p:cNvSpPr>
           <p:nvPr>
-            <p:ph type="body" sz="quarter" idx="10"/>
+            <p:ph sz="half" idx="11"/>
           </p:nvPr>
         </p:nvSpPr>
         <p:spPr/>
@@ -4044,9 +6409,27 @@
           <a:bodyPr/>
           <a:lstStyle/>
           <a:p>
-            <a:endParaRPr lang="en-US"/>
+            <a:endParaRPr lang="en-US" dirty="0"/>
           </a:p>
         </p:txBody>
+      </p:sp>
+      <p:sp>
+        <p:nvSpPr>
+          <p:cNvPr id="5" name="Bildplatzhalter 4">
+            <a:extLst>
+              <a:ext uri="{FF2B5EF4-FFF2-40B4-BE49-F238E27FC236}">
+                <a16:creationId xmlns:a16="http://schemas.microsoft.com/office/drawing/2014/main" id="{82622AB7-8051-418D-B00A-2AAB211AFF16}"/>
+              </a:ext>
+            </a:extLst>
+          </p:cNvPr>
+          <p:cNvSpPr>
+            <a:spLocks noGrp="1"/>
+          </p:cNvSpPr>
+          <p:nvPr>
+            <p:ph type="pic" idx="1"/>
+          </p:nvPr>
+        </p:nvSpPr>
+        <p:spPr/>
       </p:sp>
       <p:sp>
         <p:nvSpPr>
@@ -4072,7 +6455,7 @@
             <a:fld id="{63CECEBB-547B-4598-95D8-3FB4D608B5D5}" type="slidenum">
               <a:rPr lang="de-DE" smtClean="0"/>
               <a:pPr/>
-              <a:t>4</a:t>
+              <a:t>5</a:t>
             </a:fld>
             <a:endParaRPr lang="de-DE" dirty="0"/>
           </a:p>
@@ -4091,7 +6474,7 @@
 </p:sld>
 </file>
 
-<file path=ppt/slides/slide5.xml><?xml version="1.0" encoding="utf-8"?>
+<file path=ppt/slides/slide6.xml><?xml version="1.0" encoding="utf-8"?>
 <p:sld xmlns:a="http://schemas.openxmlformats.org/drawingml/2006/main" xmlns:r="http://schemas.openxmlformats.org/officeDocument/2006/relationships" xmlns:p="http://schemas.openxmlformats.org/presentationml/2006/main">
   <p:cSld>
     <p:spTree>
@@ -4186,7 +6569,7 @@
             <a:fld id="{63CECEBB-547B-4598-95D8-3FB4D608B5D5}" type="slidenum">
               <a:rPr lang="de-DE" smtClean="0"/>
               <a:pPr/>
-              <a:t>5</a:t>
+              <a:t>6</a:t>
             </a:fld>
             <a:endParaRPr lang="de-DE" dirty="0"/>
           </a:p>
@@ -4205,7 +6588,7 @@
 </p:sld>
 </file>
 
-<file path=ppt/slides/slide6.xml><?xml version="1.0" encoding="utf-8"?>
+<file path=ppt/slides/slide7.xml><?xml version="1.0" encoding="utf-8"?>
 <p:sld xmlns:a="http://schemas.openxmlformats.org/drawingml/2006/main" xmlns:r="http://schemas.openxmlformats.org/officeDocument/2006/relationships" xmlns:p="http://schemas.openxmlformats.org/presentationml/2006/main">
   <p:cSld>
     <p:spTree>
@@ -4300,7 +6683,7 @@
             <a:fld id="{63CECEBB-547B-4598-95D8-3FB4D608B5D5}" type="slidenum">
               <a:rPr lang="de-DE" smtClean="0"/>
               <a:pPr/>
-              <a:t>6</a:t>
+              <a:t>7</a:t>
             </a:fld>
             <a:endParaRPr lang="de-DE" dirty="0"/>
           </a:p>
@@ -4319,7 +6702,7 @@
 </p:sld>
 </file>
 
-<file path=ppt/slides/slide7.xml><?xml version="1.0" encoding="utf-8"?>
+<file path=ppt/slides/slide8.xml><?xml version="1.0" encoding="utf-8"?>
 <p:sld xmlns:a="http://schemas.openxmlformats.org/drawingml/2006/main" xmlns:r="http://schemas.openxmlformats.org/officeDocument/2006/relationships" xmlns:p="http://schemas.openxmlformats.org/presentationml/2006/main">
   <p:cSld>
     <p:spTree>
@@ -4386,7 +6769,67 @@
           <a:bodyPr/>
           <a:lstStyle/>
           <a:p>
-            <a:endParaRPr lang="en-US" dirty="0"/>
+            <a:r>
+              <a:rPr lang="de-DE" sz="1100" dirty="0"/>
+              <a:t>Eichler, H. J., </a:t>
+            </a:r>
+            <a:r>
+              <a:rPr lang="de-DE" sz="1100" dirty="0" err="1"/>
+              <a:t>Kronfeldt</a:t>
+            </a:r>
+            <a:r>
+              <a:rPr lang="de-DE" sz="1100" dirty="0"/>
+              <a:t>, H. D., &amp; Sahm, J. (2016). In Das neue Physikalische Grundpraktikum. Springer Spektrum, Berlin, Heidelberg.</a:t>
+            </a:r>
+          </a:p>
+          <a:p>
+            <a:r>
+              <a:rPr lang="de-DE" sz="1100" dirty="0"/>
+              <a:t>Nolting, W. (2013). Elektrodynamik. In Grundkurs Theoretische Physik 3. Springer Spektrum, Berlin, Heidelberg.</a:t>
+            </a:r>
+          </a:p>
+          <a:p>
+            <a:r>
+              <a:rPr lang="en-US" sz="1100" dirty="0"/>
+              <a:t>Isabel Bishop, </a:t>
+            </a:r>
+            <a:r>
+              <a:rPr lang="en-US" sz="1100" dirty="0" err="1"/>
+              <a:t>Siyu</a:t>
+            </a:r>
+            <a:r>
+              <a:rPr lang="en-US" sz="1100" dirty="0"/>
+              <a:t> Xian und Steve Feller. „Robert A. Millikan and the Oil Drop Experiment“. In: The Physics Teacher 57.7 (2019), S. 442–445. </a:t>
+            </a:r>
+            <a:r>
+              <a:rPr lang="en-US" sz="1100" dirty="0" err="1"/>
+              <a:t>doi</a:t>
+            </a:r>
+            <a:r>
+              <a:rPr lang="en-US" sz="1100" dirty="0"/>
+              <a:t>: 10.1119/1.5126819 . </a:t>
+            </a:r>
+            <a:r>
+              <a:rPr lang="en-US" sz="1100" dirty="0" err="1"/>
+              <a:t>eprint</a:t>
+            </a:r>
+            <a:r>
+              <a:rPr lang="en-US" sz="1100" dirty="0"/>
+              <a:t>: https://doi.org/10.1119/1.5126819 . url: </a:t>
+            </a:r>
+            <a:r>
+              <a:rPr lang="en-US" sz="1100" dirty="0">
+                <a:hlinkClick r:id="rId2"/>
+              </a:rPr>
+              <a:t>https://doi.org/10.1119/1.5126819</a:t>
+            </a:r>
+            <a:r>
+              <a:rPr lang="en-US" sz="1100" dirty="0"/>
+              <a:t>.</a:t>
+            </a:r>
+          </a:p>
+          <a:p>
+            <a:endParaRPr lang="en-US" sz="1100" dirty="0"/>
           </a:p>
         </p:txBody>
       </p:sp>
@@ -4414,7 +6857,7 @@
             <a:fld id="{63CECEBB-547B-4598-95D8-3FB4D608B5D5}" type="slidenum">
               <a:rPr lang="de-DE" smtClean="0"/>
               <a:pPr/>
-              <a:t>7</a:t>
+              <a:t>8</a:t>
             </a:fld>
             <a:endParaRPr lang="de-DE" dirty="0"/>
           </a:p>

--- a/SV/SV_Millikan.pptx
+++ b/SV/SV_Millikan.pptx
@@ -5,24 +5,23 @@
     <p:sldMasterId id="2147483664" r:id="rId1"/>
   </p:sldMasterIdLst>
   <p:notesMasterIdLst>
-    <p:notesMasterId r:id="rId14"/>
+    <p:notesMasterId r:id="rId13"/>
   </p:notesMasterIdLst>
   <p:handoutMasterIdLst>
-    <p:handoutMasterId r:id="rId15"/>
+    <p:handoutMasterId r:id="rId14"/>
   </p:handoutMasterIdLst>
   <p:sldIdLst>
-    <p:sldId id="257" r:id="rId2"/>
-    <p:sldId id="258" r:id="rId3"/>
-    <p:sldId id="259" r:id="rId4"/>
-    <p:sldId id="265" r:id="rId5"/>
-    <p:sldId id="266" r:id="rId6"/>
-    <p:sldId id="262" r:id="rId7"/>
-    <p:sldId id="267" r:id="rId8"/>
-    <p:sldId id="263" r:id="rId9"/>
-    <p:sldId id="268" r:id="rId10"/>
-    <p:sldId id="269" r:id="rId11"/>
-    <p:sldId id="264" r:id="rId12"/>
-    <p:sldId id="260" r:id="rId13"/>
+    <p:sldId id="258" r:id="rId2"/>
+    <p:sldId id="259" r:id="rId3"/>
+    <p:sldId id="265" r:id="rId4"/>
+    <p:sldId id="266" r:id="rId5"/>
+    <p:sldId id="262" r:id="rId6"/>
+    <p:sldId id="267" r:id="rId7"/>
+    <p:sldId id="263" r:id="rId8"/>
+    <p:sldId id="268" r:id="rId9"/>
+    <p:sldId id="269" r:id="rId10"/>
+    <p:sldId id="264" r:id="rId11"/>
+    <p:sldId id="270" r:id="rId12"/>
   </p:sldIdLst>
   <p:sldSz cx="9144000" cy="5143500" type="screen16x9"/>
   <p:notesSz cx="6858000" cy="9144000"/>
@@ -249,7 +248,7 @@
           <a:p>
             <a:fld id="{AB568EF7-EB76-46F1-9674-5C8DF0EF724F}" type="datetimeFigureOut">
               <a:rPr lang="en-US" smtClean="0"/>
-              <a:t>7/8/2020</a:t>
+              <a:t>7/10/2020</a:t>
             </a:fld>
             <a:endParaRPr lang="en-US"/>
           </a:p>
@@ -426,7 +425,7 @@
           <a:p>
             <a:fld id="{6617D1BF-4610-42FB-AFE3-9D34FE426044}" type="datetimeFigureOut">
               <a:rPr lang="en-US" smtClean="0"/>
-              <a:t>7/8/2020</a:t>
+              <a:t>7/10/2020</a:t>
             </a:fld>
             <a:endParaRPr lang="en-US"/>
           </a:p>
@@ -2695,7 +2694,7 @@
                 <a:latin typeface="Arial" panose="020B0604020202020204" pitchFamily="34" charset="0"/>
                 <a:cs typeface="Arial" panose="020B0604020202020204" pitchFamily="34" charset="0"/>
               </a:rPr>
-              <a:t>Tobias Rücker, Paul Störbrock | Dortmund 17.07.2020</a:t>
+              <a:t>Tobias Rücker, Paul Störbrock | Dortmund 10.07.2020</a:t>
             </a:r>
           </a:p>
         </p:txBody>
@@ -3231,4238 +3230,6 @@
       </p:grpSpPr>
       <p:sp>
         <p:nvSpPr>
-          <p:cNvPr id="2" name="Textplatzhalter 1"/>
-          <p:cNvSpPr>
-            <a:spLocks noGrp="1"/>
-          </p:cNvSpPr>
-          <p:nvPr>
-            <p:ph sz="quarter" idx="4294967295"/>
-          </p:nvPr>
-        </p:nvSpPr>
-        <p:spPr>
-          <a:xfrm>
-            <a:off x="251520" y="1275606"/>
-            <a:ext cx="8651304" cy="1728192"/>
-          </a:xfrm>
-          <a:prstGeom prst="rect">
-            <a:avLst/>
-          </a:prstGeom>
-        </p:spPr>
-        <p:txBody>
-          <a:bodyPr/>
-          <a:lstStyle/>
-          <a:p>
-            <a:pPr marL="0" indent="0" algn="ctr">
-              <a:buNone/>
-            </a:pPr>
-            <a:r>
-              <a:rPr lang="de-DE" sz="1600" dirty="0">
-                <a:latin typeface="Arial" panose="020B0604020202020204" pitchFamily="34" charset="0"/>
-                <a:cs typeface="Arial" panose="020B0604020202020204" pitchFamily="34" charset="0"/>
-              </a:rPr>
-              <a:t>Blankofolien</a:t>
-            </a:r>
-          </a:p>
-          <a:p>
-            <a:pPr marL="0" indent="0" algn="ctr">
-              <a:buNone/>
-            </a:pPr>
-            <a:endParaRPr lang="de-DE" sz="1600" dirty="0">
-              <a:latin typeface="Arial" panose="020B0604020202020204" pitchFamily="34" charset="0"/>
-              <a:cs typeface="Arial" panose="020B0604020202020204" pitchFamily="34" charset="0"/>
-            </a:endParaRPr>
-          </a:p>
-          <a:p>
-            <a:pPr marL="0" indent="0" algn="ctr">
-              <a:buNone/>
-            </a:pPr>
-            <a:r>
-              <a:rPr lang="de-DE" sz="1600" dirty="0">
-                <a:latin typeface="Arial" panose="020B0604020202020204" pitchFamily="34" charset="0"/>
-                <a:cs typeface="Arial" panose="020B0604020202020204" pitchFamily="34" charset="0"/>
-              </a:rPr>
-              <a:t>Bitte beachten Sie: Fügen Sie Ihrer Präsentation ausschließlich Folien über die Funktion „Neue Folie“ hinzu. Über diesen Menüpunkt können Sie auf verschiedene Vorlagen zugreifen, die den Designstandards und den Vorgaben zur Barrierefreiheit entsprechen.</a:t>
-            </a:r>
-          </a:p>
-        </p:txBody>
-      </p:sp>
-    </p:spTree>
-    <p:extLst>
-      <p:ext uri="{BB962C8B-B14F-4D97-AF65-F5344CB8AC3E}">
-        <p14:creationId xmlns:p14="http://schemas.microsoft.com/office/powerpoint/2010/main" val="3506191358"/>
-      </p:ext>
-    </p:extLst>
-  </p:cSld>
-  <p:clrMapOvr>
-    <a:masterClrMapping/>
-  </p:clrMapOvr>
-</p:sld>
-</file>
-
-<file path=ppt/slides/slide10.xml><?xml version="1.0" encoding="utf-8"?>
-<p:sld xmlns:a="http://schemas.openxmlformats.org/drawingml/2006/main" xmlns:r="http://schemas.openxmlformats.org/officeDocument/2006/relationships" xmlns:p="http://schemas.openxmlformats.org/presentationml/2006/main">
-  <p:cSld>
-    <p:spTree>
-      <p:nvGrpSpPr>
-        <p:cNvPr id="1" name=""/>
-        <p:cNvGrpSpPr/>
-        <p:nvPr/>
-      </p:nvGrpSpPr>
-      <p:grpSpPr>
-        <a:xfrm>
-          <a:off x="0" y="0"/>
-          <a:ext cx="0" cy="0"/>
-          <a:chOff x="0" y="0"/>
-          <a:chExt cx="0" cy="0"/>
-        </a:xfrm>
-      </p:grpSpPr>
-      <p:sp>
-        <p:nvSpPr>
-          <p:cNvPr id="2" name="Titel 1">
-            <a:extLst>
-              <a:ext uri="{FF2B5EF4-FFF2-40B4-BE49-F238E27FC236}">
-                <a16:creationId xmlns:a16="http://schemas.microsoft.com/office/drawing/2014/main" id="{A91E1889-ED8C-4392-B1AF-AD3E988D31B4}"/>
-              </a:ext>
-            </a:extLst>
-          </p:cNvPr>
-          <p:cNvSpPr>
-            <a:spLocks noGrp="1"/>
-          </p:cNvSpPr>
-          <p:nvPr>
-            <p:ph type="title"/>
-          </p:nvPr>
-        </p:nvSpPr>
-        <p:spPr/>
-        <p:txBody>
-          <a:bodyPr/>
-          <a:lstStyle/>
-          <a:p>
-            <a:r>
-              <a:rPr lang="de-DE" dirty="0"/>
-              <a:t>Auswertung</a:t>
-            </a:r>
-            <a:endParaRPr lang="en-US" dirty="0"/>
-          </a:p>
-        </p:txBody>
-      </p:sp>
-      <p:sp>
-        <p:nvSpPr>
-          <p:cNvPr id="4" name="Foliennummernplatzhalter 3">
-            <a:extLst>
-              <a:ext uri="{FF2B5EF4-FFF2-40B4-BE49-F238E27FC236}">
-                <a16:creationId xmlns:a16="http://schemas.microsoft.com/office/drawing/2014/main" id="{40F789EE-2FD0-4041-9FD9-A50533DFE530}"/>
-              </a:ext>
-            </a:extLst>
-          </p:cNvPr>
-          <p:cNvSpPr>
-            <a:spLocks noGrp="1"/>
-          </p:cNvSpPr>
-          <p:nvPr>
-            <p:ph type="sldNum" sz="quarter" idx="4"/>
-          </p:nvPr>
-        </p:nvSpPr>
-        <p:spPr/>
-        <p:txBody>
-          <a:bodyPr/>
-          <a:lstStyle/>
-          <a:p>
-            <a:fld id="{63CECEBB-547B-4598-95D8-3FB4D608B5D5}" type="slidenum">
-              <a:rPr lang="de-DE" smtClean="0"/>
-              <a:pPr/>
-              <a:t>10</a:t>
-            </a:fld>
-            <a:endParaRPr lang="de-DE" dirty="0"/>
-          </a:p>
-        </p:txBody>
-      </p:sp>
-      <mc:AlternateContent xmlns:mc="http://schemas.openxmlformats.org/markup-compatibility/2006">
-        <mc:Choice xmlns:a14="http://schemas.microsoft.com/office/drawing/2010/main" Requires="a14">
-          <p:graphicFrame>
-            <p:nvGraphicFramePr>
-              <p:cNvPr id="7" name="Tabelle 7">
-                <a:extLst>
-                  <a:ext uri="{FF2B5EF4-FFF2-40B4-BE49-F238E27FC236}">
-                    <a16:creationId xmlns:a16="http://schemas.microsoft.com/office/drawing/2014/main" id="{914FD181-E8FD-4CF7-BBB2-581226DC53B4}"/>
-                  </a:ext>
-                </a:extLst>
-              </p:cNvPr>
-              <p:cNvGraphicFramePr>
-                <a:graphicFrameLocks noGrp="1"/>
-              </p:cNvGraphicFramePr>
-              <p:nvPr>
-                <p:extLst>
-                  <p:ext uri="{D42A27DB-BD31-4B8C-83A1-F6EECF244321}">
-                    <p14:modId xmlns:p14="http://schemas.microsoft.com/office/powerpoint/2010/main" val="2753346131"/>
-                  </p:ext>
-                </p:extLst>
-              </p:nvPr>
-            </p:nvGraphicFramePr>
-            <p:xfrm>
-              <a:off x="323528" y="1563638"/>
-              <a:ext cx="6696744" cy="3086799"/>
-            </p:xfrm>
-            <a:graphic>
-              <a:graphicData uri="http://schemas.openxmlformats.org/drawingml/2006/table">
-                <a:tbl>
-                  <a:tblPr firstRow="1" bandRow="1">
-                    <a:tableStyleId>{5C22544A-7EE6-4342-B048-85BDC9FD1C3A}</a:tableStyleId>
-                  </a:tblPr>
-                  <a:tblGrid>
-                    <a:gridCol w="459361">
-                      <a:extLst>
-                        <a:ext uri="{9D8B030D-6E8A-4147-A177-3AD203B41FA5}">
-                          <a16:colId xmlns:a16="http://schemas.microsoft.com/office/drawing/2014/main" val="2629441955"/>
-                        </a:ext>
-                      </a:extLst>
-                    </a:gridCol>
-                    <a:gridCol w="2927498">
-                      <a:extLst>
-                        <a:ext uri="{9D8B030D-6E8A-4147-A177-3AD203B41FA5}">
-                          <a16:colId xmlns:a16="http://schemas.microsoft.com/office/drawing/2014/main" val="1966363654"/>
-                        </a:ext>
-                      </a:extLst>
-                    </a:gridCol>
-                    <a:gridCol w="3309885">
-                      <a:extLst>
-                        <a:ext uri="{9D8B030D-6E8A-4147-A177-3AD203B41FA5}">
-                          <a16:colId xmlns:a16="http://schemas.microsoft.com/office/drawing/2014/main" val="160024124"/>
-                        </a:ext>
-                      </a:extLst>
-                    </a:gridCol>
-                  </a:tblGrid>
-                  <a:tr h="370840">
-                    <a:tc>
-                      <a:txBody>
-                        <a:bodyPr/>
-                        <a:lstStyle/>
-                        <a:p>
-                          <a:pPr algn="ctr"/>
-                          <a:r>
-                            <a:rPr lang="de-DE" sz="1800" dirty="0"/>
-                            <a:t>#</a:t>
-                          </a:r>
-                          <a:endParaRPr lang="en-US" sz="1800" dirty="0"/>
-                        </a:p>
-                      </a:txBody>
-                      <a:tcPr/>
-                    </a:tc>
-                    <a:tc>
-                      <a:txBody>
-                        <a:bodyPr/>
-                        <a:lstStyle/>
-                        <a:p>
-                          <a:pPr algn="ctr"/>
-                          <a:r>
-                            <a:rPr lang="de-DE" sz="1800" dirty="0"/>
-                            <a:t>Ladung </a:t>
-                          </a:r>
-                          <a14:m>
-                            <m:oMath xmlns:m="http://schemas.openxmlformats.org/officeDocument/2006/math">
-                              <m:r>
-                                <a:rPr lang="de-DE" sz="1800" b="1" i="1" smtClean="0">
-                                  <a:latin typeface="Cambria Math" panose="02040503050406030204" pitchFamily="18" charset="0"/>
-                                </a:rPr>
-                                <m:t>𝒒</m:t>
-                              </m:r>
-                              <m:r>
-                                <a:rPr lang="de-DE" sz="1800" b="1" i="1" smtClean="0">
-                                  <a:latin typeface="Cambria Math" panose="02040503050406030204" pitchFamily="18" charset="0"/>
-                                </a:rPr>
-                                <m:t> [</m:t>
-                              </m:r>
-                              <m:r>
-                                <a:rPr lang="de-DE" sz="1800" b="1" i="1" smtClean="0">
-                                  <a:latin typeface="Cambria Math" panose="02040503050406030204" pitchFamily="18" charset="0"/>
-                                </a:rPr>
-                                <m:t>𝒆𝑽</m:t>
-                              </m:r>
-                              <m:r>
-                                <a:rPr lang="de-DE" sz="1800" b="1" i="1" smtClean="0">
-                                  <a:latin typeface="Cambria Math" panose="02040503050406030204" pitchFamily="18" charset="0"/>
-                                </a:rPr>
-                                <m:t>]</m:t>
-                              </m:r>
-                            </m:oMath>
-                          </a14:m>
-                          <a:endParaRPr lang="en-US" sz="1800" dirty="0"/>
-                        </a:p>
-                      </a:txBody>
-                      <a:tcPr/>
-                    </a:tc>
-                    <a:tc>
-                      <a:txBody>
-                        <a:bodyPr/>
-                        <a:lstStyle/>
-                        <a:p>
-                          <a:r>
-                            <a:rPr lang="de-DE" sz="1800" dirty="0"/>
-                            <a:t>Ladung als Vielfaches von </a:t>
-                          </a:r>
-                          <a14:m>
-                            <m:oMath xmlns:m="http://schemas.openxmlformats.org/officeDocument/2006/math">
-                              <m:sSub>
-                                <m:sSubPr>
-                                  <m:ctrlPr>
-                                    <a:rPr lang="de-DE" sz="1800" b="1" i="1" smtClean="0">
-                                      <a:latin typeface="Cambria Math" panose="02040503050406030204" pitchFamily="18" charset="0"/>
-                                    </a:rPr>
-                                  </m:ctrlPr>
-                                </m:sSubPr>
-                                <m:e>
-                                  <m:r>
-                                    <a:rPr lang="de-DE" sz="1800" b="1" i="1" smtClean="0">
-                                      <a:latin typeface="Cambria Math" panose="02040503050406030204" pitchFamily="18" charset="0"/>
-                                    </a:rPr>
-                                    <m:t>𝒆</m:t>
-                                  </m:r>
-                                </m:e>
-                                <m:sub>
-                                  <m:r>
-                                    <a:rPr lang="de-DE" sz="1800" b="1" i="1" smtClean="0">
-                                      <a:latin typeface="Cambria Math" panose="02040503050406030204" pitchFamily="18" charset="0"/>
-                                    </a:rPr>
-                                    <m:t>𝟎</m:t>
-                                  </m:r>
-                                </m:sub>
-                              </m:sSub>
-                              <m:r>
-                                <a:rPr lang="de-DE" sz="1800" b="1" i="1" smtClean="0">
-                                  <a:latin typeface="Cambria Math" panose="02040503050406030204" pitchFamily="18" charset="0"/>
-                                </a:rPr>
-                                <m:t> [</m:t>
-                              </m:r>
-                              <m:f>
-                                <m:fPr>
-                                  <m:ctrlPr>
-                                    <a:rPr lang="de-DE" sz="1800" b="1" i="1" smtClean="0">
-                                      <a:latin typeface="Cambria Math" panose="02040503050406030204" pitchFamily="18" charset="0"/>
-                                    </a:rPr>
-                                  </m:ctrlPr>
-                                </m:fPr>
-                                <m:num>
-                                  <m:r>
-                                    <a:rPr lang="de-DE" sz="1800" b="1" i="1" smtClean="0">
-                                      <a:latin typeface="Cambria Math" panose="02040503050406030204" pitchFamily="18" charset="0"/>
-                                    </a:rPr>
-                                    <m:t>𝒒</m:t>
-                                  </m:r>
-                                </m:num>
-                                <m:den>
-                                  <m:sSub>
-                                    <m:sSubPr>
-                                      <m:ctrlPr>
-                                        <a:rPr lang="de-DE" sz="1800" b="1" i="1" smtClean="0">
-                                          <a:latin typeface="Cambria Math" panose="02040503050406030204" pitchFamily="18" charset="0"/>
-                                        </a:rPr>
-                                      </m:ctrlPr>
-                                    </m:sSubPr>
-                                    <m:e>
-                                      <m:r>
-                                        <a:rPr lang="de-DE" sz="1800" b="1" i="1" smtClean="0">
-                                          <a:latin typeface="Cambria Math" panose="02040503050406030204" pitchFamily="18" charset="0"/>
-                                        </a:rPr>
-                                        <m:t>𝒆</m:t>
-                                      </m:r>
-                                    </m:e>
-                                    <m:sub>
-                                      <m:r>
-                                        <a:rPr lang="de-DE" sz="1800" b="1" i="1" smtClean="0">
-                                          <a:latin typeface="Cambria Math" panose="02040503050406030204" pitchFamily="18" charset="0"/>
-                                        </a:rPr>
-                                        <m:t>𝟎</m:t>
-                                      </m:r>
-                                    </m:sub>
-                                  </m:sSub>
-                                </m:den>
-                              </m:f>
-                              <m:r>
-                                <a:rPr lang="de-DE" sz="1800" b="1" i="1" smtClean="0">
-                                  <a:latin typeface="Cambria Math" panose="02040503050406030204" pitchFamily="18" charset="0"/>
-                                </a:rPr>
-                                <m:t>]</m:t>
-                              </m:r>
-                            </m:oMath>
-                          </a14:m>
-                          <a:r>
-                            <a:rPr lang="en-US" sz="1800" dirty="0"/>
-                            <a:t> </a:t>
-                          </a:r>
-                        </a:p>
-                      </a:txBody>
-                      <a:tcPr/>
-                    </a:tc>
-                    <a:extLst>
-                      <a:ext uri="{0D108BD9-81ED-4DB2-BD59-A6C34878D82A}">
-                        <a16:rowId xmlns:a16="http://schemas.microsoft.com/office/drawing/2014/main" val="2249404876"/>
-                      </a:ext>
-                    </a:extLst>
-                  </a:tr>
-                  <a:tr h="370840">
-                    <a:tc>
-                      <a:txBody>
-                        <a:bodyPr/>
-                        <a:lstStyle/>
-                        <a:p>
-                          <a:r>
-                            <a:rPr lang="de-DE" sz="1600" dirty="0"/>
-                            <a:t>1</a:t>
-                          </a:r>
-                          <a:endParaRPr lang="en-US" sz="1600" dirty="0"/>
-                        </a:p>
-                      </a:txBody>
-                      <a:tcPr/>
-                    </a:tc>
-                    <a:tc>
-                      <a:txBody>
-                        <a:bodyPr/>
-                        <a:lstStyle/>
-                        <a:p>
-                          <a:pPr algn="ctr"/>
-                          <a14:m>
-                            <m:oMathPara xmlns:m="http://schemas.openxmlformats.org/officeDocument/2006/math">
-                              <m:oMathParaPr>
-                                <m:jc m:val="centerGroup"/>
-                              </m:oMathParaPr>
-                              <m:oMath xmlns:m="http://schemas.openxmlformats.org/officeDocument/2006/math">
-                                <m:r>
-                                  <a:rPr lang="de-DE" sz="1600" b="0" i="1" smtClean="0">
-                                    <a:latin typeface="Cambria Math" panose="02040503050406030204" pitchFamily="18" charset="0"/>
-                                  </a:rPr>
-                                  <m:t>8.07∗</m:t>
-                                </m:r>
-                                <m:sSup>
-                                  <m:sSupPr>
-                                    <m:ctrlPr>
-                                      <a:rPr lang="de-DE" sz="1600" b="0" i="1" smtClean="0">
-                                        <a:latin typeface="Cambria Math" panose="02040503050406030204" pitchFamily="18" charset="0"/>
-                                      </a:rPr>
-                                    </m:ctrlPr>
-                                  </m:sSupPr>
-                                  <m:e>
-                                    <m:r>
-                                      <a:rPr lang="de-DE" sz="1600" b="0" i="1" smtClean="0">
-                                        <a:latin typeface="Cambria Math" panose="02040503050406030204" pitchFamily="18" charset="0"/>
-                                      </a:rPr>
-                                      <m:t>10</m:t>
-                                    </m:r>
-                                  </m:e>
-                                  <m:sup>
-                                    <m:r>
-                                      <a:rPr lang="de-DE" sz="1600" b="0" i="1" smtClean="0">
-                                        <a:latin typeface="Cambria Math" panose="02040503050406030204" pitchFamily="18" charset="0"/>
-                                      </a:rPr>
-                                      <m:t>−18</m:t>
-                                    </m:r>
-                                  </m:sup>
-                                </m:sSup>
-                                <m:r>
-                                  <a:rPr lang="de-DE" sz="1600" b="0" i="1" smtClean="0">
-                                    <a:latin typeface="Cambria Math" panose="02040503050406030204" pitchFamily="18" charset="0"/>
-                                  </a:rPr>
-                                  <m:t>±1.01∗</m:t>
-                                </m:r>
-                                <m:sSup>
-                                  <m:sSupPr>
-                                    <m:ctrlPr>
-                                      <a:rPr lang="de-DE" sz="1600" b="0" i="1" smtClean="0">
-                                        <a:latin typeface="Cambria Math" panose="02040503050406030204" pitchFamily="18" charset="0"/>
-                                      </a:rPr>
-                                    </m:ctrlPr>
-                                  </m:sSupPr>
-                                  <m:e>
-                                    <m:r>
-                                      <a:rPr lang="de-DE" sz="1600" b="0" i="1" smtClean="0">
-                                        <a:latin typeface="Cambria Math" panose="02040503050406030204" pitchFamily="18" charset="0"/>
-                                      </a:rPr>
-                                      <m:t>10</m:t>
-                                    </m:r>
-                                  </m:e>
-                                  <m:sup>
-                                    <m:r>
-                                      <a:rPr lang="de-DE" sz="1600" b="0" i="1" smtClean="0">
-                                        <a:latin typeface="Cambria Math" panose="02040503050406030204" pitchFamily="18" charset="0"/>
-                                      </a:rPr>
-                                      <m:t>−18</m:t>
-                                    </m:r>
-                                  </m:sup>
-                                </m:sSup>
-                              </m:oMath>
-                            </m:oMathPara>
-                          </a14:m>
-                          <a:endParaRPr lang="en-US" sz="1600" dirty="0"/>
-                        </a:p>
-                      </a:txBody>
-                      <a:tcPr/>
-                    </a:tc>
-                    <a:tc>
-                      <a:txBody>
-                        <a:bodyPr/>
-                        <a:lstStyle/>
-                        <a:p>
-                          <a14:m>
-                            <m:oMathPara xmlns:m="http://schemas.openxmlformats.org/officeDocument/2006/math">
-                              <m:oMathParaPr>
-                                <m:jc m:val="centerGroup"/>
-                              </m:oMathParaPr>
-                              <m:oMath xmlns:m="http://schemas.openxmlformats.org/officeDocument/2006/math">
-                                <m:r>
-                                  <a:rPr lang="de-DE" sz="1600" b="0" i="1" smtClean="0">
-                                    <a:latin typeface="Cambria Math" panose="02040503050406030204" pitchFamily="18" charset="0"/>
-                                  </a:rPr>
-                                  <m:t>50.397</m:t>
-                                </m:r>
-                                <m:sSub>
-                                  <m:sSubPr>
-                                    <m:ctrlPr>
-                                      <a:rPr lang="de-DE" sz="1600" b="0" i="1" smtClean="0">
-                                        <a:latin typeface="Cambria Math" panose="02040503050406030204" pitchFamily="18" charset="0"/>
-                                      </a:rPr>
-                                    </m:ctrlPr>
-                                  </m:sSubPr>
-                                  <m:e>
-                                    <m:r>
-                                      <a:rPr lang="de-DE" sz="1600" b="0" i="1" smtClean="0">
-                                        <a:latin typeface="Cambria Math" panose="02040503050406030204" pitchFamily="18" charset="0"/>
-                                      </a:rPr>
-                                      <m:t>∗</m:t>
-                                    </m:r>
-                                    <m:r>
-                                      <a:rPr lang="de-DE" sz="1600" b="0" i="1" smtClean="0">
-                                        <a:latin typeface="Cambria Math" panose="02040503050406030204" pitchFamily="18" charset="0"/>
-                                      </a:rPr>
-                                      <m:t>𝑒</m:t>
-                                    </m:r>
-                                  </m:e>
-                                  <m:sub>
-                                    <m:r>
-                                      <a:rPr lang="de-DE" sz="1600" b="0" i="1" smtClean="0">
-                                        <a:latin typeface="Cambria Math" panose="02040503050406030204" pitchFamily="18" charset="0"/>
-                                      </a:rPr>
-                                      <m:t>0</m:t>
-                                    </m:r>
-                                  </m:sub>
-                                </m:sSub>
-                              </m:oMath>
-                            </m:oMathPara>
-                          </a14:m>
-                          <a:endParaRPr lang="en-US" sz="1600" dirty="0"/>
-                        </a:p>
-                      </a:txBody>
-                      <a:tcPr/>
-                    </a:tc>
-                    <a:extLst>
-                      <a:ext uri="{0D108BD9-81ED-4DB2-BD59-A6C34878D82A}">
-                        <a16:rowId xmlns:a16="http://schemas.microsoft.com/office/drawing/2014/main" val="947159108"/>
-                      </a:ext>
-                    </a:extLst>
-                  </a:tr>
-                  <a:tr h="370840">
-                    <a:tc>
-                      <a:txBody>
-                        <a:bodyPr/>
-                        <a:lstStyle/>
-                        <a:p>
-                          <a:r>
-                            <a:rPr lang="de-DE" sz="1600" dirty="0">
-                              <a:solidFill>
-                                <a:srgbClr val="92D050"/>
-                              </a:solidFill>
-                            </a:rPr>
-                            <a:t>2</a:t>
-                          </a:r>
-                          <a:endParaRPr lang="en-US" sz="1600" dirty="0">
-                            <a:solidFill>
-                              <a:srgbClr val="92D050"/>
-                            </a:solidFill>
-                          </a:endParaRPr>
-                        </a:p>
-                      </a:txBody>
-                      <a:tcPr/>
-                    </a:tc>
-                    <a:tc>
-                      <a:txBody>
-                        <a:bodyPr/>
-                        <a:lstStyle/>
-                        <a:p>
-                          <a:pPr algn="ctr"/>
-                          <a14:m>
-                            <m:oMathPara xmlns:m="http://schemas.openxmlformats.org/officeDocument/2006/math">
-                              <m:oMathParaPr>
-                                <m:jc m:val="centerGroup"/>
-                              </m:oMathParaPr>
-                              <m:oMath xmlns:m="http://schemas.openxmlformats.org/officeDocument/2006/math">
-                                <m:r>
-                                  <a:rPr lang="de-DE" sz="1600" b="0" i="1" smtClean="0">
-                                    <a:solidFill>
-                                      <a:srgbClr val="92D050"/>
-                                    </a:solidFill>
-                                    <a:latin typeface="Cambria Math" panose="02040503050406030204" pitchFamily="18" charset="0"/>
-                                  </a:rPr>
-                                  <m:t>1.78∗</m:t>
-                                </m:r>
-                                <m:sSup>
-                                  <m:sSupPr>
-                                    <m:ctrlPr>
-                                      <a:rPr lang="de-DE" sz="1600" b="0" i="1" smtClean="0">
-                                        <a:solidFill>
-                                          <a:srgbClr val="92D050"/>
-                                        </a:solidFill>
-                                        <a:latin typeface="Cambria Math" panose="02040503050406030204" pitchFamily="18" charset="0"/>
-                                      </a:rPr>
-                                    </m:ctrlPr>
-                                  </m:sSupPr>
-                                  <m:e>
-                                    <m:r>
-                                      <a:rPr lang="de-DE" sz="1600" b="0" i="1" smtClean="0">
-                                        <a:solidFill>
-                                          <a:srgbClr val="92D050"/>
-                                        </a:solidFill>
-                                        <a:latin typeface="Cambria Math" panose="02040503050406030204" pitchFamily="18" charset="0"/>
-                                      </a:rPr>
-                                      <m:t>10</m:t>
-                                    </m:r>
-                                  </m:e>
-                                  <m:sup>
-                                    <m:r>
-                                      <a:rPr lang="de-DE" sz="1600" b="0" i="1" smtClean="0">
-                                        <a:solidFill>
-                                          <a:srgbClr val="92D050"/>
-                                        </a:solidFill>
-                                        <a:latin typeface="Cambria Math" panose="02040503050406030204" pitchFamily="18" charset="0"/>
-                                      </a:rPr>
-                                      <m:t>−18</m:t>
-                                    </m:r>
-                                  </m:sup>
-                                </m:sSup>
-                                <m:r>
-                                  <a:rPr lang="de-DE" sz="1600" b="0" i="1" smtClean="0">
-                                    <a:solidFill>
-                                      <a:srgbClr val="92D050"/>
-                                    </a:solidFill>
-                                    <a:latin typeface="Cambria Math" panose="02040503050406030204" pitchFamily="18" charset="0"/>
-                                  </a:rPr>
-                                  <m:t>±5.97∗</m:t>
-                                </m:r>
-                                <m:sSup>
-                                  <m:sSupPr>
-                                    <m:ctrlPr>
-                                      <a:rPr lang="de-DE" sz="1600" b="0" i="1" smtClean="0">
-                                        <a:solidFill>
-                                          <a:srgbClr val="92D050"/>
-                                        </a:solidFill>
-                                        <a:latin typeface="Cambria Math" panose="02040503050406030204" pitchFamily="18" charset="0"/>
-                                      </a:rPr>
-                                    </m:ctrlPr>
-                                  </m:sSupPr>
-                                  <m:e>
-                                    <m:r>
-                                      <a:rPr lang="de-DE" sz="1600" b="0" i="1" smtClean="0">
-                                        <a:solidFill>
-                                          <a:srgbClr val="92D050"/>
-                                        </a:solidFill>
-                                        <a:latin typeface="Cambria Math" panose="02040503050406030204" pitchFamily="18" charset="0"/>
-                                      </a:rPr>
-                                      <m:t>10</m:t>
-                                    </m:r>
-                                  </m:e>
-                                  <m:sup>
-                                    <m:r>
-                                      <a:rPr lang="de-DE" sz="1600" b="0" i="1" smtClean="0">
-                                        <a:solidFill>
-                                          <a:srgbClr val="92D050"/>
-                                        </a:solidFill>
-                                        <a:latin typeface="Cambria Math" panose="02040503050406030204" pitchFamily="18" charset="0"/>
-                                      </a:rPr>
-                                      <m:t>−20</m:t>
-                                    </m:r>
-                                  </m:sup>
-                                </m:sSup>
-                              </m:oMath>
-                            </m:oMathPara>
-                          </a14:m>
-                          <a:endParaRPr lang="en-US" sz="1600" dirty="0">
-                            <a:solidFill>
-                              <a:srgbClr val="92D050"/>
-                            </a:solidFill>
-                          </a:endParaRPr>
-                        </a:p>
-                      </a:txBody>
-                      <a:tcPr/>
-                    </a:tc>
-                    <a:tc>
-                      <a:txBody>
-                        <a:bodyPr/>
-                        <a:lstStyle/>
-                        <a:p>
-                          <a14:m>
-                            <m:oMathPara xmlns:m="http://schemas.openxmlformats.org/officeDocument/2006/math">
-                              <m:oMathParaPr>
-                                <m:jc m:val="centerGroup"/>
-                              </m:oMathParaPr>
-                              <m:oMath xmlns:m="http://schemas.openxmlformats.org/officeDocument/2006/math">
-                                <m:r>
-                                  <a:rPr lang="de-DE" sz="1600" b="0" i="1" smtClean="0">
-                                    <a:solidFill>
-                                      <a:srgbClr val="92D050"/>
-                                    </a:solidFill>
-                                    <a:latin typeface="Cambria Math" panose="02040503050406030204" pitchFamily="18" charset="0"/>
-                                  </a:rPr>
-                                  <m:t>11.135∗</m:t>
-                                </m:r>
-                                <m:sSub>
-                                  <m:sSubPr>
-                                    <m:ctrlPr>
-                                      <a:rPr lang="de-DE" sz="1600" b="0" i="1" smtClean="0">
-                                        <a:solidFill>
-                                          <a:srgbClr val="92D050"/>
-                                        </a:solidFill>
-                                        <a:latin typeface="Cambria Math" panose="02040503050406030204" pitchFamily="18" charset="0"/>
-                                      </a:rPr>
-                                    </m:ctrlPr>
-                                  </m:sSubPr>
-                                  <m:e>
-                                    <m:r>
-                                      <a:rPr lang="de-DE" sz="1600" b="0" i="1" smtClean="0">
-                                        <a:solidFill>
-                                          <a:srgbClr val="92D050"/>
-                                        </a:solidFill>
-                                        <a:latin typeface="Cambria Math" panose="02040503050406030204" pitchFamily="18" charset="0"/>
-                                      </a:rPr>
-                                      <m:t>𝑒</m:t>
-                                    </m:r>
-                                  </m:e>
-                                  <m:sub>
-                                    <m:r>
-                                      <a:rPr lang="de-DE" sz="1600" b="0" i="1" smtClean="0">
-                                        <a:solidFill>
-                                          <a:srgbClr val="92D050"/>
-                                        </a:solidFill>
-                                        <a:latin typeface="Cambria Math" panose="02040503050406030204" pitchFamily="18" charset="0"/>
-                                      </a:rPr>
-                                      <m:t>0</m:t>
-                                    </m:r>
-                                  </m:sub>
-                                </m:sSub>
-                              </m:oMath>
-                            </m:oMathPara>
-                          </a14:m>
-                          <a:endParaRPr lang="en-US" sz="1600" dirty="0">
-                            <a:solidFill>
-                              <a:srgbClr val="92D050"/>
-                            </a:solidFill>
-                          </a:endParaRPr>
-                        </a:p>
-                      </a:txBody>
-                      <a:tcPr/>
-                    </a:tc>
-                    <a:extLst>
-                      <a:ext uri="{0D108BD9-81ED-4DB2-BD59-A6C34878D82A}">
-                        <a16:rowId xmlns:a16="http://schemas.microsoft.com/office/drawing/2014/main" val="3317375290"/>
-                      </a:ext>
-                    </a:extLst>
-                  </a:tr>
-                  <a:tr h="370840">
-                    <a:tc>
-                      <a:txBody>
-                        <a:bodyPr/>
-                        <a:lstStyle/>
-                        <a:p>
-                          <a:r>
-                            <a:rPr lang="de-DE" sz="1600" dirty="0"/>
-                            <a:t>3</a:t>
-                          </a:r>
-                          <a:endParaRPr lang="en-US" sz="1600" dirty="0"/>
-                        </a:p>
-                      </a:txBody>
-                      <a:tcPr/>
-                    </a:tc>
-                    <a:tc>
-                      <a:txBody>
-                        <a:bodyPr/>
-                        <a:lstStyle/>
-                        <a:p>
-                          <a:pPr algn="ctr"/>
-                          <a14:m>
-                            <m:oMathPara xmlns:m="http://schemas.openxmlformats.org/officeDocument/2006/math">
-                              <m:oMathParaPr>
-                                <m:jc m:val="centerGroup"/>
-                              </m:oMathParaPr>
-                              <m:oMath xmlns:m="http://schemas.openxmlformats.org/officeDocument/2006/math">
-                                <m:r>
-                                  <a:rPr lang="de-DE" sz="1600" b="0" i="1" smtClean="0">
-                                    <a:latin typeface="Cambria Math" panose="02040503050406030204" pitchFamily="18" charset="0"/>
-                                  </a:rPr>
-                                  <m:t>3.60∗</m:t>
-                                </m:r>
-                                <m:sSup>
-                                  <m:sSupPr>
-                                    <m:ctrlPr>
-                                      <a:rPr lang="de-DE" sz="1600" b="0" i="1" smtClean="0">
-                                        <a:latin typeface="Cambria Math" panose="02040503050406030204" pitchFamily="18" charset="0"/>
-                                      </a:rPr>
-                                    </m:ctrlPr>
-                                  </m:sSupPr>
-                                  <m:e>
-                                    <m:r>
-                                      <a:rPr lang="de-DE" sz="1600" b="0" i="1" smtClean="0">
-                                        <a:latin typeface="Cambria Math" panose="02040503050406030204" pitchFamily="18" charset="0"/>
-                                      </a:rPr>
-                                      <m:t>10</m:t>
-                                    </m:r>
-                                  </m:e>
-                                  <m:sup>
-                                    <m:r>
-                                      <a:rPr lang="de-DE" sz="1600" b="0" i="1" smtClean="0">
-                                        <a:latin typeface="Cambria Math" panose="02040503050406030204" pitchFamily="18" charset="0"/>
-                                      </a:rPr>
-                                      <m:t>−18</m:t>
-                                    </m:r>
-                                  </m:sup>
-                                </m:sSup>
-                                <m:r>
-                                  <a:rPr lang="de-DE" sz="1600" b="0" i="1" smtClean="0">
-                                    <a:latin typeface="Cambria Math" panose="02040503050406030204" pitchFamily="18" charset="0"/>
-                                  </a:rPr>
-                                  <m:t>±4.43∗</m:t>
-                                </m:r>
-                                <m:sSup>
-                                  <m:sSupPr>
-                                    <m:ctrlPr>
-                                      <a:rPr lang="de-DE" sz="1600" b="0" i="1" smtClean="0">
-                                        <a:latin typeface="Cambria Math" panose="02040503050406030204" pitchFamily="18" charset="0"/>
-                                      </a:rPr>
-                                    </m:ctrlPr>
-                                  </m:sSupPr>
-                                  <m:e>
-                                    <m:r>
-                                      <a:rPr lang="de-DE" sz="1600" b="0" i="1" smtClean="0">
-                                        <a:latin typeface="Cambria Math" panose="02040503050406030204" pitchFamily="18" charset="0"/>
-                                      </a:rPr>
-                                      <m:t>10</m:t>
-                                    </m:r>
-                                  </m:e>
-                                  <m:sup>
-                                    <m:r>
-                                      <a:rPr lang="de-DE" sz="1600" b="0" i="1" smtClean="0">
-                                        <a:latin typeface="Cambria Math" panose="02040503050406030204" pitchFamily="18" charset="0"/>
-                                      </a:rPr>
-                                      <m:t>−19</m:t>
-                                    </m:r>
-                                  </m:sup>
-                                </m:sSup>
-                              </m:oMath>
-                            </m:oMathPara>
-                          </a14:m>
-                          <a:endParaRPr lang="en-US" sz="1600" dirty="0"/>
-                        </a:p>
-                      </a:txBody>
-                      <a:tcPr/>
-                    </a:tc>
-                    <a:tc>
-                      <a:txBody>
-                        <a:bodyPr/>
-                        <a:lstStyle/>
-                        <a:p>
-                          <a14:m>
-                            <m:oMathPara xmlns:m="http://schemas.openxmlformats.org/officeDocument/2006/math">
-                              <m:oMathParaPr>
-                                <m:jc m:val="centerGroup"/>
-                              </m:oMathParaPr>
-                              <m:oMath xmlns:m="http://schemas.openxmlformats.org/officeDocument/2006/math">
-                                <m:r>
-                                  <a:rPr lang="de-DE" sz="1600" b="0" i="1" smtClean="0">
-                                    <a:latin typeface="Cambria Math" panose="02040503050406030204" pitchFamily="18" charset="0"/>
-                                  </a:rPr>
-                                  <m:t>22.468</m:t>
-                                </m:r>
-                                <m:sSub>
-                                  <m:sSubPr>
-                                    <m:ctrlPr>
-                                      <a:rPr lang="de-DE" sz="1600" b="0" i="1" smtClean="0">
-                                        <a:latin typeface="Cambria Math" panose="02040503050406030204" pitchFamily="18" charset="0"/>
-                                      </a:rPr>
-                                    </m:ctrlPr>
-                                  </m:sSubPr>
-                                  <m:e>
-                                    <m:r>
-                                      <a:rPr lang="de-DE" sz="1600" b="0" i="1" smtClean="0">
-                                        <a:latin typeface="Cambria Math" panose="02040503050406030204" pitchFamily="18" charset="0"/>
-                                      </a:rPr>
-                                      <m:t>∗</m:t>
-                                    </m:r>
-                                    <m:r>
-                                      <a:rPr lang="de-DE" sz="1600" b="0" i="1" smtClean="0">
-                                        <a:latin typeface="Cambria Math" panose="02040503050406030204" pitchFamily="18" charset="0"/>
-                                      </a:rPr>
-                                      <m:t>𝑒</m:t>
-                                    </m:r>
-                                  </m:e>
-                                  <m:sub>
-                                    <m:r>
-                                      <a:rPr lang="de-DE" sz="1600" b="0" i="1" smtClean="0">
-                                        <a:latin typeface="Cambria Math" panose="02040503050406030204" pitchFamily="18" charset="0"/>
-                                      </a:rPr>
-                                      <m:t>0</m:t>
-                                    </m:r>
-                                  </m:sub>
-                                </m:sSub>
-                              </m:oMath>
-                            </m:oMathPara>
-                          </a14:m>
-                          <a:endParaRPr lang="en-US" sz="1600" dirty="0"/>
-                        </a:p>
-                      </a:txBody>
-                      <a:tcPr/>
-                    </a:tc>
-                    <a:extLst>
-                      <a:ext uri="{0D108BD9-81ED-4DB2-BD59-A6C34878D82A}">
-                        <a16:rowId xmlns:a16="http://schemas.microsoft.com/office/drawing/2014/main" val="148892492"/>
-                      </a:ext>
-                    </a:extLst>
-                  </a:tr>
-                  <a:tr h="370840">
-                    <a:tc>
-                      <a:txBody>
-                        <a:bodyPr/>
-                        <a:lstStyle/>
-                        <a:p>
-                          <a:r>
-                            <a:rPr lang="de-DE" sz="1600" dirty="0"/>
-                            <a:t>4</a:t>
-                          </a:r>
-                          <a:endParaRPr lang="en-US" sz="1600" dirty="0"/>
-                        </a:p>
-                      </a:txBody>
-                      <a:tcPr/>
-                    </a:tc>
-                    <a:tc>
-                      <a:txBody>
-                        <a:bodyPr/>
-                        <a:lstStyle/>
-                        <a:p>
-                          <a:pPr algn="ctr"/>
-                          <a14:m>
-                            <m:oMathPara xmlns:m="http://schemas.openxmlformats.org/officeDocument/2006/math">
-                              <m:oMathParaPr>
-                                <m:jc m:val="centerGroup"/>
-                              </m:oMathParaPr>
-                              <m:oMath xmlns:m="http://schemas.openxmlformats.org/officeDocument/2006/math">
-                                <m:r>
-                                  <a:rPr lang="de-DE" sz="1600" b="0" i="1" smtClean="0">
-                                    <a:latin typeface="Cambria Math" panose="02040503050406030204" pitchFamily="18" charset="0"/>
-                                  </a:rPr>
-                                  <m:t>9.38∗</m:t>
-                                </m:r>
-                                <m:sSup>
-                                  <m:sSupPr>
-                                    <m:ctrlPr>
-                                      <a:rPr lang="de-DE" sz="1600" b="0" i="1" smtClean="0">
-                                        <a:latin typeface="Cambria Math" panose="02040503050406030204" pitchFamily="18" charset="0"/>
-                                      </a:rPr>
-                                    </m:ctrlPr>
-                                  </m:sSupPr>
-                                  <m:e>
-                                    <m:r>
-                                      <a:rPr lang="de-DE" sz="1600" b="0" i="1" smtClean="0">
-                                        <a:latin typeface="Cambria Math" panose="02040503050406030204" pitchFamily="18" charset="0"/>
-                                      </a:rPr>
-                                      <m:t>10</m:t>
-                                    </m:r>
-                                  </m:e>
-                                  <m:sup>
-                                    <m:r>
-                                      <a:rPr lang="de-DE" sz="1600" b="0" i="1" smtClean="0">
-                                        <a:latin typeface="Cambria Math" panose="02040503050406030204" pitchFamily="18" charset="0"/>
-                                      </a:rPr>
-                                      <m:t>−18</m:t>
-                                    </m:r>
-                                  </m:sup>
-                                </m:sSup>
-                                <m:r>
-                                  <a:rPr lang="de-DE" sz="1600" b="0" i="1" smtClean="0">
-                                    <a:latin typeface="Cambria Math" panose="02040503050406030204" pitchFamily="18" charset="0"/>
-                                  </a:rPr>
-                                  <m:t>±6.51∗</m:t>
-                                </m:r>
-                                <m:sSup>
-                                  <m:sSupPr>
-                                    <m:ctrlPr>
-                                      <a:rPr lang="de-DE" sz="1600" b="0" i="1" smtClean="0">
-                                        <a:latin typeface="Cambria Math" panose="02040503050406030204" pitchFamily="18" charset="0"/>
-                                      </a:rPr>
-                                    </m:ctrlPr>
-                                  </m:sSupPr>
-                                  <m:e>
-                                    <m:r>
-                                      <a:rPr lang="de-DE" sz="1600" b="0" i="1" smtClean="0">
-                                        <a:latin typeface="Cambria Math" panose="02040503050406030204" pitchFamily="18" charset="0"/>
-                                      </a:rPr>
-                                      <m:t>10</m:t>
-                                    </m:r>
-                                  </m:e>
-                                  <m:sup>
-                                    <m:r>
-                                      <a:rPr lang="de-DE" sz="1600" b="0" i="1" smtClean="0">
-                                        <a:latin typeface="Cambria Math" panose="02040503050406030204" pitchFamily="18" charset="0"/>
-                                      </a:rPr>
-                                      <m:t>−19</m:t>
-                                    </m:r>
-                                  </m:sup>
-                                </m:sSup>
-                              </m:oMath>
-                            </m:oMathPara>
-                          </a14:m>
-                          <a:endParaRPr lang="en-US" sz="1600" dirty="0"/>
-                        </a:p>
-                      </a:txBody>
-                      <a:tcPr/>
-                    </a:tc>
-                    <a:tc>
-                      <a:txBody>
-                        <a:bodyPr/>
-                        <a:lstStyle/>
-                        <a:p>
-                          <a14:m>
-                            <m:oMathPara xmlns:m="http://schemas.openxmlformats.org/officeDocument/2006/math">
-                              <m:oMathParaPr>
-                                <m:jc m:val="centerGroup"/>
-                              </m:oMathParaPr>
-                              <m:oMath xmlns:m="http://schemas.openxmlformats.org/officeDocument/2006/math">
-                                <m:r>
-                                  <a:rPr lang="de-DE" sz="1600" b="0" i="1" smtClean="0">
-                                    <a:latin typeface="Cambria Math" panose="02040503050406030204" pitchFamily="18" charset="0"/>
-                                  </a:rPr>
-                                  <m:t>58.534</m:t>
-                                </m:r>
-                                <m:sSub>
-                                  <m:sSubPr>
-                                    <m:ctrlPr>
-                                      <a:rPr lang="de-DE" sz="1600" b="0" i="1" smtClean="0">
-                                        <a:latin typeface="Cambria Math" panose="02040503050406030204" pitchFamily="18" charset="0"/>
-                                      </a:rPr>
-                                    </m:ctrlPr>
-                                  </m:sSubPr>
-                                  <m:e>
-                                    <m:r>
-                                      <a:rPr lang="de-DE" sz="1600" b="0" i="1" smtClean="0">
-                                        <a:latin typeface="Cambria Math" panose="02040503050406030204" pitchFamily="18" charset="0"/>
-                                      </a:rPr>
-                                      <m:t>∗</m:t>
-                                    </m:r>
-                                    <m:r>
-                                      <a:rPr lang="de-DE" sz="1600" b="0" i="1" smtClean="0">
-                                        <a:latin typeface="Cambria Math" panose="02040503050406030204" pitchFamily="18" charset="0"/>
-                                      </a:rPr>
-                                      <m:t>𝑒</m:t>
-                                    </m:r>
-                                  </m:e>
-                                  <m:sub>
-                                    <m:r>
-                                      <a:rPr lang="de-DE" sz="1600" b="0" i="1" smtClean="0">
-                                        <a:latin typeface="Cambria Math" panose="02040503050406030204" pitchFamily="18" charset="0"/>
-                                      </a:rPr>
-                                      <m:t>0</m:t>
-                                    </m:r>
-                                  </m:sub>
-                                </m:sSub>
-                              </m:oMath>
-                            </m:oMathPara>
-                          </a14:m>
-                          <a:endParaRPr lang="en-US" sz="1600" dirty="0"/>
-                        </a:p>
-                      </a:txBody>
-                      <a:tcPr/>
-                    </a:tc>
-                    <a:extLst>
-                      <a:ext uri="{0D108BD9-81ED-4DB2-BD59-A6C34878D82A}">
-                        <a16:rowId xmlns:a16="http://schemas.microsoft.com/office/drawing/2014/main" val="3254650739"/>
-                      </a:ext>
-                    </a:extLst>
-                  </a:tr>
-                  <a:tr h="370840">
-                    <a:tc>
-                      <a:txBody>
-                        <a:bodyPr/>
-                        <a:lstStyle/>
-                        <a:p>
-                          <a:r>
-                            <a:rPr lang="de-DE" sz="1600" dirty="0"/>
-                            <a:t>5</a:t>
-                          </a:r>
-                          <a:endParaRPr lang="en-US" sz="1600" dirty="0"/>
-                        </a:p>
-                      </a:txBody>
-                      <a:tcPr/>
-                    </a:tc>
-                    <a:tc>
-                      <a:txBody>
-                        <a:bodyPr/>
-                        <a:lstStyle/>
-                        <a:p>
-                          <a:pPr algn="ctr"/>
-                          <a14:m>
-                            <m:oMathPara xmlns:m="http://schemas.openxmlformats.org/officeDocument/2006/math">
-                              <m:oMathParaPr>
-                                <m:jc m:val="centerGroup"/>
-                              </m:oMathParaPr>
-                              <m:oMath xmlns:m="http://schemas.openxmlformats.org/officeDocument/2006/math">
-                                <m:r>
-                                  <a:rPr lang="de-DE" sz="1600" b="0" i="1" smtClean="0">
-                                    <a:latin typeface="Cambria Math" panose="02040503050406030204" pitchFamily="18" charset="0"/>
-                                  </a:rPr>
-                                  <m:t>5.40∗</m:t>
-                                </m:r>
-                                <m:sSup>
-                                  <m:sSupPr>
-                                    <m:ctrlPr>
-                                      <a:rPr lang="de-DE" sz="1600" b="0" i="1" smtClean="0">
-                                        <a:latin typeface="Cambria Math" panose="02040503050406030204" pitchFamily="18" charset="0"/>
-                                      </a:rPr>
-                                    </m:ctrlPr>
-                                  </m:sSupPr>
-                                  <m:e>
-                                    <m:r>
-                                      <a:rPr lang="de-DE" sz="1600" b="0" i="1" smtClean="0">
-                                        <a:latin typeface="Cambria Math" panose="02040503050406030204" pitchFamily="18" charset="0"/>
-                                      </a:rPr>
-                                      <m:t>10</m:t>
-                                    </m:r>
-                                  </m:e>
-                                  <m:sup>
-                                    <m:r>
-                                      <a:rPr lang="de-DE" sz="1600" b="0" i="1" smtClean="0">
-                                        <a:latin typeface="Cambria Math" panose="02040503050406030204" pitchFamily="18" charset="0"/>
-                                      </a:rPr>
-                                      <m:t>−18</m:t>
-                                    </m:r>
-                                  </m:sup>
-                                </m:sSup>
-                                <m:r>
-                                  <a:rPr lang="de-DE" sz="1600" b="0" i="1" smtClean="0">
-                                    <a:latin typeface="Cambria Math" panose="02040503050406030204" pitchFamily="18" charset="0"/>
-                                  </a:rPr>
-                                  <m:t>±6.85∗</m:t>
-                                </m:r>
-                                <m:sSup>
-                                  <m:sSupPr>
-                                    <m:ctrlPr>
-                                      <a:rPr lang="de-DE" sz="1600" b="0" i="1" smtClean="0">
-                                        <a:latin typeface="Cambria Math" panose="02040503050406030204" pitchFamily="18" charset="0"/>
-                                      </a:rPr>
-                                    </m:ctrlPr>
-                                  </m:sSupPr>
-                                  <m:e>
-                                    <m:r>
-                                      <a:rPr lang="de-DE" sz="1600" b="0" i="1" smtClean="0">
-                                        <a:latin typeface="Cambria Math" panose="02040503050406030204" pitchFamily="18" charset="0"/>
-                                      </a:rPr>
-                                      <m:t>10</m:t>
-                                    </m:r>
-                                  </m:e>
-                                  <m:sup>
-                                    <m:r>
-                                      <a:rPr lang="de-DE" sz="1600" b="0" i="1" smtClean="0">
-                                        <a:latin typeface="Cambria Math" panose="02040503050406030204" pitchFamily="18" charset="0"/>
-                                      </a:rPr>
-                                      <m:t>−19</m:t>
-                                    </m:r>
-                                  </m:sup>
-                                </m:sSup>
-                              </m:oMath>
-                            </m:oMathPara>
-                          </a14:m>
-                          <a:endParaRPr lang="en-US" sz="1600" dirty="0"/>
-                        </a:p>
-                      </a:txBody>
-                      <a:tcPr/>
-                    </a:tc>
-                    <a:tc>
-                      <a:txBody>
-                        <a:bodyPr/>
-                        <a:lstStyle/>
-                        <a:p>
-                          <a14:m>
-                            <m:oMathPara xmlns:m="http://schemas.openxmlformats.org/officeDocument/2006/math">
-                              <m:oMathParaPr>
-                                <m:jc m:val="centerGroup"/>
-                              </m:oMathParaPr>
-                              <m:oMath xmlns:m="http://schemas.openxmlformats.org/officeDocument/2006/math">
-                                <m:r>
-                                  <a:rPr lang="de-DE" sz="1600" b="0" i="1" smtClean="0">
-                                    <a:latin typeface="Cambria Math" panose="02040503050406030204" pitchFamily="18" charset="0"/>
-                                  </a:rPr>
-                                  <m:t>33.710</m:t>
-                                </m:r>
-                                <m:sSub>
-                                  <m:sSubPr>
-                                    <m:ctrlPr>
-                                      <a:rPr lang="de-DE" sz="1600" b="0" i="1" smtClean="0">
-                                        <a:latin typeface="Cambria Math" panose="02040503050406030204" pitchFamily="18" charset="0"/>
-                                      </a:rPr>
-                                    </m:ctrlPr>
-                                  </m:sSubPr>
-                                  <m:e>
-                                    <m:r>
-                                      <a:rPr lang="de-DE" sz="1600" b="0" i="1" smtClean="0">
-                                        <a:latin typeface="Cambria Math" panose="02040503050406030204" pitchFamily="18" charset="0"/>
-                                      </a:rPr>
-                                      <m:t>∗</m:t>
-                                    </m:r>
-                                    <m:r>
-                                      <a:rPr lang="de-DE" sz="1600" b="0" i="1" smtClean="0">
-                                        <a:latin typeface="Cambria Math" panose="02040503050406030204" pitchFamily="18" charset="0"/>
-                                      </a:rPr>
-                                      <m:t>𝑒</m:t>
-                                    </m:r>
-                                  </m:e>
-                                  <m:sub>
-                                    <m:r>
-                                      <a:rPr lang="de-DE" sz="1600" b="0" i="1" smtClean="0">
-                                        <a:latin typeface="Cambria Math" panose="02040503050406030204" pitchFamily="18" charset="0"/>
-                                      </a:rPr>
-                                      <m:t>0</m:t>
-                                    </m:r>
-                                  </m:sub>
-                                </m:sSub>
-                              </m:oMath>
-                            </m:oMathPara>
-                          </a14:m>
-                          <a:endParaRPr lang="en-US" sz="1600" dirty="0"/>
-                        </a:p>
-                      </a:txBody>
-                      <a:tcPr/>
-                    </a:tc>
-                    <a:extLst>
-                      <a:ext uri="{0D108BD9-81ED-4DB2-BD59-A6C34878D82A}">
-                        <a16:rowId xmlns:a16="http://schemas.microsoft.com/office/drawing/2014/main" val="100941168"/>
-                      </a:ext>
-                    </a:extLst>
-                  </a:tr>
-                  <a:tr h="370840">
-                    <a:tc>
-                      <a:txBody>
-                        <a:bodyPr/>
-                        <a:lstStyle/>
-                        <a:p>
-                          <a:r>
-                            <a:rPr lang="de-DE" sz="1600" dirty="0"/>
-                            <a:t>6</a:t>
-                          </a:r>
-                          <a:endParaRPr lang="en-US" sz="1600" dirty="0"/>
-                        </a:p>
-                      </a:txBody>
-                      <a:tcPr/>
-                    </a:tc>
-                    <a:tc>
-                      <a:txBody>
-                        <a:bodyPr/>
-                        <a:lstStyle/>
-                        <a:p>
-                          <a:pPr algn="ctr"/>
-                          <a14:m>
-                            <m:oMathPara xmlns:m="http://schemas.openxmlformats.org/officeDocument/2006/math">
-                              <m:oMathParaPr>
-                                <m:jc m:val="centerGroup"/>
-                              </m:oMathParaPr>
-                              <m:oMath xmlns:m="http://schemas.openxmlformats.org/officeDocument/2006/math">
-                                <m:r>
-                                  <a:rPr lang="de-DE" sz="1600" b="0" i="1" smtClean="0">
-                                    <a:latin typeface="Cambria Math" panose="02040503050406030204" pitchFamily="18" charset="0"/>
-                                  </a:rPr>
-                                  <m:t>2.99∗</m:t>
-                                </m:r>
-                                <m:sSup>
-                                  <m:sSupPr>
-                                    <m:ctrlPr>
-                                      <a:rPr lang="de-DE" sz="1600" b="0" i="1" smtClean="0">
-                                        <a:latin typeface="Cambria Math" panose="02040503050406030204" pitchFamily="18" charset="0"/>
-                                      </a:rPr>
-                                    </m:ctrlPr>
-                                  </m:sSupPr>
-                                  <m:e>
-                                    <m:r>
-                                      <a:rPr lang="de-DE" sz="1600" b="0" i="1" smtClean="0">
-                                        <a:latin typeface="Cambria Math" panose="02040503050406030204" pitchFamily="18" charset="0"/>
-                                      </a:rPr>
-                                      <m:t>10</m:t>
-                                    </m:r>
-                                  </m:e>
-                                  <m:sup>
-                                    <m:r>
-                                      <a:rPr lang="de-DE" sz="1600" b="0" i="1" smtClean="0">
-                                        <a:latin typeface="Cambria Math" panose="02040503050406030204" pitchFamily="18" charset="0"/>
-                                      </a:rPr>
-                                      <m:t>−18</m:t>
-                                    </m:r>
-                                  </m:sup>
-                                </m:sSup>
-                                <m:r>
-                                  <a:rPr lang="de-DE" sz="1600" b="0" i="1" smtClean="0">
-                                    <a:latin typeface="Cambria Math" panose="02040503050406030204" pitchFamily="18" charset="0"/>
-                                  </a:rPr>
-                                  <m:t>±7.40∗</m:t>
-                                </m:r>
-                                <m:sSup>
-                                  <m:sSupPr>
-                                    <m:ctrlPr>
-                                      <a:rPr lang="de-DE" sz="1600" b="0" i="1" smtClean="0">
-                                        <a:latin typeface="Cambria Math" panose="02040503050406030204" pitchFamily="18" charset="0"/>
-                                      </a:rPr>
-                                    </m:ctrlPr>
-                                  </m:sSupPr>
-                                  <m:e>
-                                    <m:r>
-                                      <a:rPr lang="de-DE" sz="1600" b="0" i="1" smtClean="0">
-                                        <a:latin typeface="Cambria Math" panose="02040503050406030204" pitchFamily="18" charset="0"/>
-                                      </a:rPr>
-                                      <m:t>10</m:t>
-                                    </m:r>
-                                  </m:e>
-                                  <m:sup>
-                                    <m:r>
-                                      <a:rPr lang="de-DE" sz="1600" b="0" i="1" smtClean="0">
-                                        <a:latin typeface="Cambria Math" panose="02040503050406030204" pitchFamily="18" charset="0"/>
-                                      </a:rPr>
-                                      <m:t>−19</m:t>
-                                    </m:r>
-                                  </m:sup>
-                                </m:sSup>
-                              </m:oMath>
-                            </m:oMathPara>
-                          </a14:m>
-                          <a:endParaRPr lang="en-US" sz="1600" dirty="0"/>
-                        </a:p>
-                      </a:txBody>
-                      <a:tcPr/>
-                    </a:tc>
-                    <a:tc>
-                      <a:txBody>
-                        <a:bodyPr/>
-                        <a:lstStyle/>
-                        <a:p>
-                          <a14:m>
-                            <m:oMathPara xmlns:m="http://schemas.openxmlformats.org/officeDocument/2006/math">
-                              <m:oMathParaPr>
-                                <m:jc m:val="centerGroup"/>
-                              </m:oMathParaPr>
-                              <m:oMath xmlns:m="http://schemas.openxmlformats.org/officeDocument/2006/math">
-                                <m:r>
-                                  <a:rPr lang="de-DE" sz="1600" b="0" i="1" smtClean="0">
-                                    <a:latin typeface="Cambria Math" panose="02040503050406030204" pitchFamily="18" charset="0"/>
-                                  </a:rPr>
-                                  <m:t>18.645∗</m:t>
-                                </m:r>
-                                <m:sSub>
-                                  <m:sSubPr>
-                                    <m:ctrlPr>
-                                      <a:rPr lang="de-DE" sz="1600" b="0" i="1" smtClean="0">
-                                        <a:latin typeface="Cambria Math" panose="02040503050406030204" pitchFamily="18" charset="0"/>
-                                      </a:rPr>
-                                    </m:ctrlPr>
-                                  </m:sSubPr>
-                                  <m:e>
-                                    <m:r>
-                                      <a:rPr lang="de-DE" sz="1600" b="0" i="1" smtClean="0">
-                                        <a:latin typeface="Cambria Math" panose="02040503050406030204" pitchFamily="18" charset="0"/>
-                                      </a:rPr>
-                                      <m:t>𝑒</m:t>
-                                    </m:r>
-                                  </m:e>
-                                  <m:sub>
-                                    <m:r>
-                                      <a:rPr lang="de-DE" sz="1600" b="0" i="1" smtClean="0">
-                                        <a:latin typeface="Cambria Math" panose="02040503050406030204" pitchFamily="18" charset="0"/>
-                                      </a:rPr>
-                                      <m:t>0</m:t>
-                                    </m:r>
-                                  </m:sub>
-                                </m:sSub>
-                              </m:oMath>
-                            </m:oMathPara>
-                          </a14:m>
-                          <a:endParaRPr lang="en-US" sz="1600" dirty="0"/>
-                        </a:p>
-                      </a:txBody>
-                      <a:tcPr/>
-                    </a:tc>
-                    <a:extLst>
-                      <a:ext uri="{0D108BD9-81ED-4DB2-BD59-A6C34878D82A}">
-                        <a16:rowId xmlns:a16="http://schemas.microsoft.com/office/drawing/2014/main" val="2113567753"/>
-                      </a:ext>
-                    </a:extLst>
-                  </a:tr>
-                  <a:tr h="370840">
-                    <a:tc>
-                      <a:txBody>
-                        <a:bodyPr/>
-                        <a:lstStyle/>
-                        <a:p>
-                          <a:r>
-                            <a:rPr lang="de-DE" sz="1600" dirty="0">
-                              <a:solidFill>
-                                <a:srgbClr val="FF0000"/>
-                              </a:solidFill>
-                            </a:rPr>
-                            <a:t>7</a:t>
-                          </a:r>
-                          <a:endParaRPr lang="en-US" sz="1600" dirty="0">
-                            <a:solidFill>
-                              <a:srgbClr val="FF0000"/>
-                            </a:solidFill>
-                          </a:endParaRPr>
-                        </a:p>
-                      </a:txBody>
-                      <a:tcPr/>
-                    </a:tc>
-                    <a:tc>
-                      <a:txBody>
-                        <a:bodyPr/>
-                        <a:lstStyle/>
-                        <a:p>
-                          <a:pPr algn="ctr"/>
-                          <a14:m>
-                            <m:oMathPara xmlns:m="http://schemas.openxmlformats.org/officeDocument/2006/math">
-                              <m:oMathParaPr>
-                                <m:jc m:val="centerGroup"/>
-                              </m:oMathParaPr>
-                              <m:oMath xmlns:m="http://schemas.openxmlformats.org/officeDocument/2006/math">
-                                <m:r>
-                                  <a:rPr lang="de-DE" sz="1600" b="0" i="1" smtClean="0">
-                                    <a:solidFill>
-                                      <a:srgbClr val="FF0000"/>
-                                    </a:solidFill>
-                                    <a:latin typeface="Cambria Math" panose="02040503050406030204" pitchFamily="18" charset="0"/>
-                                  </a:rPr>
-                                  <m:t>1.17∗</m:t>
-                                </m:r>
-                                <m:sSup>
-                                  <m:sSupPr>
-                                    <m:ctrlPr>
-                                      <a:rPr lang="de-DE" sz="1600" b="0" i="1" smtClean="0">
-                                        <a:solidFill>
-                                          <a:srgbClr val="FF0000"/>
-                                        </a:solidFill>
-                                        <a:latin typeface="Cambria Math" panose="02040503050406030204" pitchFamily="18" charset="0"/>
-                                      </a:rPr>
-                                    </m:ctrlPr>
-                                  </m:sSupPr>
-                                  <m:e>
-                                    <m:r>
-                                      <a:rPr lang="de-DE" sz="1600" b="0" i="1" smtClean="0">
-                                        <a:solidFill>
-                                          <a:srgbClr val="FF0000"/>
-                                        </a:solidFill>
-                                        <a:latin typeface="Cambria Math" panose="02040503050406030204" pitchFamily="18" charset="0"/>
-                                      </a:rPr>
-                                      <m:t>10</m:t>
-                                    </m:r>
-                                  </m:e>
-                                  <m:sup>
-                                    <m:r>
-                                      <a:rPr lang="de-DE" sz="1600" b="0" i="1" smtClean="0">
-                                        <a:solidFill>
-                                          <a:srgbClr val="FF0000"/>
-                                        </a:solidFill>
-                                        <a:latin typeface="Cambria Math" panose="02040503050406030204" pitchFamily="18" charset="0"/>
-                                      </a:rPr>
-                                      <m:t>−17</m:t>
-                                    </m:r>
-                                  </m:sup>
-                                </m:sSup>
-                                <m:r>
-                                  <a:rPr lang="de-DE" sz="1600" b="0" i="1" smtClean="0">
-                                    <a:solidFill>
-                                      <a:srgbClr val="FF0000"/>
-                                    </a:solidFill>
-                                    <a:latin typeface="Cambria Math" panose="02040503050406030204" pitchFamily="18" charset="0"/>
-                                  </a:rPr>
-                                  <m:t>±2.04∗</m:t>
-                                </m:r>
-                                <m:sSup>
-                                  <m:sSupPr>
-                                    <m:ctrlPr>
-                                      <a:rPr lang="de-DE" sz="1600" b="0" i="1" smtClean="0">
-                                        <a:solidFill>
-                                          <a:srgbClr val="FF0000"/>
-                                        </a:solidFill>
-                                        <a:latin typeface="Cambria Math" panose="02040503050406030204" pitchFamily="18" charset="0"/>
-                                      </a:rPr>
-                                    </m:ctrlPr>
-                                  </m:sSupPr>
-                                  <m:e>
-                                    <m:r>
-                                      <a:rPr lang="de-DE" sz="1600" b="0" i="1" smtClean="0">
-                                        <a:solidFill>
-                                          <a:srgbClr val="FF0000"/>
-                                        </a:solidFill>
-                                        <a:latin typeface="Cambria Math" panose="02040503050406030204" pitchFamily="18" charset="0"/>
-                                      </a:rPr>
-                                      <m:t>10</m:t>
-                                    </m:r>
-                                  </m:e>
-                                  <m:sup>
-                                    <m:r>
-                                      <a:rPr lang="de-DE" sz="1600" b="0" i="1" smtClean="0">
-                                        <a:solidFill>
-                                          <a:srgbClr val="FF0000"/>
-                                        </a:solidFill>
-                                        <a:latin typeface="Cambria Math" panose="02040503050406030204" pitchFamily="18" charset="0"/>
-                                      </a:rPr>
-                                      <m:t>−18</m:t>
-                                    </m:r>
-                                  </m:sup>
-                                </m:sSup>
-                              </m:oMath>
-                            </m:oMathPara>
-                          </a14:m>
-                          <a:endParaRPr lang="en-US" sz="1600" dirty="0">
-                            <a:solidFill>
-                              <a:srgbClr val="FF0000"/>
-                            </a:solidFill>
-                          </a:endParaRPr>
-                        </a:p>
-                      </a:txBody>
-                      <a:tcPr/>
-                    </a:tc>
-                    <a:tc>
-                      <a:txBody>
-                        <a:bodyPr/>
-                        <a:lstStyle/>
-                        <a:p>
-                          <a14:m>
-                            <m:oMathPara xmlns:m="http://schemas.openxmlformats.org/officeDocument/2006/math">
-                              <m:oMathParaPr>
-                                <m:jc m:val="centerGroup"/>
-                              </m:oMathParaPr>
-                              <m:oMath xmlns:m="http://schemas.openxmlformats.org/officeDocument/2006/math">
-                                <m:r>
-                                  <a:rPr lang="de-DE" sz="1600" b="0" i="1" smtClean="0">
-                                    <a:solidFill>
-                                      <a:srgbClr val="FF0000"/>
-                                    </a:solidFill>
-                                    <a:latin typeface="Cambria Math" panose="02040503050406030204" pitchFamily="18" charset="0"/>
-                                  </a:rPr>
-                                  <m:t>72.843</m:t>
-                                </m:r>
-                                <m:sSub>
-                                  <m:sSubPr>
-                                    <m:ctrlPr>
-                                      <a:rPr lang="de-DE" sz="1600" b="0" i="1" smtClean="0">
-                                        <a:solidFill>
-                                          <a:srgbClr val="FF0000"/>
-                                        </a:solidFill>
-                                        <a:latin typeface="Cambria Math" panose="02040503050406030204" pitchFamily="18" charset="0"/>
-                                      </a:rPr>
-                                    </m:ctrlPr>
-                                  </m:sSubPr>
-                                  <m:e>
-                                    <m:r>
-                                      <a:rPr lang="de-DE" sz="1600" b="0" i="1" smtClean="0">
-                                        <a:solidFill>
-                                          <a:srgbClr val="FF0000"/>
-                                        </a:solidFill>
-                                        <a:latin typeface="Cambria Math" panose="02040503050406030204" pitchFamily="18" charset="0"/>
-                                      </a:rPr>
-                                      <m:t>∗</m:t>
-                                    </m:r>
-                                    <m:r>
-                                      <a:rPr lang="de-DE" sz="1600" b="0" i="1" smtClean="0">
-                                        <a:solidFill>
-                                          <a:srgbClr val="FF0000"/>
-                                        </a:solidFill>
-                                        <a:latin typeface="Cambria Math" panose="02040503050406030204" pitchFamily="18" charset="0"/>
-                                      </a:rPr>
-                                      <m:t>𝑒</m:t>
-                                    </m:r>
-                                  </m:e>
-                                  <m:sub>
-                                    <m:r>
-                                      <a:rPr lang="de-DE" sz="1600" b="0" i="1" smtClean="0">
-                                        <a:solidFill>
-                                          <a:srgbClr val="FF0000"/>
-                                        </a:solidFill>
-                                        <a:latin typeface="Cambria Math" panose="02040503050406030204" pitchFamily="18" charset="0"/>
-                                      </a:rPr>
-                                      <m:t>0</m:t>
-                                    </m:r>
-                                  </m:sub>
-                                </m:sSub>
-                              </m:oMath>
-                            </m:oMathPara>
-                          </a14:m>
-                          <a:endParaRPr lang="en-US" sz="1600" dirty="0">
-                            <a:solidFill>
-                              <a:srgbClr val="FF0000"/>
-                            </a:solidFill>
-                          </a:endParaRPr>
-                        </a:p>
-                      </a:txBody>
-                      <a:tcPr/>
-                    </a:tc>
-                    <a:extLst>
-                      <a:ext uri="{0D108BD9-81ED-4DB2-BD59-A6C34878D82A}">
-                        <a16:rowId xmlns:a16="http://schemas.microsoft.com/office/drawing/2014/main" val="1768043621"/>
-                      </a:ext>
-                    </a:extLst>
-                  </a:tr>
-                </a:tbl>
-              </a:graphicData>
-            </a:graphic>
-          </p:graphicFrame>
-        </mc:Choice>
-        <mc:Fallback>
-          <p:graphicFrame>
-            <p:nvGraphicFramePr>
-              <p:cNvPr id="7" name="Tabelle 7">
-                <a:extLst>
-                  <a:ext uri="{FF2B5EF4-FFF2-40B4-BE49-F238E27FC236}">
-                    <a16:creationId xmlns:a16="http://schemas.microsoft.com/office/drawing/2014/main" id="{914FD181-E8FD-4CF7-BBB2-581226DC53B4}"/>
-                  </a:ext>
-                </a:extLst>
-              </p:cNvPr>
-              <p:cNvGraphicFramePr>
-                <a:graphicFrameLocks noGrp="1"/>
-              </p:cNvGraphicFramePr>
-              <p:nvPr>
-                <p:extLst>
-                  <p:ext uri="{D42A27DB-BD31-4B8C-83A1-F6EECF244321}">
-                    <p14:modId xmlns:p14="http://schemas.microsoft.com/office/powerpoint/2010/main" val="2753346131"/>
-                  </p:ext>
-                </p:extLst>
-              </p:nvPr>
-            </p:nvGraphicFramePr>
-            <p:xfrm>
-              <a:off x="323528" y="1563638"/>
-              <a:ext cx="6696744" cy="3086799"/>
-            </p:xfrm>
-            <a:graphic>
-              <a:graphicData uri="http://schemas.openxmlformats.org/drawingml/2006/table">
-                <a:tbl>
-                  <a:tblPr firstRow="1" bandRow="1">
-                    <a:tableStyleId>{5C22544A-7EE6-4342-B048-85BDC9FD1C3A}</a:tableStyleId>
-                  </a:tblPr>
-                  <a:tblGrid>
-                    <a:gridCol w="459361">
-                      <a:extLst>
-                        <a:ext uri="{9D8B030D-6E8A-4147-A177-3AD203B41FA5}">
-                          <a16:colId xmlns:a16="http://schemas.microsoft.com/office/drawing/2014/main" val="2629441955"/>
-                        </a:ext>
-                      </a:extLst>
-                    </a:gridCol>
-                    <a:gridCol w="2927498">
-                      <a:extLst>
-                        <a:ext uri="{9D8B030D-6E8A-4147-A177-3AD203B41FA5}">
-                          <a16:colId xmlns:a16="http://schemas.microsoft.com/office/drawing/2014/main" val="1966363654"/>
-                        </a:ext>
-                      </a:extLst>
-                    </a:gridCol>
-                    <a:gridCol w="3309885">
-                      <a:extLst>
-                        <a:ext uri="{9D8B030D-6E8A-4147-A177-3AD203B41FA5}">
-                          <a16:colId xmlns:a16="http://schemas.microsoft.com/office/drawing/2014/main" val="160024124"/>
-                        </a:ext>
-                      </a:extLst>
-                    </a:gridCol>
-                  </a:tblGrid>
-                  <a:tr h="490919">
-                    <a:tc>
-                      <a:txBody>
-                        <a:bodyPr/>
-                        <a:lstStyle/>
-                        <a:p>
-                          <a:pPr algn="ctr"/>
-                          <a:r>
-                            <a:rPr lang="de-DE" sz="1800" dirty="0"/>
-                            <a:t>#</a:t>
-                          </a:r>
-                          <a:endParaRPr lang="en-US" sz="1800" dirty="0"/>
-                        </a:p>
-                      </a:txBody>
-                      <a:tcPr/>
-                    </a:tc>
-                    <a:tc>
-                      <a:txBody>
-                        <a:bodyPr/>
-                        <a:lstStyle/>
-                        <a:p>
-                          <a:endParaRPr lang="en-US"/>
-                        </a:p>
-                      </a:txBody>
-                      <a:tcPr>
-                        <a:blipFill>
-                          <a:blip r:embed="rId2"/>
-                          <a:stretch>
-                            <a:fillRect l="-15800" t="-6173" r="-113721" b="-534568"/>
-                          </a:stretch>
-                        </a:blipFill>
-                      </a:tcPr>
-                    </a:tc>
-                    <a:tc>
-                      <a:txBody>
-                        <a:bodyPr/>
-                        <a:lstStyle/>
-                        <a:p>
-                          <a:endParaRPr lang="en-US"/>
-                        </a:p>
-                      </a:txBody>
-                      <a:tcPr>
-                        <a:blipFill>
-                          <a:blip r:embed="rId2"/>
-                          <a:stretch>
-                            <a:fillRect l="-102578" t="-6173" r="-737" b="-534568"/>
-                          </a:stretch>
-                        </a:blipFill>
-                      </a:tcPr>
-                    </a:tc>
-                    <a:extLst>
-                      <a:ext uri="{0D108BD9-81ED-4DB2-BD59-A6C34878D82A}">
-                        <a16:rowId xmlns:a16="http://schemas.microsoft.com/office/drawing/2014/main" val="2249404876"/>
-                      </a:ext>
-                    </a:extLst>
-                  </a:tr>
-                  <a:tr h="370840">
-                    <a:tc>
-                      <a:txBody>
-                        <a:bodyPr/>
-                        <a:lstStyle/>
-                        <a:p>
-                          <a:r>
-                            <a:rPr lang="de-DE" sz="1600" dirty="0"/>
-                            <a:t>1</a:t>
-                          </a:r>
-                          <a:endParaRPr lang="en-US" sz="1600" dirty="0"/>
-                        </a:p>
-                      </a:txBody>
-                      <a:tcPr/>
-                    </a:tc>
-                    <a:tc>
-                      <a:txBody>
-                        <a:bodyPr/>
-                        <a:lstStyle/>
-                        <a:p>
-                          <a:endParaRPr lang="en-US"/>
-                        </a:p>
-                      </a:txBody>
-                      <a:tcPr>
-                        <a:blipFill>
-                          <a:blip r:embed="rId2"/>
-                          <a:stretch>
-                            <a:fillRect l="-15800" t="-140984" r="-113721" b="-609836"/>
-                          </a:stretch>
-                        </a:blipFill>
-                      </a:tcPr>
-                    </a:tc>
-                    <a:tc>
-                      <a:txBody>
-                        <a:bodyPr/>
-                        <a:lstStyle/>
-                        <a:p>
-                          <a:endParaRPr lang="en-US"/>
-                        </a:p>
-                      </a:txBody>
-                      <a:tcPr>
-                        <a:blipFill>
-                          <a:blip r:embed="rId2"/>
-                          <a:stretch>
-                            <a:fillRect l="-102578" t="-140984" r="-737" b="-609836"/>
-                          </a:stretch>
-                        </a:blipFill>
-                      </a:tcPr>
-                    </a:tc>
-                    <a:extLst>
-                      <a:ext uri="{0D108BD9-81ED-4DB2-BD59-A6C34878D82A}">
-                        <a16:rowId xmlns:a16="http://schemas.microsoft.com/office/drawing/2014/main" val="947159108"/>
-                      </a:ext>
-                    </a:extLst>
-                  </a:tr>
-                  <a:tr h="370840">
-                    <a:tc>
-                      <a:txBody>
-                        <a:bodyPr/>
-                        <a:lstStyle/>
-                        <a:p>
-                          <a:r>
-                            <a:rPr lang="de-DE" sz="1600" dirty="0">
-                              <a:solidFill>
-                                <a:srgbClr val="92D050"/>
-                              </a:solidFill>
-                            </a:rPr>
-                            <a:t>2</a:t>
-                          </a:r>
-                          <a:endParaRPr lang="en-US" sz="1600" dirty="0">
-                            <a:solidFill>
-                              <a:srgbClr val="92D050"/>
-                            </a:solidFill>
-                          </a:endParaRPr>
-                        </a:p>
-                      </a:txBody>
-                      <a:tcPr/>
-                    </a:tc>
-                    <a:tc>
-                      <a:txBody>
-                        <a:bodyPr/>
-                        <a:lstStyle/>
-                        <a:p>
-                          <a:endParaRPr lang="en-US"/>
-                        </a:p>
-                      </a:txBody>
-                      <a:tcPr>
-                        <a:blipFill>
-                          <a:blip r:embed="rId2"/>
-                          <a:stretch>
-                            <a:fillRect l="-15800" t="-245000" r="-113721" b="-520000"/>
-                          </a:stretch>
-                        </a:blipFill>
-                      </a:tcPr>
-                    </a:tc>
-                    <a:tc>
-                      <a:txBody>
-                        <a:bodyPr/>
-                        <a:lstStyle/>
-                        <a:p>
-                          <a:endParaRPr lang="en-US"/>
-                        </a:p>
-                      </a:txBody>
-                      <a:tcPr>
-                        <a:blipFill>
-                          <a:blip r:embed="rId2"/>
-                          <a:stretch>
-                            <a:fillRect l="-102578" t="-245000" r="-737" b="-520000"/>
-                          </a:stretch>
-                        </a:blipFill>
-                      </a:tcPr>
-                    </a:tc>
-                    <a:extLst>
-                      <a:ext uri="{0D108BD9-81ED-4DB2-BD59-A6C34878D82A}">
-                        <a16:rowId xmlns:a16="http://schemas.microsoft.com/office/drawing/2014/main" val="3317375290"/>
-                      </a:ext>
-                    </a:extLst>
-                  </a:tr>
-                  <a:tr h="370840">
-                    <a:tc>
-                      <a:txBody>
-                        <a:bodyPr/>
-                        <a:lstStyle/>
-                        <a:p>
-                          <a:r>
-                            <a:rPr lang="de-DE" sz="1600" dirty="0"/>
-                            <a:t>3</a:t>
-                          </a:r>
-                          <a:endParaRPr lang="en-US" sz="1600" dirty="0"/>
-                        </a:p>
-                      </a:txBody>
-                      <a:tcPr/>
-                    </a:tc>
-                    <a:tc>
-                      <a:txBody>
-                        <a:bodyPr/>
-                        <a:lstStyle/>
-                        <a:p>
-                          <a:endParaRPr lang="en-US"/>
-                        </a:p>
-                      </a:txBody>
-                      <a:tcPr>
-                        <a:blipFill>
-                          <a:blip r:embed="rId2"/>
-                          <a:stretch>
-                            <a:fillRect l="-15800" t="-339344" r="-113721" b="-411475"/>
-                          </a:stretch>
-                        </a:blipFill>
-                      </a:tcPr>
-                    </a:tc>
-                    <a:tc>
-                      <a:txBody>
-                        <a:bodyPr/>
-                        <a:lstStyle/>
-                        <a:p>
-                          <a:endParaRPr lang="en-US"/>
-                        </a:p>
-                      </a:txBody>
-                      <a:tcPr>
-                        <a:blipFill>
-                          <a:blip r:embed="rId2"/>
-                          <a:stretch>
-                            <a:fillRect l="-102578" t="-339344" r="-737" b="-411475"/>
-                          </a:stretch>
-                        </a:blipFill>
-                      </a:tcPr>
-                    </a:tc>
-                    <a:extLst>
-                      <a:ext uri="{0D108BD9-81ED-4DB2-BD59-A6C34878D82A}">
-                        <a16:rowId xmlns:a16="http://schemas.microsoft.com/office/drawing/2014/main" val="148892492"/>
-                      </a:ext>
-                    </a:extLst>
-                  </a:tr>
-                  <a:tr h="370840">
-                    <a:tc>
-                      <a:txBody>
-                        <a:bodyPr/>
-                        <a:lstStyle/>
-                        <a:p>
-                          <a:r>
-                            <a:rPr lang="de-DE" sz="1600" dirty="0"/>
-                            <a:t>4</a:t>
-                          </a:r>
-                          <a:endParaRPr lang="en-US" sz="1600" dirty="0"/>
-                        </a:p>
-                      </a:txBody>
-                      <a:tcPr/>
-                    </a:tc>
-                    <a:tc>
-                      <a:txBody>
-                        <a:bodyPr/>
-                        <a:lstStyle/>
-                        <a:p>
-                          <a:endParaRPr lang="en-US"/>
-                        </a:p>
-                      </a:txBody>
-                      <a:tcPr>
-                        <a:blipFill>
-                          <a:blip r:embed="rId2"/>
-                          <a:stretch>
-                            <a:fillRect l="-15800" t="-439344" r="-113721" b="-311475"/>
-                          </a:stretch>
-                        </a:blipFill>
-                      </a:tcPr>
-                    </a:tc>
-                    <a:tc>
-                      <a:txBody>
-                        <a:bodyPr/>
-                        <a:lstStyle/>
-                        <a:p>
-                          <a:endParaRPr lang="en-US"/>
-                        </a:p>
-                      </a:txBody>
-                      <a:tcPr>
-                        <a:blipFill>
-                          <a:blip r:embed="rId2"/>
-                          <a:stretch>
-                            <a:fillRect l="-102578" t="-439344" r="-737" b="-311475"/>
-                          </a:stretch>
-                        </a:blipFill>
-                      </a:tcPr>
-                    </a:tc>
-                    <a:extLst>
-                      <a:ext uri="{0D108BD9-81ED-4DB2-BD59-A6C34878D82A}">
-                        <a16:rowId xmlns:a16="http://schemas.microsoft.com/office/drawing/2014/main" val="3254650739"/>
-                      </a:ext>
-                    </a:extLst>
-                  </a:tr>
-                  <a:tr h="370840">
-                    <a:tc>
-                      <a:txBody>
-                        <a:bodyPr/>
-                        <a:lstStyle/>
-                        <a:p>
-                          <a:r>
-                            <a:rPr lang="de-DE" sz="1600" dirty="0"/>
-                            <a:t>5</a:t>
-                          </a:r>
-                          <a:endParaRPr lang="en-US" sz="1600" dirty="0"/>
-                        </a:p>
-                      </a:txBody>
-                      <a:tcPr/>
-                    </a:tc>
-                    <a:tc>
-                      <a:txBody>
-                        <a:bodyPr/>
-                        <a:lstStyle/>
-                        <a:p>
-                          <a:endParaRPr lang="en-US"/>
-                        </a:p>
-                      </a:txBody>
-                      <a:tcPr>
-                        <a:blipFill>
-                          <a:blip r:embed="rId2"/>
-                          <a:stretch>
-                            <a:fillRect l="-15800" t="-539344" r="-113721" b="-211475"/>
-                          </a:stretch>
-                        </a:blipFill>
-                      </a:tcPr>
-                    </a:tc>
-                    <a:tc>
-                      <a:txBody>
-                        <a:bodyPr/>
-                        <a:lstStyle/>
-                        <a:p>
-                          <a:endParaRPr lang="en-US"/>
-                        </a:p>
-                      </a:txBody>
-                      <a:tcPr>
-                        <a:blipFill>
-                          <a:blip r:embed="rId2"/>
-                          <a:stretch>
-                            <a:fillRect l="-102578" t="-539344" r="-737" b="-211475"/>
-                          </a:stretch>
-                        </a:blipFill>
-                      </a:tcPr>
-                    </a:tc>
-                    <a:extLst>
-                      <a:ext uri="{0D108BD9-81ED-4DB2-BD59-A6C34878D82A}">
-                        <a16:rowId xmlns:a16="http://schemas.microsoft.com/office/drawing/2014/main" val="100941168"/>
-                      </a:ext>
-                    </a:extLst>
-                  </a:tr>
-                  <a:tr h="370840">
-                    <a:tc>
-                      <a:txBody>
-                        <a:bodyPr/>
-                        <a:lstStyle/>
-                        <a:p>
-                          <a:r>
-                            <a:rPr lang="de-DE" sz="1600" dirty="0"/>
-                            <a:t>6</a:t>
-                          </a:r>
-                          <a:endParaRPr lang="en-US" sz="1600" dirty="0"/>
-                        </a:p>
-                      </a:txBody>
-                      <a:tcPr/>
-                    </a:tc>
-                    <a:tc>
-                      <a:txBody>
-                        <a:bodyPr/>
-                        <a:lstStyle/>
-                        <a:p>
-                          <a:endParaRPr lang="en-US"/>
-                        </a:p>
-                      </a:txBody>
-                      <a:tcPr>
-                        <a:blipFill>
-                          <a:blip r:embed="rId2"/>
-                          <a:stretch>
-                            <a:fillRect l="-15800" t="-639344" r="-113721" b="-111475"/>
-                          </a:stretch>
-                        </a:blipFill>
-                      </a:tcPr>
-                    </a:tc>
-                    <a:tc>
-                      <a:txBody>
-                        <a:bodyPr/>
-                        <a:lstStyle/>
-                        <a:p>
-                          <a:endParaRPr lang="en-US"/>
-                        </a:p>
-                      </a:txBody>
-                      <a:tcPr>
-                        <a:blipFill>
-                          <a:blip r:embed="rId2"/>
-                          <a:stretch>
-                            <a:fillRect l="-102578" t="-639344" r="-737" b="-111475"/>
-                          </a:stretch>
-                        </a:blipFill>
-                      </a:tcPr>
-                    </a:tc>
-                    <a:extLst>
-                      <a:ext uri="{0D108BD9-81ED-4DB2-BD59-A6C34878D82A}">
-                        <a16:rowId xmlns:a16="http://schemas.microsoft.com/office/drawing/2014/main" val="2113567753"/>
-                      </a:ext>
-                    </a:extLst>
-                  </a:tr>
-                  <a:tr h="370840">
-                    <a:tc>
-                      <a:txBody>
-                        <a:bodyPr/>
-                        <a:lstStyle/>
-                        <a:p>
-                          <a:r>
-                            <a:rPr lang="de-DE" sz="1600" dirty="0">
-                              <a:solidFill>
-                                <a:srgbClr val="FF0000"/>
-                              </a:solidFill>
-                            </a:rPr>
-                            <a:t>7</a:t>
-                          </a:r>
-                          <a:endParaRPr lang="en-US" sz="1600" dirty="0">
-                            <a:solidFill>
-                              <a:srgbClr val="FF0000"/>
-                            </a:solidFill>
-                          </a:endParaRPr>
-                        </a:p>
-                      </a:txBody>
-                      <a:tcPr/>
-                    </a:tc>
-                    <a:tc>
-                      <a:txBody>
-                        <a:bodyPr/>
-                        <a:lstStyle/>
-                        <a:p>
-                          <a:endParaRPr lang="en-US"/>
-                        </a:p>
-                      </a:txBody>
-                      <a:tcPr>
-                        <a:blipFill>
-                          <a:blip r:embed="rId2"/>
-                          <a:stretch>
-                            <a:fillRect l="-15800" t="-739344" r="-113721" b="-11475"/>
-                          </a:stretch>
-                        </a:blipFill>
-                      </a:tcPr>
-                    </a:tc>
-                    <a:tc>
-                      <a:txBody>
-                        <a:bodyPr/>
-                        <a:lstStyle/>
-                        <a:p>
-                          <a:endParaRPr lang="en-US"/>
-                        </a:p>
-                      </a:txBody>
-                      <a:tcPr>
-                        <a:blipFill>
-                          <a:blip r:embed="rId2"/>
-                          <a:stretch>
-                            <a:fillRect l="-102578" t="-739344" r="-737" b="-11475"/>
-                          </a:stretch>
-                        </a:blipFill>
-                      </a:tcPr>
-                    </a:tc>
-                    <a:extLst>
-                      <a:ext uri="{0D108BD9-81ED-4DB2-BD59-A6C34878D82A}">
-                        <a16:rowId xmlns:a16="http://schemas.microsoft.com/office/drawing/2014/main" val="1768043621"/>
-                      </a:ext>
-                    </a:extLst>
-                  </a:tr>
-                </a:tbl>
-              </a:graphicData>
-            </a:graphic>
-          </p:graphicFrame>
-        </mc:Fallback>
-      </mc:AlternateContent>
-      <p:sp>
-        <p:nvSpPr>
-          <p:cNvPr id="5" name="Rechteck 4">
-            <a:extLst>
-              <a:ext uri="{FF2B5EF4-FFF2-40B4-BE49-F238E27FC236}">
-                <a16:creationId xmlns:a16="http://schemas.microsoft.com/office/drawing/2014/main" id="{D968042C-9BB5-4058-977E-417652CE3EEB}"/>
-              </a:ext>
-            </a:extLst>
-          </p:cNvPr>
-          <p:cNvSpPr/>
-          <p:nvPr/>
-        </p:nvSpPr>
-        <p:spPr>
-          <a:xfrm>
-            <a:off x="7193426" y="905867"/>
-            <a:ext cx="1656184" cy="216024"/>
-          </a:xfrm>
-          <a:prstGeom prst="rect">
-            <a:avLst/>
-          </a:prstGeom>
-          <a:solidFill>
-            <a:srgbClr val="92D050"/>
-          </a:solidFill>
-          <a:ln>
-            <a:solidFill>
-              <a:srgbClr val="92D050"/>
-            </a:solidFill>
-          </a:ln>
-        </p:spPr>
-        <p:style>
-          <a:lnRef idx="2">
-            <a:schemeClr val="accent1">
-              <a:shade val="50000"/>
-            </a:schemeClr>
-          </a:lnRef>
-          <a:fillRef idx="1">
-            <a:schemeClr val="accent1"/>
-          </a:fillRef>
-          <a:effectRef idx="0">
-            <a:schemeClr val="accent1"/>
-          </a:effectRef>
-          <a:fontRef idx="minor">
-            <a:schemeClr val="lt1"/>
-          </a:fontRef>
-        </p:style>
-        <p:txBody>
-          <a:bodyPr rtlCol="0" anchor="ctr"/>
-          <a:lstStyle/>
-          <a:p>
-            <a:pPr algn="ctr"/>
-            <a:r>
-              <a:rPr lang="de-DE" dirty="0"/>
-              <a:t>Kleinste Ladung</a:t>
-            </a:r>
-            <a:endParaRPr lang="en-US" dirty="0"/>
-          </a:p>
-        </p:txBody>
-      </p:sp>
-      <p:sp>
-        <p:nvSpPr>
-          <p:cNvPr id="6" name="Rechteck 5">
-            <a:extLst>
-              <a:ext uri="{FF2B5EF4-FFF2-40B4-BE49-F238E27FC236}">
-                <a16:creationId xmlns:a16="http://schemas.microsoft.com/office/drawing/2014/main" id="{AB3DDC75-CE9D-428D-B40B-D00577176392}"/>
-              </a:ext>
-            </a:extLst>
-          </p:cNvPr>
-          <p:cNvSpPr/>
-          <p:nvPr/>
-        </p:nvSpPr>
-        <p:spPr>
-          <a:xfrm>
-            <a:off x="7193426" y="1245834"/>
-            <a:ext cx="1656184" cy="216024"/>
-          </a:xfrm>
-          <a:prstGeom prst="rect">
-            <a:avLst/>
-          </a:prstGeom>
-          <a:solidFill>
-            <a:srgbClr val="FF0000"/>
-          </a:solidFill>
-          <a:ln>
-            <a:solidFill>
-              <a:srgbClr val="FF0000"/>
-            </a:solidFill>
-          </a:ln>
-        </p:spPr>
-        <p:style>
-          <a:lnRef idx="2">
-            <a:schemeClr val="accent1">
-              <a:shade val="50000"/>
-            </a:schemeClr>
-          </a:lnRef>
-          <a:fillRef idx="1">
-            <a:schemeClr val="accent1"/>
-          </a:fillRef>
-          <a:effectRef idx="0">
-            <a:schemeClr val="accent1"/>
-          </a:effectRef>
-          <a:fontRef idx="minor">
-            <a:schemeClr val="lt1"/>
-          </a:fontRef>
-        </p:style>
-        <p:txBody>
-          <a:bodyPr rtlCol="0" anchor="ctr"/>
-          <a:lstStyle/>
-          <a:p>
-            <a:pPr algn="ctr"/>
-            <a:r>
-              <a:rPr lang="de-DE" dirty="0"/>
-              <a:t>Größte Ladung</a:t>
-            </a:r>
-            <a:endParaRPr lang="en-US" dirty="0"/>
-          </a:p>
-        </p:txBody>
-      </p:sp>
-    </p:spTree>
-    <p:extLst>
-      <p:ext uri="{BB962C8B-B14F-4D97-AF65-F5344CB8AC3E}">
-        <p14:creationId xmlns:p14="http://schemas.microsoft.com/office/powerpoint/2010/main" val="1770452065"/>
-      </p:ext>
-    </p:extLst>
-  </p:cSld>
-  <p:clrMapOvr>
-    <a:masterClrMapping/>
-  </p:clrMapOvr>
-</p:sld>
-</file>
-
-<file path=ppt/slides/slide11.xml><?xml version="1.0" encoding="utf-8"?>
-<p:sld xmlns:a="http://schemas.openxmlformats.org/drawingml/2006/main" xmlns:r="http://schemas.openxmlformats.org/officeDocument/2006/relationships" xmlns:p="http://schemas.openxmlformats.org/presentationml/2006/main">
-  <p:cSld>
-    <p:spTree>
-      <p:nvGrpSpPr>
-        <p:cNvPr id="1" name=""/>
-        <p:cNvGrpSpPr/>
-        <p:nvPr/>
-      </p:nvGrpSpPr>
-      <p:grpSpPr>
-        <a:xfrm>
-          <a:off x="0" y="0"/>
-          <a:ext cx="0" cy="0"/>
-          <a:chOff x="0" y="0"/>
-          <a:chExt cx="0" cy="0"/>
-        </a:xfrm>
-      </p:grpSpPr>
-      <p:sp>
-        <p:nvSpPr>
-          <p:cNvPr id="2" name="Titel 1">
-            <a:extLst>
-              <a:ext uri="{FF2B5EF4-FFF2-40B4-BE49-F238E27FC236}">
-                <a16:creationId xmlns:a16="http://schemas.microsoft.com/office/drawing/2014/main" id="{DAEC56DF-B7AF-4297-BA9C-E649B46C7208}"/>
-              </a:ext>
-            </a:extLst>
-          </p:cNvPr>
-          <p:cNvSpPr>
-            <a:spLocks noGrp="1"/>
-          </p:cNvSpPr>
-          <p:nvPr>
-            <p:ph type="title"/>
-          </p:nvPr>
-        </p:nvSpPr>
-        <p:spPr/>
-        <p:txBody>
-          <a:bodyPr/>
-          <a:lstStyle/>
-          <a:p>
-            <a:r>
-              <a:rPr lang="de-DE" dirty="0"/>
-              <a:t>Diskussion</a:t>
-            </a:r>
-            <a:endParaRPr lang="en-US" dirty="0"/>
-          </a:p>
-        </p:txBody>
-      </p:sp>
-      <p:sp>
-        <p:nvSpPr>
-          <p:cNvPr id="3" name="Textplatzhalter 2">
-            <a:extLst>
-              <a:ext uri="{FF2B5EF4-FFF2-40B4-BE49-F238E27FC236}">
-                <a16:creationId xmlns:a16="http://schemas.microsoft.com/office/drawing/2014/main" id="{4FFFE80B-3532-4136-82F5-B696A8A36713}"/>
-              </a:ext>
-            </a:extLst>
-          </p:cNvPr>
-          <p:cNvSpPr>
-            <a:spLocks noGrp="1"/>
-          </p:cNvSpPr>
-          <p:nvPr>
-            <p:ph type="body" sz="quarter" idx="10"/>
-          </p:nvPr>
-        </p:nvSpPr>
-        <p:spPr>
-          <a:xfrm>
-            <a:off x="250825" y="1491630"/>
-            <a:ext cx="4609207" cy="3240087"/>
-          </a:xfrm>
-        </p:spPr>
-        <p:txBody>
-          <a:bodyPr/>
-          <a:lstStyle/>
-          <a:p>
-            <a:pPr>
-              <a:buFont typeface="Wingdings" panose="05000000000000000000" pitchFamily="2" charset="2"/>
-              <a:buChar char="§"/>
-            </a:pPr>
-            <a:r>
-              <a:rPr lang="de-DE" sz="1600" dirty="0"/>
-              <a:t>Auffälligkeiten:</a:t>
-            </a:r>
-          </a:p>
-          <a:p>
-            <a:pPr lvl="1"/>
-            <a:r>
-              <a:rPr lang="de-DE" sz="1600" dirty="0"/>
-              <a:t>Stark variierende Geschwindigkeiten </a:t>
-            </a:r>
-            <a:r>
-              <a:rPr lang="de-DE" sz="1600"/>
-              <a:t>(Bsp.)</a:t>
-            </a:r>
-          </a:p>
-          <a:p>
-            <a:pPr lvl="1"/>
-            <a:r>
-              <a:rPr lang="de-DE" sz="1600" dirty="0"/>
-              <a:t>Relativ hohe Fehler</a:t>
-            </a:r>
-          </a:p>
-          <a:p>
-            <a:pPr>
-              <a:buFont typeface="Wingdings" panose="05000000000000000000" pitchFamily="2" charset="2"/>
-              <a:buChar char="§"/>
-            </a:pPr>
-            <a:r>
-              <a:rPr lang="de-DE" sz="1600" dirty="0"/>
-              <a:t>Gründe:</a:t>
-            </a:r>
-          </a:p>
-          <a:p>
-            <a:pPr lvl="1"/>
-            <a:r>
-              <a:rPr lang="de-DE" sz="1600" dirty="0"/>
-              <a:t>Hohe Reaktionszeit beim Messen</a:t>
-            </a:r>
-          </a:p>
-          <a:p>
-            <a:pPr lvl="1"/>
-            <a:r>
-              <a:rPr lang="de-DE" sz="1600" dirty="0"/>
-              <a:t>Ungenaue Abstandsbestimmung</a:t>
-            </a:r>
-          </a:p>
-          <a:p>
-            <a:pPr lvl="1"/>
-            <a:r>
-              <a:rPr lang="de-DE" sz="1600" dirty="0"/>
-              <a:t>Tropfen werden als Sphären genähert</a:t>
-            </a:r>
-          </a:p>
-          <a:p>
-            <a:pPr lvl="1"/>
-            <a:endParaRPr lang="de-DE" sz="1600" dirty="0"/>
-          </a:p>
-          <a:p>
-            <a:pPr lvl="1"/>
-            <a:endParaRPr lang="de-DE" sz="1600" dirty="0"/>
-          </a:p>
-          <a:p>
-            <a:pPr lvl="1"/>
-            <a:endParaRPr lang="en-US" sz="1600" dirty="0"/>
-          </a:p>
-        </p:txBody>
-      </p:sp>
-      <p:sp>
-        <p:nvSpPr>
-          <p:cNvPr id="4" name="Foliennummernplatzhalter 3">
-            <a:extLst>
-              <a:ext uri="{FF2B5EF4-FFF2-40B4-BE49-F238E27FC236}">
-                <a16:creationId xmlns:a16="http://schemas.microsoft.com/office/drawing/2014/main" id="{21B4B892-FDD7-4AEA-A771-E64104EC6BCE}"/>
-              </a:ext>
-            </a:extLst>
-          </p:cNvPr>
-          <p:cNvSpPr>
-            <a:spLocks noGrp="1"/>
-          </p:cNvSpPr>
-          <p:nvPr>
-            <p:ph type="sldNum" sz="quarter" idx="4"/>
-          </p:nvPr>
-        </p:nvSpPr>
-        <p:spPr/>
-        <p:txBody>
-          <a:bodyPr/>
-          <a:lstStyle/>
-          <a:p>
-            <a:fld id="{63CECEBB-547B-4598-95D8-3FB4D608B5D5}" type="slidenum">
-              <a:rPr lang="de-DE" smtClean="0"/>
-              <a:pPr/>
-              <a:t>11</a:t>
-            </a:fld>
-            <a:endParaRPr lang="de-DE" dirty="0"/>
-          </a:p>
-        </p:txBody>
-      </p:sp>
-      <mc:AlternateContent xmlns:mc="http://schemas.openxmlformats.org/markup-compatibility/2006">
-        <mc:Choice xmlns:a14="http://schemas.microsoft.com/office/drawing/2010/main" Requires="a14">
-          <p:graphicFrame>
-            <p:nvGraphicFramePr>
-              <p:cNvPr id="10" name="Tabelle 10">
-                <a:extLst>
-                  <a:ext uri="{FF2B5EF4-FFF2-40B4-BE49-F238E27FC236}">
-                    <a16:creationId xmlns:a16="http://schemas.microsoft.com/office/drawing/2014/main" id="{EC836A62-57EE-4D3E-9D8D-EB6DBC312B19}"/>
-                  </a:ext>
-                </a:extLst>
-              </p:cNvPr>
-              <p:cNvGraphicFramePr>
-                <a:graphicFrameLocks noGrp="1"/>
-              </p:cNvGraphicFramePr>
-              <p:nvPr>
-                <p:extLst>
-                  <p:ext uri="{D42A27DB-BD31-4B8C-83A1-F6EECF244321}">
-                    <p14:modId xmlns:p14="http://schemas.microsoft.com/office/powerpoint/2010/main" val="1540646644"/>
-                  </p:ext>
-                </p:extLst>
-              </p:nvPr>
-            </p:nvGraphicFramePr>
-            <p:xfrm>
-              <a:off x="5026688" y="826674"/>
-              <a:ext cx="3840088" cy="4049332"/>
-            </p:xfrm>
-            <a:graphic>
-              <a:graphicData uri="http://schemas.openxmlformats.org/drawingml/2006/table">
-                <a:tbl>
-                  <a:tblPr firstRow="1" bandRow="1">
-                    <a:tableStyleId>{5C22544A-7EE6-4342-B048-85BDC9FD1C3A}</a:tableStyleId>
-                  </a:tblPr>
-                  <a:tblGrid>
-                    <a:gridCol w="960022">
-                      <a:extLst>
-                        <a:ext uri="{9D8B030D-6E8A-4147-A177-3AD203B41FA5}">
-                          <a16:colId xmlns:a16="http://schemas.microsoft.com/office/drawing/2014/main" val="3355178728"/>
-                        </a:ext>
-                      </a:extLst>
-                    </a:gridCol>
-                    <a:gridCol w="960022">
-                      <a:extLst>
-                        <a:ext uri="{9D8B030D-6E8A-4147-A177-3AD203B41FA5}">
-                          <a16:colId xmlns:a16="http://schemas.microsoft.com/office/drawing/2014/main" val="3138394069"/>
-                        </a:ext>
-                      </a:extLst>
-                    </a:gridCol>
-                    <a:gridCol w="960022">
-                      <a:extLst>
-                        <a:ext uri="{9D8B030D-6E8A-4147-A177-3AD203B41FA5}">
-                          <a16:colId xmlns:a16="http://schemas.microsoft.com/office/drawing/2014/main" val="450068901"/>
-                        </a:ext>
-                      </a:extLst>
-                    </a:gridCol>
-                    <a:gridCol w="960022">
-                      <a:extLst>
-                        <a:ext uri="{9D8B030D-6E8A-4147-A177-3AD203B41FA5}">
-                          <a16:colId xmlns:a16="http://schemas.microsoft.com/office/drawing/2014/main" val="1375976332"/>
-                        </a:ext>
-                      </a:extLst>
-                    </a:gridCol>
-                  </a:tblGrid>
-                  <a:tr h="280168">
-                    <a:tc>
-                      <a:txBody>
-                        <a:bodyPr/>
-                        <a:lstStyle/>
-                        <a:p>
-                          <a14:m>
-                            <m:oMathPara xmlns:m="http://schemas.openxmlformats.org/officeDocument/2006/math">
-                              <m:oMathParaPr>
-                                <m:jc m:val="centerGroup"/>
-                              </m:oMathParaPr>
-                              <m:oMath xmlns:m="http://schemas.openxmlformats.org/officeDocument/2006/math">
-                                <m:sSub>
-                                  <m:sSubPr>
-                                    <m:ctrlPr>
-                                      <a:rPr lang="de-DE" b="1" i="1" smtClean="0">
-                                        <a:latin typeface="Cambria Math" panose="02040503050406030204" pitchFamily="18" charset="0"/>
-                                      </a:rPr>
-                                    </m:ctrlPr>
-                                  </m:sSubPr>
-                                  <m:e>
-                                    <m:r>
-                                      <a:rPr lang="de-DE" b="1" i="1" smtClean="0">
-                                        <a:latin typeface="Cambria Math" panose="02040503050406030204" pitchFamily="18" charset="0"/>
-                                      </a:rPr>
-                                      <m:t>𝒕</m:t>
-                                    </m:r>
-                                  </m:e>
-                                  <m:sub>
-                                    <m:r>
-                                      <a:rPr lang="de-DE" b="1" i="1" smtClean="0">
-                                        <a:latin typeface="Cambria Math" panose="02040503050406030204" pitchFamily="18" charset="0"/>
-                                      </a:rPr>
-                                      <m:t>𝒓</m:t>
-                                    </m:r>
-                                  </m:sub>
-                                </m:sSub>
-                                <m:r>
-                                  <a:rPr lang="de-DE" b="1" i="1" smtClean="0">
-                                    <a:latin typeface="Cambria Math" panose="02040503050406030204" pitchFamily="18" charset="0"/>
-                                  </a:rPr>
-                                  <m:t> [</m:t>
-                                </m:r>
-                                <m:r>
-                                  <a:rPr lang="de-DE" b="1" i="1" smtClean="0">
-                                    <a:latin typeface="Cambria Math" panose="02040503050406030204" pitchFamily="18" charset="0"/>
-                                  </a:rPr>
-                                  <m:t>𝒔</m:t>
-                                </m:r>
-                                <m:r>
-                                  <a:rPr lang="de-DE" b="1" i="1" smtClean="0">
-                                    <a:latin typeface="Cambria Math" panose="02040503050406030204" pitchFamily="18" charset="0"/>
-                                  </a:rPr>
-                                  <m:t>]</m:t>
-                                </m:r>
-                              </m:oMath>
-                            </m:oMathPara>
-                          </a14:m>
-                          <a:endParaRPr lang="en-US" dirty="0"/>
-                        </a:p>
-                      </a:txBody>
-                      <a:tcPr/>
-                    </a:tc>
-                    <a:tc>
-                      <a:txBody>
-                        <a:bodyPr/>
-                        <a:lstStyle/>
-                        <a:p>
-                          <a14:m>
-                            <m:oMathPara xmlns:m="http://schemas.openxmlformats.org/officeDocument/2006/math">
-                              <m:oMathParaPr>
-                                <m:jc m:val="centerGroup"/>
-                              </m:oMathParaPr>
-                              <m:oMath xmlns:m="http://schemas.openxmlformats.org/officeDocument/2006/math">
-                                <m:sSub>
-                                  <m:sSubPr>
-                                    <m:ctrlPr>
-                                      <a:rPr lang="de-DE" b="1" i="1" smtClean="0">
-                                        <a:latin typeface="Cambria Math" panose="02040503050406030204" pitchFamily="18" charset="0"/>
-                                      </a:rPr>
-                                    </m:ctrlPr>
-                                  </m:sSubPr>
-                                  <m:e>
-                                    <m:r>
-                                      <a:rPr lang="de-DE" b="1" i="1" smtClean="0">
-                                        <a:latin typeface="Cambria Math" panose="02040503050406030204" pitchFamily="18" charset="0"/>
-                                      </a:rPr>
-                                      <m:t>𝒙</m:t>
-                                    </m:r>
-                                  </m:e>
-                                  <m:sub>
-                                    <m:r>
-                                      <a:rPr lang="de-DE" b="1" i="1" smtClean="0">
-                                        <a:latin typeface="Cambria Math" panose="02040503050406030204" pitchFamily="18" charset="0"/>
-                                      </a:rPr>
-                                      <m:t>𝒓</m:t>
-                                    </m:r>
-                                  </m:sub>
-                                </m:sSub>
-                                <m:r>
-                                  <a:rPr lang="de-DE" b="1" i="1" smtClean="0">
-                                    <a:latin typeface="Cambria Math" panose="02040503050406030204" pitchFamily="18" charset="0"/>
-                                  </a:rPr>
-                                  <m:t> [</m:t>
-                                </m:r>
-                                <m:r>
-                                  <a:rPr lang="de-DE" b="1" i="1" smtClean="0">
-                                    <a:latin typeface="Cambria Math" panose="02040503050406030204" pitchFamily="18" charset="0"/>
-                                  </a:rPr>
-                                  <m:t>𝒎𝒎</m:t>
-                                </m:r>
-                                <m:r>
-                                  <a:rPr lang="de-DE" b="1" i="1" smtClean="0">
-                                    <a:latin typeface="Cambria Math" panose="02040503050406030204" pitchFamily="18" charset="0"/>
-                                  </a:rPr>
-                                  <m:t>]</m:t>
-                                </m:r>
-                              </m:oMath>
-                            </m:oMathPara>
-                          </a14:m>
-                          <a:endParaRPr lang="en-US" dirty="0"/>
-                        </a:p>
-                      </a:txBody>
-                      <a:tcPr/>
-                    </a:tc>
-                    <a:tc>
-                      <a:txBody>
-                        <a:bodyPr/>
-                        <a:lstStyle/>
-                        <a:p>
-                          <a14:m>
-                            <m:oMathPara xmlns:m="http://schemas.openxmlformats.org/officeDocument/2006/math">
-                              <m:oMathParaPr>
-                                <m:jc m:val="centerGroup"/>
-                              </m:oMathParaPr>
-                              <m:oMath xmlns:m="http://schemas.openxmlformats.org/officeDocument/2006/math">
-                                <m:sSub>
-                                  <m:sSubPr>
-                                    <m:ctrlPr>
-                                      <a:rPr lang="de-DE" b="1" i="1" smtClean="0">
-                                        <a:latin typeface="Cambria Math" panose="02040503050406030204" pitchFamily="18" charset="0"/>
-                                      </a:rPr>
-                                    </m:ctrlPr>
-                                  </m:sSubPr>
-                                  <m:e>
-                                    <m:r>
-                                      <a:rPr lang="de-DE" b="1" i="1" smtClean="0">
-                                        <a:latin typeface="Cambria Math" panose="02040503050406030204" pitchFamily="18" charset="0"/>
-                                      </a:rPr>
-                                      <m:t>𝒕</m:t>
-                                    </m:r>
-                                  </m:e>
-                                  <m:sub>
-                                    <m:r>
-                                      <a:rPr lang="de-DE" b="1" i="1" smtClean="0">
-                                        <a:latin typeface="Cambria Math" panose="02040503050406030204" pitchFamily="18" charset="0"/>
-                                      </a:rPr>
-                                      <m:t>𝒇</m:t>
-                                    </m:r>
-                                  </m:sub>
-                                </m:sSub>
-                                <m:r>
-                                  <a:rPr lang="de-DE" b="1" i="1" smtClean="0">
-                                    <a:latin typeface="Cambria Math" panose="02040503050406030204" pitchFamily="18" charset="0"/>
-                                  </a:rPr>
-                                  <m:t> [</m:t>
-                                </m:r>
-                                <m:r>
-                                  <a:rPr lang="de-DE" b="1" i="1" smtClean="0">
-                                    <a:latin typeface="Cambria Math" panose="02040503050406030204" pitchFamily="18" charset="0"/>
-                                  </a:rPr>
-                                  <m:t>𝒔</m:t>
-                                </m:r>
-                                <m:r>
-                                  <a:rPr lang="de-DE" b="1" i="1" smtClean="0">
-                                    <a:latin typeface="Cambria Math" panose="02040503050406030204" pitchFamily="18" charset="0"/>
-                                  </a:rPr>
-                                  <m:t>]</m:t>
-                                </m:r>
-                              </m:oMath>
-                            </m:oMathPara>
-                          </a14:m>
-                          <a:endParaRPr lang="en-US" dirty="0"/>
-                        </a:p>
-                      </a:txBody>
-                      <a:tcPr/>
-                    </a:tc>
-                    <a:tc>
-                      <a:txBody>
-                        <a:bodyPr/>
-                        <a:lstStyle/>
-                        <a:p>
-                          <a14:m>
-                            <m:oMathPara xmlns:m="http://schemas.openxmlformats.org/officeDocument/2006/math">
-                              <m:oMathParaPr>
-                                <m:jc m:val="centerGroup"/>
-                              </m:oMathParaPr>
-                              <m:oMath xmlns:m="http://schemas.openxmlformats.org/officeDocument/2006/math">
-                                <m:sSub>
-                                  <m:sSubPr>
-                                    <m:ctrlPr>
-                                      <a:rPr lang="de-DE" b="1" i="1" smtClean="0">
-                                        <a:latin typeface="Cambria Math" panose="02040503050406030204" pitchFamily="18" charset="0"/>
-                                      </a:rPr>
-                                    </m:ctrlPr>
-                                  </m:sSubPr>
-                                  <m:e>
-                                    <m:r>
-                                      <a:rPr lang="de-DE" b="1" i="1" smtClean="0">
-                                        <a:latin typeface="Cambria Math" panose="02040503050406030204" pitchFamily="18" charset="0"/>
-                                      </a:rPr>
-                                      <m:t>𝒙</m:t>
-                                    </m:r>
-                                  </m:e>
-                                  <m:sub>
-                                    <m:r>
-                                      <a:rPr lang="de-DE" b="1" i="1" smtClean="0">
-                                        <a:latin typeface="Cambria Math" panose="02040503050406030204" pitchFamily="18" charset="0"/>
-                                      </a:rPr>
-                                      <m:t>𝒇</m:t>
-                                    </m:r>
-                                  </m:sub>
-                                </m:sSub>
-                                <m:r>
-                                  <a:rPr lang="de-DE" b="1" i="1" smtClean="0">
-                                    <a:latin typeface="Cambria Math" panose="02040503050406030204" pitchFamily="18" charset="0"/>
-                                  </a:rPr>
-                                  <m:t> [</m:t>
-                                </m:r>
-                                <m:r>
-                                  <a:rPr lang="de-DE" b="1" i="1" smtClean="0">
-                                    <a:latin typeface="Cambria Math" panose="02040503050406030204" pitchFamily="18" charset="0"/>
-                                  </a:rPr>
-                                  <m:t>𝒎𝒎</m:t>
-                                </m:r>
-                                <m:r>
-                                  <a:rPr lang="de-DE" b="1" i="1" smtClean="0">
-                                    <a:latin typeface="Cambria Math" panose="02040503050406030204" pitchFamily="18" charset="0"/>
-                                  </a:rPr>
-                                  <m:t>]</m:t>
-                                </m:r>
-                              </m:oMath>
-                            </m:oMathPara>
-                          </a14:m>
-                          <a:endParaRPr lang="en-US" dirty="0"/>
-                        </a:p>
-                      </a:txBody>
-                      <a:tcPr/>
-                    </a:tc>
-                    <a:extLst>
-                      <a:ext uri="{0D108BD9-81ED-4DB2-BD59-A6C34878D82A}">
-                        <a16:rowId xmlns:a16="http://schemas.microsoft.com/office/drawing/2014/main" val="2518984764"/>
-                      </a:ext>
-                    </a:extLst>
-                  </a:tr>
-                  <a:tr h="261593">
-                    <a:tc>
-                      <a:txBody>
-                        <a:bodyPr/>
-                        <a:lstStyle/>
-                        <a:p>
-                          <a:r>
-                            <a:rPr lang="en-US" dirty="0"/>
-                            <a:t>1.66</a:t>
-                          </a:r>
-                        </a:p>
-                      </a:txBody>
-                      <a:tcPr/>
-                    </a:tc>
-                    <a:tc>
-                      <a:txBody>
-                        <a:bodyPr/>
-                        <a:lstStyle/>
-                        <a:p>
-                          <a:r>
-                            <a:rPr lang="de-DE" dirty="0"/>
-                            <a:t>0.5</a:t>
-                          </a:r>
-                          <a:endParaRPr lang="en-US" dirty="0"/>
-                        </a:p>
-                      </a:txBody>
-                      <a:tcPr/>
-                    </a:tc>
-                    <a:tc>
-                      <a:txBody>
-                        <a:bodyPr/>
-                        <a:lstStyle/>
-                        <a:p>
-                          <a:r>
-                            <a:rPr lang="en-US" dirty="0"/>
-                            <a:t>1.41</a:t>
-                          </a:r>
-                        </a:p>
-                      </a:txBody>
-                      <a:tcPr/>
-                    </a:tc>
-                    <a:tc>
-                      <a:txBody>
-                        <a:bodyPr/>
-                        <a:lstStyle/>
-                        <a:p>
-                          <a:r>
-                            <a:rPr lang="de-DE" dirty="0"/>
-                            <a:t>0.5</a:t>
-                          </a:r>
-                          <a:endParaRPr lang="en-US" dirty="0"/>
-                        </a:p>
-                      </a:txBody>
-                      <a:tcPr/>
-                    </a:tc>
-                    <a:extLst>
-                      <a:ext uri="{0D108BD9-81ED-4DB2-BD59-A6C34878D82A}">
-                        <a16:rowId xmlns:a16="http://schemas.microsoft.com/office/drawing/2014/main" val="1451102642"/>
-                      </a:ext>
-                    </a:extLst>
-                  </a:tr>
-                  <a:tr h="261593">
-                    <a:tc>
-                      <a:txBody>
-                        <a:bodyPr/>
-                        <a:lstStyle/>
-                        <a:p>
-                          <a:r>
-                            <a:rPr lang="en-US" dirty="0"/>
-                            <a:t>1.53</a:t>
-                          </a:r>
-                        </a:p>
-                      </a:txBody>
-                      <a:tcPr/>
-                    </a:tc>
-                    <a:tc>
-                      <a:txBody>
-                        <a:bodyPr/>
-                        <a:lstStyle/>
-                        <a:p>
-                          <a:r>
-                            <a:rPr lang="de-DE" dirty="0"/>
-                            <a:t>0.5</a:t>
-                          </a:r>
-                          <a:endParaRPr lang="en-US" dirty="0"/>
-                        </a:p>
-                      </a:txBody>
-                      <a:tcPr/>
-                    </a:tc>
-                    <a:tc>
-                      <a:txBody>
-                        <a:bodyPr/>
-                        <a:lstStyle/>
-                        <a:p>
-                          <a:r>
-                            <a:rPr lang="en-US" dirty="0"/>
-                            <a:t>4.87</a:t>
-                          </a:r>
-                        </a:p>
-                      </a:txBody>
-                      <a:tcPr/>
-                    </a:tc>
-                    <a:tc>
-                      <a:txBody>
-                        <a:bodyPr/>
-                        <a:lstStyle/>
-                        <a:p>
-                          <a:r>
-                            <a:rPr lang="de-DE" dirty="0"/>
-                            <a:t>0.5</a:t>
-                          </a:r>
-                          <a:endParaRPr lang="en-US" dirty="0"/>
-                        </a:p>
-                      </a:txBody>
-                      <a:tcPr/>
-                    </a:tc>
-                    <a:extLst>
-                      <a:ext uri="{0D108BD9-81ED-4DB2-BD59-A6C34878D82A}">
-                        <a16:rowId xmlns:a16="http://schemas.microsoft.com/office/drawing/2014/main" val="4166475708"/>
-                      </a:ext>
-                    </a:extLst>
-                  </a:tr>
-                  <a:tr h="261593">
-                    <a:tc>
-                      <a:txBody>
-                        <a:bodyPr/>
-                        <a:lstStyle/>
-                        <a:p>
-                          <a:r>
-                            <a:rPr lang="en-US" dirty="0"/>
-                            <a:t>4.96</a:t>
-                          </a:r>
-                        </a:p>
-                      </a:txBody>
-                      <a:tcPr/>
-                    </a:tc>
-                    <a:tc>
-                      <a:txBody>
-                        <a:bodyPr/>
-                        <a:lstStyle/>
-                        <a:p>
-                          <a:r>
-                            <a:rPr lang="de-DE" dirty="0"/>
-                            <a:t>0.5</a:t>
-                          </a:r>
-                          <a:endParaRPr lang="en-US" dirty="0"/>
-                        </a:p>
-                      </a:txBody>
-                      <a:tcPr/>
-                    </a:tc>
-                    <a:tc>
-                      <a:txBody>
-                        <a:bodyPr/>
-                        <a:lstStyle/>
-                        <a:p>
-                          <a:r>
-                            <a:rPr lang="en-US" dirty="0"/>
-                            <a:t>1.53</a:t>
-                          </a:r>
-                        </a:p>
-                      </a:txBody>
-                      <a:tcPr/>
-                    </a:tc>
-                    <a:tc>
-                      <a:txBody>
-                        <a:bodyPr/>
-                        <a:lstStyle/>
-                        <a:p>
-                          <a:r>
-                            <a:rPr lang="de-DE" dirty="0"/>
-                            <a:t>0.5</a:t>
-                          </a:r>
-                          <a:endParaRPr lang="en-US" dirty="0"/>
-                        </a:p>
-                      </a:txBody>
-                      <a:tcPr/>
-                    </a:tc>
-                    <a:extLst>
-                      <a:ext uri="{0D108BD9-81ED-4DB2-BD59-A6C34878D82A}">
-                        <a16:rowId xmlns:a16="http://schemas.microsoft.com/office/drawing/2014/main" val="791662525"/>
-                      </a:ext>
-                    </a:extLst>
-                  </a:tr>
-                  <a:tr h="261593">
-                    <a:tc>
-                      <a:txBody>
-                        <a:bodyPr/>
-                        <a:lstStyle/>
-                        <a:p>
-                          <a:r>
-                            <a:rPr lang="en-US" dirty="0"/>
-                            <a:t>2.18</a:t>
-                          </a:r>
-                        </a:p>
-                      </a:txBody>
-                      <a:tcPr/>
-                    </a:tc>
-                    <a:tc>
-                      <a:txBody>
-                        <a:bodyPr/>
-                        <a:lstStyle/>
-                        <a:p>
-                          <a:r>
-                            <a:rPr lang="de-DE" dirty="0"/>
-                            <a:t>0.5</a:t>
-                          </a:r>
-                          <a:endParaRPr lang="en-US" dirty="0"/>
-                        </a:p>
-                      </a:txBody>
-                      <a:tcPr/>
-                    </a:tc>
-                    <a:tc>
-                      <a:txBody>
-                        <a:bodyPr/>
-                        <a:lstStyle/>
-                        <a:p>
-                          <a:r>
-                            <a:rPr lang="en-US" dirty="0"/>
-                            <a:t>2.81</a:t>
-                          </a:r>
-                        </a:p>
-                      </a:txBody>
-                      <a:tcPr/>
-                    </a:tc>
-                    <a:tc>
-                      <a:txBody>
-                        <a:bodyPr/>
-                        <a:lstStyle/>
-                        <a:p>
-                          <a:r>
-                            <a:rPr lang="de-DE" dirty="0"/>
-                            <a:t>0.5</a:t>
-                          </a:r>
-                          <a:endParaRPr lang="en-US" dirty="0"/>
-                        </a:p>
-                      </a:txBody>
-                      <a:tcPr/>
-                    </a:tc>
-                    <a:extLst>
-                      <a:ext uri="{0D108BD9-81ED-4DB2-BD59-A6C34878D82A}">
-                        <a16:rowId xmlns:a16="http://schemas.microsoft.com/office/drawing/2014/main" val="1887853554"/>
-                      </a:ext>
-                    </a:extLst>
-                  </a:tr>
-                  <a:tr h="261593">
-                    <a:tc>
-                      <a:txBody>
-                        <a:bodyPr/>
-                        <a:lstStyle/>
-                        <a:p>
-                          <a:r>
-                            <a:rPr lang="en-US" dirty="0"/>
-                            <a:t>1.49</a:t>
-                          </a:r>
-                        </a:p>
-                      </a:txBody>
-                      <a:tcPr/>
-                    </a:tc>
-                    <a:tc>
-                      <a:txBody>
-                        <a:bodyPr/>
-                        <a:lstStyle/>
-                        <a:p>
-                          <a:r>
-                            <a:rPr lang="de-DE" dirty="0"/>
-                            <a:t>0.5</a:t>
-                          </a:r>
-                          <a:endParaRPr lang="en-US" dirty="0"/>
-                        </a:p>
-                      </a:txBody>
-                      <a:tcPr/>
-                    </a:tc>
-                    <a:tc>
-                      <a:txBody>
-                        <a:bodyPr/>
-                        <a:lstStyle/>
-                        <a:p>
-                          <a:r>
-                            <a:rPr lang="en-US" dirty="0"/>
-                            <a:t>5.07</a:t>
-                          </a:r>
-                        </a:p>
-                      </a:txBody>
-                      <a:tcPr/>
-                    </a:tc>
-                    <a:tc>
-                      <a:txBody>
-                        <a:bodyPr/>
-                        <a:lstStyle/>
-                        <a:p>
-                          <a:r>
-                            <a:rPr lang="de-DE" dirty="0"/>
-                            <a:t>0.5</a:t>
-                          </a:r>
-                          <a:endParaRPr lang="en-US" dirty="0"/>
-                        </a:p>
-                      </a:txBody>
-                      <a:tcPr/>
-                    </a:tc>
-                    <a:extLst>
-                      <a:ext uri="{0D108BD9-81ED-4DB2-BD59-A6C34878D82A}">
-                        <a16:rowId xmlns:a16="http://schemas.microsoft.com/office/drawing/2014/main" val="2051370545"/>
-                      </a:ext>
-                    </a:extLst>
-                  </a:tr>
-                  <a:tr h="261593">
-                    <a:tc>
-                      <a:txBody>
-                        <a:bodyPr/>
-                        <a:lstStyle/>
-                        <a:p>
-                          <a:r>
-                            <a:rPr lang="en-US" dirty="0"/>
-                            <a:t>6.53</a:t>
-                          </a:r>
-                        </a:p>
-                      </a:txBody>
-                      <a:tcPr/>
-                    </a:tc>
-                    <a:tc>
-                      <a:txBody>
-                        <a:bodyPr/>
-                        <a:lstStyle/>
-                        <a:p>
-                          <a:r>
-                            <a:rPr lang="de-DE" dirty="0"/>
-                            <a:t>0.5</a:t>
-                          </a:r>
-                          <a:endParaRPr lang="en-US" dirty="0"/>
-                        </a:p>
-                      </a:txBody>
-                      <a:tcPr/>
-                    </a:tc>
-                    <a:tc>
-                      <a:txBody>
-                        <a:bodyPr/>
-                        <a:lstStyle/>
-                        <a:p>
-                          <a:r>
-                            <a:rPr lang="en-US" dirty="0"/>
-                            <a:t>5.30</a:t>
-                          </a:r>
-                        </a:p>
-                      </a:txBody>
-                      <a:tcPr/>
-                    </a:tc>
-                    <a:tc>
-                      <a:txBody>
-                        <a:bodyPr/>
-                        <a:lstStyle/>
-                        <a:p>
-                          <a:r>
-                            <a:rPr lang="de-DE" dirty="0"/>
-                            <a:t>0.5</a:t>
-                          </a:r>
-                          <a:endParaRPr lang="en-US" dirty="0"/>
-                        </a:p>
-                      </a:txBody>
-                      <a:tcPr/>
-                    </a:tc>
-                    <a:extLst>
-                      <a:ext uri="{0D108BD9-81ED-4DB2-BD59-A6C34878D82A}">
-                        <a16:rowId xmlns:a16="http://schemas.microsoft.com/office/drawing/2014/main" val="2813395773"/>
-                      </a:ext>
-                    </a:extLst>
-                  </a:tr>
-                  <a:tr h="261593">
-                    <a:tc>
-                      <a:txBody>
-                        <a:bodyPr/>
-                        <a:lstStyle/>
-                        <a:p>
-                          <a:r>
-                            <a:rPr lang="en-US" dirty="0"/>
-                            <a:t>6.49</a:t>
-                          </a:r>
-                        </a:p>
-                      </a:txBody>
-                      <a:tcPr/>
-                    </a:tc>
-                    <a:tc>
-                      <a:txBody>
-                        <a:bodyPr/>
-                        <a:lstStyle/>
-                        <a:p>
-                          <a:r>
-                            <a:rPr lang="de-DE" dirty="0"/>
-                            <a:t>0.5</a:t>
-                          </a:r>
-                          <a:endParaRPr lang="en-US" dirty="0"/>
-                        </a:p>
-                      </a:txBody>
-                      <a:tcPr/>
-                    </a:tc>
-                    <a:tc>
-                      <a:txBody>
-                        <a:bodyPr/>
-                        <a:lstStyle/>
-                        <a:p>
-                          <a:r>
-                            <a:rPr lang="en-US" dirty="0"/>
-                            <a:t>5.09</a:t>
-                          </a:r>
-                        </a:p>
-                      </a:txBody>
-                      <a:tcPr/>
-                    </a:tc>
-                    <a:tc>
-                      <a:txBody>
-                        <a:bodyPr/>
-                        <a:lstStyle/>
-                        <a:p>
-                          <a:r>
-                            <a:rPr lang="de-DE" dirty="0"/>
-                            <a:t>0.5</a:t>
-                          </a:r>
-                          <a:endParaRPr lang="en-US" dirty="0"/>
-                        </a:p>
-                      </a:txBody>
-                      <a:tcPr/>
-                    </a:tc>
-                    <a:extLst>
-                      <a:ext uri="{0D108BD9-81ED-4DB2-BD59-A6C34878D82A}">
-                        <a16:rowId xmlns:a16="http://schemas.microsoft.com/office/drawing/2014/main" val="730856131"/>
-                      </a:ext>
-                    </a:extLst>
-                  </a:tr>
-                  <a:tr h="261593">
-                    <a:tc>
-                      <a:txBody>
-                        <a:bodyPr/>
-                        <a:lstStyle/>
-                        <a:p>
-                          <a:r>
-                            <a:rPr lang="en-US" dirty="0"/>
-                            <a:t>6.07</a:t>
-                          </a:r>
-                        </a:p>
-                      </a:txBody>
-                      <a:tcPr/>
-                    </a:tc>
-                    <a:tc>
-                      <a:txBody>
-                        <a:bodyPr/>
-                        <a:lstStyle/>
-                        <a:p>
-                          <a:r>
-                            <a:rPr lang="de-DE" dirty="0"/>
-                            <a:t>0.5</a:t>
-                          </a:r>
-                          <a:endParaRPr lang="en-US" dirty="0"/>
-                        </a:p>
-                      </a:txBody>
-                      <a:tcPr/>
-                    </a:tc>
-                    <a:tc>
-                      <a:txBody>
-                        <a:bodyPr/>
-                        <a:lstStyle/>
-                        <a:p>
-                          <a:r>
-                            <a:rPr lang="en-US" dirty="0"/>
-                            <a:t>5.69</a:t>
-                          </a:r>
-                        </a:p>
-                      </a:txBody>
-                      <a:tcPr/>
-                    </a:tc>
-                    <a:tc>
-                      <a:txBody>
-                        <a:bodyPr/>
-                        <a:lstStyle/>
-                        <a:p>
-                          <a:r>
-                            <a:rPr lang="de-DE" dirty="0"/>
-                            <a:t>0.5</a:t>
-                          </a:r>
-                          <a:endParaRPr lang="en-US" dirty="0"/>
-                        </a:p>
-                      </a:txBody>
-                      <a:tcPr/>
-                    </a:tc>
-                    <a:extLst>
-                      <a:ext uri="{0D108BD9-81ED-4DB2-BD59-A6C34878D82A}">
-                        <a16:rowId xmlns:a16="http://schemas.microsoft.com/office/drawing/2014/main" val="2914491200"/>
-                      </a:ext>
-                    </a:extLst>
-                  </a:tr>
-                  <a:tr h="261593">
-                    <a:tc>
-                      <a:txBody>
-                        <a:bodyPr/>
-                        <a:lstStyle/>
-                        <a:p>
-                          <a:r>
-                            <a:rPr lang="en-US" dirty="0"/>
-                            <a:t>7.10</a:t>
-                          </a:r>
-                        </a:p>
-                      </a:txBody>
-                      <a:tcPr/>
-                    </a:tc>
-                    <a:tc>
-                      <a:txBody>
-                        <a:bodyPr/>
-                        <a:lstStyle/>
-                        <a:p>
-                          <a:r>
-                            <a:rPr lang="de-DE" dirty="0"/>
-                            <a:t>0.5</a:t>
-                          </a:r>
-                          <a:endParaRPr lang="en-US" dirty="0"/>
-                        </a:p>
-                      </a:txBody>
-                      <a:tcPr/>
-                    </a:tc>
-                    <a:tc>
-                      <a:txBody>
-                        <a:bodyPr/>
-                        <a:lstStyle/>
-                        <a:p>
-                          <a:r>
-                            <a:rPr lang="en-US" dirty="0"/>
-                            <a:t>5.61</a:t>
-                          </a:r>
-                        </a:p>
-                      </a:txBody>
-                      <a:tcPr/>
-                    </a:tc>
-                    <a:tc>
-                      <a:txBody>
-                        <a:bodyPr/>
-                        <a:lstStyle/>
-                        <a:p>
-                          <a:r>
-                            <a:rPr lang="de-DE" dirty="0"/>
-                            <a:t>0.5</a:t>
-                          </a:r>
-                          <a:endParaRPr lang="en-US" dirty="0"/>
-                        </a:p>
-                      </a:txBody>
-                      <a:tcPr/>
-                    </a:tc>
-                    <a:extLst>
-                      <a:ext uri="{0D108BD9-81ED-4DB2-BD59-A6C34878D82A}">
-                        <a16:rowId xmlns:a16="http://schemas.microsoft.com/office/drawing/2014/main" val="2980546828"/>
-                      </a:ext>
-                    </a:extLst>
-                  </a:tr>
-                  <a:tr h="261593">
-                    <a:tc>
-                      <a:txBody>
-                        <a:bodyPr/>
-                        <a:lstStyle/>
-                        <a:p>
-                          <a:r>
-                            <a:rPr lang="en-US" dirty="0"/>
-                            <a:t>6.30</a:t>
-                          </a:r>
-                        </a:p>
-                      </a:txBody>
-                      <a:tcPr/>
-                    </a:tc>
-                    <a:tc>
-                      <a:txBody>
-                        <a:bodyPr/>
-                        <a:lstStyle/>
-                        <a:p>
-                          <a:r>
-                            <a:rPr lang="de-DE" dirty="0"/>
-                            <a:t>0.5</a:t>
-                          </a:r>
-                          <a:endParaRPr lang="en-US" dirty="0"/>
-                        </a:p>
-                      </a:txBody>
-                      <a:tcPr/>
-                    </a:tc>
-                    <a:tc>
-                      <a:txBody>
-                        <a:bodyPr/>
-                        <a:lstStyle/>
-                        <a:p>
-                          <a:r>
-                            <a:rPr lang="en-US" dirty="0"/>
-                            <a:t>5.44</a:t>
-                          </a:r>
-                        </a:p>
-                      </a:txBody>
-                      <a:tcPr/>
-                    </a:tc>
-                    <a:tc>
-                      <a:txBody>
-                        <a:bodyPr/>
-                        <a:lstStyle/>
-                        <a:p>
-                          <a:r>
-                            <a:rPr lang="de-DE" dirty="0"/>
-                            <a:t>0.5</a:t>
-                          </a:r>
-                          <a:endParaRPr lang="en-US" dirty="0"/>
-                        </a:p>
-                      </a:txBody>
-                      <a:tcPr/>
-                    </a:tc>
-                    <a:extLst>
-                      <a:ext uri="{0D108BD9-81ED-4DB2-BD59-A6C34878D82A}">
-                        <a16:rowId xmlns:a16="http://schemas.microsoft.com/office/drawing/2014/main" val="1421978377"/>
-                      </a:ext>
-                    </a:extLst>
-                  </a:tr>
-                </a:tbl>
-              </a:graphicData>
-            </a:graphic>
-          </p:graphicFrame>
-        </mc:Choice>
-        <mc:Fallback>
-          <p:graphicFrame>
-            <p:nvGraphicFramePr>
-              <p:cNvPr id="10" name="Tabelle 10">
-                <a:extLst>
-                  <a:ext uri="{FF2B5EF4-FFF2-40B4-BE49-F238E27FC236}">
-                    <a16:creationId xmlns:a16="http://schemas.microsoft.com/office/drawing/2014/main" id="{EC836A62-57EE-4D3E-9D8D-EB6DBC312B19}"/>
-                  </a:ext>
-                </a:extLst>
-              </p:cNvPr>
-              <p:cNvGraphicFramePr>
-                <a:graphicFrameLocks noGrp="1"/>
-              </p:cNvGraphicFramePr>
-              <p:nvPr>
-                <p:extLst>
-                  <p:ext uri="{D42A27DB-BD31-4B8C-83A1-F6EECF244321}">
-                    <p14:modId xmlns:p14="http://schemas.microsoft.com/office/powerpoint/2010/main" val="1540646644"/>
-                  </p:ext>
-                </p:extLst>
-              </p:nvPr>
-            </p:nvGraphicFramePr>
-            <p:xfrm>
-              <a:off x="5026688" y="826674"/>
-              <a:ext cx="3840088" cy="4049332"/>
-            </p:xfrm>
-            <a:graphic>
-              <a:graphicData uri="http://schemas.openxmlformats.org/drawingml/2006/table">
-                <a:tbl>
-                  <a:tblPr firstRow="1" bandRow="1">
-                    <a:tableStyleId>{5C22544A-7EE6-4342-B048-85BDC9FD1C3A}</a:tableStyleId>
-                  </a:tblPr>
-                  <a:tblGrid>
-                    <a:gridCol w="960022">
-                      <a:extLst>
-                        <a:ext uri="{9D8B030D-6E8A-4147-A177-3AD203B41FA5}">
-                          <a16:colId xmlns:a16="http://schemas.microsoft.com/office/drawing/2014/main" val="3355178728"/>
-                        </a:ext>
-                      </a:extLst>
-                    </a:gridCol>
-                    <a:gridCol w="960022">
-                      <a:extLst>
-                        <a:ext uri="{9D8B030D-6E8A-4147-A177-3AD203B41FA5}">
-                          <a16:colId xmlns:a16="http://schemas.microsoft.com/office/drawing/2014/main" val="3138394069"/>
-                        </a:ext>
-                      </a:extLst>
-                    </a:gridCol>
-                    <a:gridCol w="960022">
-                      <a:extLst>
-                        <a:ext uri="{9D8B030D-6E8A-4147-A177-3AD203B41FA5}">
-                          <a16:colId xmlns:a16="http://schemas.microsoft.com/office/drawing/2014/main" val="450068901"/>
-                        </a:ext>
-                      </a:extLst>
-                    </a:gridCol>
-                    <a:gridCol w="960022">
-                      <a:extLst>
-                        <a:ext uri="{9D8B030D-6E8A-4147-A177-3AD203B41FA5}">
-                          <a16:colId xmlns:a16="http://schemas.microsoft.com/office/drawing/2014/main" val="1375976332"/>
-                        </a:ext>
-                      </a:extLst>
-                    </a:gridCol>
-                  </a:tblGrid>
-                  <a:tr h="391732">
-                    <a:tc>
-                      <a:txBody>
-                        <a:bodyPr/>
-                        <a:lstStyle/>
-                        <a:p>
-                          <a:endParaRPr lang="en-US"/>
-                        </a:p>
-                      </a:txBody>
-                      <a:tcPr>
-                        <a:blipFill>
-                          <a:blip r:embed="rId2"/>
-                          <a:stretch>
-                            <a:fillRect l="-633" t="-1563" r="-301899" b="-964063"/>
-                          </a:stretch>
-                        </a:blipFill>
-                      </a:tcPr>
-                    </a:tc>
-                    <a:tc>
-                      <a:txBody>
-                        <a:bodyPr/>
-                        <a:lstStyle/>
-                        <a:p>
-                          <a:endParaRPr lang="en-US"/>
-                        </a:p>
-                      </a:txBody>
-                      <a:tcPr>
-                        <a:blipFill>
-                          <a:blip r:embed="rId2"/>
-                          <a:stretch>
-                            <a:fillRect l="-100633" t="-1563" r="-201899" b="-964063"/>
-                          </a:stretch>
-                        </a:blipFill>
-                      </a:tcPr>
-                    </a:tc>
-                    <a:tc>
-                      <a:txBody>
-                        <a:bodyPr/>
-                        <a:lstStyle/>
-                        <a:p>
-                          <a:endParaRPr lang="en-US"/>
-                        </a:p>
-                      </a:txBody>
-                      <a:tcPr>
-                        <a:blipFill>
-                          <a:blip r:embed="rId2"/>
-                          <a:stretch>
-                            <a:fillRect l="-201911" t="-1563" r="-103185" b="-964063"/>
-                          </a:stretch>
-                        </a:blipFill>
-                      </a:tcPr>
-                    </a:tc>
-                    <a:tc>
-                      <a:txBody>
-                        <a:bodyPr/>
-                        <a:lstStyle/>
-                        <a:p>
-                          <a:endParaRPr lang="en-US"/>
-                        </a:p>
-                      </a:txBody>
-                      <a:tcPr>
-                        <a:blipFill>
-                          <a:blip r:embed="rId2"/>
-                          <a:stretch>
-                            <a:fillRect l="-300000" t="-1563" r="-2532" b="-964063"/>
-                          </a:stretch>
-                        </a:blipFill>
-                      </a:tcPr>
-                    </a:tc>
-                    <a:extLst>
-                      <a:ext uri="{0D108BD9-81ED-4DB2-BD59-A6C34878D82A}">
-                        <a16:rowId xmlns:a16="http://schemas.microsoft.com/office/drawing/2014/main" val="2518984764"/>
-                      </a:ext>
-                    </a:extLst>
-                  </a:tr>
-                  <a:tr h="365760">
-                    <a:tc>
-                      <a:txBody>
-                        <a:bodyPr/>
-                        <a:lstStyle/>
-                        <a:p>
-                          <a:r>
-                            <a:rPr lang="en-US" dirty="0"/>
-                            <a:t>1.66</a:t>
-                          </a:r>
-                        </a:p>
-                      </a:txBody>
-                      <a:tcPr/>
-                    </a:tc>
-                    <a:tc>
-                      <a:txBody>
-                        <a:bodyPr/>
-                        <a:lstStyle/>
-                        <a:p>
-                          <a:r>
-                            <a:rPr lang="de-DE" dirty="0"/>
-                            <a:t>0.5</a:t>
-                          </a:r>
-                          <a:endParaRPr lang="en-US" dirty="0"/>
-                        </a:p>
-                      </a:txBody>
-                      <a:tcPr/>
-                    </a:tc>
-                    <a:tc>
-                      <a:txBody>
-                        <a:bodyPr/>
-                        <a:lstStyle/>
-                        <a:p>
-                          <a:r>
-                            <a:rPr lang="en-US" dirty="0"/>
-                            <a:t>1.41</a:t>
-                          </a:r>
-                        </a:p>
-                      </a:txBody>
-                      <a:tcPr/>
-                    </a:tc>
-                    <a:tc>
-                      <a:txBody>
-                        <a:bodyPr/>
-                        <a:lstStyle/>
-                        <a:p>
-                          <a:r>
-                            <a:rPr lang="de-DE" dirty="0"/>
-                            <a:t>0.5</a:t>
-                          </a:r>
-                          <a:endParaRPr lang="en-US" dirty="0"/>
-                        </a:p>
-                      </a:txBody>
-                      <a:tcPr/>
-                    </a:tc>
-                    <a:extLst>
-                      <a:ext uri="{0D108BD9-81ED-4DB2-BD59-A6C34878D82A}">
-                        <a16:rowId xmlns:a16="http://schemas.microsoft.com/office/drawing/2014/main" val="1451102642"/>
-                      </a:ext>
-                    </a:extLst>
-                  </a:tr>
-                  <a:tr h="365760">
-                    <a:tc>
-                      <a:txBody>
-                        <a:bodyPr/>
-                        <a:lstStyle/>
-                        <a:p>
-                          <a:r>
-                            <a:rPr lang="en-US" dirty="0"/>
-                            <a:t>1.53</a:t>
-                          </a:r>
-                        </a:p>
-                      </a:txBody>
-                      <a:tcPr/>
-                    </a:tc>
-                    <a:tc>
-                      <a:txBody>
-                        <a:bodyPr/>
-                        <a:lstStyle/>
-                        <a:p>
-                          <a:r>
-                            <a:rPr lang="de-DE" dirty="0"/>
-                            <a:t>0.5</a:t>
-                          </a:r>
-                          <a:endParaRPr lang="en-US" dirty="0"/>
-                        </a:p>
-                      </a:txBody>
-                      <a:tcPr/>
-                    </a:tc>
-                    <a:tc>
-                      <a:txBody>
-                        <a:bodyPr/>
-                        <a:lstStyle/>
-                        <a:p>
-                          <a:r>
-                            <a:rPr lang="en-US" dirty="0"/>
-                            <a:t>4.87</a:t>
-                          </a:r>
-                        </a:p>
-                      </a:txBody>
-                      <a:tcPr/>
-                    </a:tc>
-                    <a:tc>
-                      <a:txBody>
-                        <a:bodyPr/>
-                        <a:lstStyle/>
-                        <a:p>
-                          <a:r>
-                            <a:rPr lang="de-DE" dirty="0"/>
-                            <a:t>0.5</a:t>
-                          </a:r>
-                          <a:endParaRPr lang="en-US" dirty="0"/>
-                        </a:p>
-                      </a:txBody>
-                      <a:tcPr/>
-                    </a:tc>
-                    <a:extLst>
-                      <a:ext uri="{0D108BD9-81ED-4DB2-BD59-A6C34878D82A}">
-                        <a16:rowId xmlns:a16="http://schemas.microsoft.com/office/drawing/2014/main" val="4166475708"/>
-                      </a:ext>
-                    </a:extLst>
-                  </a:tr>
-                  <a:tr h="365760">
-                    <a:tc>
-                      <a:txBody>
-                        <a:bodyPr/>
-                        <a:lstStyle/>
-                        <a:p>
-                          <a:r>
-                            <a:rPr lang="en-US" dirty="0"/>
-                            <a:t>4.96</a:t>
-                          </a:r>
-                        </a:p>
-                      </a:txBody>
-                      <a:tcPr/>
-                    </a:tc>
-                    <a:tc>
-                      <a:txBody>
-                        <a:bodyPr/>
-                        <a:lstStyle/>
-                        <a:p>
-                          <a:r>
-                            <a:rPr lang="de-DE" dirty="0"/>
-                            <a:t>0.5</a:t>
-                          </a:r>
-                          <a:endParaRPr lang="en-US" dirty="0"/>
-                        </a:p>
-                      </a:txBody>
-                      <a:tcPr/>
-                    </a:tc>
-                    <a:tc>
-                      <a:txBody>
-                        <a:bodyPr/>
-                        <a:lstStyle/>
-                        <a:p>
-                          <a:r>
-                            <a:rPr lang="en-US" dirty="0"/>
-                            <a:t>1.53</a:t>
-                          </a:r>
-                        </a:p>
-                      </a:txBody>
-                      <a:tcPr/>
-                    </a:tc>
-                    <a:tc>
-                      <a:txBody>
-                        <a:bodyPr/>
-                        <a:lstStyle/>
-                        <a:p>
-                          <a:r>
-                            <a:rPr lang="de-DE" dirty="0"/>
-                            <a:t>0.5</a:t>
-                          </a:r>
-                          <a:endParaRPr lang="en-US" dirty="0"/>
-                        </a:p>
-                      </a:txBody>
-                      <a:tcPr/>
-                    </a:tc>
-                    <a:extLst>
-                      <a:ext uri="{0D108BD9-81ED-4DB2-BD59-A6C34878D82A}">
-                        <a16:rowId xmlns:a16="http://schemas.microsoft.com/office/drawing/2014/main" val="791662525"/>
-                      </a:ext>
-                    </a:extLst>
-                  </a:tr>
-                  <a:tr h="365760">
-                    <a:tc>
-                      <a:txBody>
-                        <a:bodyPr/>
-                        <a:lstStyle/>
-                        <a:p>
-                          <a:r>
-                            <a:rPr lang="en-US" dirty="0"/>
-                            <a:t>2.18</a:t>
-                          </a:r>
-                        </a:p>
-                      </a:txBody>
-                      <a:tcPr/>
-                    </a:tc>
-                    <a:tc>
-                      <a:txBody>
-                        <a:bodyPr/>
-                        <a:lstStyle/>
-                        <a:p>
-                          <a:r>
-                            <a:rPr lang="de-DE" dirty="0"/>
-                            <a:t>0.5</a:t>
-                          </a:r>
-                          <a:endParaRPr lang="en-US" dirty="0"/>
-                        </a:p>
-                      </a:txBody>
-                      <a:tcPr/>
-                    </a:tc>
-                    <a:tc>
-                      <a:txBody>
-                        <a:bodyPr/>
-                        <a:lstStyle/>
-                        <a:p>
-                          <a:r>
-                            <a:rPr lang="en-US" dirty="0"/>
-                            <a:t>2.81</a:t>
-                          </a:r>
-                        </a:p>
-                      </a:txBody>
-                      <a:tcPr/>
-                    </a:tc>
-                    <a:tc>
-                      <a:txBody>
-                        <a:bodyPr/>
-                        <a:lstStyle/>
-                        <a:p>
-                          <a:r>
-                            <a:rPr lang="de-DE" dirty="0"/>
-                            <a:t>0.5</a:t>
-                          </a:r>
-                          <a:endParaRPr lang="en-US" dirty="0"/>
-                        </a:p>
-                      </a:txBody>
-                      <a:tcPr/>
-                    </a:tc>
-                    <a:extLst>
-                      <a:ext uri="{0D108BD9-81ED-4DB2-BD59-A6C34878D82A}">
-                        <a16:rowId xmlns:a16="http://schemas.microsoft.com/office/drawing/2014/main" val="1887853554"/>
-                      </a:ext>
-                    </a:extLst>
-                  </a:tr>
-                  <a:tr h="365760">
-                    <a:tc>
-                      <a:txBody>
-                        <a:bodyPr/>
-                        <a:lstStyle/>
-                        <a:p>
-                          <a:r>
-                            <a:rPr lang="en-US" dirty="0"/>
-                            <a:t>1.49</a:t>
-                          </a:r>
-                        </a:p>
-                      </a:txBody>
-                      <a:tcPr/>
-                    </a:tc>
-                    <a:tc>
-                      <a:txBody>
-                        <a:bodyPr/>
-                        <a:lstStyle/>
-                        <a:p>
-                          <a:r>
-                            <a:rPr lang="de-DE" dirty="0"/>
-                            <a:t>0.5</a:t>
-                          </a:r>
-                          <a:endParaRPr lang="en-US" dirty="0"/>
-                        </a:p>
-                      </a:txBody>
-                      <a:tcPr/>
-                    </a:tc>
-                    <a:tc>
-                      <a:txBody>
-                        <a:bodyPr/>
-                        <a:lstStyle/>
-                        <a:p>
-                          <a:r>
-                            <a:rPr lang="en-US" dirty="0"/>
-                            <a:t>5.07</a:t>
-                          </a:r>
-                        </a:p>
-                      </a:txBody>
-                      <a:tcPr/>
-                    </a:tc>
-                    <a:tc>
-                      <a:txBody>
-                        <a:bodyPr/>
-                        <a:lstStyle/>
-                        <a:p>
-                          <a:r>
-                            <a:rPr lang="de-DE" dirty="0"/>
-                            <a:t>0.5</a:t>
-                          </a:r>
-                          <a:endParaRPr lang="en-US" dirty="0"/>
-                        </a:p>
-                      </a:txBody>
-                      <a:tcPr/>
-                    </a:tc>
-                    <a:extLst>
-                      <a:ext uri="{0D108BD9-81ED-4DB2-BD59-A6C34878D82A}">
-                        <a16:rowId xmlns:a16="http://schemas.microsoft.com/office/drawing/2014/main" val="2051370545"/>
-                      </a:ext>
-                    </a:extLst>
-                  </a:tr>
-                  <a:tr h="365760">
-                    <a:tc>
-                      <a:txBody>
-                        <a:bodyPr/>
-                        <a:lstStyle/>
-                        <a:p>
-                          <a:r>
-                            <a:rPr lang="en-US" dirty="0"/>
-                            <a:t>6.53</a:t>
-                          </a:r>
-                        </a:p>
-                      </a:txBody>
-                      <a:tcPr/>
-                    </a:tc>
-                    <a:tc>
-                      <a:txBody>
-                        <a:bodyPr/>
-                        <a:lstStyle/>
-                        <a:p>
-                          <a:r>
-                            <a:rPr lang="de-DE" dirty="0"/>
-                            <a:t>0.5</a:t>
-                          </a:r>
-                          <a:endParaRPr lang="en-US" dirty="0"/>
-                        </a:p>
-                      </a:txBody>
-                      <a:tcPr/>
-                    </a:tc>
-                    <a:tc>
-                      <a:txBody>
-                        <a:bodyPr/>
-                        <a:lstStyle/>
-                        <a:p>
-                          <a:r>
-                            <a:rPr lang="en-US" dirty="0"/>
-                            <a:t>5.30</a:t>
-                          </a:r>
-                        </a:p>
-                      </a:txBody>
-                      <a:tcPr/>
-                    </a:tc>
-                    <a:tc>
-                      <a:txBody>
-                        <a:bodyPr/>
-                        <a:lstStyle/>
-                        <a:p>
-                          <a:r>
-                            <a:rPr lang="de-DE" dirty="0"/>
-                            <a:t>0.5</a:t>
-                          </a:r>
-                          <a:endParaRPr lang="en-US" dirty="0"/>
-                        </a:p>
-                      </a:txBody>
-                      <a:tcPr/>
-                    </a:tc>
-                    <a:extLst>
-                      <a:ext uri="{0D108BD9-81ED-4DB2-BD59-A6C34878D82A}">
-                        <a16:rowId xmlns:a16="http://schemas.microsoft.com/office/drawing/2014/main" val="2813395773"/>
-                      </a:ext>
-                    </a:extLst>
-                  </a:tr>
-                  <a:tr h="365760">
-                    <a:tc>
-                      <a:txBody>
-                        <a:bodyPr/>
-                        <a:lstStyle/>
-                        <a:p>
-                          <a:r>
-                            <a:rPr lang="en-US" dirty="0"/>
-                            <a:t>6.49</a:t>
-                          </a:r>
-                        </a:p>
-                      </a:txBody>
-                      <a:tcPr/>
-                    </a:tc>
-                    <a:tc>
-                      <a:txBody>
-                        <a:bodyPr/>
-                        <a:lstStyle/>
-                        <a:p>
-                          <a:r>
-                            <a:rPr lang="de-DE" dirty="0"/>
-                            <a:t>0.5</a:t>
-                          </a:r>
-                          <a:endParaRPr lang="en-US" dirty="0"/>
-                        </a:p>
-                      </a:txBody>
-                      <a:tcPr/>
-                    </a:tc>
-                    <a:tc>
-                      <a:txBody>
-                        <a:bodyPr/>
-                        <a:lstStyle/>
-                        <a:p>
-                          <a:r>
-                            <a:rPr lang="en-US" dirty="0"/>
-                            <a:t>5.09</a:t>
-                          </a:r>
-                        </a:p>
-                      </a:txBody>
-                      <a:tcPr/>
-                    </a:tc>
-                    <a:tc>
-                      <a:txBody>
-                        <a:bodyPr/>
-                        <a:lstStyle/>
-                        <a:p>
-                          <a:r>
-                            <a:rPr lang="de-DE" dirty="0"/>
-                            <a:t>0.5</a:t>
-                          </a:r>
-                          <a:endParaRPr lang="en-US" dirty="0"/>
-                        </a:p>
-                      </a:txBody>
-                      <a:tcPr/>
-                    </a:tc>
-                    <a:extLst>
-                      <a:ext uri="{0D108BD9-81ED-4DB2-BD59-A6C34878D82A}">
-                        <a16:rowId xmlns:a16="http://schemas.microsoft.com/office/drawing/2014/main" val="730856131"/>
-                      </a:ext>
-                    </a:extLst>
-                  </a:tr>
-                  <a:tr h="365760">
-                    <a:tc>
-                      <a:txBody>
-                        <a:bodyPr/>
-                        <a:lstStyle/>
-                        <a:p>
-                          <a:r>
-                            <a:rPr lang="en-US" dirty="0"/>
-                            <a:t>6.07</a:t>
-                          </a:r>
-                        </a:p>
-                      </a:txBody>
-                      <a:tcPr/>
-                    </a:tc>
-                    <a:tc>
-                      <a:txBody>
-                        <a:bodyPr/>
-                        <a:lstStyle/>
-                        <a:p>
-                          <a:r>
-                            <a:rPr lang="de-DE" dirty="0"/>
-                            <a:t>0.5</a:t>
-                          </a:r>
-                          <a:endParaRPr lang="en-US" dirty="0"/>
-                        </a:p>
-                      </a:txBody>
-                      <a:tcPr/>
-                    </a:tc>
-                    <a:tc>
-                      <a:txBody>
-                        <a:bodyPr/>
-                        <a:lstStyle/>
-                        <a:p>
-                          <a:r>
-                            <a:rPr lang="en-US" dirty="0"/>
-                            <a:t>5.69</a:t>
-                          </a:r>
-                        </a:p>
-                      </a:txBody>
-                      <a:tcPr/>
-                    </a:tc>
-                    <a:tc>
-                      <a:txBody>
-                        <a:bodyPr/>
-                        <a:lstStyle/>
-                        <a:p>
-                          <a:r>
-                            <a:rPr lang="de-DE" dirty="0"/>
-                            <a:t>0.5</a:t>
-                          </a:r>
-                          <a:endParaRPr lang="en-US" dirty="0"/>
-                        </a:p>
-                      </a:txBody>
-                      <a:tcPr/>
-                    </a:tc>
-                    <a:extLst>
-                      <a:ext uri="{0D108BD9-81ED-4DB2-BD59-A6C34878D82A}">
-                        <a16:rowId xmlns:a16="http://schemas.microsoft.com/office/drawing/2014/main" val="2914491200"/>
-                      </a:ext>
-                    </a:extLst>
-                  </a:tr>
-                  <a:tr h="365760">
-                    <a:tc>
-                      <a:txBody>
-                        <a:bodyPr/>
-                        <a:lstStyle/>
-                        <a:p>
-                          <a:r>
-                            <a:rPr lang="en-US" dirty="0"/>
-                            <a:t>7.10</a:t>
-                          </a:r>
-                        </a:p>
-                      </a:txBody>
-                      <a:tcPr/>
-                    </a:tc>
-                    <a:tc>
-                      <a:txBody>
-                        <a:bodyPr/>
-                        <a:lstStyle/>
-                        <a:p>
-                          <a:r>
-                            <a:rPr lang="de-DE" dirty="0"/>
-                            <a:t>0.5</a:t>
-                          </a:r>
-                          <a:endParaRPr lang="en-US" dirty="0"/>
-                        </a:p>
-                      </a:txBody>
-                      <a:tcPr/>
-                    </a:tc>
-                    <a:tc>
-                      <a:txBody>
-                        <a:bodyPr/>
-                        <a:lstStyle/>
-                        <a:p>
-                          <a:r>
-                            <a:rPr lang="en-US" dirty="0"/>
-                            <a:t>5.61</a:t>
-                          </a:r>
-                        </a:p>
-                      </a:txBody>
-                      <a:tcPr/>
-                    </a:tc>
-                    <a:tc>
-                      <a:txBody>
-                        <a:bodyPr/>
-                        <a:lstStyle/>
-                        <a:p>
-                          <a:r>
-                            <a:rPr lang="de-DE" dirty="0"/>
-                            <a:t>0.5</a:t>
-                          </a:r>
-                          <a:endParaRPr lang="en-US" dirty="0"/>
-                        </a:p>
-                      </a:txBody>
-                      <a:tcPr/>
-                    </a:tc>
-                    <a:extLst>
-                      <a:ext uri="{0D108BD9-81ED-4DB2-BD59-A6C34878D82A}">
-                        <a16:rowId xmlns:a16="http://schemas.microsoft.com/office/drawing/2014/main" val="2980546828"/>
-                      </a:ext>
-                    </a:extLst>
-                  </a:tr>
-                  <a:tr h="365760">
-                    <a:tc>
-                      <a:txBody>
-                        <a:bodyPr/>
-                        <a:lstStyle/>
-                        <a:p>
-                          <a:r>
-                            <a:rPr lang="en-US" dirty="0"/>
-                            <a:t>6.30</a:t>
-                          </a:r>
-                        </a:p>
-                      </a:txBody>
-                      <a:tcPr/>
-                    </a:tc>
-                    <a:tc>
-                      <a:txBody>
-                        <a:bodyPr/>
-                        <a:lstStyle/>
-                        <a:p>
-                          <a:r>
-                            <a:rPr lang="de-DE" dirty="0"/>
-                            <a:t>0.5</a:t>
-                          </a:r>
-                          <a:endParaRPr lang="en-US" dirty="0"/>
-                        </a:p>
-                      </a:txBody>
-                      <a:tcPr/>
-                    </a:tc>
-                    <a:tc>
-                      <a:txBody>
-                        <a:bodyPr/>
-                        <a:lstStyle/>
-                        <a:p>
-                          <a:r>
-                            <a:rPr lang="en-US" dirty="0"/>
-                            <a:t>5.44</a:t>
-                          </a:r>
-                        </a:p>
-                      </a:txBody>
-                      <a:tcPr/>
-                    </a:tc>
-                    <a:tc>
-                      <a:txBody>
-                        <a:bodyPr/>
-                        <a:lstStyle/>
-                        <a:p>
-                          <a:r>
-                            <a:rPr lang="de-DE" dirty="0"/>
-                            <a:t>0.5</a:t>
-                          </a:r>
-                          <a:endParaRPr lang="en-US" dirty="0"/>
-                        </a:p>
-                      </a:txBody>
-                      <a:tcPr/>
-                    </a:tc>
-                    <a:extLst>
-                      <a:ext uri="{0D108BD9-81ED-4DB2-BD59-A6C34878D82A}">
-                        <a16:rowId xmlns:a16="http://schemas.microsoft.com/office/drawing/2014/main" val="1421978377"/>
-                      </a:ext>
-                    </a:extLst>
-                  </a:tr>
-                </a:tbl>
-              </a:graphicData>
-            </a:graphic>
-          </p:graphicFrame>
-        </mc:Fallback>
-      </mc:AlternateContent>
-    </p:spTree>
-    <p:extLst>
-      <p:ext uri="{BB962C8B-B14F-4D97-AF65-F5344CB8AC3E}">
-        <p14:creationId xmlns:p14="http://schemas.microsoft.com/office/powerpoint/2010/main" val="2090067663"/>
-      </p:ext>
-    </p:extLst>
-  </p:cSld>
-  <p:clrMapOvr>
-    <a:masterClrMapping/>
-  </p:clrMapOvr>
-</p:sld>
-</file>
-
-<file path=ppt/slides/slide12.xml><?xml version="1.0" encoding="utf-8"?>
-<p:sld xmlns:a="http://schemas.openxmlformats.org/drawingml/2006/main" xmlns:r="http://schemas.openxmlformats.org/officeDocument/2006/relationships" xmlns:p="http://schemas.openxmlformats.org/presentationml/2006/main">
-  <p:cSld>
-    <p:spTree>
-      <p:nvGrpSpPr>
-        <p:cNvPr id="1" name=""/>
-        <p:cNvGrpSpPr/>
-        <p:nvPr/>
-      </p:nvGrpSpPr>
-      <p:grpSpPr>
-        <a:xfrm>
-          <a:off x="0" y="0"/>
-          <a:ext cx="0" cy="0"/>
-          <a:chOff x="0" y="0"/>
-          <a:chExt cx="0" cy="0"/>
-        </a:xfrm>
-      </p:grpSpPr>
-      <p:sp>
-        <p:nvSpPr>
-          <p:cNvPr id="2" name="Titel 1">
-            <a:extLst>
-              <a:ext uri="{FF2B5EF4-FFF2-40B4-BE49-F238E27FC236}">
-                <a16:creationId xmlns:a16="http://schemas.microsoft.com/office/drawing/2014/main" id="{C85B50D8-DA17-4EB9-81D5-B605D6E93BED}"/>
-              </a:ext>
-            </a:extLst>
-          </p:cNvPr>
-          <p:cNvSpPr>
-            <a:spLocks noGrp="1"/>
-          </p:cNvSpPr>
-          <p:nvPr>
-            <p:ph type="title"/>
-          </p:nvPr>
-        </p:nvSpPr>
-        <p:spPr/>
-        <p:txBody>
-          <a:bodyPr/>
-          <a:lstStyle/>
-          <a:p>
-            <a:r>
-              <a:rPr lang="de-DE" dirty="0"/>
-              <a:t>Quellen</a:t>
-            </a:r>
-            <a:endParaRPr lang="en-US" dirty="0"/>
-          </a:p>
-        </p:txBody>
-      </p:sp>
-      <p:sp>
-        <p:nvSpPr>
-          <p:cNvPr id="3" name="Textplatzhalter 2">
-            <a:extLst>
-              <a:ext uri="{FF2B5EF4-FFF2-40B4-BE49-F238E27FC236}">
-                <a16:creationId xmlns:a16="http://schemas.microsoft.com/office/drawing/2014/main" id="{5777C33E-218A-4726-A604-01275BC614DF}"/>
-              </a:ext>
-            </a:extLst>
-          </p:cNvPr>
-          <p:cNvSpPr>
-            <a:spLocks noGrp="1"/>
-          </p:cNvSpPr>
-          <p:nvPr>
-            <p:ph type="body" sz="quarter" idx="10"/>
-          </p:nvPr>
-        </p:nvSpPr>
-        <p:spPr/>
-        <p:txBody>
-          <a:bodyPr/>
-          <a:lstStyle/>
-          <a:p>
-            <a:pPr marL="0" indent="0">
-              <a:buNone/>
-            </a:pPr>
-            <a:endParaRPr lang="en-US" sz="1100" dirty="0"/>
-          </a:p>
-        </p:txBody>
-      </p:sp>
-      <p:sp>
-        <p:nvSpPr>
-          <p:cNvPr id="4" name="Foliennummernplatzhalter 3">
-            <a:extLst>
-              <a:ext uri="{FF2B5EF4-FFF2-40B4-BE49-F238E27FC236}">
-                <a16:creationId xmlns:a16="http://schemas.microsoft.com/office/drawing/2014/main" id="{DE156011-1808-4B3C-B1C2-58E6AD4C55E9}"/>
-              </a:ext>
-            </a:extLst>
-          </p:cNvPr>
-          <p:cNvSpPr>
-            <a:spLocks noGrp="1"/>
-          </p:cNvSpPr>
-          <p:nvPr>
-            <p:ph type="sldNum" sz="quarter" idx="4"/>
-          </p:nvPr>
-        </p:nvSpPr>
-        <p:spPr/>
-        <p:txBody>
-          <a:bodyPr/>
-          <a:lstStyle/>
-          <a:p>
-            <a:fld id="{63CECEBB-547B-4598-95D8-3FB4D608B5D5}" type="slidenum">
-              <a:rPr lang="de-DE" smtClean="0"/>
-              <a:pPr/>
-              <a:t>12</a:t>
-            </a:fld>
-            <a:endParaRPr lang="de-DE" dirty="0"/>
-          </a:p>
-        </p:txBody>
-      </p:sp>
-    </p:spTree>
-    <p:extLst>
-      <p:ext uri="{BB962C8B-B14F-4D97-AF65-F5344CB8AC3E}">
-        <p14:creationId xmlns:p14="http://schemas.microsoft.com/office/powerpoint/2010/main" val="3247303166"/>
-      </p:ext>
-    </p:extLst>
-  </p:cSld>
-  <p:clrMapOvr>
-    <a:masterClrMapping/>
-  </p:clrMapOvr>
-</p:sld>
-</file>
-
-<file path=ppt/slides/slide2.xml><?xml version="1.0" encoding="utf-8"?>
-<p:sld xmlns:a="http://schemas.openxmlformats.org/drawingml/2006/main" xmlns:r="http://schemas.openxmlformats.org/officeDocument/2006/relationships" xmlns:p="http://schemas.openxmlformats.org/presentationml/2006/main">
-  <p:cSld>
-    <p:spTree>
-      <p:nvGrpSpPr>
-        <p:cNvPr id="1" name=""/>
-        <p:cNvGrpSpPr/>
-        <p:nvPr/>
-      </p:nvGrpSpPr>
-      <p:grpSpPr>
-        <a:xfrm>
-          <a:off x="0" y="0"/>
-          <a:ext cx="0" cy="0"/>
-          <a:chOff x="0" y="0"/>
-          <a:chExt cx="0" cy="0"/>
-        </a:xfrm>
-      </p:grpSpPr>
-      <p:sp>
-        <p:nvSpPr>
           <p:cNvPr id="2" name="Titel 1">
             <a:extLst>
               <a:ext uri="{FF2B5EF4-FFF2-40B4-BE49-F238E27FC236}">
@@ -7514,7 +3281,7 @@
             <a:fld id="{63CECEBB-547B-4598-95D8-3FB4D608B5D5}" type="slidenum">
               <a:rPr lang="de-DE" smtClean="0"/>
               <a:pPr/>
-              <a:t>2</a:t>
+              <a:t>1</a:t>
             </a:fld>
             <a:endParaRPr lang="de-DE" dirty="0"/>
           </a:p>
@@ -7672,7 +3439,7 @@
         </p:nvSpPr>
         <p:spPr>
           <a:xfrm>
-            <a:off x="250824" y="2349083"/>
+            <a:off x="250822" y="2802454"/>
             <a:ext cx="8615951" cy="360040"/>
           </a:xfrm>
           <a:prstGeom prst="rect">
@@ -7807,7 +3574,7 @@
         </p:nvSpPr>
         <p:spPr>
           <a:xfrm>
-            <a:off x="250823" y="2777809"/>
+            <a:off x="250821" y="3231180"/>
             <a:ext cx="8615951" cy="360040"/>
           </a:xfrm>
           <a:prstGeom prst="rect">
@@ -7942,7 +3709,7 @@
         </p:nvSpPr>
         <p:spPr>
           <a:xfrm>
-            <a:off x="250822" y="3203893"/>
+            <a:off x="250820" y="3657264"/>
             <a:ext cx="8615951" cy="360040"/>
           </a:xfrm>
           <a:prstGeom prst="rect">
@@ -8195,6 +3962,141 @@
           </a:p>
         </p:txBody>
       </p:sp>
+      <p:sp>
+        <p:nvSpPr>
+          <p:cNvPr id="9" name="Textplatzhalter 2">
+            <a:hlinkClick r:id="rId7" action="ppaction://hlinksldjump"/>
+            <a:extLst>
+              <a:ext uri="{FF2B5EF4-FFF2-40B4-BE49-F238E27FC236}">
+                <a16:creationId xmlns:a16="http://schemas.microsoft.com/office/drawing/2014/main" id="{81D69A11-292A-4EA6-986B-D68FB7758C4F}"/>
+              </a:ext>
+            </a:extLst>
+          </p:cNvPr>
+          <p:cNvSpPr txBox="1">
+            <a:spLocks/>
+          </p:cNvSpPr>
+          <p:nvPr/>
+        </p:nvSpPr>
+        <p:spPr>
+          <a:xfrm>
+            <a:off x="250820" y="2358423"/>
+            <a:ext cx="8615951" cy="360040"/>
+          </a:xfrm>
+          <a:prstGeom prst="rect">
+            <a:avLst/>
+          </a:prstGeom>
+          <a:solidFill>
+            <a:schemeClr val="accent3">
+              <a:lumMod val="20000"/>
+              <a:lumOff val="80000"/>
+            </a:schemeClr>
+          </a:solidFill>
+          <a:ln>
+            <a:solidFill>
+              <a:schemeClr val="tx2">
+                <a:lumMod val="60000"/>
+                <a:lumOff val="40000"/>
+              </a:schemeClr>
+            </a:solidFill>
+          </a:ln>
+        </p:spPr>
+        <p:txBody>
+          <a:bodyPr/>
+          <a:lstStyle>
+            <a:lvl1pPr marL="342900" indent="-342900">
+              <a:spcBef>
+                <a:spcPct val="20000"/>
+              </a:spcBef>
+              <a:buClr>
+                <a:srgbClr val="84B818"/>
+              </a:buClr>
+              <a:buFont typeface="Arial" panose="020B0604020202020204" pitchFamily="34" charset="0"/>
+              <a:buChar char="•"/>
+              <a:defRPr>
+                <a:solidFill>
+                  <a:srgbClr val="565656"/>
+                </a:solidFill>
+                <a:latin typeface="Arial" panose="020B0604020202020204" pitchFamily="34" charset="0"/>
+                <a:cs typeface="Arial" panose="020B0604020202020204" pitchFamily="34" charset="0"/>
+              </a:defRPr>
+            </a:lvl1pPr>
+            <a:lvl2pPr marL="742950" indent="-285750">
+              <a:spcBef>
+                <a:spcPct val="20000"/>
+              </a:spcBef>
+              <a:buFont typeface="Arial" panose="020B0604020202020204" pitchFamily="34" charset="0"/>
+              <a:buChar char="–"/>
+              <a:defRPr sz="2800"/>
+            </a:lvl2pPr>
+            <a:lvl3pPr marL="1143000" indent="-228600">
+              <a:spcBef>
+                <a:spcPct val="20000"/>
+              </a:spcBef>
+              <a:buFont typeface="Arial" panose="020B0604020202020204" pitchFamily="34" charset="0"/>
+              <a:buChar char="•"/>
+              <a:defRPr sz="2400"/>
+            </a:lvl3pPr>
+            <a:lvl4pPr marL="1600200" indent="-228600">
+              <a:spcBef>
+                <a:spcPct val="20000"/>
+              </a:spcBef>
+              <a:buFont typeface="Arial" panose="020B0604020202020204" pitchFamily="34" charset="0"/>
+              <a:buChar char="–"/>
+              <a:defRPr sz="2000"/>
+            </a:lvl4pPr>
+            <a:lvl5pPr marL="2057400" indent="-228600">
+              <a:spcBef>
+                <a:spcPct val="20000"/>
+              </a:spcBef>
+              <a:buFont typeface="Arial" panose="020B0604020202020204" pitchFamily="34" charset="0"/>
+              <a:buChar char="»"/>
+              <a:defRPr sz="2000"/>
+            </a:lvl5pPr>
+            <a:lvl6pPr marL="2514600" indent="-228600">
+              <a:spcBef>
+                <a:spcPct val="20000"/>
+              </a:spcBef>
+              <a:buFont typeface="Arial" panose="020B0604020202020204" pitchFamily="34" charset="0"/>
+              <a:buChar char="•"/>
+              <a:defRPr sz="2000"/>
+            </a:lvl6pPr>
+            <a:lvl7pPr marL="2971800" indent="-228600">
+              <a:spcBef>
+                <a:spcPct val="20000"/>
+              </a:spcBef>
+              <a:buFont typeface="Arial" panose="020B0604020202020204" pitchFamily="34" charset="0"/>
+              <a:buChar char="•"/>
+              <a:defRPr sz="2000"/>
+            </a:lvl7pPr>
+            <a:lvl8pPr marL="3429000" indent="-228600">
+              <a:spcBef>
+                <a:spcPct val="20000"/>
+              </a:spcBef>
+              <a:buFont typeface="Arial" panose="020B0604020202020204" pitchFamily="34" charset="0"/>
+              <a:buChar char="•"/>
+              <a:defRPr sz="2000"/>
+            </a:lvl8pPr>
+            <a:lvl9pPr marL="3886200" indent="-228600">
+              <a:spcBef>
+                <a:spcPct val="20000"/>
+              </a:spcBef>
+              <a:buFont typeface="Arial" panose="020B0604020202020204" pitchFamily="34" charset="0"/>
+              <a:buChar char="•"/>
+              <a:defRPr sz="2000"/>
+            </a:lvl9pPr>
+          </a:lstStyle>
+          <a:p>
+            <a:pPr marL="0" indent="0">
+              <a:buNone/>
+            </a:pPr>
+            <a:r>
+              <a:rPr lang="de-DE" dirty="0"/>
+              <a:t>Durchführung</a:t>
+            </a:r>
+            <a:endParaRPr lang="en-US" dirty="0"/>
+          </a:p>
+        </p:txBody>
+      </p:sp>
     </p:spTree>
     <p:extLst>
       <p:ext uri="{BB962C8B-B14F-4D97-AF65-F5344CB8AC3E}">
@@ -8208,7 +4110,2021 @@
 </p:sld>
 </file>
 
-<file path=ppt/slides/slide3.xml><?xml version="1.0" encoding="utf-8"?>
+<file path=ppt/slides/slide10.xml><?xml version="1.0" encoding="utf-8"?>
+<p:sld xmlns:a="http://schemas.openxmlformats.org/drawingml/2006/main" xmlns:r="http://schemas.openxmlformats.org/officeDocument/2006/relationships" xmlns:p="http://schemas.openxmlformats.org/presentationml/2006/main">
+  <p:cSld>
+    <p:spTree>
+      <p:nvGrpSpPr>
+        <p:cNvPr id="1" name=""/>
+        <p:cNvGrpSpPr/>
+        <p:nvPr/>
+      </p:nvGrpSpPr>
+      <p:grpSpPr>
+        <a:xfrm>
+          <a:off x="0" y="0"/>
+          <a:ext cx="0" cy="0"/>
+          <a:chOff x="0" y="0"/>
+          <a:chExt cx="0" cy="0"/>
+        </a:xfrm>
+      </p:grpSpPr>
+      <p:sp>
+        <p:nvSpPr>
+          <p:cNvPr id="2" name="Titel 1">
+            <a:extLst>
+              <a:ext uri="{FF2B5EF4-FFF2-40B4-BE49-F238E27FC236}">
+                <a16:creationId xmlns:a16="http://schemas.microsoft.com/office/drawing/2014/main" id="{DAEC56DF-B7AF-4297-BA9C-E649B46C7208}"/>
+              </a:ext>
+            </a:extLst>
+          </p:cNvPr>
+          <p:cNvSpPr>
+            <a:spLocks noGrp="1"/>
+          </p:cNvSpPr>
+          <p:nvPr>
+            <p:ph type="title"/>
+          </p:nvPr>
+        </p:nvSpPr>
+        <p:spPr/>
+        <p:txBody>
+          <a:bodyPr/>
+          <a:lstStyle/>
+          <a:p>
+            <a:r>
+              <a:rPr lang="de-DE" dirty="0"/>
+              <a:t>Diskussion</a:t>
+            </a:r>
+            <a:endParaRPr lang="en-US" dirty="0"/>
+          </a:p>
+        </p:txBody>
+      </p:sp>
+      <p:sp>
+        <p:nvSpPr>
+          <p:cNvPr id="3" name="Textplatzhalter 2">
+            <a:extLst>
+              <a:ext uri="{FF2B5EF4-FFF2-40B4-BE49-F238E27FC236}">
+                <a16:creationId xmlns:a16="http://schemas.microsoft.com/office/drawing/2014/main" id="{4FFFE80B-3532-4136-82F5-B696A8A36713}"/>
+              </a:ext>
+            </a:extLst>
+          </p:cNvPr>
+          <p:cNvSpPr>
+            <a:spLocks noGrp="1"/>
+          </p:cNvSpPr>
+          <p:nvPr>
+            <p:ph type="body" sz="quarter" idx="10"/>
+          </p:nvPr>
+        </p:nvSpPr>
+        <p:spPr>
+          <a:xfrm>
+            <a:off x="250825" y="1491630"/>
+            <a:ext cx="4609207" cy="3240087"/>
+          </a:xfrm>
+        </p:spPr>
+        <p:txBody>
+          <a:bodyPr/>
+          <a:lstStyle/>
+          <a:p>
+            <a:pPr>
+              <a:buFont typeface="Wingdings" panose="05000000000000000000" pitchFamily="2" charset="2"/>
+              <a:buChar char="§"/>
+            </a:pPr>
+            <a:r>
+              <a:rPr lang="de-DE" sz="1600" dirty="0"/>
+              <a:t>Auffälligkeiten:</a:t>
+            </a:r>
+          </a:p>
+          <a:p>
+            <a:pPr lvl="1"/>
+            <a:r>
+              <a:rPr lang="de-DE" sz="1600" dirty="0"/>
+              <a:t>Stark variierende Geschwindigkeiten (Bsp.)</a:t>
+            </a:r>
+          </a:p>
+          <a:p>
+            <a:pPr lvl="1"/>
+            <a:r>
+              <a:rPr lang="de-DE" sz="1600" dirty="0"/>
+              <a:t>Relativ hohe Fehler</a:t>
+            </a:r>
+          </a:p>
+          <a:p>
+            <a:pPr>
+              <a:buFont typeface="Wingdings" panose="05000000000000000000" pitchFamily="2" charset="2"/>
+              <a:buChar char="§"/>
+            </a:pPr>
+            <a:r>
+              <a:rPr lang="de-DE" sz="1600" dirty="0"/>
+              <a:t>Gründe:</a:t>
+            </a:r>
+          </a:p>
+          <a:p>
+            <a:pPr lvl="1"/>
+            <a:r>
+              <a:rPr lang="de-DE" sz="1600"/>
+              <a:t>Menschliche Reaktionszeit</a:t>
+            </a:r>
+            <a:endParaRPr lang="de-DE" sz="1600" dirty="0"/>
+          </a:p>
+          <a:p>
+            <a:pPr lvl="1"/>
+            <a:r>
+              <a:rPr lang="de-DE" sz="1600" dirty="0"/>
+              <a:t>Ungenaue Abstandsbestimmung</a:t>
+            </a:r>
+          </a:p>
+          <a:p>
+            <a:pPr lvl="1"/>
+            <a:r>
+              <a:rPr lang="de-DE" sz="1600" dirty="0"/>
+              <a:t>Tropfen werden als Sphären genähert</a:t>
+            </a:r>
+          </a:p>
+          <a:p>
+            <a:pPr lvl="1"/>
+            <a:endParaRPr lang="de-DE" sz="1600" dirty="0"/>
+          </a:p>
+          <a:p>
+            <a:pPr lvl="1"/>
+            <a:endParaRPr lang="de-DE" sz="1600" dirty="0"/>
+          </a:p>
+          <a:p>
+            <a:pPr lvl="1"/>
+            <a:endParaRPr lang="en-US" sz="1600" dirty="0"/>
+          </a:p>
+        </p:txBody>
+      </p:sp>
+      <p:sp>
+        <p:nvSpPr>
+          <p:cNvPr id="4" name="Foliennummernplatzhalter 3">
+            <a:extLst>
+              <a:ext uri="{FF2B5EF4-FFF2-40B4-BE49-F238E27FC236}">
+                <a16:creationId xmlns:a16="http://schemas.microsoft.com/office/drawing/2014/main" id="{21B4B892-FDD7-4AEA-A771-E64104EC6BCE}"/>
+              </a:ext>
+            </a:extLst>
+          </p:cNvPr>
+          <p:cNvSpPr>
+            <a:spLocks noGrp="1"/>
+          </p:cNvSpPr>
+          <p:nvPr>
+            <p:ph type="sldNum" sz="quarter" idx="4"/>
+          </p:nvPr>
+        </p:nvSpPr>
+        <p:spPr/>
+        <p:txBody>
+          <a:bodyPr/>
+          <a:lstStyle/>
+          <a:p>
+            <a:fld id="{63CECEBB-547B-4598-95D8-3FB4D608B5D5}" type="slidenum">
+              <a:rPr lang="de-DE" smtClean="0"/>
+              <a:pPr/>
+              <a:t>10</a:t>
+            </a:fld>
+            <a:endParaRPr lang="de-DE" dirty="0"/>
+          </a:p>
+        </p:txBody>
+      </p:sp>
+      <mc:AlternateContent xmlns:mc="http://schemas.openxmlformats.org/markup-compatibility/2006" xmlns:a14="http://schemas.microsoft.com/office/drawing/2010/main">
+        <mc:Choice Requires="a14">
+          <p:graphicFrame>
+            <p:nvGraphicFramePr>
+              <p:cNvPr id="10" name="Tabelle 10">
+                <a:extLst>
+                  <a:ext uri="{FF2B5EF4-FFF2-40B4-BE49-F238E27FC236}">
+                    <a16:creationId xmlns:a16="http://schemas.microsoft.com/office/drawing/2014/main" id="{EC836A62-57EE-4D3E-9D8D-EB6DBC312B19}"/>
+                  </a:ext>
+                </a:extLst>
+              </p:cNvPr>
+              <p:cNvGraphicFramePr>
+                <a:graphicFrameLocks noGrp="1"/>
+              </p:cNvGraphicFramePr>
+              <p:nvPr>
+                <p:extLst>
+                  <p:ext uri="{D42A27DB-BD31-4B8C-83A1-F6EECF244321}">
+                    <p14:modId xmlns:p14="http://schemas.microsoft.com/office/powerpoint/2010/main" val="1540646644"/>
+                  </p:ext>
+                </p:extLst>
+              </p:nvPr>
+            </p:nvGraphicFramePr>
+            <p:xfrm>
+              <a:off x="5026688" y="826674"/>
+              <a:ext cx="3840088" cy="4049332"/>
+            </p:xfrm>
+            <a:graphic>
+              <a:graphicData uri="http://schemas.openxmlformats.org/drawingml/2006/table">
+                <a:tbl>
+                  <a:tblPr firstRow="1" bandRow="1">
+                    <a:tableStyleId>{5C22544A-7EE6-4342-B048-85BDC9FD1C3A}</a:tableStyleId>
+                  </a:tblPr>
+                  <a:tblGrid>
+                    <a:gridCol w="960022">
+                      <a:extLst>
+                        <a:ext uri="{9D8B030D-6E8A-4147-A177-3AD203B41FA5}">
+                          <a16:colId xmlns:a16="http://schemas.microsoft.com/office/drawing/2014/main" val="3355178728"/>
+                        </a:ext>
+                      </a:extLst>
+                    </a:gridCol>
+                    <a:gridCol w="960022">
+                      <a:extLst>
+                        <a:ext uri="{9D8B030D-6E8A-4147-A177-3AD203B41FA5}">
+                          <a16:colId xmlns:a16="http://schemas.microsoft.com/office/drawing/2014/main" val="3138394069"/>
+                        </a:ext>
+                      </a:extLst>
+                    </a:gridCol>
+                    <a:gridCol w="960022">
+                      <a:extLst>
+                        <a:ext uri="{9D8B030D-6E8A-4147-A177-3AD203B41FA5}">
+                          <a16:colId xmlns:a16="http://schemas.microsoft.com/office/drawing/2014/main" val="450068901"/>
+                        </a:ext>
+                      </a:extLst>
+                    </a:gridCol>
+                    <a:gridCol w="960022">
+                      <a:extLst>
+                        <a:ext uri="{9D8B030D-6E8A-4147-A177-3AD203B41FA5}">
+                          <a16:colId xmlns:a16="http://schemas.microsoft.com/office/drawing/2014/main" val="1375976332"/>
+                        </a:ext>
+                      </a:extLst>
+                    </a:gridCol>
+                  </a:tblGrid>
+                  <a:tr h="280168">
+                    <a:tc>
+                      <a:txBody>
+                        <a:bodyPr/>
+                        <a:lstStyle/>
+                        <a:p>
+                          <a:pPr/>
+                          <a14:m>
+                            <m:oMathPara xmlns:m="http://schemas.openxmlformats.org/officeDocument/2006/math">
+                              <m:oMathParaPr>
+                                <m:jc m:val="centerGroup"/>
+                              </m:oMathParaPr>
+                              <m:oMath xmlns:m="http://schemas.openxmlformats.org/officeDocument/2006/math">
+                                <m:sSub>
+                                  <m:sSubPr>
+                                    <m:ctrlPr>
+                                      <a:rPr lang="de-DE" b="1" i="1" smtClean="0">
+                                        <a:latin typeface="Cambria Math" panose="02040503050406030204" pitchFamily="18" charset="0"/>
+                                      </a:rPr>
+                                    </m:ctrlPr>
+                                  </m:sSubPr>
+                                  <m:e>
+                                    <m:r>
+                                      <a:rPr lang="de-DE" b="1" i="1" smtClean="0">
+                                        <a:latin typeface="Cambria Math" panose="02040503050406030204" pitchFamily="18" charset="0"/>
+                                      </a:rPr>
+                                      <m:t>𝒕</m:t>
+                                    </m:r>
+                                  </m:e>
+                                  <m:sub>
+                                    <m:r>
+                                      <a:rPr lang="de-DE" b="1" i="1" smtClean="0">
+                                        <a:latin typeface="Cambria Math" panose="02040503050406030204" pitchFamily="18" charset="0"/>
+                                      </a:rPr>
+                                      <m:t>𝒓</m:t>
+                                    </m:r>
+                                  </m:sub>
+                                </m:sSub>
+                                <m:r>
+                                  <a:rPr lang="de-DE" b="1" i="1" smtClean="0">
+                                    <a:latin typeface="Cambria Math" panose="02040503050406030204" pitchFamily="18" charset="0"/>
+                                  </a:rPr>
+                                  <m:t> [</m:t>
+                                </m:r>
+                                <m:r>
+                                  <a:rPr lang="de-DE" b="1" i="1" smtClean="0">
+                                    <a:latin typeface="Cambria Math" panose="02040503050406030204" pitchFamily="18" charset="0"/>
+                                  </a:rPr>
+                                  <m:t>𝒔</m:t>
+                                </m:r>
+                                <m:r>
+                                  <a:rPr lang="de-DE" b="1" i="1" smtClean="0">
+                                    <a:latin typeface="Cambria Math" panose="02040503050406030204" pitchFamily="18" charset="0"/>
+                                  </a:rPr>
+                                  <m:t>]</m:t>
+                                </m:r>
+                              </m:oMath>
+                            </m:oMathPara>
+                          </a14:m>
+                          <a:endParaRPr lang="en-US" dirty="0"/>
+                        </a:p>
+                      </a:txBody>
+                      <a:tcPr/>
+                    </a:tc>
+                    <a:tc>
+                      <a:txBody>
+                        <a:bodyPr/>
+                        <a:lstStyle/>
+                        <a:p>
+                          <a:pPr/>
+                          <a14:m>
+                            <m:oMathPara xmlns:m="http://schemas.openxmlformats.org/officeDocument/2006/math">
+                              <m:oMathParaPr>
+                                <m:jc m:val="centerGroup"/>
+                              </m:oMathParaPr>
+                              <m:oMath xmlns:m="http://schemas.openxmlformats.org/officeDocument/2006/math">
+                                <m:sSub>
+                                  <m:sSubPr>
+                                    <m:ctrlPr>
+                                      <a:rPr lang="de-DE" b="1" i="1" smtClean="0">
+                                        <a:latin typeface="Cambria Math" panose="02040503050406030204" pitchFamily="18" charset="0"/>
+                                      </a:rPr>
+                                    </m:ctrlPr>
+                                  </m:sSubPr>
+                                  <m:e>
+                                    <m:r>
+                                      <a:rPr lang="de-DE" b="1" i="1" smtClean="0">
+                                        <a:latin typeface="Cambria Math" panose="02040503050406030204" pitchFamily="18" charset="0"/>
+                                      </a:rPr>
+                                      <m:t>𝒙</m:t>
+                                    </m:r>
+                                  </m:e>
+                                  <m:sub>
+                                    <m:r>
+                                      <a:rPr lang="de-DE" b="1" i="1" smtClean="0">
+                                        <a:latin typeface="Cambria Math" panose="02040503050406030204" pitchFamily="18" charset="0"/>
+                                      </a:rPr>
+                                      <m:t>𝒓</m:t>
+                                    </m:r>
+                                  </m:sub>
+                                </m:sSub>
+                                <m:r>
+                                  <a:rPr lang="de-DE" b="1" i="1" smtClean="0">
+                                    <a:latin typeface="Cambria Math" panose="02040503050406030204" pitchFamily="18" charset="0"/>
+                                  </a:rPr>
+                                  <m:t> [</m:t>
+                                </m:r>
+                                <m:r>
+                                  <a:rPr lang="de-DE" b="1" i="1" smtClean="0">
+                                    <a:latin typeface="Cambria Math" panose="02040503050406030204" pitchFamily="18" charset="0"/>
+                                  </a:rPr>
+                                  <m:t>𝒎𝒎</m:t>
+                                </m:r>
+                                <m:r>
+                                  <a:rPr lang="de-DE" b="1" i="1" smtClean="0">
+                                    <a:latin typeface="Cambria Math" panose="02040503050406030204" pitchFamily="18" charset="0"/>
+                                  </a:rPr>
+                                  <m:t>]</m:t>
+                                </m:r>
+                              </m:oMath>
+                            </m:oMathPara>
+                          </a14:m>
+                          <a:endParaRPr lang="en-US" dirty="0"/>
+                        </a:p>
+                      </a:txBody>
+                      <a:tcPr/>
+                    </a:tc>
+                    <a:tc>
+                      <a:txBody>
+                        <a:bodyPr/>
+                        <a:lstStyle/>
+                        <a:p>
+                          <a:pPr/>
+                          <a14:m>
+                            <m:oMathPara xmlns:m="http://schemas.openxmlformats.org/officeDocument/2006/math">
+                              <m:oMathParaPr>
+                                <m:jc m:val="centerGroup"/>
+                              </m:oMathParaPr>
+                              <m:oMath xmlns:m="http://schemas.openxmlformats.org/officeDocument/2006/math">
+                                <m:sSub>
+                                  <m:sSubPr>
+                                    <m:ctrlPr>
+                                      <a:rPr lang="de-DE" b="1" i="1" smtClean="0">
+                                        <a:latin typeface="Cambria Math" panose="02040503050406030204" pitchFamily="18" charset="0"/>
+                                      </a:rPr>
+                                    </m:ctrlPr>
+                                  </m:sSubPr>
+                                  <m:e>
+                                    <m:r>
+                                      <a:rPr lang="de-DE" b="1" i="1" smtClean="0">
+                                        <a:latin typeface="Cambria Math" panose="02040503050406030204" pitchFamily="18" charset="0"/>
+                                      </a:rPr>
+                                      <m:t>𝒕</m:t>
+                                    </m:r>
+                                  </m:e>
+                                  <m:sub>
+                                    <m:r>
+                                      <a:rPr lang="de-DE" b="1" i="1" smtClean="0">
+                                        <a:latin typeface="Cambria Math" panose="02040503050406030204" pitchFamily="18" charset="0"/>
+                                      </a:rPr>
+                                      <m:t>𝒇</m:t>
+                                    </m:r>
+                                  </m:sub>
+                                </m:sSub>
+                                <m:r>
+                                  <a:rPr lang="de-DE" b="1" i="1" smtClean="0">
+                                    <a:latin typeface="Cambria Math" panose="02040503050406030204" pitchFamily="18" charset="0"/>
+                                  </a:rPr>
+                                  <m:t> [</m:t>
+                                </m:r>
+                                <m:r>
+                                  <a:rPr lang="de-DE" b="1" i="1" smtClean="0">
+                                    <a:latin typeface="Cambria Math" panose="02040503050406030204" pitchFamily="18" charset="0"/>
+                                  </a:rPr>
+                                  <m:t>𝒔</m:t>
+                                </m:r>
+                                <m:r>
+                                  <a:rPr lang="de-DE" b="1" i="1" smtClean="0">
+                                    <a:latin typeface="Cambria Math" panose="02040503050406030204" pitchFamily="18" charset="0"/>
+                                  </a:rPr>
+                                  <m:t>]</m:t>
+                                </m:r>
+                              </m:oMath>
+                            </m:oMathPara>
+                          </a14:m>
+                          <a:endParaRPr lang="en-US" dirty="0"/>
+                        </a:p>
+                      </a:txBody>
+                      <a:tcPr/>
+                    </a:tc>
+                    <a:tc>
+                      <a:txBody>
+                        <a:bodyPr/>
+                        <a:lstStyle/>
+                        <a:p>
+                          <a:pPr/>
+                          <a14:m>
+                            <m:oMathPara xmlns:m="http://schemas.openxmlformats.org/officeDocument/2006/math">
+                              <m:oMathParaPr>
+                                <m:jc m:val="centerGroup"/>
+                              </m:oMathParaPr>
+                              <m:oMath xmlns:m="http://schemas.openxmlformats.org/officeDocument/2006/math">
+                                <m:sSub>
+                                  <m:sSubPr>
+                                    <m:ctrlPr>
+                                      <a:rPr lang="de-DE" b="1" i="1" smtClean="0">
+                                        <a:latin typeface="Cambria Math" panose="02040503050406030204" pitchFamily="18" charset="0"/>
+                                      </a:rPr>
+                                    </m:ctrlPr>
+                                  </m:sSubPr>
+                                  <m:e>
+                                    <m:r>
+                                      <a:rPr lang="de-DE" b="1" i="1" smtClean="0">
+                                        <a:latin typeface="Cambria Math" panose="02040503050406030204" pitchFamily="18" charset="0"/>
+                                      </a:rPr>
+                                      <m:t>𝒙</m:t>
+                                    </m:r>
+                                  </m:e>
+                                  <m:sub>
+                                    <m:r>
+                                      <a:rPr lang="de-DE" b="1" i="1" smtClean="0">
+                                        <a:latin typeface="Cambria Math" panose="02040503050406030204" pitchFamily="18" charset="0"/>
+                                      </a:rPr>
+                                      <m:t>𝒇</m:t>
+                                    </m:r>
+                                  </m:sub>
+                                </m:sSub>
+                                <m:r>
+                                  <a:rPr lang="de-DE" b="1" i="1" smtClean="0">
+                                    <a:latin typeface="Cambria Math" panose="02040503050406030204" pitchFamily="18" charset="0"/>
+                                  </a:rPr>
+                                  <m:t> [</m:t>
+                                </m:r>
+                                <m:r>
+                                  <a:rPr lang="de-DE" b="1" i="1" smtClean="0">
+                                    <a:latin typeface="Cambria Math" panose="02040503050406030204" pitchFamily="18" charset="0"/>
+                                  </a:rPr>
+                                  <m:t>𝒎𝒎</m:t>
+                                </m:r>
+                                <m:r>
+                                  <a:rPr lang="de-DE" b="1" i="1" smtClean="0">
+                                    <a:latin typeface="Cambria Math" panose="02040503050406030204" pitchFamily="18" charset="0"/>
+                                  </a:rPr>
+                                  <m:t>]</m:t>
+                                </m:r>
+                              </m:oMath>
+                            </m:oMathPara>
+                          </a14:m>
+                          <a:endParaRPr lang="en-US" dirty="0"/>
+                        </a:p>
+                      </a:txBody>
+                      <a:tcPr/>
+                    </a:tc>
+                    <a:extLst>
+                      <a:ext uri="{0D108BD9-81ED-4DB2-BD59-A6C34878D82A}">
+                        <a16:rowId xmlns:a16="http://schemas.microsoft.com/office/drawing/2014/main" val="2518984764"/>
+                      </a:ext>
+                    </a:extLst>
+                  </a:tr>
+                  <a:tr h="261593">
+                    <a:tc>
+                      <a:txBody>
+                        <a:bodyPr/>
+                        <a:lstStyle/>
+                        <a:p>
+                          <a:r>
+                            <a:rPr lang="en-US" dirty="0"/>
+                            <a:t>1.66</a:t>
+                          </a:r>
+                        </a:p>
+                      </a:txBody>
+                      <a:tcPr/>
+                    </a:tc>
+                    <a:tc>
+                      <a:txBody>
+                        <a:bodyPr/>
+                        <a:lstStyle/>
+                        <a:p>
+                          <a:r>
+                            <a:rPr lang="de-DE" dirty="0"/>
+                            <a:t>0.5</a:t>
+                          </a:r>
+                          <a:endParaRPr lang="en-US" dirty="0"/>
+                        </a:p>
+                      </a:txBody>
+                      <a:tcPr/>
+                    </a:tc>
+                    <a:tc>
+                      <a:txBody>
+                        <a:bodyPr/>
+                        <a:lstStyle/>
+                        <a:p>
+                          <a:r>
+                            <a:rPr lang="en-US" dirty="0"/>
+                            <a:t>1.41</a:t>
+                          </a:r>
+                        </a:p>
+                      </a:txBody>
+                      <a:tcPr/>
+                    </a:tc>
+                    <a:tc>
+                      <a:txBody>
+                        <a:bodyPr/>
+                        <a:lstStyle/>
+                        <a:p>
+                          <a:r>
+                            <a:rPr lang="de-DE" dirty="0"/>
+                            <a:t>0.5</a:t>
+                          </a:r>
+                          <a:endParaRPr lang="en-US" dirty="0"/>
+                        </a:p>
+                      </a:txBody>
+                      <a:tcPr/>
+                    </a:tc>
+                    <a:extLst>
+                      <a:ext uri="{0D108BD9-81ED-4DB2-BD59-A6C34878D82A}">
+                        <a16:rowId xmlns:a16="http://schemas.microsoft.com/office/drawing/2014/main" val="1451102642"/>
+                      </a:ext>
+                    </a:extLst>
+                  </a:tr>
+                  <a:tr h="261593">
+                    <a:tc>
+                      <a:txBody>
+                        <a:bodyPr/>
+                        <a:lstStyle/>
+                        <a:p>
+                          <a:r>
+                            <a:rPr lang="en-US" dirty="0"/>
+                            <a:t>1.53</a:t>
+                          </a:r>
+                        </a:p>
+                      </a:txBody>
+                      <a:tcPr/>
+                    </a:tc>
+                    <a:tc>
+                      <a:txBody>
+                        <a:bodyPr/>
+                        <a:lstStyle/>
+                        <a:p>
+                          <a:r>
+                            <a:rPr lang="de-DE" dirty="0"/>
+                            <a:t>0.5</a:t>
+                          </a:r>
+                          <a:endParaRPr lang="en-US" dirty="0"/>
+                        </a:p>
+                      </a:txBody>
+                      <a:tcPr/>
+                    </a:tc>
+                    <a:tc>
+                      <a:txBody>
+                        <a:bodyPr/>
+                        <a:lstStyle/>
+                        <a:p>
+                          <a:r>
+                            <a:rPr lang="en-US" dirty="0"/>
+                            <a:t>4.87</a:t>
+                          </a:r>
+                        </a:p>
+                      </a:txBody>
+                      <a:tcPr/>
+                    </a:tc>
+                    <a:tc>
+                      <a:txBody>
+                        <a:bodyPr/>
+                        <a:lstStyle/>
+                        <a:p>
+                          <a:r>
+                            <a:rPr lang="de-DE" dirty="0"/>
+                            <a:t>0.5</a:t>
+                          </a:r>
+                          <a:endParaRPr lang="en-US" dirty="0"/>
+                        </a:p>
+                      </a:txBody>
+                      <a:tcPr/>
+                    </a:tc>
+                    <a:extLst>
+                      <a:ext uri="{0D108BD9-81ED-4DB2-BD59-A6C34878D82A}">
+                        <a16:rowId xmlns:a16="http://schemas.microsoft.com/office/drawing/2014/main" val="4166475708"/>
+                      </a:ext>
+                    </a:extLst>
+                  </a:tr>
+                  <a:tr h="261593">
+                    <a:tc>
+                      <a:txBody>
+                        <a:bodyPr/>
+                        <a:lstStyle/>
+                        <a:p>
+                          <a:r>
+                            <a:rPr lang="en-US" dirty="0"/>
+                            <a:t>4.96</a:t>
+                          </a:r>
+                        </a:p>
+                      </a:txBody>
+                      <a:tcPr/>
+                    </a:tc>
+                    <a:tc>
+                      <a:txBody>
+                        <a:bodyPr/>
+                        <a:lstStyle/>
+                        <a:p>
+                          <a:r>
+                            <a:rPr lang="de-DE" dirty="0"/>
+                            <a:t>0.5</a:t>
+                          </a:r>
+                          <a:endParaRPr lang="en-US" dirty="0"/>
+                        </a:p>
+                      </a:txBody>
+                      <a:tcPr/>
+                    </a:tc>
+                    <a:tc>
+                      <a:txBody>
+                        <a:bodyPr/>
+                        <a:lstStyle/>
+                        <a:p>
+                          <a:r>
+                            <a:rPr lang="en-US" dirty="0"/>
+                            <a:t>1.53</a:t>
+                          </a:r>
+                        </a:p>
+                      </a:txBody>
+                      <a:tcPr/>
+                    </a:tc>
+                    <a:tc>
+                      <a:txBody>
+                        <a:bodyPr/>
+                        <a:lstStyle/>
+                        <a:p>
+                          <a:r>
+                            <a:rPr lang="de-DE" dirty="0"/>
+                            <a:t>0.5</a:t>
+                          </a:r>
+                          <a:endParaRPr lang="en-US" dirty="0"/>
+                        </a:p>
+                      </a:txBody>
+                      <a:tcPr/>
+                    </a:tc>
+                    <a:extLst>
+                      <a:ext uri="{0D108BD9-81ED-4DB2-BD59-A6C34878D82A}">
+                        <a16:rowId xmlns:a16="http://schemas.microsoft.com/office/drawing/2014/main" val="791662525"/>
+                      </a:ext>
+                    </a:extLst>
+                  </a:tr>
+                  <a:tr h="261593">
+                    <a:tc>
+                      <a:txBody>
+                        <a:bodyPr/>
+                        <a:lstStyle/>
+                        <a:p>
+                          <a:r>
+                            <a:rPr lang="en-US" dirty="0"/>
+                            <a:t>2.18</a:t>
+                          </a:r>
+                        </a:p>
+                      </a:txBody>
+                      <a:tcPr/>
+                    </a:tc>
+                    <a:tc>
+                      <a:txBody>
+                        <a:bodyPr/>
+                        <a:lstStyle/>
+                        <a:p>
+                          <a:r>
+                            <a:rPr lang="de-DE" dirty="0"/>
+                            <a:t>0.5</a:t>
+                          </a:r>
+                          <a:endParaRPr lang="en-US" dirty="0"/>
+                        </a:p>
+                      </a:txBody>
+                      <a:tcPr/>
+                    </a:tc>
+                    <a:tc>
+                      <a:txBody>
+                        <a:bodyPr/>
+                        <a:lstStyle/>
+                        <a:p>
+                          <a:r>
+                            <a:rPr lang="en-US" dirty="0"/>
+                            <a:t>2.81</a:t>
+                          </a:r>
+                        </a:p>
+                      </a:txBody>
+                      <a:tcPr/>
+                    </a:tc>
+                    <a:tc>
+                      <a:txBody>
+                        <a:bodyPr/>
+                        <a:lstStyle/>
+                        <a:p>
+                          <a:r>
+                            <a:rPr lang="de-DE" dirty="0"/>
+                            <a:t>0.5</a:t>
+                          </a:r>
+                          <a:endParaRPr lang="en-US" dirty="0"/>
+                        </a:p>
+                      </a:txBody>
+                      <a:tcPr/>
+                    </a:tc>
+                    <a:extLst>
+                      <a:ext uri="{0D108BD9-81ED-4DB2-BD59-A6C34878D82A}">
+                        <a16:rowId xmlns:a16="http://schemas.microsoft.com/office/drawing/2014/main" val="1887853554"/>
+                      </a:ext>
+                    </a:extLst>
+                  </a:tr>
+                  <a:tr h="261593">
+                    <a:tc>
+                      <a:txBody>
+                        <a:bodyPr/>
+                        <a:lstStyle/>
+                        <a:p>
+                          <a:r>
+                            <a:rPr lang="en-US" dirty="0"/>
+                            <a:t>1.49</a:t>
+                          </a:r>
+                        </a:p>
+                      </a:txBody>
+                      <a:tcPr/>
+                    </a:tc>
+                    <a:tc>
+                      <a:txBody>
+                        <a:bodyPr/>
+                        <a:lstStyle/>
+                        <a:p>
+                          <a:r>
+                            <a:rPr lang="de-DE" dirty="0"/>
+                            <a:t>0.5</a:t>
+                          </a:r>
+                          <a:endParaRPr lang="en-US" dirty="0"/>
+                        </a:p>
+                      </a:txBody>
+                      <a:tcPr/>
+                    </a:tc>
+                    <a:tc>
+                      <a:txBody>
+                        <a:bodyPr/>
+                        <a:lstStyle/>
+                        <a:p>
+                          <a:r>
+                            <a:rPr lang="en-US" dirty="0"/>
+                            <a:t>5.07</a:t>
+                          </a:r>
+                        </a:p>
+                      </a:txBody>
+                      <a:tcPr/>
+                    </a:tc>
+                    <a:tc>
+                      <a:txBody>
+                        <a:bodyPr/>
+                        <a:lstStyle/>
+                        <a:p>
+                          <a:r>
+                            <a:rPr lang="de-DE" dirty="0"/>
+                            <a:t>0.5</a:t>
+                          </a:r>
+                          <a:endParaRPr lang="en-US" dirty="0"/>
+                        </a:p>
+                      </a:txBody>
+                      <a:tcPr/>
+                    </a:tc>
+                    <a:extLst>
+                      <a:ext uri="{0D108BD9-81ED-4DB2-BD59-A6C34878D82A}">
+                        <a16:rowId xmlns:a16="http://schemas.microsoft.com/office/drawing/2014/main" val="2051370545"/>
+                      </a:ext>
+                    </a:extLst>
+                  </a:tr>
+                  <a:tr h="261593">
+                    <a:tc>
+                      <a:txBody>
+                        <a:bodyPr/>
+                        <a:lstStyle/>
+                        <a:p>
+                          <a:r>
+                            <a:rPr lang="en-US" dirty="0"/>
+                            <a:t>6.53</a:t>
+                          </a:r>
+                        </a:p>
+                      </a:txBody>
+                      <a:tcPr/>
+                    </a:tc>
+                    <a:tc>
+                      <a:txBody>
+                        <a:bodyPr/>
+                        <a:lstStyle/>
+                        <a:p>
+                          <a:r>
+                            <a:rPr lang="de-DE" dirty="0"/>
+                            <a:t>0.5</a:t>
+                          </a:r>
+                          <a:endParaRPr lang="en-US" dirty="0"/>
+                        </a:p>
+                      </a:txBody>
+                      <a:tcPr/>
+                    </a:tc>
+                    <a:tc>
+                      <a:txBody>
+                        <a:bodyPr/>
+                        <a:lstStyle/>
+                        <a:p>
+                          <a:r>
+                            <a:rPr lang="en-US" dirty="0"/>
+                            <a:t>5.30</a:t>
+                          </a:r>
+                        </a:p>
+                      </a:txBody>
+                      <a:tcPr/>
+                    </a:tc>
+                    <a:tc>
+                      <a:txBody>
+                        <a:bodyPr/>
+                        <a:lstStyle/>
+                        <a:p>
+                          <a:r>
+                            <a:rPr lang="de-DE" dirty="0"/>
+                            <a:t>0.5</a:t>
+                          </a:r>
+                          <a:endParaRPr lang="en-US" dirty="0"/>
+                        </a:p>
+                      </a:txBody>
+                      <a:tcPr/>
+                    </a:tc>
+                    <a:extLst>
+                      <a:ext uri="{0D108BD9-81ED-4DB2-BD59-A6C34878D82A}">
+                        <a16:rowId xmlns:a16="http://schemas.microsoft.com/office/drawing/2014/main" val="2813395773"/>
+                      </a:ext>
+                    </a:extLst>
+                  </a:tr>
+                  <a:tr h="261593">
+                    <a:tc>
+                      <a:txBody>
+                        <a:bodyPr/>
+                        <a:lstStyle/>
+                        <a:p>
+                          <a:r>
+                            <a:rPr lang="en-US" dirty="0"/>
+                            <a:t>6.49</a:t>
+                          </a:r>
+                        </a:p>
+                      </a:txBody>
+                      <a:tcPr/>
+                    </a:tc>
+                    <a:tc>
+                      <a:txBody>
+                        <a:bodyPr/>
+                        <a:lstStyle/>
+                        <a:p>
+                          <a:r>
+                            <a:rPr lang="de-DE" dirty="0"/>
+                            <a:t>0.5</a:t>
+                          </a:r>
+                          <a:endParaRPr lang="en-US" dirty="0"/>
+                        </a:p>
+                      </a:txBody>
+                      <a:tcPr/>
+                    </a:tc>
+                    <a:tc>
+                      <a:txBody>
+                        <a:bodyPr/>
+                        <a:lstStyle/>
+                        <a:p>
+                          <a:r>
+                            <a:rPr lang="en-US" dirty="0"/>
+                            <a:t>5.09</a:t>
+                          </a:r>
+                        </a:p>
+                      </a:txBody>
+                      <a:tcPr/>
+                    </a:tc>
+                    <a:tc>
+                      <a:txBody>
+                        <a:bodyPr/>
+                        <a:lstStyle/>
+                        <a:p>
+                          <a:r>
+                            <a:rPr lang="de-DE" dirty="0"/>
+                            <a:t>0.5</a:t>
+                          </a:r>
+                          <a:endParaRPr lang="en-US" dirty="0"/>
+                        </a:p>
+                      </a:txBody>
+                      <a:tcPr/>
+                    </a:tc>
+                    <a:extLst>
+                      <a:ext uri="{0D108BD9-81ED-4DB2-BD59-A6C34878D82A}">
+                        <a16:rowId xmlns:a16="http://schemas.microsoft.com/office/drawing/2014/main" val="730856131"/>
+                      </a:ext>
+                    </a:extLst>
+                  </a:tr>
+                  <a:tr h="261593">
+                    <a:tc>
+                      <a:txBody>
+                        <a:bodyPr/>
+                        <a:lstStyle/>
+                        <a:p>
+                          <a:r>
+                            <a:rPr lang="en-US" dirty="0"/>
+                            <a:t>6.07</a:t>
+                          </a:r>
+                        </a:p>
+                      </a:txBody>
+                      <a:tcPr/>
+                    </a:tc>
+                    <a:tc>
+                      <a:txBody>
+                        <a:bodyPr/>
+                        <a:lstStyle/>
+                        <a:p>
+                          <a:r>
+                            <a:rPr lang="de-DE" dirty="0"/>
+                            <a:t>0.5</a:t>
+                          </a:r>
+                          <a:endParaRPr lang="en-US" dirty="0"/>
+                        </a:p>
+                      </a:txBody>
+                      <a:tcPr/>
+                    </a:tc>
+                    <a:tc>
+                      <a:txBody>
+                        <a:bodyPr/>
+                        <a:lstStyle/>
+                        <a:p>
+                          <a:r>
+                            <a:rPr lang="en-US" dirty="0"/>
+                            <a:t>5.69</a:t>
+                          </a:r>
+                        </a:p>
+                      </a:txBody>
+                      <a:tcPr/>
+                    </a:tc>
+                    <a:tc>
+                      <a:txBody>
+                        <a:bodyPr/>
+                        <a:lstStyle/>
+                        <a:p>
+                          <a:r>
+                            <a:rPr lang="de-DE" dirty="0"/>
+                            <a:t>0.5</a:t>
+                          </a:r>
+                          <a:endParaRPr lang="en-US" dirty="0"/>
+                        </a:p>
+                      </a:txBody>
+                      <a:tcPr/>
+                    </a:tc>
+                    <a:extLst>
+                      <a:ext uri="{0D108BD9-81ED-4DB2-BD59-A6C34878D82A}">
+                        <a16:rowId xmlns:a16="http://schemas.microsoft.com/office/drawing/2014/main" val="2914491200"/>
+                      </a:ext>
+                    </a:extLst>
+                  </a:tr>
+                  <a:tr h="261593">
+                    <a:tc>
+                      <a:txBody>
+                        <a:bodyPr/>
+                        <a:lstStyle/>
+                        <a:p>
+                          <a:r>
+                            <a:rPr lang="en-US" dirty="0"/>
+                            <a:t>7.10</a:t>
+                          </a:r>
+                        </a:p>
+                      </a:txBody>
+                      <a:tcPr/>
+                    </a:tc>
+                    <a:tc>
+                      <a:txBody>
+                        <a:bodyPr/>
+                        <a:lstStyle/>
+                        <a:p>
+                          <a:r>
+                            <a:rPr lang="de-DE" dirty="0"/>
+                            <a:t>0.5</a:t>
+                          </a:r>
+                          <a:endParaRPr lang="en-US" dirty="0"/>
+                        </a:p>
+                      </a:txBody>
+                      <a:tcPr/>
+                    </a:tc>
+                    <a:tc>
+                      <a:txBody>
+                        <a:bodyPr/>
+                        <a:lstStyle/>
+                        <a:p>
+                          <a:r>
+                            <a:rPr lang="en-US" dirty="0"/>
+                            <a:t>5.61</a:t>
+                          </a:r>
+                        </a:p>
+                      </a:txBody>
+                      <a:tcPr/>
+                    </a:tc>
+                    <a:tc>
+                      <a:txBody>
+                        <a:bodyPr/>
+                        <a:lstStyle/>
+                        <a:p>
+                          <a:r>
+                            <a:rPr lang="de-DE" dirty="0"/>
+                            <a:t>0.5</a:t>
+                          </a:r>
+                          <a:endParaRPr lang="en-US" dirty="0"/>
+                        </a:p>
+                      </a:txBody>
+                      <a:tcPr/>
+                    </a:tc>
+                    <a:extLst>
+                      <a:ext uri="{0D108BD9-81ED-4DB2-BD59-A6C34878D82A}">
+                        <a16:rowId xmlns:a16="http://schemas.microsoft.com/office/drawing/2014/main" val="2980546828"/>
+                      </a:ext>
+                    </a:extLst>
+                  </a:tr>
+                  <a:tr h="261593">
+                    <a:tc>
+                      <a:txBody>
+                        <a:bodyPr/>
+                        <a:lstStyle/>
+                        <a:p>
+                          <a:r>
+                            <a:rPr lang="en-US" dirty="0"/>
+                            <a:t>6.30</a:t>
+                          </a:r>
+                        </a:p>
+                      </a:txBody>
+                      <a:tcPr/>
+                    </a:tc>
+                    <a:tc>
+                      <a:txBody>
+                        <a:bodyPr/>
+                        <a:lstStyle/>
+                        <a:p>
+                          <a:r>
+                            <a:rPr lang="de-DE" dirty="0"/>
+                            <a:t>0.5</a:t>
+                          </a:r>
+                          <a:endParaRPr lang="en-US" dirty="0"/>
+                        </a:p>
+                      </a:txBody>
+                      <a:tcPr/>
+                    </a:tc>
+                    <a:tc>
+                      <a:txBody>
+                        <a:bodyPr/>
+                        <a:lstStyle/>
+                        <a:p>
+                          <a:r>
+                            <a:rPr lang="en-US" dirty="0"/>
+                            <a:t>5.44</a:t>
+                          </a:r>
+                        </a:p>
+                      </a:txBody>
+                      <a:tcPr/>
+                    </a:tc>
+                    <a:tc>
+                      <a:txBody>
+                        <a:bodyPr/>
+                        <a:lstStyle/>
+                        <a:p>
+                          <a:r>
+                            <a:rPr lang="de-DE" dirty="0"/>
+                            <a:t>0.5</a:t>
+                          </a:r>
+                          <a:endParaRPr lang="en-US" dirty="0"/>
+                        </a:p>
+                      </a:txBody>
+                      <a:tcPr/>
+                    </a:tc>
+                    <a:extLst>
+                      <a:ext uri="{0D108BD9-81ED-4DB2-BD59-A6C34878D82A}">
+                        <a16:rowId xmlns:a16="http://schemas.microsoft.com/office/drawing/2014/main" val="1421978377"/>
+                      </a:ext>
+                    </a:extLst>
+                  </a:tr>
+                </a:tbl>
+              </a:graphicData>
+            </a:graphic>
+          </p:graphicFrame>
+        </mc:Choice>
+        <mc:Fallback xmlns="">
+          <p:graphicFrame>
+            <p:nvGraphicFramePr>
+              <p:cNvPr id="10" name="Tabelle 10">
+                <a:extLst>
+                  <a:ext uri="{FF2B5EF4-FFF2-40B4-BE49-F238E27FC236}">
+                    <a16:creationId xmlns:a16="http://schemas.microsoft.com/office/drawing/2014/main" id="{EC836A62-57EE-4D3E-9D8D-EB6DBC312B19}"/>
+                  </a:ext>
+                </a:extLst>
+              </p:cNvPr>
+              <p:cNvGraphicFramePr>
+                <a:graphicFrameLocks noGrp="1"/>
+              </p:cNvGraphicFramePr>
+              <p:nvPr>
+                <p:extLst>
+                  <p:ext uri="{D42A27DB-BD31-4B8C-83A1-F6EECF244321}">
+                    <p14:modId xmlns:p14="http://schemas.microsoft.com/office/powerpoint/2010/main" val="1540646644"/>
+                  </p:ext>
+                </p:extLst>
+              </p:nvPr>
+            </p:nvGraphicFramePr>
+            <p:xfrm>
+              <a:off x="5026688" y="826674"/>
+              <a:ext cx="3840088" cy="4049332"/>
+            </p:xfrm>
+            <a:graphic>
+              <a:graphicData uri="http://schemas.openxmlformats.org/drawingml/2006/table">
+                <a:tbl>
+                  <a:tblPr firstRow="1" bandRow="1">
+                    <a:tableStyleId>{5C22544A-7EE6-4342-B048-85BDC9FD1C3A}</a:tableStyleId>
+                  </a:tblPr>
+                  <a:tblGrid>
+                    <a:gridCol w="960022">
+                      <a:extLst>
+                        <a:ext uri="{9D8B030D-6E8A-4147-A177-3AD203B41FA5}">
+                          <a16:colId xmlns:a16="http://schemas.microsoft.com/office/drawing/2014/main" val="3355178728"/>
+                        </a:ext>
+                      </a:extLst>
+                    </a:gridCol>
+                    <a:gridCol w="960022">
+                      <a:extLst>
+                        <a:ext uri="{9D8B030D-6E8A-4147-A177-3AD203B41FA5}">
+                          <a16:colId xmlns:a16="http://schemas.microsoft.com/office/drawing/2014/main" val="3138394069"/>
+                        </a:ext>
+                      </a:extLst>
+                    </a:gridCol>
+                    <a:gridCol w="960022">
+                      <a:extLst>
+                        <a:ext uri="{9D8B030D-6E8A-4147-A177-3AD203B41FA5}">
+                          <a16:colId xmlns:a16="http://schemas.microsoft.com/office/drawing/2014/main" val="450068901"/>
+                        </a:ext>
+                      </a:extLst>
+                    </a:gridCol>
+                    <a:gridCol w="960022">
+                      <a:extLst>
+                        <a:ext uri="{9D8B030D-6E8A-4147-A177-3AD203B41FA5}">
+                          <a16:colId xmlns:a16="http://schemas.microsoft.com/office/drawing/2014/main" val="1375976332"/>
+                        </a:ext>
+                      </a:extLst>
+                    </a:gridCol>
+                  </a:tblGrid>
+                  <a:tr h="391732">
+                    <a:tc>
+                      <a:txBody>
+                        <a:bodyPr/>
+                        <a:lstStyle/>
+                        <a:p>
+                          <a:endParaRPr lang="en-US"/>
+                        </a:p>
+                      </a:txBody>
+                      <a:tcPr>
+                        <a:blipFill>
+                          <a:blip r:embed="rId2"/>
+                          <a:stretch>
+                            <a:fillRect l="-633" t="-1563" r="-301899" b="-964063"/>
+                          </a:stretch>
+                        </a:blipFill>
+                      </a:tcPr>
+                    </a:tc>
+                    <a:tc>
+                      <a:txBody>
+                        <a:bodyPr/>
+                        <a:lstStyle/>
+                        <a:p>
+                          <a:endParaRPr lang="en-US"/>
+                        </a:p>
+                      </a:txBody>
+                      <a:tcPr>
+                        <a:blipFill>
+                          <a:blip r:embed="rId2"/>
+                          <a:stretch>
+                            <a:fillRect l="-100633" t="-1563" r="-201899" b="-964063"/>
+                          </a:stretch>
+                        </a:blipFill>
+                      </a:tcPr>
+                    </a:tc>
+                    <a:tc>
+                      <a:txBody>
+                        <a:bodyPr/>
+                        <a:lstStyle/>
+                        <a:p>
+                          <a:endParaRPr lang="en-US"/>
+                        </a:p>
+                      </a:txBody>
+                      <a:tcPr>
+                        <a:blipFill>
+                          <a:blip r:embed="rId2"/>
+                          <a:stretch>
+                            <a:fillRect l="-201911" t="-1563" r="-103185" b="-964063"/>
+                          </a:stretch>
+                        </a:blipFill>
+                      </a:tcPr>
+                    </a:tc>
+                    <a:tc>
+                      <a:txBody>
+                        <a:bodyPr/>
+                        <a:lstStyle/>
+                        <a:p>
+                          <a:endParaRPr lang="en-US"/>
+                        </a:p>
+                      </a:txBody>
+                      <a:tcPr>
+                        <a:blipFill>
+                          <a:blip r:embed="rId2"/>
+                          <a:stretch>
+                            <a:fillRect l="-300000" t="-1563" r="-2532" b="-964063"/>
+                          </a:stretch>
+                        </a:blipFill>
+                      </a:tcPr>
+                    </a:tc>
+                    <a:extLst>
+                      <a:ext uri="{0D108BD9-81ED-4DB2-BD59-A6C34878D82A}">
+                        <a16:rowId xmlns:a16="http://schemas.microsoft.com/office/drawing/2014/main" val="2518984764"/>
+                      </a:ext>
+                    </a:extLst>
+                  </a:tr>
+                  <a:tr h="365760">
+                    <a:tc>
+                      <a:txBody>
+                        <a:bodyPr/>
+                        <a:lstStyle/>
+                        <a:p>
+                          <a:r>
+                            <a:rPr lang="en-US" dirty="0"/>
+                            <a:t>1.66</a:t>
+                          </a:r>
+                        </a:p>
+                      </a:txBody>
+                      <a:tcPr/>
+                    </a:tc>
+                    <a:tc>
+                      <a:txBody>
+                        <a:bodyPr/>
+                        <a:lstStyle/>
+                        <a:p>
+                          <a:r>
+                            <a:rPr lang="de-DE" dirty="0"/>
+                            <a:t>0.5</a:t>
+                          </a:r>
+                          <a:endParaRPr lang="en-US" dirty="0"/>
+                        </a:p>
+                      </a:txBody>
+                      <a:tcPr/>
+                    </a:tc>
+                    <a:tc>
+                      <a:txBody>
+                        <a:bodyPr/>
+                        <a:lstStyle/>
+                        <a:p>
+                          <a:r>
+                            <a:rPr lang="en-US" dirty="0"/>
+                            <a:t>1.41</a:t>
+                          </a:r>
+                        </a:p>
+                      </a:txBody>
+                      <a:tcPr/>
+                    </a:tc>
+                    <a:tc>
+                      <a:txBody>
+                        <a:bodyPr/>
+                        <a:lstStyle/>
+                        <a:p>
+                          <a:r>
+                            <a:rPr lang="de-DE" dirty="0"/>
+                            <a:t>0.5</a:t>
+                          </a:r>
+                          <a:endParaRPr lang="en-US" dirty="0"/>
+                        </a:p>
+                      </a:txBody>
+                      <a:tcPr/>
+                    </a:tc>
+                    <a:extLst>
+                      <a:ext uri="{0D108BD9-81ED-4DB2-BD59-A6C34878D82A}">
+                        <a16:rowId xmlns:a16="http://schemas.microsoft.com/office/drawing/2014/main" val="1451102642"/>
+                      </a:ext>
+                    </a:extLst>
+                  </a:tr>
+                  <a:tr h="365760">
+                    <a:tc>
+                      <a:txBody>
+                        <a:bodyPr/>
+                        <a:lstStyle/>
+                        <a:p>
+                          <a:r>
+                            <a:rPr lang="en-US" dirty="0"/>
+                            <a:t>1.53</a:t>
+                          </a:r>
+                        </a:p>
+                      </a:txBody>
+                      <a:tcPr/>
+                    </a:tc>
+                    <a:tc>
+                      <a:txBody>
+                        <a:bodyPr/>
+                        <a:lstStyle/>
+                        <a:p>
+                          <a:r>
+                            <a:rPr lang="de-DE" dirty="0"/>
+                            <a:t>0.5</a:t>
+                          </a:r>
+                          <a:endParaRPr lang="en-US" dirty="0"/>
+                        </a:p>
+                      </a:txBody>
+                      <a:tcPr/>
+                    </a:tc>
+                    <a:tc>
+                      <a:txBody>
+                        <a:bodyPr/>
+                        <a:lstStyle/>
+                        <a:p>
+                          <a:r>
+                            <a:rPr lang="en-US" dirty="0"/>
+                            <a:t>4.87</a:t>
+                          </a:r>
+                        </a:p>
+                      </a:txBody>
+                      <a:tcPr/>
+                    </a:tc>
+                    <a:tc>
+                      <a:txBody>
+                        <a:bodyPr/>
+                        <a:lstStyle/>
+                        <a:p>
+                          <a:r>
+                            <a:rPr lang="de-DE" dirty="0"/>
+                            <a:t>0.5</a:t>
+                          </a:r>
+                          <a:endParaRPr lang="en-US" dirty="0"/>
+                        </a:p>
+                      </a:txBody>
+                      <a:tcPr/>
+                    </a:tc>
+                    <a:extLst>
+                      <a:ext uri="{0D108BD9-81ED-4DB2-BD59-A6C34878D82A}">
+                        <a16:rowId xmlns:a16="http://schemas.microsoft.com/office/drawing/2014/main" val="4166475708"/>
+                      </a:ext>
+                    </a:extLst>
+                  </a:tr>
+                  <a:tr h="365760">
+                    <a:tc>
+                      <a:txBody>
+                        <a:bodyPr/>
+                        <a:lstStyle/>
+                        <a:p>
+                          <a:r>
+                            <a:rPr lang="en-US" dirty="0"/>
+                            <a:t>4.96</a:t>
+                          </a:r>
+                        </a:p>
+                      </a:txBody>
+                      <a:tcPr/>
+                    </a:tc>
+                    <a:tc>
+                      <a:txBody>
+                        <a:bodyPr/>
+                        <a:lstStyle/>
+                        <a:p>
+                          <a:r>
+                            <a:rPr lang="de-DE" dirty="0"/>
+                            <a:t>0.5</a:t>
+                          </a:r>
+                          <a:endParaRPr lang="en-US" dirty="0"/>
+                        </a:p>
+                      </a:txBody>
+                      <a:tcPr/>
+                    </a:tc>
+                    <a:tc>
+                      <a:txBody>
+                        <a:bodyPr/>
+                        <a:lstStyle/>
+                        <a:p>
+                          <a:r>
+                            <a:rPr lang="en-US" dirty="0"/>
+                            <a:t>1.53</a:t>
+                          </a:r>
+                        </a:p>
+                      </a:txBody>
+                      <a:tcPr/>
+                    </a:tc>
+                    <a:tc>
+                      <a:txBody>
+                        <a:bodyPr/>
+                        <a:lstStyle/>
+                        <a:p>
+                          <a:r>
+                            <a:rPr lang="de-DE" dirty="0"/>
+                            <a:t>0.5</a:t>
+                          </a:r>
+                          <a:endParaRPr lang="en-US" dirty="0"/>
+                        </a:p>
+                      </a:txBody>
+                      <a:tcPr/>
+                    </a:tc>
+                    <a:extLst>
+                      <a:ext uri="{0D108BD9-81ED-4DB2-BD59-A6C34878D82A}">
+                        <a16:rowId xmlns:a16="http://schemas.microsoft.com/office/drawing/2014/main" val="791662525"/>
+                      </a:ext>
+                    </a:extLst>
+                  </a:tr>
+                  <a:tr h="365760">
+                    <a:tc>
+                      <a:txBody>
+                        <a:bodyPr/>
+                        <a:lstStyle/>
+                        <a:p>
+                          <a:r>
+                            <a:rPr lang="en-US" dirty="0"/>
+                            <a:t>2.18</a:t>
+                          </a:r>
+                        </a:p>
+                      </a:txBody>
+                      <a:tcPr/>
+                    </a:tc>
+                    <a:tc>
+                      <a:txBody>
+                        <a:bodyPr/>
+                        <a:lstStyle/>
+                        <a:p>
+                          <a:r>
+                            <a:rPr lang="de-DE" dirty="0"/>
+                            <a:t>0.5</a:t>
+                          </a:r>
+                          <a:endParaRPr lang="en-US" dirty="0"/>
+                        </a:p>
+                      </a:txBody>
+                      <a:tcPr/>
+                    </a:tc>
+                    <a:tc>
+                      <a:txBody>
+                        <a:bodyPr/>
+                        <a:lstStyle/>
+                        <a:p>
+                          <a:r>
+                            <a:rPr lang="en-US" dirty="0"/>
+                            <a:t>2.81</a:t>
+                          </a:r>
+                        </a:p>
+                      </a:txBody>
+                      <a:tcPr/>
+                    </a:tc>
+                    <a:tc>
+                      <a:txBody>
+                        <a:bodyPr/>
+                        <a:lstStyle/>
+                        <a:p>
+                          <a:r>
+                            <a:rPr lang="de-DE" dirty="0"/>
+                            <a:t>0.5</a:t>
+                          </a:r>
+                          <a:endParaRPr lang="en-US" dirty="0"/>
+                        </a:p>
+                      </a:txBody>
+                      <a:tcPr/>
+                    </a:tc>
+                    <a:extLst>
+                      <a:ext uri="{0D108BD9-81ED-4DB2-BD59-A6C34878D82A}">
+                        <a16:rowId xmlns:a16="http://schemas.microsoft.com/office/drawing/2014/main" val="1887853554"/>
+                      </a:ext>
+                    </a:extLst>
+                  </a:tr>
+                  <a:tr h="365760">
+                    <a:tc>
+                      <a:txBody>
+                        <a:bodyPr/>
+                        <a:lstStyle/>
+                        <a:p>
+                          <a:r>
+                            <a:rPr lang="en-US" dirty="0"/>
+                            <a:t>1.49</a:t>
+                          </a:r>
+                        </a:p>
+                      </a:txBody>
+                      <a:tcPr/>
+                    </a:tc>
+                    <a:tc>
+                      <a:txBody>
+                        <a:bodyPr/>
+                        <a:lstStyle/>
+                        <a:p>
+                          <a:r>
+                            <a:rPr lang="de-DE" dirty="0"/>
+                            <a:t>0.5</a:t>
+                          </a:r>
+                          <a:endParaRPr lang="en-US" dirty="0"/>
+                        </a:p>
+                      </a:txBody>
+                      <a:tcPr/>
+                    </a:tc>
+                    <a:tc>
+                      <a:txBody>
+                        <a:bodyPr/>
+                        <a:lstStyle/>
+                        <a:p>
+                          <a:r>
+                            <a:rPr lang="en-US" dirty="0"/>
+                            <a:t>5.07</a:t>
+                          </a:r>
+                        </a:p>
+                      </a:txBody>
+                      <a:tcPr/>
+                    </a:tc>
+                    <a:tc>
+                      <a:txBody>
+                        <a:bodyPr/>
+                        <a:lstStyle/>
+                        <a:p>
+                          <a:r>
+                            <a:rPr lang="de-DE" dirty="0"/>
+                            <a:t>0.5</a:t>
+                          </a:r>
+                          <a:endParaRPr lang="en-US" dirty="0"/>
+                        </a:p>
+                      </a:txBody>
+                      <a:tcPr/>
+                    </a:tc>
+                    <a:extLst>
+                      <a:ext uri="{0D108BD9-81ED-4DB2-BD59-A6C34878D82A}">
+                        <a16:rowId xmlns:a16="http://schemas.microsoft.com/office/drawing/2014/main" val="2051370545"/>
+                      </a:ext>
+                    </a:extLst>
+                  </a:tr>
+                  <a:tr h="365760">
+                    <a:tc>
+                      <a:txBody>
+                        <a:bodyPr/>
+                        <a:lstStyle/>
+                        <a:p>
+                          <a:r>
+                            <a:rPr lang="en-US" dirty="0"/>
+                            <a:t>6.53</a:t>
+                          </a:r>
+                        </a:p>
+                      </a:txBody>
+                      <a:tcPr/>
+                    </a:tc>
+                    <a:tc>
+                      <a:txBody>
+                        <a:bodyPr/>
+                        <a:lstStyle/>
+                        <a:p>
+                          <a:r>
+                            <a:rPr lang="de-DE" dirty="0"/>
+                            <a:t>0.5</a:t>
+                          </a:r>
+                          <a:endParaRPr lang="en-US" dirty="0"/>
+                        </a:p>
+                      </a:txBody>
+                      <a:tcPr/>
+                    </a:tc>
+                    <a:tc>
+                      <a:txBody>
+                        <a:bodyPr/>
+                        <a:lstStyle/>
+                        <a:p>
+                          <a:r>
+                            <a:rPr lang="en-US" dirty="0"/>
+                            <a:t>5.30</a:t>
+                          </a:r>
+                        </a:p>
+                      </a:txBody>
+                      <a:tcPr/>
+                    </a:tc>
+                    <a:tc>
+                      <a:txBody>
+                        <a:bodyPr/>
+                        <a:lstStyle/>
+                        <a:p>
+                          <a:r>
+                            <a:rPr lang="de-DE" dirty="0"/>
+                            <a:t>0.5</a:t>
+                          </a:r>
+                          <a:endParaRPr lang="en-US" dirty="0"/>
+                        </a:p>
+                      </a:txBody>
+                      <a:tcPr/>
+                    </a:tc>
+                    <a:extLst>
+                      <a:ext uri="{0D108BD9-81ED-4DB2-BD59-A6C34878D82A}">
+                        <a16:rowId xmlns:a16="http://schemas.microsoft.com/office/drawing/2014/main" val="2813395773"/>
+                      </a:ext>
+                    </a:extLst>
+                  </a:tr>
+                  <a:tr h="365760">
+                    <a:tc>
+                      <a:txBody>
+                        <a:bodyPr/>
+                        <a:lstStyle/>
+                        <a:p>
+                          <a:r>
+                            <a:rPr lang="en-US" dirty="0"/>
+                            <a:t>6.49</a:t>
+                          </a:r>
+                        </a:p>
+                      </a:txBody>
+                      <a:tcPr/>
+                    </a:tc>
+                    <a:tc>
+                      <a:txBody>
+                        <a:bodyPr/>
+                        <a:lstStyle/>
+                        <a:p>
+                          <a:r>
+                            <a:rPr lang="de-DE" dirty="0"/>
+                            <a:t>0.5</a:t>
+                          </a:r>
+                          <a:endParaRPr lang="en-US" dirty="0"/>
+                        </a:p>
+                      </a:txBody>
+                      <a:tcPr/>
+                    </a:tc>
+                    <a:tc>
+                      <a:txBody>
+                        <a:bodyPr/>
+                        <a:lstStyle/>
+                        <a:p>
+                          <a:r>
+                            <a:rPr lang="en-US" dirty="0"/>
+                            <a:t>5.09</a:t>
+                          </a:r>
+                        </a:p>
+                      </a:txBody>
+                      <a:tcPr/>
+                    </a:tc>
+                    <a:tc>
+                      <a:txBody>
+                        <a:bodyPr/>
+                        <a:lstStyle/>
+                        <a:p>
+                          <a:r>
+                            <a:rPr lang="de-DE" dirty="0"/>
+                            <a:t>0.5</a:t>
+                          </a:r>
+                          <a:endParaRPr lang="en-US" dirty="0"/>
+                        </a:p>
+                      </a:txBody>
+                      <a:tcPr/>
+                    </a:tc>
+                    <a:extLst>
+                      <a:ext uri="{0D108BD9-81ED-4DB2-BD59-A6C34878D82A}">
+                        <a16:rowId xmlns:a16="http://schemas.microsoft.com/office/drawing/2014/main" val="730856131"/>
+                      </a:ext>
+                    </a:extLst>
+                  </a:tr>
+                  <a:tr h="365760">
+                    <a:tc>
+                      <a:txBody>
+                        <a:bodyPr/>
+                        <a:lstStyle/>
+                        <a:p>
+                          <a:r>
+                            <a:rPr lang="en-US" dirty="0"/>
+                            <a:t>6.07</a:t>
+                          </a:r>
+                        </a:p>
+                      </a:txBody>
+                      <a:tcPr/>
+                    </a:tc>
+                    <a:tc>
+                      <a:txBody>
+                        <a:bodyPr/>
+                        <a:lstStyle/>
+                        <a:p>
+                          <a:r>
+                            <a:rPr lang="de-DE" dirty="0"/>
+                            <a:t>0.5</a:t>
+                          </a:r>
+                          <a:endParaRPr lang="en-US" dirty="0"/>
+                        </a:p>
+                      </a:txBody>
+                      <a:tcPr/>
+                    </a:tc>
+                    <a:tc>
+                      <a:txBody>
+                        <a:bodyPr/>
+                        <a:lstStyle/>
+                        <a:p>
+                          <a:r>
+                            <a:rPr lang="en-US" dirty="0"/>
+                            <a:t>5.69</a:t>
+                          </a:r>
+                        </a:p>
+                      </a:txBody>
+                      <a:tcPr/>
+                    </a:tc>
+                    <a:tc>
+                      <a:txBody>
+                        <a:bodyPr/>
+                        <a:lstStyle/>
+                        <a:p>
+                          <a:r>
+                            <a:rPr lang="de-DE" dirty="0"/>
+                            <a:t>0.5</a:t>
+                          </a:r>
+                          <a:endParaRPr lang="en-US" dirty="0"/>
+                        </a:p>
+                      </a:txBody>
+                      <a:tcPr/>
+                    </a:tc>
+                    <a:extLst>
+                      <a:ext uri="{0D108BD9-81ED-4DB2-BD59-A6C34878D82A}">
+                        <a16:rowId xmlns:a16="http://schemas.microsoft.com/office/drawing/2014/main" val="2914491200"/>
+                      </a:ext>
+                    </a:extLst>
+                  </a:tr>
+                  <a:tr h="365760">
+                    <a:tc>
+                      <a:txBody>
+                        <a:bodyPr/>
+                        <a:lstStyle/>
+                        <a:p>
+                          <a:r>
+                            <a:rPr lang="en-US" dirty="0"/>
+                            <a:t>7.10</a:t>
+                          </a:r>
+                        </a:p>
+                      </a:txBody>
+                      <a:tcPr/>
+                    </a:tc>
+                    <a:tc>
+                      <a:txBody>
+                        <a:bodyPr/>
+                        <a:lstStyle/>
+                        <a:p>
+                          <a:r>
+                            <a:rPr lang="de-DE" dirty="0"/>
+                            <a:t>0.5</a:t>
+                          </a:r>
+                          <a:endParaRPr lang="en-US" dirty="0"/>
+                        </a:p>
+                      </a:txBody>
+                      <a:tcPr/>
+                    </a:tc>
+                    <a:tc>
+                      <a:txBody>
+                        <a:bodyPr/>
+                        <a:lstStyle/>
+                        <a:p>
+                          <a:r>
+                            <a:rPr lang="en-US" dirty="0"/>
+                            <a:t>5.61</a:t>
+                          </a:r>
+                        </a:p>
+                      </a:txBody>
+                      <a:tcPr/>
+                    </a:tc>
+                    <a:tc>
+                      <a:txBody>
+                        <a:bodyPr/>
+                        <a:lstStyle/>
+                        <a:p>
+                          <a:r>
+                            <a:rPr lang="de-DE" dirty="0"/>
+                            <a:t>0.5</a:t>
+                          </a:r>
+                          <a:endParaRPr lang="en-US" dirty="0"/>
+                        </a:p>
+                      </a:txBody>
+                      <a:tcPr/>
+                    </a:tc>
+                    <a:extLst>
+                      <a:ext uri="{0D108BD9-81ED-4DB2-BD59-A6C34878D82A}">
+                        <a16:rowId xmlns:a16="http://schemas.microsoft.com/office/drawing/2014/main" val="2980546828"/>
+                      </a:ext>
+                    </a:extLst>
+                  </a:tr>
+                  <a:tr h="365760">
+                    <a:tc>
+                      <a:txBody>
+                        <a:bodyPr/>
+                        <a:lstStyle/>
+                        <a:p>
+                          <a:r>
+                            <a:rPr lang="en-US" dirty="0"/>
+                            <a:t>6.30</a:t>
+                          </a:r>
+                        </a:p>
+                      </a:txBody>
+                      <a:tcPr/>
+                    </a:tc>
+                    <a:tc>
+                      <a:txBody>
+                        <a:bodyPr/>
+                        <a:lstStyle/>
+                        <a:p>
+                          <a:r>
+                            <a:rPr lang="de-DE" dirty="0"/>
+                            <a:t>0.5</a:t>
+                          </a:r>
+                          <a:endParaRPr lang="en-US" dirty="0"/>
+                        </a:p>
+                      </a:txBody>
+                      <a:tcPr/>
+                    </a:tc>
+                    <a:tc>
+                      <a:txBody>
+                        <a:bodyPr/>
+                        <a:lstStyle/>
+                        <a:p>
+                          <a:r>
+                            <a:rPr lang="en-US" dirty="0"/>
+                            <a:t>5.44</a:t>
+                          </a:r>
+                        </a:p>
+                      </a:txBody>
+                      <a:tcPr/>
+                    </a:tc>
+                    <a:tc>
+                      <a:txBody>
+                        <a:bodyPr/>
+                        <a:lstStyle/>
+                        <a:p>
+                          <a:r>
+                            <a:rPr lang="de-DE" dirty="0"/>
+                            <a:t>0.5</a:t>
+                          </a:r>
+                          <a:endParaRPr lang="en-US" dirty="0"/>
+                        </a:p>
+                      </a:txBody>
+                      <a:tcPr/>
+                    </a:tc>
+                    <a:extLst>
+                      <a:ext uri="{0D108BD9-81ED-4DB2-BD59-A6C34878D82A}">
+                        <a16:rowId xmlns:a16="http://schemas.microsoft.com/office/drawing/2014/main" val="1421978377"/>
+                      </a:ext>
+                    </a:extLst>
+                  </a:tr>
+                </a:tbl>
+              </a:graphicData>
+            </a:graphic>
+          </p:graphicFrame>
+        </mc:Fallback>
+      </mc:AlternateContent>
+    </p:spTree>
+    <p:extLst>
+      <p:ext uri="{BB962C8B-B14F-4D97-AF65-F5344CB8AC3E}">
+        <p14:creationId xmlns:p14="http://schemas.microsoft.com/office/powerpoint/2010/main" val="2090067663"/>
+      </p:ext>
+    </p:extLst>
+  </p:cSld>
+  <p:clrMapOvr>
+    <a:masterClrMapping/>
+  </p:clrMapOvr>
+</p:sld>
+</file>
+
+<file path=ppt/slides/slide11.xml><?xml version="1.0" encoding="utf-8"?>
+<p:sld xmlns:a="http://schemas.openxmlformats.org/drawingml/2006/main" xmlns:r="http://schemas.openxmlformats.org/officeDocument/2006/relationships" xmlns:p="http://schemas.openxmlformats.org/presentationml/2006/main">
+  <p:cSld>
+    <p:spTree>
+      <p:nvGrpSpPr>
+        <p:cNvPr id="1" name=""/>
+        <p:cNvGrpSpPr/>
+        <p:nvPr/>
+      </p:nvGrpSpPr>
+      <p:grpSpPr>
+        <a:xfrm>
+          <a:off x="0" y="0"/>
+          <a:ext cx="0" cy="0"/>
+          <a:chOff x="0" y="0"/>
+          <a:chExt cx="0" cy="0"/>
+        </a:xfrm>
+      </p:grpSpPr>
+      <p:sp>
+        <p:nvSpPr>
+          <p:cNvPr id="2" name="Titel 1">
+            <a:extLst>
+              <a:ext uri="{FF2B5EF4-FFF2-40B4-BE49-F238E27FC236}">
+                <a16:creationId xmlns:a16="http://schemas.microsoft.com/office/drawing/2014/main" id="{2F685988-C848-40CB-9F67-9B51BD1854AB}"/>
+              </a:ext>
+            </a:extLst>
+          </p:cNvPr>
+          <p:cNvSpPr>
+            <a:spLocks noGrp="1"/>
+          </p:cNvSpPr>
+          <p:nvPr>
+            <p:ph type="title"/>
+          </p:nvPr>
+        </p:nvSpPr>
+        <p:spPr/>
+        <p:txBody>
+          <a:bodyPr/>
+          <a:lstStyle/>
+          <a:p>
+            <a:r>
+              <a:rPr lang="de-DE" dirty="0"/>
+              <a:t>Quellen</a:t>
+            </a:r>
+            <a:endParaRPr lang="en-US" dirty="0"/>
+          </a:p>
+        </p:txBody>
+      </p:sp>
+      <p:sp>
+        <p:nvSpPr>
+          <p:cNvPr id="3" name="Textplatzhalter 2">
+            <a:extLst>
+              <a:ext uri="{FF2B5EF4-FFF2-40B4-BE49-F238E27FC236}">
+                <a16:creationId xmlns:a16="http://schemas.microsoft.com/office/drawing/2014/main" id="{71F51442-3C28-4C87-977B-78AB2D5BBBA3}"/>
+              </a:ext>
+            </a:extLst>
+          </p:cNvPr>
+          <p:cNvSpPr>
+            <a:spLocks noGrp="1"/>
+          </p:cNvSpPr>
+          <p:nvPr>
+            <p:ph type="body" sz="quarter" idx="10"/>
+          </p:nvPr>
+        </p:nvSpPr>
+        <p:spPr/>
+        <p:txBody>
+          <a:bodyPr/>
+          <a:lstStyle/>
+          <a:p>
+            <a:pPr>
+              <a:buFont typeface="Wingdings" panose="05000000000000000000" pitchFamily="2" charset="2"/>
+              <a:buChar char="§"/>
+            </a:pPr>
+            <a:r>
+              <a:rPr lang="de-DE" sz="1600"/>
+              <a:t>Versuchsanleitung: </a:t>
+            </a:r>
+            <a:r>
+              <a:rPr lang="de-DE" sz="1600" dirty="0"/>
+              <a:t>Millikan Oil Drop </a:t>
+            </a:r>
+            <a:r>
+              <a:rPr lang="de-DE" sz="1600" dirty="0" err="1"/>
+              <a:t>Apparatus</a:t>
+            </a:r>
+            <a:r>
+              <a:rPr lang="de-DE" sz="1600" dirty="0"/>
+              <a:t> </a:t>
+            </a:r>
+            <a:r>
+              <a:rPr lang="de-DE" sz="1600" dirty="0" err="1"/>
+              <a:t>Instruction</a:t>
+            </a:r>
+            <a:r>
+              <a:rPr lang="de-DE" sz="1600" dirty="0"/>
+              <a:t> Manual, PASCO</a:t>
+            </a:r>
+            <a:endParaRPr lang="en-US" sz="1600" dirty="0"/>
+          </a:p>
+        </p:txBody>
+      </p:sp>
+      <p:sp>
+        <p:nvSpPr>
+          <p:cNvPr id="4" name="Foliennummernplatzhalter 3">
+            <a:extLst>
+              <a:ext uri="{FF2B5EF4-FFF2-40B4-BE49-F238E27FC236}">
+                <a16:creationId xmlns:a16="http://schemas.microsoft.com/office/drawing/2014/main" id="{478B4C2A-3EB2-47F3-987D-F4BFE75EBD08}"/>
+              </a:ext>
+            </a:extLst>
+          </p:cNvPr>
+          <p:cNvSpPr>
+            <a:spLocks noGrp="1"/>
+          </p:cNvSpPr>
+          <p:nvPr>
+            <p:ph type="sldNum" sz="quarter" idx="4"/>
+          </p:nvPr>
+        </p:nvSpPr>
+        <p:spPr/>
+        <p:txBody>
+          <a:bodyPr/>
+          <a:lstStyle/>
+          <a:p>
+            <a:fld id="{63CECEBB-547B-4598-95D8-3FB4D608B5D5}" type="slidenum">
+              <a:rPr lang="de-DE" smtClean="0"/>
+              <a:pPr/>
+              <a:t>11</a:t>
+            </a:fld>
+            <a:endParaRPr lang="de-DE" dirty="0"/>
+          </a:p>
+        </p:txBody>
+      </p:sp>
+    </p:spTree>
+    <p:extLst>
+      <p:ext uri="{BB962C8B-B14F-4D97-AF65-F5344CB8AC3E}">
+        <p14:creationId xmlns:p14="http://schemas.microsoft.com/office/powerpoint/2010/main" val="3380138390"/>
+      </p:ext>
+    </p:extLst>
+  </p:cSld>
+  <p:clrMapOvr>
+    <a:masterClrMapping/>
+  </p:clrMapOvr>
+</p:sld>
+</file>
+
+<file path=ppt/slides/slide2.xml><?xml version="1.0" encoding="utf-8"?>
 <p:sld xmlns:a="http://schemas.openxmlformats.org/drawingml/2006/main" xmlns:r="http://schemas.openxmlformats.org/officeDocument/2006/relationships" xmlns:p="http://schemas.openxmlformats.org/presentationml/2006/main">
   <p:cSld>
     <p:spTree>
@@ -8698,7 +6614,7 @@
             <a:fld id="{63CECEBB-547B-4598-95D8-3FB4D608B5D5}" type="slidenum">
               <a:rPr lang="de-DE" smtClean="0"/>
               <a:pPr/>
-              <a:t>3</a:t>
+              <a:t>2</a:t>
             </a:fld>
             <a:endParaRPr lang="de-DE" dirty="0"/>
           </a:p>
@@ -9166,7 +7082,7 @@
 </p:sld>
 </file>
 
-<file path=ppt/slides/slide4.xml><?xml version="1.0" encoding="utf-8"?>
+<file path=ppt/slides/slide3.xml><?xml version="1.0" encoding="utf-8"?>
 <p:sld xmlns:a="http://schemas.openxmlformats.org/drawingml/2006/main" xmlns:r="http://schemas.openxmlformats.org/officeDocument/2006/relationships" xmlns:p="http://schemas.openxmlformats.org/presentationml/2006/main">
   <p:cSld>
     <p:spTree>
@@ -9212,8 +7128,8 @@
           </a:p>
         </p:txBody>
       </p:sp>
-      <mc:AlternateContent xmlns:mc="http://schemas.openxmlformats.org/markup-compatibility/2006" xmlns:a14="http://schemas.microsoft.com/office/drawing/2010/main">
-        <mc:Choice Requires="a14">
+      <mc:AlternateContent xmlns:mc="http://schemas.openxmlformats.org/markup-compatibility/2006">
+        <mc:Choice xmlns:a14="http://schemas.microsoft.com/office/drawing/2010/main" Requires="a14">
           <p:sp>
             <p:nvSpPr>
               <p:cNvPr id="3" name="Textplatzhalter 2">
@@ -9797,12 +7713,6 @@
                       </a:rPr>
                       <m:t>=</m:t>
                     </m:r>
-                    <m:r>
-                      <a:rPr lang="de-DE" sz="1600" b="0" i="1" smtClean="0">
-                        <a:latin typeface="Cambria Math" panose="02040503050406030204" pitchFamily="18" charset="0"/>
-                      </a:rPr>
-                      <m:t>𝑔</m:t>
-                    </m:r>
                     <m:f>
                       <m:fPr>
                         <m:ctrlPr>
@@ -10043,7 +7953,7 @@
             </p:txBody>
           </p:sp>
         </mc:Choice>
-        <mc:Fallback xmlns="">
+        <mc:Fallback>
           <p:sp>
             <p:nvSpPr>
               <p:cNvPr id="3" name="Textplatzhalter 2">
@@ -10119,7 +8029,7 @@
             <a:fld id="{63CECEBB-547B-4598-95D8-3FB4D608B5D5}" type="slidenum">
               <a:rPr lang="de-DE" smtClean="0"/>
               <a:pPr/>
-              <a:t>4</a:t>
+              <a:t>3</a:t>
             </a:fld>
             <a:endParaRPr lang="de-DE" dirty="0"/>
           </a:p>
@@ -10274,7 +8184,7 @@
 </p:sld>
 </file>
 
-<file path=ppt/slides/slide5.xml><?xml version="1.0" encoding="utf-8"?>
+<file path=ppt/slides/slide4.xml><?xml version="1.0" encoding="utf-8"?>
 <p:sld xmlns:a="http://schemas.openxmlformats.org/drawingml/2006/main" xmlns:r="http://schemas.openxmlformats.org/officeDocument/2006/relationships" xmlns:p="http://schemas.openxmlformats.org/presentationml/2006/main">
   <p:cSld>
     <p:spTree>
@@ -10831,7 +8741,7 @@
             <a:fld id="{63CECEBB-547B-4598-95D8-3FB4D608B5D5}" type="slidenum">
               <a:rPr lang="de-DE" smtClean="0"/>
               <a:pPr/>
-              <a:t>5</a:t>
+              <a:t>4</a:t>
             </a:fld>
             <a:endParaRPr lang="de-DE" dirty="0"/>
           </a:p>
@@ -11665,7 +9575,7 @@
 </p:sld>
 </file>
 
-<file path=ppt/slides/slide6.xml><?xml version="1.0" encoding="utf-8"?>
+<file path=ppt/slides/slide5.xml><?xml version="1.0" encoding="utf-8"?>
 <p:sld xmlns:a="http://schemas.openxmlformats.org/drawingml/2006/main" xmlns:r="http://schemas.openxmlformats.org/officeDocument/2006/relationships" xmlns:p="http://schemas.openxmlformats.org/presentationml/2006/main">
   <p:cSld>
     <p:spTree>
@@ -11804,7 +9714,7 @@
             <a:fld id="{63CECEBB-547B-4598-95D8-3FB4D608B5D5}" type="slidenum">
               <a:rPr lang="de-DE" smtClean="0"/>
               <a:pPr/>
-              <a:t>6</a:t>
+              <a:t>5</a:t>
             </a:fld>
             <a:endParaRPr lang="de-DE" dirty="0"/>
           </a:p>
@@ -11823,7 +9733,7 @@
 </p:sld>
 </file>
 
-<file path=ppt/slides/slide7.xml><?xml version="1.0" encoding="utf-8"?>
+<file path=ppt/slides/slide6.xml><?xml version="1.0" encoding="utf-8"?>
 <p:sld xmlns:a="http://schemas.openxmlformats.org/drawingml/2006/main" xmlns:r="http://schemas.openxmlformats.org/officeDocument/2006/relationships" xmlns:p="http://schemas.openxmlformats.org/presentationml/2006/main">
   <p:cSld>
     <p:spTree>
@@ -11927,7 +9837,7 @@
             <a:fld id="{63CECEBB-547B-4598-95D8-3FB4D608B5D5}" type="slidenum">
               <a:rPr lang="de-DE" smtClean="0"/>
               <a:pPr/>
-              <a:t>7</a:t>
+              <a:t>6</a:t>
             </a:fld>
             <a:endParaRPr lang="de-DE" dirty="0"/>
           </a:p>
@@ -12178,7 +10088,7 @@
 </p:sld>
 </file>
 
-<file path=ppt/slides/slide8.xml><?xml version="1.0" encoding="utf-8"?>
+<file path=ppt/slides/slide7.xml><?xml version="1.0" encoding="utf-8"?>
 <p:sld xmlns:a="http://schemas.openxmlformats.org/drawingml/2006/main" xmlns:r="http://schemas.openxmlformats.org/officeDocument/2006/relationships" xmlns:p="http://schemas.openxmlformats.org/presentationml/2006/main">
   <p:cSld>
     <p:spTree>
@@ -12224,8 +10134,8 @@
           </a:p>
         </p:txBody>
       </p:sp>
-      <mc:AlternateContent xmlns:mc="http://schemas.openxmlformats.org/markup-compatibility/2006">
-        <mc:Choice xmlns:a14="http://schemas.microsoft.com/office/drawing/2010/main" Requires="a14">
+      <mc:AlternateContent xmlns:mc="http://schemas.openxmlformats.org/markup-compatibility/2006" xmlns:a14="http://schemas.microsoft.com/office/drawing/2010/main">
+        <mc:Choice Requires="a14">
           <p:sp>
             <p:nvSpPr>
               <p:cNvPr id="3" name="Textplatzhalter 2">
@@ -12544,82 +10454,6 @@
                   <a:buChar char="§"/>
                 </a:pPr>
                 <a:r>
-                  <a:rPr lang="en-US" sz="1600" dirty="0"/>
-                  <a:t>Die </a:t>
-                </a:r>
-                <a:r>
-                  <a:rPr lang="en-US" sz="1600" dirty="0" err="1"/>
-                  <a:t>Geschwindigkeiten</a:t>
-                </a:r>
-                <a:r>
-                  <a:rPr lang="en-US" sz="1600" dirty="0"/>
-                  <a:t> </a:t>
-                </a:r>
-                <a:r>
-                  <a:rPr lang="en-US" sz="1600" dirty="0" err="1"/>
-                  <a:t>werden</a:t>
-                </a:r>
-                <a:r>
-                  <a:rPr lang="en-US" sz="1600" dirty="0"/>
-                  <a:t> </a:t>
-                </a:r>
-                <a:r>
-                  <a:rPr lang="en-US" sz="1600" dirty="0" err="1"/>
-                  <a:t>gemittelt</a:t>
-                </a:r>
-                <a:r>
-                  <a:rPr lang="en-US" sz="1600" dirty="0"/>
-                  <a:t> und </a:t>
-                </a:r>
-                <a:r>
-                  <a:rPr lang="en-US" sz="1600" dirty="0" err="1"/>
-                  <a:t>mit</a:t>
-                </a:r>
-                <a:r>
-                  <a:rPr lang="en-US" sz="1600" dirty="0"/>
-                  <a:t> </a:t>
-                </a:r>
-                <a:r>
-                  <a:rPr lang="en-US" sz="1600" dirty="0" err="1"/>
-                  <a:t>einem</a:t>
-                </a:r>
-                <a:r>
-                  <a:rPr lang="en-US" sz="1600" dirty="0"/>
-                  <a:t> </a:t>
-                </a:r>
-                <a:r>
-                  <a:rPr lang="en-US" sz="1600" dirty="0" err="1"/>
-                  <a:t>Fehler</a:t>
-                </a:r>
-                <a:r>
-                  <a:rPr lang="en-US" sz="1600" dirty="0"/>
-                  <a:t> </a:t>
-                </a:r>
-                <a:r>
-                  <a:rPr lang="en-US" sz="1600" dirty="0" err="1"/>
-                  <a:t>versehen</a:t>
-                </a:r>
-                <a:r>
-                  <a:rPr lang="en-US" sz="1600" dirty="0"/>
-                  <a:t> </a:t>
-                </a:r>
-                <a:r>
-                  <a:rPr lang="en-US" sz="1600" dirty="0">
-                    <a:solidFill>
-                      <a:srgbClr val="565656"/>
-                    </a:solidFill>
-                    <a:latin typeface="Arial" panose="020B0604020202020204" pitchFamily="34" charset="0"/>
-                    <a:cs typeface="Arial" panose="020B0604020202020204" pitchFamily="34" charset="0"/>
-                  </a:rPr>
-                  <a:t>(Standard Error of Mean)</a:t>
-                </a:r>
-              </a:p>
-              <a:p>
-                <a:pPr>
-                  <a:buFont typeface="Wingdings" panose="05000000000000000000" pitchFamily="2" charset="2"/>
-                  <a:buChar char="§"/>
-                </a:pPr>
-                <a:r>
                   <a:rPr lang="en-US" sz="1600" dirty="0" err="1"/>
                   <a:t>Mit</a:t>
                 </a:r>
@@ -12846,7 +10680,7 @@
             </p:txBody>
           </p:sp>
         </mc:Choice>
-        <mc:Fallback>
+        <mc:Fallback xmlns="">
           <p:sp>
             <p:nvSpPr>
               <p:cNvPr id="3" name="Textplatzhalter 2">
@@ -12910,7 +10744,7 @@
             <a:fld id="{63CECEBB-547B-4598-95D8-3FB4D608B5D5}" type="slidenum">
               <a:rPr lang="de-DE" smtClean="0"/>
               <a:pPr/>
-              <a:t>8</a:t>
+              <a:t>7</a:t>
             </a:fld>
             <a:endParaRPr lang="de-DE" dirty="0"/>
           </a:p>
@@ -12929,7 +10763,7 @@
 </p:sld>
 </file>
 
-<file path=ppt/slides/slide9.xml><?xml version="1.0" encoding="utf-8"?>
+<file path=ppt/slides/slide8.xml><?xml version="1.0" encoding="utf-8"?>
 <p:sld xmlns:a="http://schemas.openxmlformats.org/drawingml/2006/main" xmlns:r="http://schemas.openxmlformats.org/officeDocument/2006/relationships" xmlns:p="http://schemas.openxmlformats.org/presentationml/2006/main">
   <p:cSld>
     <p:spTree>
@@ -12999,14 +10833,14 @@
             <a:fld id="{63CECEBB-547B-4598-95D8-3FB4D608B5D5}" type="slidenum">
               <a:rPr lang="de-DE" smtClean="0"/>
               <a:pPr/>
-              <a:t>9</a:t>
+              <a:t>8</a:t>
             </a:fld>
             <a:endParaRPr lang="de-DE" dirty="0"/>
           </a:p>
         </p:txBody>
       </p:sp>
-      <mc:AlternateContent xmlns:mc="http://schemas.openxmlformats.org/markup-compatibility/2006">
-        <mc:Choice xmlns:a14="http://schemas.microsoft.com/office/drawing/2010/main" Requires="a14">
+      <mc:AlternateContent xmlns:mc="http://schemas.openxmlformats.org/markup-compatibility/2006" xmlns:a14="http://schemas.microsoft.com/office/drawing/2010/main">
+        <mc:Choice Requires="a14">
           <p:graphicFrame>
             <p:nvGraphicFramePr>
               <p:cNvPr id="7" name="Tabelle 7">
@@ -13184,6 +11018,7 @@
                         <a:bodyPr/>
                         <a:lstStyle/>
                         <a:p>
+                          <a:pPr/>
                           <a14:m>
                             <m:oMathPara xmlns:m="http://schemas.openxmlformats.org/officeDocument/2006/math">
                               <m:oMathParaPr>
@@ -13392,6 +11227,7 @@
                         <a:bodyPr/>
                         <a:lstStyle/>
                         <a:p>
+                          <a:pPr/>
                           <a14:m>
                             <m:oMathPara xmlns:m="http://schemas.openxmlformats.org/officeDocument/2006/math">
                               <m:oMathParaPr>
@@ -13417,6 +11253,7 @@
                         <a:bodyPr/>
                         <a:lstStyle/>
                         <a:p>
+                          <a:pPr/>
                           <a14:m>
                             <m:oMathPara xmlns:m="http://schemas.openxmlformats.org/officeDocument/2006/math">
                               <m:oMathParaPr>
@@ -13635,6 +11472,7 @@
                         <a:bodyPr/>
                         <a:lstStyle/>
                         <a:p>
+                          <a:pPr/>
                           <a14:m>
                             <m:oMathPara xmlns:m="http://schemas.openxmlformats.org/officeDocument/2006/math">
                               <m:oMathParaPr>
@@ -13667,6 +11505,7 @@
                         <a:bodyPr/>
                         <a:lstStyle/>
                         <a:p>
+                          <a:pPr/>
                           <a14:m>
                             <m:oMathPara xmlns:m="http://schemas.openxmlformats.org/officeDocument/2006/math">
                               <m:oMathParaPr>
@@ -13949,6 +11788,7 @@
                         <a:bodyPr/>
                         <a:lstStyle/>
                         <a:p>
+                          <a:pPr/>
                           <a14:m>
                             <m:oMathPara xmlns:m="http://schemas.openxmlformats.org/officeDocument/2006/math">
                               <m:oMathParaPr>
@@ -13974,6 +11814,7 @@
                         <a:bodyPr/>
                         <a:lstStyle/>
                         <a:p>
+                          <a:pPr/>
                           <a14:m>
                             <m:oMathPara xmlns:m="http://schemas.openxmlformats.org/officeDocument/2006/math">
                               <m:oMathParaPr>
@@ -14184,6 +12025,7 @@
                         <a:bodyPr/>
                         <a:lstStyle/>
                         <a:p>
+                          <a:pPr/>
                           <a14:m>
                             <m:oMathPara xmlns:m="http://schemas.openxmlformats.org/officeDocument/2006/math">
                               <m:oMathParaPr>
@@ -14209,6 +12051,7 @@
                         <a:bodyPr/>
                         <a:lstStyle/>
                         <a:p>
+                          <a:pPr/>
                           <a14:m>
                             <m:oMathPara xmlns:m="http://schemas.openxmlformats.org/officeDocument/2006/math">
                               <m:oMathParaPr>
@@ -14419,6 +12262,7 @@
                         <a:bodyPr/>
                         <a:lstStyle/>
                         <a:p>
+                          <a:pPr/>
                           <a14:m>
                             <m:oMathPara xmlns:m="http://schemas.openxmlformats.org/officeDocument/2006/math">
                               <m:oMathParaPr>
@@ -14444,6 +12288,7 @@
                         <a:bodyPr/>
                         <a:lstStyle/>
                         <a:p>
+                          <a:pPr/>
                           <a14:m>
                             <m:oMathPara xmlns:m="http://schemas.openxmlformats.org/officeDocument/2006/math">
                               <m:oMathParaPr>
@@ -14654,6 +12499,7 @@
                         <a:bodyPr/>
                         <a:lstStyle/>
                         <a:p>
+                          <a:pPr/>
                           <a14:m>
                             <m:oMathPara xmlns:m="http://schemas.openxmlformats.org/officeDocument/2006/math">
                               <m:oMathParaPr>
@@ -14679,6 +12525,7 @@
                         <a:bodyPr/>
                         <a:lstStyle/>
                         <a:p>
+                          <a:pPr/>
                           <a14:m>
                             <m:oMathPara xmlns:m="http://schemas.openxmlformats.org/officeDocument/2006/math">
                               <m:oMathParaPr>
@@ -14897,6 +12744,7 @@
                         <a:bodyPr/>
                         <a:lstStyle/>
                         <a:p>
+                          <a:pPr/>
                           <a14:m>
                             <m:oMathPara xmlns:m="http://schemas.openxmlformats.org/officeDocument/2006/math">
                               <m:oMathParaPr>
@@ -14929,6 +12777,7 @@
                         <a:bodyPr/>
                         <a:lstStyle/>
                         <a:p>
+                          <a:pPr/>
                           <a14:m>
                             <m:oMathPara xmlns:m="http://schemas.openxmlformats.org/officeDocument/2006/math">
                               <m:oMathParaPr>
@@ -15187,7 +13036,7 @@
             </a:graphic>
           </p:graphicFrame>
         </mc:Choice>
-        <mc:Fallback>
+        <mc:Fallback xmlns="">
           <p:graphicFrame>
             <p:nvGraphicFramePr>
               <p:cNvPr id="7" name="Tabelle 7">
@@ -16110,6 +13959,2170 @@
     <p:extLst>
       <p:ext uri="{BB962C8B-B14F-4D97-AF65-F5344CB8AC3E}">
         <p14:creationId xmlns:p14="http://schemas.microsoft.com/office/powerpoint/2010/main" val="1234476569"/>
+      </p:ext>
+    </p:extLst>
+  </p:cSld>
+  <p:clrMapOvr>
+    <a:masterClrMapping/>
+  </p:clrMapOvr>
+</p:sld>
+</file>
+
+<file path=ppt/slides/slide9.xml><?xml version="1.0" encoding="utf-8"?>
+<p:sld xmlns:a="http://schemas.openxmlformats.org/drawingml/2006/main" xmlns:r="http://schemas.openxmlformats.org/officeDocument/2006/relationships" xmlns:p="http://schemas.openxmlformats.org/presentationml/2006/main">
+  <p:cSld>
+    <p:spTree>
+      <p:nvGrpSpPr>
+        <p:cNvPr id="1" name=""/>
+        <p:cNvGrpSpPr/>
+        <p:nvPr/>
+      </p:nvGrpSpPr>
+      <p:grpSpPr>
+        <a:xfrm>
+          <a:off x="0" y="0"/>
+          <a:ext cx="0" cy="0"/>
+          <a:chOff x="0" y="0"/>
+          <a:chExt cx="0" cy="0"/>
+        </a:xfrm>
+      </p:grpSpPr>
+      <p:sp>
+        <p:nvSpPr>
+          <p:cNvPr id="2" name="Titel 1">
+            <a:extLst>
+              <a:ext uri="{FF2B5EF4-FFF2-40B4-BE49-F238E27FC236}">
+                <a16:creationId xmlns:a16="http://schemas.microsoft.com/office/drawing/2014/main" id="{A91E1889-ED8C-4392-B1AF-AD3E988D31B4}"/>
+              </a:ext>
+            </a:extLst>
+          </p:cNvPr>
+          <p:cNvSpPr>
+            <a:spLocks noGrp="1"/>
+          </p:cNvSpPr>
+          <p:nvPr>
+            <p:ph type="title"/>
+          </p:nvPr>
+        </p:nvSpPr>
+        <p:spPr/>
+        <p:txBody>
+          <a:bodyPr/>
+          <a:lstStyle/>
+          <a:p>
+            <a:r>
+              <a:rPr lang="de-DE" dirty="0"/>
+              <a:t>Auswertung</a:t>
+            </a:r>
+            <a:endParaRPr lang="en-US" dirty="0"/>
+          </a:p>
+        </p:txBody>
+      </p:sp>
+      <p:sp>
+        <p:nvSpPr>
+          <p:cNvPr id="4" name="Foliennummernplatzhalter 3">
+            <a:extLst>
+              <a:ext uri="{FF2B5EF4-FFF2-40B4-BE49-F238E27FC236}">
+                <a16:creationId xmlns:a16="http://schemas.microsoft.com/office/drawing/2014/main" id="{40F789EE-2FD0-4041-9FD9-A50533DFE530}"/>
+              </a:ext>
+            </a:extLst>
+          </p:cNvPr>
+          <p:cNvSpPr>
+            <a:spLocks noGrp="1"/>
+          </p:cNvSpPr>
+          <p:nvPr>
+            <p:ph type="sldNum" sz="quarter" idx="4"/>
+          </p:nvPr>
+        </p:nvSpPr>
+        <p:spPr/>
+        <p:txBody>
+          <a:bodyPr/>
+          <a:lstStyle/>
+          <a:p>
+            <a:fld id="{63CECEBB-547B-4598-95D8-3FB4D608B5D5}" type="slidenum">
+              <a:rPr lang="de-DE" smtClean="0"/>
+              <a:pPr/>
+              <a:t>9</a:t>
+            </a:fld>
+            <a:endParaRPr lang="de-DE" dirty="0"/>
+          </a:p>
+        </p:txBody>
+      </p:sp>
+      <mc:AlternateContent xmlns:mc="http://schemas.openxmlformats.org/markup-compatibility/2006" xmlns:a14="http://schemas.microsoft.com/office/drawing/2010/main">
+        <mc:Choice Requires="a14">
+          <p:graphicFrame>
+            <p:nvGraphicFramePr>
+              <p:cNvPr id="7" name="Tabelle 7">
+                <a:extLst>
+                  <a:ext uri="{FF2B5EF4-FFF2-40B4-BE49-F238E27FC236}">
+                    <a16:creationId xmlns:a16="http://schemas.microsoft.com/office/drawing/2014/main" id="{914FD181-E8FD-4CF7-BBB2-581226DC53B4}"/>
+                  </a:ext>
+                </a:extLst>
+              </p:cNvPr>
+              <p:cNvGraphicFramePr>
+                <a:graphicFrameLocks noGrp="1"/>
+              </p:cNvGraphicFramePr>
+              <p:nvPr>
+                <p:extLst>
+                  <p:ext uri="{D42A27DB-BD31-4B8C-83A1-F6EECF244321}">
+                    <p14:modId xmlns:p14="http://schemas.microsoft.com/office/powerpoint/2010/main" val="2753346131"/>
+                  </p:ext>
+                </p:extLst>
+              </p:nvPr>
+            </p:nvGraphicFramePr>
+            <p:xfrm>
+              <a:off x="323528" y="1563638"/>
+              <a:ext cx="6696744" cy="3086799"/>
+            </p:xfrm>
+            <a:graphic>
+              <a:graphicData uri="http://schemas.openxmlformats.org/drawingml/2006/table">
+                <a:tbl>
+                  <a:tblPr firstRow="1" bandRow="1">
+                    <a:tableStyleId>{5C22544A-7EE6-4342-B048-85BDC9FD1C3A}</a:tableStyleId>
+                  </a:tblPr>
+                  <a:tblGrid>
+                    <a:gridCol w="459361">
+                      <a:extLst>
+                        <a:ext uri="{9D8B030D-6E8A-4147-A177-3AD203B41FA5}">
+                          <a16:colId xmlns:a16="http://schemas.microsoft.com/office/drawing/2014/main" val="2629441955"/>
+                        </a:ext>
+                      </a:extLst>
+                    </a:gridCol>
+                    <a:gridCol w="2927498">
+                      <a:extLst>
+                        <a:ext uri="{9D8B030D-6E8A-4147-A177-3AD203B41FA5}">
+                          <a16:colId xmlns:a16="http://schemas.microsoft.com/office/drawing/2014/main" val="1966363654"/>
+                        </a:ext>
+                      </a:extLst>
+                    </a:gridCol>
+                    <a:gridCol w="3309885">
+                      <a:extLst>
+                        <a:ext uri="{9D8B030D-6E8A-4147-A177-3AD203B41FA5}">
+                          <a16:colId xmlns:a16="http://schemas.microsoft.com/office/drawing/2014/main" val="160024124"/>
+                        </a:ext>
+                      </a:extLst>
+                    </a:gridCol>
+                  </a:tblGrid>
+                  <a:tr h="370840">
+                    <a:tc>
+                      <a:txBody>
+                        <a:bodyPr/>
+                        <a:lstStyle/>
+                        <a:p>
+                          <a:pPr algn="ctr"/>
+                          <a:r>
+                            <a:rPr lang="de-DE" sz="1800" dirty="0"/>
+                            <a:t>#</a:t>
+                          </a:r>
+                          <a:endParaRPr lang="en-US" sz="1800" dirty="0"/>
+                        </a:p>
+                      </a:txBody>
+                      <a:tcPr/>
+                    </a:tc>
+                    <a:tc>
+                      <a:txBody>
+                        <a:bodyPr/>
+                        <a:lstStyle/>
+                        <a:p>
+                          <a:pPr algn="ctr"/>
+                          <a:r>
+                            <a:rPr lang="de-DE" sz="1800" dirty="0"/>
+                            <a:t>Ladung </a:t>
+                          </a:r>
+                          <a14:m>
+                            <m:oMath xmlns:m="http://schemas.openxmlformats.org/officeDocument/2006/math">
+                              <m:r>
+                                <a:rPr lang="de-DE" sz="1800" b="1" i="1" smtClean="0">
+                                  <a:latin typeface="Cambria Math" panose="02040503050406030204" pitchFamily="18" charset="0"/>
+                                </a:rPr>
+                                <m:t>𝒒</m:t>
+                              </m:r>
+                              <m:r>
+                                <a:rPr lang="de-DE" sz="1800" b="1" i="1" smtClean="0">
+                                  <a:latin typeface="Cambria Math" panose="02040503050406030204" pitchFamily="18" charset="0"/>
+                                </a:rPr>
+                                <m:t> [</m:t>
+                              </m:r>
+                              <m:r>
+                                <a:rPr lang="de-DE" sz="1800" b="1" i="1" smtClean="0">
+                                  <a:latin typeface="Cambria Math" panose="02040503050406030204" pitchFamily="18" charset="0"/>
+                                </a:rPr>
+                                <m:t>𝒆𝑽</m:t>
+                              </m:r>
+                              <m:r>
+                                <a:rPr lang="de-DE" sz="1800" b="1" i="1" smtClean="0">
+                                  <a:latin typeface="Cambria Math" panose="02040503050406030204" pitchFamily="18" charset="0"/>
+                                </a:rPr>
+                                <m:t>]</m:t>
+                              </m:r>
+                            </m:oMath>
+                          </a14:m>
+                          <a:endParaRPr lang="en-US" sz="1800" dirty="0"/>
+                        </a:p>
+                      </a:txBody>
+                      <a:tcPr/>
+                    </a:tc>
+                    <a:tc>
+                      <a:txBody>
+                        <a:bodyPr/>
+                        <a:lstStyle/>
+                        <a:p>
+                          <a:r>
+                            <a:rPr lang="de-DE" sz="1800" dirty="0"/>
+                            <a:t>Ladung als Vielfaches von </a:t>
+                          </a:r>
+                          <a14:m>
+                            <m:oMath xmlns:m="http://schemas.openxmlformats.org/officeDocument/2006/math">
+                              <m:sSub>
+                                <m:sSubPr>
+                                  <m:ctrlPr>
+                                    <a:rPr lang="de-DE" sz="1800" b="1" i="1" smtClean="0">
+                                      <a:latin typeface="Cambria Math" panose="02040503050406030204" pitchFamily="18" charset="0"/>
+                                    </a:rPr>
+                                  </m:ctrlPr>
+                                </m:sSubPr>
+                                <m:e>
+                                  <m:r>
+                                    <a:rPr lang="de-DE" sz="1800" b="1" i="1" smtClean="0">
+                                      <a:latin typeface="Cambria Math" panose="02040503050406030204" pitchFamily="18" charset="0"/>
+                                    </a:rPr>
+                                    <m:t>𝒆</m:t>
+                                  </m:r>
+                                </m:e>
+                                <m:sub>
+                                  <m:r>
+                                    <a:rPr lang="de-DE" sz="1800" b="1" i="1" smtClean="0">
+                                      <a:latin typeface="Cambria Math" panose="02040503050406030204" pitchFamily="18" charset="0"/>
+                                    </a:rPr>
+                                    <m:t>𝟎</m:t>
+                                  </m:r>
+                                </m:sub>
+                              </m:sSub>
+                              <m:r>
+                                <a:rPr lang="de-DE" sz="1800" b="1" i="1" smtClean="0">
+                                  <a:latin typeface="Cambria Math" panose="02040503050406030204" pitchFamily="18" charset="0"/>
+                                </a:rPr>
+                                <m:t> [</m:t>
+                              </m:r>
+                              <m:f>
+                                <m:fPr>
+                                  <m:ctrlPr>
+                                    <a:rPr lang="de-DE" sz="1800" b="1" i="1" smtClean="0">
+                                      <a:latin typeface="Cambria Math" panose="02040503050406030204" pitchFamily="18" charset="0"/>
+                                    </a:rPr>
+                                  </m:ctrlPr>
+                                </m:fPr>
+                                <m:num>
+                                  <m:r>
+                                    <a:rPr lang="de-DE" sz="1800" b="1" i="1" smtClean="0">
+                                      <a:latin typeface="Cambria Math" panose="02040503050406030204" pitchFamily="18" charset="0"/>
+                                    </a:rPr>
+                                    <m:t>𝒒</m:t>
+                                  </m:r>
+                                </m:num>
+                                <m:den>
+                                  <m:sSub>
+                                    <m:sSubPr>
+                                      <m:ctrlPr>
+                                        <a:rPr lang="de-DE" sz="1800" b="1" i="1" smtClean="0">
+                                          <a:latin typeface="Cambria Math" panose="02040503050406030204" pitchFamily="18" charset="0"/>
+                                        </a:rPr>
+                                      </m:ctrlPr>
+                                    </m:sSubPr>
+                                    <m:e>
+                                      <m:r>
+                                        <a:rPr lang="de-DE" sz="1800" b="1" i="1" smtClean="0">
+                                          <a:latin typeface="Cambria Math" panose="02040503050406030204" pitchFamily="18" charset="0"/>
+                                        </a:rPr>
+                                        <m:t>𝒆</m:t>
+                                      </m:r>
+                                    </m:e>
+                                    <m:sub>
+                                      <m:r>
+                                        <a:rPr lang="de-DE" sz="1800" b="1" i="1" smtClean="0">
+                                          <a:latin typeface="Cambria Math" panose="02040503050406030204" pitchFamily="18" charset="0"/>
+                                        </a:rPr>
+                                        <m:t>𝟎</m:t>
+                                      </m:r>
+                                    </m:sub>
+                                  </m:sSub>
+                                </m:den>
+                              </m:f>
+                              <m:r>
+                                <a:rPr lang="de-DE" sz="1800" b="1" i="1" smtClean="0">
+                                  <a:latin typeface="Cambria Math" panose="02040503050406030204" pitchFamily="18" charset="0"/>
+                                </a:rPr>
+                                <m:t>]</m:t>
+                              </m:r>
+                            </m:oMath>
+                          </a14:m>
+                          <a:r>
+                            <a:rPr lang="en-US" sz="1800" dirty="0"/>
+                            <a:t> </a:t>
+                          </a:r>
+                        </a:p>
+                      </a:txBody>
+                      <a:tcPr/>
+                    </a:tc>
+                    <a:extLst>
+                      <a:ext uri="{0D108BD9-81ED-4DB2-BD59-A6C34878D82A}">
+                        <a16:rowId xmlns:a16="http://schemas.microsoft.com/office/drawing/2014/main" val="2249404876"/>
+                      </a:ext>
+                    </a:extLst>
+                  </a:tr>
+                  <a:tr h="370840">
+                    <a:tc>
+                      <a:txBody>
+                        <a:bodyPr/>
+                        <a:lstStyle/>
+                        <a:p>
+                          <a:r>
+                            <a:rPr lang="de-DE" sz="1600" dirty="0"/>
+                            <a:t>1</a:t>
+                          </a:r>
+                          <a:endParaRPr lang="en-US" sz="1600" dirty="0"/>
+                        </a:p>
+                      </a:txBody>
+                      <a:tcPr/>
+                    </a:tc>
+                    <a:tc>
+                      <a:txBody>
+                        <a:bodyPr/>
+                        <a:lstStyle/>
+                        <a:p>
+                          <a:pPr algn="ctr"/>
+                          <a14:m>
+                            <m:oMathPara xmlns:m="http://schemas.openxmlformats.org/officeDocument/2006/math">
+                              <m:oMathParaPr>
+                                <m:jc m:val="centerGroup"/>
+                              </m:oMathParaPr>
+                              <m:oMath xmlns:m="http://schemas.openxmlformats.org/officeDocument/2006/math">
+                                <m:r>
+                                  <a:rPr lang="de-DE" sz="1600" b="0" i="1" smtClean="0">
+                                    <a:latin typeface="Cambria Math" panose="02040503050406030204" pitchFamily="18" charset="0"/>
+                                  </a:rPr>
+                                  <m:t>8.07∗</m:t>
+                                </m:r>
+                                <m:sSup>
+                                  <m:sSupPr>
+                                    <m:ctrlPr>
+                                      <a:rPr lang="de-DE" sz="1600" b="0" i="1" smtClean="0">
+                                        <a:latin typeface="Cambria Math" panose="02040503050406030204" pitchFamily="18" charset="0"/>
+                                      </a:rPr>
+                                    </m:ctrlPr>
+                                  </m:sSupPr>
+                                  <m:e>
+                                    <m:r>
+                                      <a:rPr lang="de-DE" sz="1600" b="0" i="1" smtClean="0">
+                                        <a:latin typeface="Cambria Math" panose="02040503050406030204" pitchFamily="18" charset="0"/>
+                                      </a:rPr>
+                                      <m:t>10</m:t>
+                                    </m:r>
+                                  </m:e>
+                                  <m:sup>
+                                    <m:r>
+                                      <a:rPr lang="de-DE" sz="1600" b="0" i="1" smtClean="0">
+                                        <a:latin typeface="Cambria Math" panose="02040503050406030204" pitchFamily="18" charset="0"/>
+                                      </a:rPr>
+                                      <m:t>−18</m:t>
+                                    </m:r>
+                                  </m:sup>
+                                </m:sSup>
+                                <m:r>
+                                  <a:rPr lang="de-DE" sz="1600" b="0" i="1" smtClean="0">
+                                    <a:latin typeface="Cambria Math" panose="02040503050406030204" pitchFamily="18" charset="0"/>
+                                  </a:rPr>
+                                  <m:t>±1.01∗</m:t>
+                                </m:r>
+                                <m:sSup>
+                                  <m:sSupPr>
+                                    <m:ctrlPr>
+                                      <a:rPr lang="de-DE" sz="1600" b="0" i="1" smtClean="0">
+                                        <a:latin typeface="Cambria Math" panose="02040503050406030204" pitchFamily="18" charset="0"/>
+                                      </a:rPr>
+                                    </m:ctrlPr>
+                                  </m:sSupPr>
+                                  <m:e>
+                                    <m:r>
+                                      <a:rPr lang="de-DE" sz="1600" b="0" i="1" smtClean="0">
+                                        <a:latin typeface="Cambria Math" panose="02040503050406030204" pitchFamily="18" charset="0"/>
+                                      </a:rPr>
+                                      <m:t>10</m:t>
+                                    </m:r>
+                                  </m:e>
+                                  <m:sup>
+                                    <m:r>
+                                      <a:rPr lang="de-DE" sz="1600" b="0" i="1" smtClean="0">
+                                        <a:latin typeface="Cambria Math" panose="02040503050406030204" pitchFamily="18" charset="0"/>
+                                      </a:rPr>
+                                      <m:t>−18</m:t>
+                                    </m:r>
+                                  </m:sup>
+                                </m:sSup>
+                              </m:oMath>
+                            </m:oMathPara>
+                          </a14:m>
+                          <a:endParaRPr lang="en-US" sz="1600" dirty="0"/>
+                        </a:p>
+                      </a:txBody>
+                      <a:tcPr/>
+                    </a:tc>
+                    <a:tc>
+                      <a:txBody>
+                        <a:bodyPr/>
+                        <a:lstStyle/>
+                        <a:p>
+                          <a:pPr/>
+                          <a14:m>
+                            <m:oMathPara xmlns:m="http://schemas.openxmlformats.org/officeDocument/2006/math">
+                              <m:oMathParaPr>
+                                <m:jc m:val="centerGroup"/>
+                              </m:oMathParaPr>
+                              <m:oMath xmlns:m="http://schemas.openxmlformats.org/officeDocument/2006/math">
+                                <m:r>
+                                  <a:rPr lang="de-DE" sz="1600" b="0" i="1" smtClean="0">
+                                    <a:latin typeface="Cambria Math" panose="02040503050406030204" pitchFamily="18" charset="0"/>
+                                  </a:rPr>
+                                  <m:t>50.397</m:t>
+                                </m:r>
+                                <m:sSub>
+                                  <m:sSubPr>
+                                    <m:ctrlPr>
+                                      <a:rPr lang="de-DE" sz="1600" b="0" i="1" smtClean="0">
+                                        <a:latin typeface="Cambria Math" panose="02040503050406030204" pitchFamily="18" charset="0"/>
+                                      </a:rPr>
+                                    </m:ctrlPr>
+                                  </m:sSubPr>
+                                  <m:e>
+                                    <m:r>
+                                      <a:rPr lang="de-DE" sz="1600" b="0" i="1" smtClean="0">
+                                        <a:latin typeface="Cambria Math" panose="02040503050406030204" pitchFamily="18" charset="0"/>
+                                      </a:rPr>
+                                      <m:t>∗</m:t>
+                                    </m:r>
+                                    <m:r>
+                                      <a:rPr lang="de-DE" sz="1600" b="0" i="1" smtClean="0">
+                                        <a:latin typeface="Cambria Math" panose="02040503050406030204" pitchFamily="18" charset="0"/>
+                                      </a:rPr>
+                                      <m:t>𝑒</m:t>
+                                    </m:r>
+                                  </m:e>
+                                  <m:sub>
+                                    <m:r>
+                                      <a:rPr lang="de-DE" sz="1600" b="0" i="1" smtClean="0">
+                                        <a:latin typeface="Cambria Math" panose="02040503050406030204" pitchFamily="18" charset="0"/>
+                                      </a:rPr>
+                                      <m:t>0</m:t>
+                                    </m:r>
+                                  </m:sub>
+                                </m:sSub>
+                              </m:oMath>
+                            </m:oMathPara>
+                          </a14:m>
+                          <a:endParaRPr lang="en-US" sz="1600" dirty="0"/>
+                        </a:p>
+                      </a:txBody>
+                      <a:tcPr/>
+                    </a:tc>
+                    <a:extLst>
+                      <a:ext uri="{0D108BD9-81ED-4DB2-BD59-A6C34878D82A}">
+                        <a16:rowId xmlns:a16="http://schemas.microsoft.com/office/drawing/2014/main" val="947159108"/>
+                      </a:ext>
+                    </a:extLst>
+                  </a:tr>
+                  <a:tr h="370840">
+                    <a:tc>
+                      <a:txBody>
+                        <a:bodyPr/>
+                        <a:lstStyle/>
+                        <a:p>
+                          <a:r>
+                            <a:rPr lang="de-DE" sz="1600" dirty="0">
+                              <a:solidFill>
+                                <a:srgbClr val="92D050"/>
+                              </a:solidFill>
+                            </a:rPr>
+                            <a:t>2</a:t>
+                          </a:r>
+                          <a:endParaRPr lang="en-US" sz="1600" dirty="0">
+                            <a:solidFill>
+                              <a:srgbClr val="92D050"/>
+                            </a:solidFill>
+                          </a:endParaRPr>
+                        </a:p>
+                      </a:txBody>
+                      <a:tcPr/>
+                    </a:tc>
+                    <a:tc>
+                      <a:txBody>
+                        <a:bodyPr/>
+                        <a:lstStyle/>
+                        <a:p>
+                          <a:pPr algn="ctr"/>
+                          <a14:m>
+                            <m:oMathPara xmlns:m="http://schemas.openxmlformats.org/officeDocument/2006/math">
+                              <m:oMathParaPr>
+                                <m:jc m:val="centerGroup"/>
+                              </m:oMathParaPr>
+                              <m:oMath xmlns:m="http://schemas.openxmlformats.org/officeDocument/2006/math">
+                                <m:r>
+                                  <a:rPr lang="de-DE" sz="1600" b="0" i="1" smtClean="0">
+                                    <a:solidFill>
+                                      <a:srgbClr val="92D050"/>
+                                    </a:solidFill>
+                                    <a:latin typeface="Cambria Math" panose="02040503050406030204" pitchFamily="18" charset="0"/>
+                                  </a:rPr>
+                                  <m:t>1.78∗</m:t>
+                                </m:r>
+                                <m:sSup>
+                                  <m:sSupPr>
+                                    <m:ctrlPr>
+                                      <a:rPr lang="de-DE" sz="1600" b="0" i="1" smtClean="0">
+                                        <a:solidFill>
+                                          <a:srgbClr val="92D050"/>
+                                        </a:solidFill>
+                                        <a:latin typeface="Cambria Math" panose="02040503050406030204" pitchFamily="18" charset="0"/>
+                                      </a:rPr>
+                                    </m:ctrlPr>
+                                  </m:sSupPr>
+                                  <m:e>
+                                    <m:r>
+                                      <a:rPr lang="de-DE" sz="1600" b="0" i="1" smtClean="0">
+                                        <a:solidFill>
+                                          <a:srgbClr val="92D050"/>
+                                        </a:solidFill>
+                                        <a:latin typeface="Cambria Math" panose="02040503050406030204" pitchFamily="18" charset="0"/>
+                                      </a:rPr>
+                                      <m:t>10</m:t>
+                                    </m:r>
+                                  </m:e>
+                                  <m:sup>
+                                    <m:r>
+                                      <a:rPr lang="de-DE" sz="1600" b="0" i="1" smtClean="0">
+                                        <a:solidFill>
+                                          <a:srgbClr val="92D050"/>
+                                        </a:solidFill>
+                                        <a:latin typeface="Cambria Math" panose="02040503050406030204" pitchFamily="18" charset="0"/>
+                                      </a:rPr>
+                                      <m:t>−18</m:t>
+                                    </m:r>
+                                  </m:sup>
+                                </m:sSup>
+                                <m:r>
+                                  <a:rPr lang="de-DE" sz="1600" b="0" i="1" smtClean="0">
+                                    <a:solidFill>
+                                      <a:srgbClr val="92D050"/>
+                                    </a:solidFill>
+                                    <a:latin typeface="Cambria Math" panose="02040503050406030204" pitchFamily="18" charset="0"/>
+                                  </a:rPr>
+                                  <m:t>±5.97∗</m:t>
+                                </m:r>
+                                <m:sSup>
+                                  <m:sSupPr>
+                                    <m:ctrlPr>
+                                      <a:rPr lang="de-DE" sz="1600" b="0" i="1" smtClean="0">
+                                        <a:solidFill>
+                                          <a:srgbClr val="92D050"/>
+                                        </a:solidFill>
+                                        <a:latin typeface="Cambria Math" panose="02040503050406030204" pitchFamily="18" charset="0"/>
+                                      </a:rPr>
+                                    </m:ctrlPr>
+                                  </m:sSupPr>
+                                  <m:e>
+                                    <m:r>
+                                      <a:rPr lang="de-DE" sz="1600" b="0" i="1" smtClean="0">
+                                        <a:solidFill>
+                                          <a:srgbClr val="92D050"/>
+                                        </a:solidFill>
+                                        <a:latin typeface="Cambria Math" panose="02040503050406030204" pitchFamily="18" charset="0"/>
+                                      </a:rPr>
+                                      <m:t>10</m:t>
+                                    </m:r>
+                                  </m:e>
+                                  <m:sup>
+                                    <m:r>
+                                      <a:rPr lang="de-DE" sz="1600" b="0" i="1" smtClean="0">
+                                        <a:solidFill>
+                                          <a:srgbClr val="92D050"/>
+                                        </a:solidFill>
+                                        <a:latin typeface="Cambria Math" panose="02040503050406030204" pitchFamily="18" charset="0"/>
+                                      </a:rPr>
+                                      <m:t>−20</m:t>
+                                    </m:r>
+                                  </m:sup>
+                                </m:sSup>
+                              </m:oMath>
+                            </m:oMathPara>
+                          </a14:m>
+                          <a:endParaRPr lang="en-US" sz="1600" dirty="0">
+                            <a:solidFill>
+                              <a:srgbClr val="92D050"/>
+                            </a:solidFill>
+                          </a:endParaRPr>
+                        </a:p>
+                      </a:txBody>
+                      <a:tcPr/>
+                    </a:tc>
+                    <a:tc>
+                      <a:txBody>
+                        <a:bodyPr/>
+                        <a:lstStyle/>
+                        <a:p>
+                          <a:pPr/>
+                          <a14:m>
+                            <m:oMathPara xmlns:m="http://schemas.openxmlformats.org/officeDocument/2006/math">
+                              <m:oMathParaPr>
+                                <m:jc m:val="centerGroup"/>
+                              </m:oMathParaPr>
+                              <m:oMath xmlns:m="http://schemas.openxmlformats.org/officeDocument/2006/math">
+                                <m:r>
+                                  <a:rPr lang="de-DE" sz="1600" b="0" i="1" smtClean="0">
+                                    <a:solidFill>
+                                      <a:srgbClr val="92D050"/>
+                                    </a:solidFill>
+                                    <a:latin typeface="Cambria Math" panose="02040503050406030204" pitchFamily="18" charset="0"/>
+                                  </a:rPr>
+                                  <m:t>11.135∗</m:t>
+                                </m:r>
+                                <m:sSub>
+                                  <m:sSubPr>
+                                    <m:ctrlPr>
+                                      <a:rPr lang="de-DE" sz="1600" b="0" i="1" smtClean="0">
+                                        <a:solidFill>
+                                          <a:srgbClr val="92D050"/>
+                                        </a:solidFill>
+                                        <a:latin typeface="Cambria Math" panose="02040503050406030204" pitchFamily="18" charset="0"/>
+                                      </a:rPr>
+                                    </m:ctrlPr>
+                                  </m:sSubPr>
+                                  <m:e>
+                                    <m:r>
+                                      <a:rPr lang="de-DE" sz="1600" b="0" i="1" smtClean="0">
+                                        <a:solidFill>
+                                          <a:srgbClr val="92D050"/>
+                                        </a:solidFill>
+                                        <a:latin typeface="Cambria Math" panose="02040503050406030204" pitchFamily="18" charset="0"/>
+                                      </a:rPr>
+                                      <m:t>𝑒</m:t>
+                                    </m:r>
+                                  </m:e>
+                                  <m:sub>
+                                    <m:r>
+                                      <a:rPr lang="de-DE" sz="1600" b="0" i="1" smtClean="0">
+                                        <a:solidFill>
+                                          <a:srgbClr val="92D050"/>
+                                        </a:solidFill>
+                                        <a:latin typeface="Cambria Math" panose="02040503050406030204" pitchFamily="18" charset="0"/>
+                                      </a:rPr>
+                                      <m:t>0</m:t>
+                                    </m:r>
+                                  </m:sub>
+                                </m:sSub>
+                              </m:oMath>
+                            </m:oMathPara>
+                          </a14:m>
+                          <a:endParaRPr lang="en-US" sz="1600" dirty="0">
+                            <a:solidFill>
+                              <a:srgbClr val="92D050"/>
+                            </a:solidFill>
+                          </a:endParaRPr>
+                        </a:p>
+                      </a:txBody>
+                      <a:tcPr/>
+                    </a:tc>
+                    <a:extLst>
+                      <a:ext uri="{0D108BD9-81ED-4DB2-BD59-A6C34878D82A}">
+                        <a16:rowId xmlns:a16="http://schemas.microsoft.com/office/drawing/2014/main" val="3317375290"/>
+                      </a:ext>
+                    </a:extLst>
+                  </a:tr>
+                  <a:tr h="370840">
+                    <a:tc>
+                      <a:txBody>
+                        <a:bodyPr/>
+                        <a:lstStyle/>
+                        <a:p>
+                          <a:r>
+                            <a:rPr lang="de-DE" sz="1600" dirty="0"/>
+                            <a:t>3</a:t>
+                          </a:r>
+                          <a:endParaRPr lang="en-US" sz="1600" dirty="0"/>
+                        </a:p>
+                      </a:txBody>
+                      <a:tcPr/>
+                    </a:tc>
+                    <a:tc>
+                      <a:txBody>
+                        <a:bodyPr/>
+                        <a:lstStyle/>
+                        <a:p>
+                          <a:pPr algn="ctr"/>
+                          <a14:m>
+                            <m:oMathPara xmlns:m="http://schemas.openxmlformats.org/officeDocument/2006/math">
+                              <m:oMathParaPr>
+                                <m:jc m:val="centerGroup"/>
+                              </m:oMathParaPr>
+                              <m:oMath xmlns:m="http://schemas.openxmlformats.org/officeDocument/2006/math">
+                                <m:r>
+                                  <a:rPr lang="de-DE" sz="1600" b="0" i="1" smtClean="0">
+                                    <a:latin typeface="Cambria Math" panose="02040503050406030204" pitchFamily="18" charset="0"/>
+                                  </a:rPr>
+                                  <m:t>3.60∗</m:t>
+                                </m:r>
+                                <m:sSup>
+                                  <m:sSupPr>
+                                    <m:ctrlPr>
+                                      <a:rPr lang="de-DE" sz="1600" b="0" i="1" smtClean="0">
+                                        <a:latin typeface="Cambria Math" panose="02040503050406030204" pitchFamily="18" charset="0"/>
+                                      </a:rPr>
+                                    </m:ctrlPr>
+                                  </m:sSupPr>
+                                  <m:e>
+                                    <m:r>
+                                      <a:rPr lang="de-DE" sz="1600" b="0" i="1" smtClean="0">
+                                        <a:latin typeface="Cambria Math" panose="02040503050406030204" pitchFamily="18" charset="0"/>
+                                      </a:rPr>
+                                      <m:t>10</m:t>
+                                    </m:r>
+                                  </m:e>
+                                  <m:sup>
+                                    <m:r>
+                                      <a:rPr lang="de-DE" sz="1600" b="0" i="1" smtClean="0">
+                                        <a:latin typeface="Cambria Math" panose="02040503050406030204" pitchFamily="18" charset="0"/>
+                                      </a:rPr>
+                                      <m:t>−18</m:t>
+                                    </m:r>
+                                  </m:sup>
+                                </m:sSup>
+                                <m:r>
+                                  <a:rPr lang="de-DE" sz="1600" b="0" i="1" smtClean="0">
+                                    <a:latin typeface="Cambria Math" panose="02040503050406030204" pitchFamily="18" charset="0"/>
+                                  </a:rPr>
+                                  <m:t>±4.43∗</m:t>
+                                </m:r>
+                                <m:sSup>
+                                  <m:sSupPr>
+                                    <m:ctrlPr>
+                                      <a:rPr lang="de-DE" sz="1600" b="0" i="1" smtClean="0">
+                                        <a:latin typeface="Cambria Math" panose="02040503050406030204" pitchFamily="18" charset="0"/>
+                                      </a:rPr>
+                                    </m:ctrlPr>
+                                  </m:sSupPr>
+                                  <m:e>
+                                    <m:r>
+                                      <a:rPr lang="de-DE" sz="1600" b="0" i="1" smtClean="0">
+                                        <a:latin typeface="Cambria Math" panose="02040503050406030204" pitchFamily="18" charset="0"/>
+                                      </a:rPr>
+                                      <m:t>10</m:t>
+                                    </m:r>
+                                  </m:e>
+                                  <m:sup>
+                                    <m:r>
+                                      <a:rPr lang="de-DE" sz="1600" b="0" i="1" smtClean="0">
+                                        <a:latin typeface="Cambria Math" panose="02040503050406030204" pitchFamily="18" charset="0"/>
+                                      </a:rPr>
+                                      <m:t>−19</m:t>
+                                    </m:r>
+                                  </m:sup>
+                                </m:sSup>
+                              </m:oMath>
+                            </m:oMathPara>
+                          </a14:m>
+                          <a:endParaRPr lang="en-US" sz="1600" dirty="0"/>
+                        </a:p>
+                      </a:txBody>
+                      <a:tcPr/>
+                    </a:tc>
+                    <a:tc>
+                      <a:txBody>
+                        <a:bodyPr/>
+                        <a:lstStyle/>
+                        <a:p>
+                          <a:pPr/>
+                          <a14:m>
+                            <m:oMathPara xmlns:m="http://schemas.openxmlformats.org/officeDocument/2006/math">
+                              <m:oMathParaPr>
+                                <m:jc m:val="centerGroup"/>
+                              </m:oMathParaPr>
+                              <m:oMath xmlns:m="http://schemas.openxmlformats.org/officeDocument/2006/math">
+                                <m:r>
+                                  <a:rPr lang="de-DE" sz="1600" b="0" i="1" smtClean="0">
+                                    <a:latin typeface="Cambria Math" panose="02040503050406030204" pitchFamily="18" charset="0"/>
+                                  </a:rPr>
+                                  <m:t>22.468</m:t>
+                                </m:r>
+                                <m:sSub>
+                                  <m:sSubPr>
+                                    <m:ctrlPr>
+                                      <a:rPr lang="de-DE" sz="1600" b="0" i="1" smtClean="0">
+                                        <a:latin typeface="Cambria Math" panose="02040503050406030204" pitchFamily="18" charset="0"/>
+                                      </a:rPr>
+                                    </m:ctrlPr>
+                                  </m:sSubPr>
+                                  <m:e>
+                                    <m:r>
+                                      <a:rPr lang="de-DE" sz="1600" b="0" i="1" smtClean="0">
+                                        <a:latin typeface="Cambria Math" panose="02040503050406030204" pitchFamily="18" charset="0"/>
+                                      </a:rPr>
+                                      <m:t>∗</m:t>
+                                    </m:r>
+                                    <m:r>
+                                      <a:rPr lang="de-DE" sz="1600" b="0" i="1" smtClean="0">
+                                        <a:latin typeface="Cambria Math" panose="02040503050406030204" pitchFamily="18" charset="0"/>
+                                      </a:rPr>
+                                      <m:t>𝑒</m:t>
+                                    </m:r>
+                                  </m:e>
+                                  <m:sub>
+                                    <m:r>
+                                      <a:rPr lang="de-DE" sz="1600" b="0" i="1" smtClean="0">
+                                        <a:latin typeface="Cambria Math" panose="02040503050406030204" pitchFamily="18" charset="0"/>
+                                      </a:rPr>
+                                      <m:t>0</m:t>
+                                    </m:r>
+                                  </m:sub>
+                                </m:sSub>
+                              </m:oMath>
+                            </m:oMathPara>
+                          </a14:m>
+                          <a:endParaRPr lang="en-US" sz="1600" dirty="0"/>
+                        </a:p>
+                      </a:txBody>
+                      <a:tcPr/>
+                    </a:tc>
+                    <a:extLst>
+                      <a:ext uri="{0D108BD9-81ED-4DB2-BD59-A6C34878D82A}">
+                        <a16:rowId xmlns:a16="http://schemas.microsoft.com/office/drawing/2014/main" val="148892492"/>
+                      </a:ext>
+                    </a:extLst>
+                  </a:tr>
+                  <a:tr h="370840">
+                    <a:tc>
+                      <a:txBody>
+                        <a:bodyPr/>
+                        <a:lstStyle/>
+                        <a:p>
+                          <a:r>
+                            <a:rPr lang="de-DE" sz="1600" dirty="0"/>
+                            <a:t>4</a:t>
+                          </a:r>
+                          <a:endParaRPr lang="en-US" sz="1600" dirty="0"/>
+                        </a:p>
+                      </a:txBody>
+                      <a:tcPr/>
+                    </a:tc>
+                    <a:tc>
+                      <a:txBody>
+                        <a:bodyPr/>
+                        <a:lstStyle/>
+                        <a:p>
+                          <a:pPr algn="ctr"/>
+                          <a14:m>
+                            <m:oMathPara xmlns:m="http://schemas.openxmlformats.org/officeDocument/2006/math">
+                              <m:oMathParaPr>
+                                <m:jc m:val="centerGroup"/>
+                              </m:oMathParaPr>
+                              <m:oMath xmlns:m="http://schemas.openxmlformats.org/officeDocument/2006/math">
+                                <m:r>
+                                  <a:rPr lang="de-DE" sz="1600" b="0" i="1" smtClean="0">
+                                    <a:latin typeface="Cambria Math" panose="02040503050406030204" pitchFamily="18" charset="0"/>
+                                  </a:rPr>
+                                  <m:t>9.38∗</m:t>
+                                </m:r>
+                                <m:sSup>
+                                  <m:sSupPr>
+                                    <m:ctrlPr>
+                                      <a:rPr lang="de-DE" sz="1600" b="0" i="1" smtClean="0">
+                                        <a:latin typeface="Cambria Math" panose="02040503050406030204" pitchFamily="18" charset="0"/>
+                                      </a:rPr>
+                                    </m:ctrlPr>
+                                  </m:sSupPr>
+                                  <m:e>
+                                    <m:r>
+                                      <a:rPr lang="de-DE" sz="1600" b="0" i="1" smtClean="0">
+                                        <a:latin typeface="Cambria Math" panose="02040503050406030204" pitchFamily="18" charset="0"/>
+                                      </a:rPr>
+                                      <m:t>10</m:t>
+                                    </m:r>
+                                  </m:e>
+                                  <m:sup>
+                                    <m:r>
+                                      <a:rPr lang="de-DE" sz="1600" b="0" i="1" smtClean="0">
+                                        <a:latin typeface="Cambria Math" panose="02040503050406030204" pitchFamily="18" charset="0"/>
+                                      </a:rPr>
+                                      <m:t>−18</m:t>
+                                    </m:r>
+                                  </m:sup>
+                                </m:sSup>
+                                <m:r>
+                                  <a:rPr lang="de-DE" sz="1600" b="0" i="1" smtClean="0">
+                                    <a:latin typeface="Cambria Math" panose="02040503050406030204" pitchFamily="18" charset="0"/>
+                                  </a:rPr>
+                                  <m:t>±6.51∗</m:t>
+                                </m:r>
+                                <m:sSup>
+                                  <m:sSupPr>
+                                    <m:ctrlPr>
+                                      <a:rPr lang="de-DE" sz="1600" b="0" i="1" smtClean="0">
+                                        <a:latin typeface="Cambria Math" panose="02040503050406030204" pitchFamily="18" charset="0"/>
+                                      </a:rPr>
+                                    </m:ctrlPr>
+                                  </m:sSupPr>
+                                  <m:e>
+                                    <m:r>
+                                      <a:rPr lang="de-DE" sz="1600" b="0" i="1" smtClean="0">
+                                        <a:latin typeface="Cambria Math" panose="02040503050406030204" pitchFamily="18" charset="0"/>
+                                      </a:rPr>
+                                      <m:t>10</m:t>
+                                    </m:r>
+                                  </m:e>
+                                  <m:sup>
+                                    <m:r>
+                                      <a:rPr lang="de-DE" sz="1600" b="0" i="1" smtClean="0">
+                                        <a:latin typeface="Cambria Math" panose="02040503050406030204" pitchFamily="18" charset="0"/>
+                                      </a:rPr>
+                                      <m:t>−19</m:t>
+                                    </m:r>
+                                  </m:sup>
+                                </m:sSup>
+                              </m:oMath>
+                            </m:oMathPara>
+                          </a14:m>
+                          <a:endParaRPr lang="en-US" sz="1600" dirty="0"/>
+                        </a:p>
+                      </a:txBody>
+                      <a:tcPr/>
+                    </a:tc>
+                    <a:tc>
+                      <a:txBody>
+                        <a:bodyPr/>
+                        <a:lstStyle/>
+                        <a:p>
+                          <a:pPr/>
+                          <a14:m>
+                            <m:oMathPara xmlns:m="http://schemas.openxmlformats.org/officeDocument/2006/math">
+                              <m:oMathParaPr>
+                                <m:jc m:val="centerGroup"/>
+                              </m:oMathParaPr>
+                              <m:oMath xmlns:m="http://schemas.openxmlformats.org/officeDocument/2006/math">
+                                <m:r>
+                                  <a:rPr lang="de-DE" sz="1600" b="0" i="1" smtClean="0">
+                                    <a:latin typeface="Cambria Math" panose="02040503050406030204" pitchFamily="18" charset="0"/>
+                                  </a:rPr>
+                                  <m:t>58.534</m:t>
+                                </m:r>
+                                <m:sSub>
+                                  <m:sSubPr>
+                                    <m:ctrlPr>
+                                      <a:rPr lang="de-DE" sz="1600" b="0" i="1" smtClean="0">
+                                        <a:latin typeface="Cambria Math" panose="02040503050406030204" pitchFamily="18" charset="0"/>
+                                      </a:rPr>
+                                    </m:ctrlPr>
+                                  </m:sSubPr>
+                                  <m:e>
+                                    <m:r>
+                                      <a:rPr lang="de-DE" sz="1600" b="0" i="1" smtClean="0">
+                                        <a:latin typeface="Cambria Math" panose="02040503050406030204" pitchFamily="18" charset="0"/>
+                                      </a:rPr>
+                                      <m:t>∗</m:t>
+                                    </m:r>
+                                    <m:r>
+                                      <a:rPr lang="de-DE" sz="1600" b="0" i="1" smtClean="0">
+                                        <a:latin typeface="Cambria Math" panose="02040503050406030204" pitchFamily="18" charset="0"/>
+                                      </a:rPr>
+                                      <m:t>𝑒</m:t>
+                                    </m:r>
+                                  </m:e>
+                                  <m:sub>
+                                    <m:r>
+                                      <a:rPr lang="de-DE" sz="1600" b="0" i="1" smtClean="0">
+                                        <a:latin typeface="Cambria Math" panose="02040503050406030204" pitchFamily="18" charset="0"/>
+                                      </a:rPr>
+                                      <m:t>0</m:t>
+                                    </m:r>
+                                  </m:sub>
+                                </m:sSub>
+                              </m:oMath>
+                            </m:oMathPara>
+                          </a14:m>
+                          <a:endParaRPr lang="en-US" sz="1600" dirty="0"/>
+                        </a:p>
+                      </a:txBody>
+                      <a:tcPr/>
+                    </a:tc>
+                    <a:extLst>
+                      <a:ext uri="{0D108BD9-81ED-4DB2-BD59-A6C34878D82A}">
+                        <a16:rowId xmlns:a16="http://schemas.microsoft.com/office/drawing/2014/main" val="3254650739"/>
+                      </a:ext>
+                    </a:extLst>
+                  </a:tr>
+                  <a:tr h="370840">
+                    <a:tc>
+                      <a:txBody>
+                        <a:bodyPr/>
+                        <a:lstStyle/>
+                        <a:p>
+                          <a:r>
+                            <a:rPr lang="de-DE" sz="1600" dirty="0"/>
+                            <a:t>5</a:t>
+                          </a:r>
+                          <a:endParaRPr lang="en-US" sz="1600" dirty="0"/>
+                        </a:p>
+                      </a:txBody>
+                      <a:tcPr/>
+                    </a:tc>
+                    <a:tc>
+                      <a:txBody>
+                        <a:bodyPr/>
+                        <a:lstStyle/>
+                        <a:p>
+                          <a:pPr algn="ctr"/>
+                          <a14:m>
+                            <m:oMathPara xmlns:m="http://schemas.openxmlformats.org/officeDocument/2006/math">
+                              <m:oMathParaPr>
+                                <m:jc m:val="centerGroup"/>
+                              </m:oMathParaPr>
+                              <m:oMath xmlns:m="http://schemas.openxmlformats.org/officeDocument/2006/math">
+                                <m:r>
+                                  <a:rPr lang="de-DE" sz="1600" b="0" i="1" smtClean="0">
+                                    <a:latin typeface="Cambria Math" panose="02040503050406030204" pitchFamily="18" charset="0"/>
+                                  </a:rPr>
+                                  <m:t>5.40∗</m:t>
+                                </m:r>
+                                <m:sSup>
+                                  <m:sSupPr>
+                                    <m:ctrlPr>
+                                      <a:rPr lang="de-DE" sz="1600" b="0" i="1" smtClean="0">
+                                        <a:latin typeface="Cambria Math" panose="02040503050406030204" pitchFamily="18" charset="0"/>
+                                      </a:rPr>
+                                    </m:ctrlPr>
+                                  </m:sSupPr>
+                                  <m:e>
+                                    <m:r>
+                                      <a:rPr lang="de-DE" sz="1600" b="0" i="1" smtClean="0">
+                                        <a:latin typeface="Cambria Math" panose="02040503050406030204" pitchFamily="18" charset="0"/>
+                                      </a:rPr>
+                                      <m:t>10</m:t>
+                                    </m:r>
+                                  </m:e>
+                                  <m:sup>
+                                    <m:r>
+                                      <a:rPr lang="de-DE" sz="1600" b="0" i="1" smtClean="0">
+                                        <a:latin typeface="Cambria Math" panose="02040503050406030204" pitchFamily="18" charset="0"/>
+                                      </a:rPr>
+                                      <m:t>−18</m:t>
+                                    </m:r>
+                                  </m:sup>
+                                </m:sSup>
+                                <m:r>
+                                  <a:rPr lang="de-DE" sz="1600" b="0" i="1" smtClean="0">
+                                    <a:latin typeface="Cambria Math" panose="02040503050406030204" pitchFamily="18" charset="0"/>
+                                  </a:rPr>
+                                  <m:t>±6.85∗</m:t>
+                                </m:r>
+                                <m:sSup>
+                                  <m:sSupPr>
+                                    <m:ctrlPr>
+                                      <a:rPr lang="de-DE" sz="1600" b="0" i="1" smtClean="0">
+                                        <a:latin typeface="Cambria Math" panose="02040503050406030204" pitchFamily="18" charset="0"/>
+                                      </a:rPr>
+                                    </m:ctrlPr>
+                                  </m:sSupPr>
+                                  <m:e>
+                                    <m:r>
+                                      <a:rPr lang="de-DE" sz="1600" b="0" i="1" smtClean="0">
+                                        <a:latin typeface="Cambria Math" panose="02040503050406030204" pitchFamily="18" charset="0"/>
+                                      </a:rPr>
+                                      <m:t>10</m:t>
+                                    </m:r>
+                                  </m:e>
+                                  <m:sup>
+                                    <m:r>
+                                      <a:rPr lang="de-DE" sz="1600" b="0" i="1" smtClean="0">
+                                        <a:latin typeface="Cambria Math" panose="02040503050406030204" pitchFamily="18" charset="0"/>
+                                      </a:rPr>
+                                      <m:t>−19</m:t>
+                                    </m:r>
+                                  </m:sup>
+                                </m:sSup>
+                              </m:oMath>
+                            </m:oMathPara>
+                          </a14:m>
+                          <a:endParaRPr lang="en-US" sz="1600" dirty="0"/>
+                        </a:p>
+                      </a:txBody>
+                      <a:tcPr/>
+                    </a:tc>
+                    <a:tc>
+                      <a:txBody>
+                        <a:bodyPr/>
+                        <a:lstStyle/>
+                        <a:p>
+                          <a:pPr/>
+                          <a14:m>
+                            <m:oMathPara xmlns:m="http://schemas.openxmlformats.org/officeDocument/2006/math">
+                              <m:oMathParaPr>
+                                <m:jc m:val="centerGroup"/>
+                              </m:oMathParaPr>
+                              <m:oMath xmlns:m="http://schemas.openxmlformats.org/officeDocument/2006/math">
+                                <m:r>
+                                  <a:rPr lang="de-DE" sz="1600" b="0" i="1" smtClean="0">
+                                    <a:latin typeface="Cambria Math" panose="02040503050406030204" pitchFamily="18" charset="0"/>
+                                  </a:rPr>
+                                  <m:t>33.710</m:t>
+                                </m:r>
+                                <m:sSub>
+                                  <m:sSubPr>
+                                    <m:ctrlPr>
+                                      <a:rPr lang="de-DE" sz="1600" b="0" i="1" smtClean="0">
+                                        <a:latin typeface="Cambria Math" panose="02040503050406030204" pitchFamily="18" charset="0"/>
+                                      </a:rPr>
+                                    </m:ctrlPr>
+                                  </m:sSubPr>
+                                  <m:e>
+                                    <m:r>
+                                      <a:rPr lang="de-DE" sz="1600" b="0" i="1" smtClean="0">
+                                        <a:latin typeface="Cambria Math" panose="02040503050406030204" pitchFamily="18" charset="0"/>
+                                      </a:rPr>
+                                      <m:t>∗</m:t>
+                                    </m:r>
+                                    <m:r>
+                                      <a:rPr lang="de-DE" sz="1600" b="0" i="1" smtClean="0">
+                                        <a:latin typeface="Cambria Math" panose="02040503050406030204" pitchFamily="18" charset="0"/>
+                                      </a:rPr>
+                                      <m:t>𝑒</m:t>
+                                    </m:r>
+                                  </m:e>
+                                  <m:sub>
+                                    <m:r>
+                                      <a:rPr lang="de-DE" sz="1600" b="0" i="1" smtClean="0">
+                                        <a:latin typeface="Cambria Math" panose="02040503050406030204" pitchFamily="18" charset="0"/>
+                                      </a:rPr>
+                                      <m:t>0</m:t>
+                                    </m:r>
+                                  </m:sub>
+                                </m:sSub>
+                              </m:oMath>
+                            </m:oMathPara>
+                          </a14:m>
+                          <a:endParaRPr lang="en-US" sz="1600" dirty="0"/>
+                        </a:p>
+                      </a:txBody>
+                      <a:tcPr/>
+                    </a:tc>
+                    <a:extLst>
+                      <a:ext uri="{0D108BD9-81ED-4DB2-BD59-A6C34878D82A}">
+                        <a16:rowId xmlns:a16="http://schemas.microsoft.com/office/drawing/2014/main" val="100941168"/>
+                      </a:ext>
+                    </a:extLst>
+                  </a:tr>
+                  <a:tr h="370840">
+                    <a:tc>
+                      <a:txBody>
+                        <a:bodyPr/>
+                        <a:lstStyle/>
+                        <a:p>
+                          <a:r>
+                            <a:rPr lang="de-DE" sz="1600" dirty="0"/>
+                            <a:t>6</a:t>
+                          </a:r>
+                          <a:endParaRPr lang="en-US" sz="1600" dirty="0"/>
+                        </a:p>
+                      </a:txBody>
+                      <a:tcPr/>
+                    </a:tc>
+                    <a:tc>
+                      <a:txBody>
+                        <a:bodyPr/>
+                        <a:lstStyle/>
+                        <a:p>
+                          <a:pPr algn="ctr"/>
+                          <a14:m>
+                            <m:oMathPara xmlns:m="http://schemas.openxmlformats.org/officeDocument/2006/math">
+                              <m:oMathParaPr>
+                                <m:jc m:val="centerGroup"/>
+                              </m:oMathParaPr>
+                              <m:oMath xmlns:m="http://schemas.openxmlformats.org/officeDocument/2006/math">
+                                <m:r>
+                                  <a:rPr lang="de-DE" sz="1600" b="0" i="1" smtClean="0">
+                                    <a:latin typeface="Cambria Math" panose="02040503050406030204" pitchFamily="18" charset="0"/>
+                                  </a:rPr>
+                                  <m:t>2.99∗</m:t>
+                                </m:r>
+                                <m:sSup>
+                                  <m:sSupPr>
+                                    <m:ctrlPr>
+                                      <a:rPr lang="de-DE" sz="1600" b="0" i="1" smtClean="0">
+                                        <a:latin typeface="Cambria Math" panose="02040503050406030204" pitchFamily="18" charset="0"/>
+                                      </a:rPr>
+                                    </m:ctrlPr>
+                                  </m:sSupPr>
+                                  <m:e>
+                                    <m:r>
+                                      <a:rPr lang="de-DE" sz="1600" b="0" i="1" smtClean="0">
+                                        <a:latin typeface="Cambria Math" panose="02040503050406030204" pitchFamily="18" charset="0"/>
+                                      </a:rPr>
+                                      <m:t>10</m:t>
+                                    </m:r>
+                                  </m:e>
+                                  <m:sup>
+                                    <m:r>
+                                      <a:rPr lang="de-DE" sz="1600" b="0" i="1" smtClean="0">
+                                        <a:latin typeface="Cambria Math" panose="02040503050406030204" pitchFamily="18" charset="0"/>
+                                      </a:rPr>
+                                      <m:t>−18</m:t>
+                                    </m:r>
+                                  </m:sup>
+                                </m:sSup>
+                                <m:r>
+                                  <a:rPr lang="de-DE" sz="1600" b="0" i="1" smtClean="0">
+                                    <a:latin typeface="Cambria Math" panose="02040503050406030204" pitchFamily="18" charset="0"/>
+                                  </a:rPr>
+                                  <m:t>±7.40∗</m:t>
+                                </m:r>
+                                <m:sSup>
+                                  <m:sSupPr>
+                                    <m:ctrlPr>
+                                      <a:rPr lang="de-DE" sz="1600" b="0" i="1" smtClean="0">
+                                        <a:latin typeface="Cambria Math" panose="02040503050406030204" pitchFamily="18" charset="0"/>
+                                      </a:rPr>
+                                    </m:ctrlPr>
+                                  </m:sSupPr>
+                                  <m:e>
+                                    <m:r>
+                                      <a:rPr lang="de-DE" sz="1600" b="0" i="1" smtClean="0">
+                                        <a:latin typeface="Cambria Math" panose="02040503050406030204" pitchFamily="18" charset="0"/>
+                                      </a:rPr>
+                                      <m:t>10</m:t>
+                                    </m:r>
+                                  </m:e>
+                                  <m:sup>
+                                    <m:r>
+                                      <a:rPr lang="de-DE" sz="1600" b="0" i="1" smtClean="0">
+                                        <a:latin typeface="Cambria Math" panose="02040503050406030204" pitchFamily="18" charset="0"/>
+                                      </a:rPr>
+                                      <m:t>−19</m:t>
+                                    </m:r>
+                                  </m:sup>
+                                </m:sSup>
+                              </m:oMath>
+                            </m:oMathPara>
+                          </a14:m>
+                          <a:endParaRPr lang="en-US" sz="1600" dirty="0"/>
+                        </a:p>
+                      </a:txBody>
+                      <a:tcPr/>
+                    </a:tc>
+                    <a:tc>
+                      <a:txBody>
+                        <a:bodyPr/>
+                        <a:lstStyle/>
+                        <a:p>
+                          <a:pPr/>
+                          <a14:m>
+                            <m:oMathPara xmlns:m="http://schemas.openxmlformats.org/officeDocument/2006/math">
+                              <m:oMathParaPr>
+                                <m:jc m:val="centerGroup"/>
+                              </m:oMathParaPr>
+                              <m:oMath xmlns:m="http://schemas.openxmlformats.org/officeDocument/2006/math">
+                                <m:r>
+                                  <a:rPr lang="de-DE" sz="1600" b="0" i="1" smtClean="0">
+                                    <a:latin typeface="Cambria Math" panose="02040503050406030204" pitchFamily="18" charset="0"/>
+                                  </a:rPr>
+                                  <m:t>18.645∗</m:t>
+                                </m:r>
+                                <m:sSub>
+                                  <m:sSubPr>
+                                    <m:ctrlPr>
+                                      <a:rPr lang="de-DE" sz="1600" b="0" i="1" smtClean="0">
+                                        <a:latin typeface="Cambria Math" panose="02040503050406030204" pitchFamily="18" charset="0"/>
+                                      </a:rPr>
+                                    </m:ctrlPr>
+                                  </m:sSubPr>
+                                  <m:e>
+                                    <m:r>
+                                      <a:rPr lang="de-DE" sz="1600" b="0" i="1" smtClean="0">
+                                        <a:latin typeface="Cambria Math" panose="02040503050406030204" pitchFamily="18" charset="0"/>
+                                      </a:rPr>
+                                      <m:t>𝑒</m:t>
+                                    </m:r>
+                                  </m:e>
+                                  <m:sub>
+                                    <m:r>
+                                      <a:rPr lang="de-DE" sz="1600" b="0" i="1" smtClean="0">
+                                        <a:latin typeface="Cambria Math" panose="02040503050406030204" pitchFamily="18" charset="0"/>
+                                      </a:rPr>
+                                      <m:t>0</m:t>
+                                    </m:r>
+                                  </m:sub>
+                                </m:sSub>
+                              </m:oMath>
+                            </m:oMathPara>
+                          </a14:m>
+                          <a:endParaRPr lang="en-US" sz="1600" dirty="0"/>
+                        </a:p>
+                      </a:txBody>
+                      <a:tcPr/>
+                    </a:tc>
+                    <a:extLst>
+                      <a:ext uri="{0D108BD9-81ED-4DB2-BD59-A6C34878D82A}">
+                        <a16:rowId xmlns:a16="http://schemas.microsoft.com/office/drawing/2014/main" val="2113567753"/>
+                      </a:ext>
+                    </a:extLst>
+                  </a:tr>
+                  <a:tr h="370840">
+                    <a:tc>
+                      <a:txBody>
+                        <a:bodyPr/>
+                        <a:lstStyle/>
+                        <a:p>
+                          <a:r>
+                            <a:rPr lang="de-DE" sz="1600" dirty="0">
+                              <a:solidFill>
+                                <a:srgbClr val="FF0000"/>
+                              </a:solidFill>
+                            </a:rPr>
+                            <a:t>7</a:t>
+                          </a:r>
+                          <a:endParaRPr lang="en-US" sz="1600" dirty="0">
+                            <a:solidFill>
+                              <a:srgbClr val="FF0000"/>
+                            </a:solidFill>
+                          </a:endParaRPr>
+                        </a:p>
+                      </a:txBody>
+                      <a:tcPr/>
+                    </a:tc>
+                    <a:tc>
+                      <a:txBody>
+                        <a:bodyPr/>
+                        <a:lstStyle/>
+                        <a:p>
+                          <a:pPr algn="ctr"/>
+                          <a14:m>
+                            <m:oMathPara xmlns:m="http://schemas.openxmlformats.org/officeDocument/2006/math">
+                              <m:oMathParaPr>
+                                <m:jc m:val="centerGroup"/>
+                              </m:oMathParaPr>
+                              <m:oMath xmlns:m="http://schemas.openxmlformats.org/officeDocument/2006/math">
+                                <m:r>
+                                  <a:rPr lang="de-DE" sz="1600" b="0" i="1" smtClean="0">
+                                    <a:solidFill>
+                                      <a:srgbClr val="FF0000"/>
+                                    </a:solidFill>
+                                    <a:latin typeface="Cambria Math" panose="02040503050406030204" pitchFamily="18" charset="0"/>
+                                  </a:rPr>
+                                  <m:t>1.17∗</m:t>
+                                </m:r>
+                                <m:sSup>
+                                  <m:sSupPr>
+                                    <m:ctrlPr>
+                                      <a:rPr lang="de-DE" sz="1600" b="0" i="1" smtClean="0">
+                                        <a:solidFill>
+                                          <a:srgbClr val="FF0000"/>
+                                        </a:solidFill>
+                                        <a:latin typeface="Cambria Math" panose="02040503050406030204" pitchFamily="18" charset="0"/>
+                                      </a:rPr>
+                                    </m:ctrlPr>
+                                  </m:sSupPr>
+                                  <m:e>
+                                    <m:r>
+                                      <a:rPr lang="de-DE" sz="1600" b="0" i="1" smtClean="0">
+                                        <a:solidFill>
+                                          <a:srgbClr val="FF0000"/>
+                                        </a:solidFill>
+                                        <a:latin typeface="Cambria Math" panose="02040503050406030204" pitchFamily="18" charset="0"/>
+                                      </a:rPr>
+                                      <m:t>10</m:t>
+                                    </m:r>
+                                  </m:e>
+                                  <m:sup>
+                                    <m:r>
+                                      <a:rPr lang="de-DE" sz="1600" b="0" i="1" smtClean="0">
+                                        <a:solidFill>
+                                          <a:srgbClr val="FF0000"/>
+                                        </a:solidFill>
+                                        <a:latin typeface="Cambria Math" panose="02040503050406030204" pitchFamily="18" charset="0"/>
+                                      </a:rPr>
+                                      <m:t>−17</m:t>
+                                    </m:r>
+                                  </m:sup>
+                                </m:sSup>
+                                <m:r>
+                                  <a:rPr lang="de-DE" sz="1600" b="0" i="1" smtClean="0">
+                                    <a:solidFill>
+                                      <a:srgbClr val="FF0000"/>
+                                    </a:solidFill>
+                                    <a:latin typeface="Cambria Math" panose="02040503050406030204" pitchFamily="18" charset="0"/>
+                                  </a:rPr>
+                                  <m:t>±2.04∗</m:t>
+                                </m:r>
+                                <m:sSup>
+                                  <m:sSupPr>
+                                    <m:ctrlPr>
+                                      <a:rPr lang="de-DE" sz="1600" b="0" i="1" smtClean="0">
+                                        <a:solidFill>
+                                          <a:srgbClr val="FF0000"/>
+                                        </a:solidFill>
+                                        <a:latin typeface="Cambria Math" panose="02040503050406030204" pitchFamily="18" charset="0"/>
+                                      </a:rPr>
+                                    </m:ctrlPr>
+                                  </m:sSupPr>
+                                  <m:e>
+                                    <m:r>
+                                      <a:rPr lang="de-DE" sz="1600" b="0" i="1" smtClean="0">
+                                        <a:solidFill>
+                                          <a:srgbClr val="FF0000"/>
+                                        </a:solidFill>
+                                        <a:latin typeface="Cambria Math" panose="02040503050406030204" pitchFamily="18" charset="0"/>
+                                      </a:rPr>
+                                      <m:t>10</m:t>
+                                    </m:r>
+                                  </m:e>
+                                  <m:sup>
+                                    <m:r>
+                                      <a:rPr lang="de-DE" sz="1600" b="0" i="1" smtClean="0">
+                                        <a:solidFill>
+                                          <a:srgbClr val="FF0000"/>
+                                        </a:solidFill>
+                                        <a:latin typeface="Cambria Math" panose="02040503050406030204" pitchFamily="18" charset="0"/>
+                                      </a:rPr>
+                                      <m:t>−18</m:t>
+                                    </m:r>
+                                  </m:sup>
+                                </m:sSup>
+                              </m:oMath>
+                            </m:oMathPara>
+                          </a14:m>
+                          <a:endParaRPr lang="en-US" sz="1600" dirty="0">
+                            <a:solidFill>
+                              <a:srgbClr val="FF0000"/>
+                            </a:solidFill>
+                          </a:endParaRPr>
+                        </a:p>
+                      </a:txBody>
+                      <a:tcPr/>
+                    </a:tc>
+                    <a:tc>
+                      <a:txBody>
+                        <a:bodyPr/>
+                        <a:lstStyle/>
+                        <a:p>
+                          <a:pPr/>
+                          <a14:m>
+                            <m:oMathPara xmlns:m="http://schemas.openxmlformats.org/officeDocument/2006/math">
+                              <m:oMathParaPr>
+                                <m:jc m:val="centerGroup"/>
+                              </m:oMathParaPr>
+                              <m:oMath xmlns:m="http://schemas.openxmlformats.org/officeDocument/2006/math">
+                                <m:r>
+                                  <a:rPr lang="de-DE" sz="1600" b="0" i="1" smtClean="0">
+                                    <a:solidFill>
+                                      <a:srgbClr val="FF0000"/>
+                                    </a:solidFill>
+                                    <a:latin typeface="Cambria Math" panose="02040503050406030204" pitchFamily="18" charset="0"/>
+                                  </a:rPr>
+                                  <m:t>72.843</m:t>
+                                </m:r>
+                                <m:sSub>
+                                  <m:sSubPr>
+                                    <m:ctrlPr>
+                                      <a:rPr lang="de-DE" sz="1600" b="0" i="1" smtClean="0">
+                                        <a:solidFill>
+                                          <a:srgbClr val="FF0000"/>
+                                        </a:solidFill>
+                                        <a:latin typeface="Cambria Math" panose="02040503050406030204" pitchFamily="18" charset="0"/>
+                                      </a:rPr>
+                                    </m:ctrlPr>
+                                  </m:sSubPr>
+                                  <m:e>
+                                    <m:r>
+                                      <a:rPr lang="de-DE" sz="1600" b="0" i="1" smtClean="0">
+                                        <a:solidFill>
+                                          <a:srgbClr val="FF0000"/>
+                                        </a:solidFill>
+                                        <a:latin typeface="Cambria Math" panose="02040503050406030204" pitchFamily="18" charset="0"/>
+                                      </a:rPr>
+                                      <m:t>∗</m:t>
+                                    </m:r>
+                                    <m:r>
+                                      <a:rPr lang="de-DE" sz="1600" b="0" i="1" smtClean="0">
+                                        <a:solidFill>
+                                          <a:srgbClr val="FF0000"/>
+                                        </a:solidFill>
+                                        <a:latin typeface="Cambria Math" panose="02040503050406030204" pitchFamily="18" charset="0"/>
+                                      </a:rPr>
+                                      <m:t>𝑒</m:t>
+                                    </m:r>
+                                  </m:e>
+                                  <m:sub>
+                                    <m:r>
+                                      <a:rPr lang="de-DE" sz="1600" b="0" i="1" smtClean="0">
+                                        <a:solidFill>
+                                          <a:srgbClr val="FF0000"/>
+                                        </a:solidFill>
+                                        <a:latin typeface="Cambria Math" panose="02040503050406030204" pitchFamily="18" charset="0"/>
+                                      </a:rPr>
+                                      <m:t>0</m:t>
+                                    </m:r>
+                                  </m:sub>
+                                </m:sSub>
+                              </m:oMath>
+                            </m:oMathPara>
+                          </a14:m>
+                          <a:endParaRPr lang="en-US" sz="1600" dirty="0">
+                            <a:solidFill>
+                              <a:srgbClr val="FF0000"/>
+                            </a:solidFill>
+                          </a:endParaRPr>
+                        </a:p>
+                      </a:txBody>
+                      <a:tcPr/>
+                    </a:tc>
+                    <a:extLst>
+                      <a:ext uri="{0D108BD9-81ED-4DB2-BD59-A6C34878D82A}">
+                        <a16:rowId xmlns:a16="http://schemas.microsoft.com/office/drawing/2014/main" val="1768043621"/>
+                      </a:ext>
+                    </a:extLst>
+                  </a:tr>
+                </a:tbl>
+              </a:graphicData>
+            </a:graphic>
+          </p:graphicFrame>
+        </mc:Choice>
+        <mc:Fallback xmlns="">
+          <p:graphicFrame>
+            <p:nvGraphicFramePr>
+              <p:cNvPr id="7" name="Tabelle 7">
+                <a:extLst>
+                  <a:ext uri="{FF2B5EF4-FFF2-40B4-BE49-F238E27FC236}">
+                    <a16:creationId xmlns:a16="http://schemas.microsoft.com/office/drawing/2014/main" id="{914FD181-E8FD-4CF7-BBB2-581226DC53B4}"/>
+                  </a:ext>
+                </a:extLst>
+              </p:cNvPr>
+              <p:cNvGraphicFramePr>
+                <a:graphicFrameLocks noGrp="1"/>
+              </p:cNvGraphicFramePr>
+              <p:nvPr>
+                <p:extLst>
+                  <p:ext uri="{D42A27DB-BD31-4B8C-83A1-F6EECF244321}">
+                    <p14:modId xmlns:p14="http://schemas.microsoft.com/office/powerpoint/2010/main" val="2753346131"/>
+                  </p:ext>
+                </p:extLst>
+              </p:nvPr>
+            </p:nvGraphicFramePr>
+            <p:xfrm>
+              <a:off x="323528" y="1563638"/>
+              <a:ext cx="6696744" cy="3086799"/>
+            </p:xfrm>
+            <a:graphic>
+              <a:graphicData uri="http://schemas.openxmlformats.org/drawingml/2006/table">
+                <a:tbl>
+                  <a:tblPr firstRow="1" bandRow="1">
+                    <a:tableStyleId>{5C22544A-7EE6-4342-B048-85BDC9FD1C3A}</a:tableStyleId>
+                  </a:tblPr>
+                  <a:tblGrid>
+                    <a:gridCol w="459361">
+                      <a:extLst>
+                        <a:ext uri="{9D8B030D-6E8A-4147-A177-3AD203B41FA5}">
+                          <a16:colId xmlns:a16="http://schemas.microsoft.com/office/drawing/2014/main" val="2629441955"/>
+                        </a:ext>
+                      </a:extLst>
+                    </a:gridCol>
+                    <a:gridCol w="2927498">
+                      <a:extLst>
+                        <a:ext uri="{9D8B030D-6E8A-4147-A177-3AD203B41FA5}">
+                          <a16:colId xmlns:a16="http://schemas.microsoft.com/office/drawing/2014/main" val="1966363654"/>
+                        </a:ext>
+                      </a:extLst>
+                    </a:gridCol>
+                    <a:gridCol w="3309885">
+                      <a:extLst>
+                        <a:ext uri="{9D8B030D-6E8A-4147-A177-3AD203B41FA5}">
+                          <a16:colId xmlns:a16="http://schemas.microsoft.com/office/drawing/2014/main" val="160024124"/>
+                        </a:ext>
+                      </a:extLst>
+                    </a:gridCol>
+                  </a:tblGrid>
+                  <a:tr h="490919">
+                    <a:tc>
+                      <a:txBody>
+                        <a:bodyPr/>
+                        <a:lstStyle/>
+                        <a:p>
+                          <a:pPr algn="ctr"/>
+                          <a:r>
+                            <a:rPr lang="de-DE" sz="1800" dirty="0"/>
+                            <a:t>#</a:t>
+                          </a:r>
+                          <a:endParaRPr lang="en-US" sz="1800" dirty="0"/>
+                        </a:p>
+                      </a:txBody>
+                      <a:tcPr/>
+                    </a:tc>
+                    <a:tc>
+                      <a:txBody>
+                        <a:bodyPr/>
+                        <a:lstStyle/>
+                        <a:p>
+                          <a:endParaRPr lang="en-US"/>
+                        </a:p>
+                      </a:txBody>
+                      <a:tcPr>
+                        <a:blipFill>
+                          <a:blip r:embed="rId2"/>
+                          <a:stretch>
+                            <a:fillRect l="-15800" t="-6173" r="-113721" b="-534568"/>
+                          </a:stretch>
+                        </a:blipFill>
+                      </a:tcPr>
+                    </a:tc>
+                    <a:tc>
+                      <a:txBody>
+                        <a:bodyPr/>
+                        <a:lstStyle/>
+                        <a:p>
+                          <a:endParaRPr lang="en-US"/>
+                        </a:p>
+                      </a:txBody>
+                      <a:tcPr>
+                        <a:blipFill>
+                          <a:blip r:embed="rId2"/>
+                          <a:stretch>
+                            <a:fillRect l="-102578" t="-6173" r="-737" b="-534568"/>
+                          </a:stretch>
+                        </a:blipFill>
+                      </a:tcPr>
+                    </a:tc>
+                    <a:extLst>
+                      <a:ext uri="{0D108BD9-81ED-4DB2-BD59-A6C34878D82A}">
+                        <a16:rowId xmlns:a16="http://schemas.microsoft.com/office/drawing/2014/main" val="2249404876"/>
+                      </a:ext>
+                    </a:extLst>
+                  </a:tr>
+                  <a:tr h="370840">
+                    <a:tc>
+                      <a:txBody>
+                        <a:bodyPr/>
+                        <a:lstStyle/>
+                        <a:p>
+                          <a:r>
+                            <a:rPr lang="de-DE" sz="1600" dirty="0"/>
+                            <a:t>1</a:t>
+                          </a:r>
+                          <a:endParaRPr lang="en-US" sz="1600" dirty="0"/>
+                        </a:p>
+                      </a:txBody>
+                      <a:tcPr/>
+                    </a:tc>
+                    <a:tc>
+                      <a:txBody>
+                        <a:bodyPr/>
+                        <a:lstStyle/>
+                        <a:p>
+                          <a:endParaRPr lang="en-US"/>
+                        </a:p>
+                      </a:txBody>
+                      <a:tcPr>
+                        <a:blipFill>
+                          <a:blip r:embed="rId2"/>
+                          <a:stretch>
+                            <a:fillRect l="-15800" t="-140984" r="-113721" b="-609836"/>
+                          </a:stretch>
+                        </a:blipFill>
+                      </a:tcPr>
+                    </a:tc>
+                    <a:tc>
+                      <a:txBody>
+                        <a:bodyPr/>
+                        <a:lstStyle/>
+                        <a:p>
+                          <a:endParaRPr lang="en-US"/>
+                        </a:p>
+                      </a:txBody>
+                      <a:tcPr>
+                        <a:blipFill>
+                          <a:blip r:embed="rId2"/>
+                          <a:stretch>
+                            <a:fillRect l="-102578" t="-140984" r="-737" b="-609836"/>
+                          </a:stretch>
+                        </a:blipFill>
+                      </a:tcPr>
+                    </a:tc>
+                    <a:extLst>
+                      <a:ext uri="{0D108BD9-81ED-4DB2-BD59-A6C34878D82A}">
+                        <a16:rowId xmlns:a16="http://schemas.microsoft.com/office/drawing/2014/main" val="947159108"/>
+                      </a:ext>
+                    </a:extLst>
+                  </a:tr>
+                  <a:tr h="370840">
+                    <a:tc>
+                      <a:txBody>
+                        <a:bodyPr/>
+                        <a:lstStyle/>
+                        <a:p>
+                          <a:r>
+                            <a:rPr lang="de-DE" sz="1600" dirty="0">
+                              <a:solidFill>
+                                <a:srgbClr val="92D050"/>
+                              </a:solidFill>
+                            </a:rPr>
+                            <a:t>2</a:t>
+                          </a:r>
+                          <a:endParaRPr lang="en-US" sz="1600" dirty="0">
+                            <a:solidFill>
+                              <a:srgbClr val="92D050"/>
+                            </a:solidFill>
+                          </a:endParaRPr>
+                        </a:p>
+                      </a:txBody>
+                      <a:tcPr/>
+                    </a:tc>
+                    <a:tc>
+                      <a:txBody>
+                        <a:bodyPr/>
+                        <a:lstStyle/>
+                        <a:p>
+                          <a:endParaRPr lang="en-US"/>
+                        </a:p>
+                      </a:txBody>
+                      <a:tcPr>
+                        <a:blipFill>
+                          <a:blip r:embed="rId2"/>
+                          <a:stretch>
+                            <a:fillRect l="-15800" t="-245000" r="-113721" b="-520000"/>
+                          </a:stretch>
+                        </a:blipFill>
+                      </a:tcPr>
+                    </a:tc>
+                    <a:tc>
+                      <a:txBody>
+                        <a:bodyPr/>
+                        <a:lstStyle/>
+                        <a:p>
+                          <a:endParaRPr lang="en-US"/>
+                        </a:p>
+                      </a:txBody>
+                      <a:tcPr>
+                        <a:blipFill>
+                          <a:blip r:embed="rId2"/>
+                          <a:stretch>
+                            <a:fillRect l="-102578" t="-245000" r="-737" b="-520000"/>
+                          </a:stretch>
+                        </a:blipFill>
+                      </a:tcPr>
+                    </a:tc>
+                    <a:extLst>
+                      <a:ext uri="{0D108BD9-81ED-4DB2-BD59-A6C34878D82A}">
+                        <a16:rowId xmlns:a16="http://schemas.microsoft.com/office/drawing/2014/main" val="3317375290"/>
+                      </a:ext>
+                    </a:extLst>
+                  </a:tr>
+                  <a:tr h="370840">
+                    <a:tc>
+                      <a:txBody>
+                        <a:bodyPr/>
+                        <a:lstStyle/>
+                        <a:p>
+                          <a:r>
+                            <a:rPr lang="de-DE" sz="1600" dirty="0"/>
+                            <a:t>3</a:t>
+                          </a:r>
+                          <a:endParaRPr lang="en-US" sz="1600" dirty="0"/>
+                        </a:p>
+                      </a:txBody>
+                      <a:tcPr/>
+                    </a:tc>
+                    <a:tc>
+                      <a:txBody>
+                        <a:bodyPr/>
+                        <a:lstStyle/>
+                        <a:p>
+                          <a:endParaRPr lang="en-US"/>
+                        </a:p>
+                      </a:txBody>
+                      <a:tcPr>
+                        <a:blipFill>
+                          <a:blip r:embed="rId2"/>
+                          <a:stretch>
+                            <a:fillRect l="-15800" t="-339344" r="-113721" b="-411475"/>
+                          </a:stretch>
+                        </a:blipFill>
+                      </a:tcPr>
+                    </a:tc>
+                    <a:tc>
+                      <a:txBody>
+                        <a:bodyPr/>
+                        <a:lstStyle/>
+                        <a:p>
+                          <a:endParaRPr lang="en-US"/>
+                        </a:p>
+                      </a:txBody>
+                      <a:tcPr>
+                        <a:blipFill>
+                          <a:blip r:embed="rId2"/>
+                          <a:stretch>
+                            <a:fillRect l="-102578" t="-339344" r="-737" b="-411475"/>
+                          </a:stretch>
+                        </a:blipFill>
+                      </a:tcPr>
+                    </a:tc>
+                    <a:extLst>
+                      <a:ext uri="{0D108BD9-81ED-4DB2-BD59-A6C34878D82A}">
+                        <a16:rowId xmlns:a16="http://schemas.microsoft.com/office/drawing/2014/main" val="148892492"/>
+                      </a:ext>
+                    </a:extLst>
+                  </a:tr>
+                  <a:tr h="370840">
+                    <a:tc>
+                      <a:txBody>
+                        <a:bodyPr/>
+                        <a:lstStyle/>
+                        <a:p>
+                          <a:r>
+                            <a:rPr lang="de-DE" sz="1600" dirty="0"/>
+                            <a:t>4</a:t>
+                          </a:r>
+                          <a:endParaRPr lang="en-US" sz="1600" dirty="0"/>
+                        </a:p>
+                      </a:txBody>
+                      <a:tcPr/>
+                    </a:tc>
+                    <a:tc>
+                      <a:txBody>
+                        <a:bodyPr/>
+                        <a:lstStyle/>
+                        <a:p>
+                          <a:endParaRPr lang="en-US"/>
+                        </a:p>
+                      </a:txBody>
+                      <a:tcPr>
+                        <a:blipFill>
+                          <a:blip r:embed="rId2"/>
+                          <a:stretch>
+                            <a:fillRect l="-15800" t="-439344" r="-113721" b="-311475"/>
+                          </a:stretch>
+                        </a:blipFill>
+                      </a:tcPr>
+                    </a:tc>
+                    <a:tc>
+                      <a:txBody>
+                        <a:bodyPr/>
+                        <a:lstStyle/>
+                        <a:p>
+                          <a:endParaRPr lang="en-US"/>
+                        </a:p>
+                      </a:txBody>
+                      <a:tcPr>
+                        <a:blipFill>
+                          <a:blip r:embed="rId2"/>
+                          <a:stretch>
+                            <a:fillRect l="-102578" t="-439344" r="-737" b="-311475"/>
+                          </a:stretch>
+                        </a:blipFill>
+                      </a:tcPr>
+                    </a:tc>
+                    <a:extLst>
+                      <a:ext uri="{0D108BD9-81ED-4DB2-BD59-A6C34878D82A}">
+                        <a16:rowId xmlns:a16="http://schemas.microsoft.com/office/drawing/2014/main" val="3254650739"/>
+                      </a:ext>
+                    </a:extLst>
+                  </a:tr>
+                  <a:tr h="370840">
+                    <a:tc>
+                      <a:txBody>
+                        <a:bodyPr/>
+                        <a:lstStyle/>
+                        <a:p>
+                          <a:r>
+                            <a:rPr lang="de-DE" sz="1600" dirty="0"/>
+                            <a:t>5</a:t>
+                          </a:r>
+                          <a:endParaRPr lang="en-US" sz="1600" dirty="0"/>
+                        </a:p>
+                      </a:txBody>
+                      <a:tcPr/>
+                    </a:tc>
+                    <a:tc>
+                      <a:txBody>
+                        <a:bodyPr/>
+                        <a:lstStyle/>
+                        <a:p>
+                          <a:endParaRPr lang="en-US"/>
+                        </a:p>
+                      </a:txBody>
+                      <a:tcPr>
+                        <a:blipFill>
+                          <a:blip r:embed="rId2"/>
+                          <a:stretch>
+                            <a:fillRect l="-15800" t="-539344" r="-113721" b="-211475"/>
+                          </a:stretch>
+                        </a:blipFill>
+                      </a:tcPr>
+                    </a:tc>
+                    <a:tc>
+                      <a:txBody>
+                        <a:bodyPr/>
+                        <a:lstStyle/>
+                        <a:p>
+                          <a:endParaRPr lang="en-US"/>
+                        </a:p>
+                      </a:txBody>
+                      <a:tcPr>
+                        <a:blipFill>
+                          <a:blip r:embed="rId2"/>
+                          <a:stretch>
+                            <a:fillRect l="-102578" t="-539344" r="-737" b="-211475"/>
+                          </a:stretch>
+                        </a:blipFill>
+                      </a:tcPr>
+                    </a:tc>
+                    <a:extLst>
+                      <a:ext uri="{0D108BD9-81ED-4DB2-BD59-A6C34878D82A}">
+                        <a16:rowId xmlns:a16="http://schemas.microsoft.com/office/drawing/2014/main" val="100941168"/>
+                      </a:ext>
+                    </a:extLst>
+                  </a:tr>
+                  <a:tr h="370840">
+                    <a:tc>
+                      <a:txBody>
+                        <a:bodyPr/>
+                        <a:lstStyle/>
+                        <a:p>
+                          <a:r>
+                            <a:rPr lang="de-DE" sz="1600" dirty="0"/>
+                            <a:t>6</a:t>
+                          </a:r>
+                          <a:endParaRPr lang="en-US" sz="1600" dirty="0"/>
+                        </a:p>
+                      </a:txBody>
+                      <a:tcPr/>
+                    </a:tc>
+                    <a:tc>
+                      <a:txBody>
+                        <a:bodyPr/>
+                        <a:lstStyle/>
+                        <a:p>
+                          <a:endParaRPr lang="en-US"/>
+                        </a:p>
+                      </a:txBody>
+                      <a:tcPr>
+                        <a:blipFill>
+                          <a:blip r:embed="rId2"/>
+                          <a:stretch>
+                            <a:fillRect l="-15800" t="-639344" r="-113721" b="-111475"/>
+                          </a:stretch>
+                        </a:blipFill>
+                      </a:tcPr>
+                    </a:tc>
+                    <a:tc>
+                      <a:txBody>
+                        <a:bodyPr/>
+                        <a:lstStyle/>
+                        <a:p>
+                          <a:endParaRPr lang="en-US"/>
+                        </a:p>
+                      </a:txBody>
+                      <a:tcPr>
+                        <a:blipFill>
+                          <a:blip r:embed="rId2"/>
+                          <a:stretch>
+                            <a:fillRect l="-102578" t="-639344" r="-737" b="-111475"/>
+                          </a:stretch>
+                        </a:blipFill>
+                      </a:tcPr>
+                    </a:tc>
+                    <a:extLst>
+                      <a:ext uri="{0D108BD9-81ED-4DB2-BD59-A6C34878D82A}">
+                        <a16:rowId xmlns:a16="http://schemas.microsoft.com/office/drawing/2014/main" val="2113567753"/>
+                      </a:ext>
+                    </a:extLst>
+                  </a:tr>
+                  <a:tr h="370840">
+                    <a:tc>
+                      <a:txBody>
+                        <a:bodyPr/>
+                        <a:lstStyle/>
+                        <a:p>
+                          <a:r>
+                            <a:rPr lang="de-DE" sz="1600" dirty="0">
+                              <a:solidFill>
+                                <a:srgbClr val="FF0000"/>
+                              </a:solidFill>
+                            </a:rPr>
+                            <a:t>7</a:t>
+                          </a:r>
+                          <a:endParaRPr lang="en-US" sz="1600" dirty="0">
+                            <a:solidFill>
+                              <a:srgbClr val="FF0000"/>
+                            </a:solidFill>
+                          </a:endParaRPr>
+                        </a:p>
+                      </a:txBody>
+                      <a:tcPr/>
+                    </a:tc>
+                    <a:tc>
+                      <a:txBody>
+                        <a:bodyPr/>
+                        <a:lstStyle/>
+                        <a:p>
+                          <a:endParaRPr lang="en-US"/>
+                        </a:p>
+                      </a:txBody>
+                      <a:tcPr>
+                        <a:blipFill>
+                          <a:blip r:embed="rId2"/>
+                          <a:stretch>
+                            <a:fillRect l="-15800" t="-739344" r="-113721" b="-11475"/>
+                          </a:stretch>
+                        </a:blipFill>
+                      </a:tcPr>
+                    </a:tc>
+                    <a:tc>
+                      <a:txBody>
+                        <a:bodyPr/>
+                        <a:lstStyle/>
+                        <a:p>
+                          <a:endParaRPr lang="en-US"/>
+                        </a:p>
+                      </a:txBody>
+                      <a:tcPr>
+                        <a:blipFill>
+                          <a:blip r:embed="rId2"/>
+                          <a:stretch>
+                            <a:fillRect l="-102578" t="-739344" r="-737" b="-11475"/>
+                          </a:stretch>
+                        </a:blipFill>
+                      </a:tcPr>
+                    </a:tc>
+                    <a:extLst>
+                      <a:ext uri="{0D108BD9-81ED-4DB2-BD59-A6C34878D82A}">
+                        <a16:rowId xmlns:a16="http://schemas.microsoft.com/office/drawing/2014/main" val="1768043621"/>
+                      </a:ext>
+                    </a:extLst>
+                  </a:tr>
+                </a:tbl>
+              </a:graphicData>
+            </a:graphic>
+          </p:graphicFrame>
+        </mc:Fallback>
+      </mc:AlternateContent>
+      <p:sp>
+        <p:nvSpPr>
+          <p:cNvPr id="5" name="Rechteck 4">
+            <a:extLst>
+              <a:ext uri="{FF2B5EF4-FFF2-40B4-BE49-F238E27FC236}">
+                <a16:creationId xmlns:a16="http://schemas.microsoft.com/office/drawing/2014/main" id="{D968042C-9BB5-4058-977E-417652CE3EEB}"/>
+              </a:ext>
+            </a:extLst>
+          </p:cNvPr>
+          <p:cNvSpPr/>
+          <p:nvPr/>
+        </p:nvSpPr>
+        <p:spPr>
+          <a:xfrm>
+            <a:off x="7193426" y="905867"/>
+            <a:ext cx="1656184" cy="216024"/>
+          </a:xfrm>
+          <a:prstGeom prst="rect">
+            <a:avLst/>
+          </a:prstGeom>
+          <a:solidFill>
+            <a:srgbClr val="92D050"/>
+          </a:solidFill>
+          <a:ln>
+            <a:solidFill>
+              <a:srgbClr val="92D050"/>
+            </a:solidFill>
+          </a:ln>
+        </p:spPr>
+        <p:style>
+          <a:lnRef idx="2">
+            <a:schemeClr val="accent1">
+              <a:shade val="50000"/>
+            </a:schemeClr>
+          </a:lnRef>
+          <a:fillRef idx="1">
+            <a:schemeClr val="accent1"/>
+          </a:fillRef>
+          <a:effectRef idx="0">
+            <a:schemeClr val="accent1"/>
+          </a:effectRef>
+          <a:fontRef idx="minor">
+            <a:schemeClr val="lt1"/>
+          </a:fontRef>
+        </p:style>
+        <p:txBody>
+          <a:bodyPr rtlCol="0" anchor="ctr"/>
+          <a:lstStyle/>
+          <a:p>
+            <a:pPr algn="ctr"/>
+            <a:r>
+              <a:rPr lang="de-DE" dirty="0"/>
+              <a:t>Kleinste Ladung</a:t>
+            </a:r>
+            <a:endParaRPr lang="en-US" dirty="0"/>
+          </a:p>
+        </p:txBody>
+      </p:sp>
+      <p:sp>
+        <p:nvSpPr>
+          <p:cNvPr id="6" name="Rechteck 5">
+            <a:extLst>
+              <a:ext uri="{FF2B5EF4-FFF2-40B4-BE49-F238E27FC236}">
+                <a16:creationId xmlns:a16="http://schemas.microsoft.com/office/drawing/2014/main" id="{AB3DDC75-CE9D-428D-B40B-D00577176392}"/>
+              </a:ext>
+            </a:extLst>
+          </p:cNvPr>
+          <p:cNvSpPr/>
+          <p:nvPr/>
+        </p:nvSpPr>
+        <p:spPr>
+          <a:xfrm>
+            <a:off x="7193426" y="1245834"/>
+            <a:ext cx="1656184" cy="216024"/>
+          </a:xfrm>
+          <a:prstGeom prst="rect">
+            <a:avLst/>
+          </a:prstGeom>
+          <a:solidFill>
+            <a:srgbClr val="FF0000"/>
+          </a:solidFill>
+          <a:ln>
+            <a:solidFill>
+              <a:srgbClr val="FF0000"/>
+            </a:solidFill>
+          </a:ln>
+        </p:spPr>
+        <p:style>
+          <a:lnRef idx="2">
+            <a:schemeClr val="accent1">
+              <a:shade val="50000"/>
+            </a:schemeClr>
+          </a:lnRef>
+          <a:fillRef idx="1">
+            <a:schemeClr val="accent1"/>
+          </a:fillRef>
+          <a:effectRef idx="0">
+            <a:schemeClr val="accent1"/>
+          </a:effectRef>
+          <a:fontRef idx="minor">
+            <a:schemeClr val="lt1"/>
+          </a:fontRef>
+        </p:style>
+        <p:txBody>
+          <a:bodyPr rtlCol="0" anchor="ctr"/>
+          <a:lstStyle/>
+          <a:p>
+            <a:pPr algn="ctr"/>
+            <a:r>
+              <a:rPr lang="de-DE" dirty="0"/>
+              <a:t>Größte Ladung</a:t>
+            </a:r>
+            <a:endParaRPr lang="en-US" dirty="0"/>
+          </a:p>
+        </p:txBody>
+      </p:sp>
+    </p:spTree>
+    <p:extLst>
+      <p:ext uri="{BB962C8B-B14F-4D97-AF65-F5344CB8AC3E}">
+        <p14:creationId xmlns:p14="http://schemas.microsoft.com/office/powerpoint/2010/main" val="1770452065"/>
       </p:ext>
     </p:extLst>
   </p:cSld>
